--- a/논문 Review/Others/paper_review.pptx
+++ b/논문 Review/Others/paper_review.pptx
@@ -4,11 +4,15 @@
   <p:sldMasterIdLst>
     <p:sldMasterId id="2147483648" r:id="rId1"/>
   </p:sldMasterIdLst>
+  <p:notesMasterIdLst>
+    <p:notesMasterId r:id="rId7"/>
+  </p:notesMasterIdLst>
   <p:sldIdLst>
     <p:sldId id="256" r:id="rId2"/>
     <p:sldId id="257" r:id="rId3"/>
     <p:sldId id="258" r:id="rId4"/>
-    <p:sldId id="260" r:id="rId5"/>
+    <p:sldId id="261" r:id="rId5"/>
+    <p:sldId id="260" r:id="rId6"/>
   </p:sldIdLst>
   <p:sldSz cx="12188825" cy="6858000"/>
   <p:notesSz cx="6858000" cy="9144000"/>
@@ -154,6 +158,2188 @@
     </p:ext>
   </p:extLst>
 </p:presentation>
+</file>
+
+<file path=ppt/notesMasters/notesMaster1.xml><?xml version="1.0" encoding="utf-8"?>
+<p:notesMaster xmlns:a="http://schemas.openxmlformats.org/drawingml/2006/main" xmlns:r="http://schemas.openxmlformats.org/officeDocument/2006/relationships" xmlns:p="http://schemas.openxmlformats.org/presentationml/2006/main">
+  <p:cSld>
+    <p:bg>
+      <p:bgRef idx="1001">
+        <a:schemeClr val="bg1"/>
+      </p:bgRef>
+    </p:bg>
+    <p:spTree>
+      <p:nvGrpSpPr>
+        <p:cNvPr id="1" name=""/>
+        <p:cNvGrpSpPr/>
+        <p:nvPr/>
+      </p:nvGrpSpPr>
+      <p:grpSpPr>
+        <a:xfrm>
+          <a:off x="0" y="0"/>
+          <a:ext cx="0" cy="0"/>
+          <a:chOff x="0" y="0"/>
+          <a:chExt cx="0" cy="0"/>
+        </a:xfrm>
+      </p:grpSpPr>
+      <p:sp>
+        <p:nvSpPr>
+          <p:cNvPr id="2" name="머리글 개체 틀 1"/>
+          <p:cNvSpPr>
+            <a:spLocks noGrp="1"/>
+          </p:cNvSpPr>
+          <p:nvPr>
+            <p:ph type="hdr" sz="quarter"/>
+          </p:nvPr>
+        </p:nvSpPr>
+        <p:spPr>
+          <a:xfrm>
+            <a:off x="0" y="0"/>
+            <a:ext cx="2971800" cy="458788"/>
+          </a:xfrm>
+          <a:prstGeom prst="rect">
+            <a:avLst/>
+          </a:prstGeom>
+        </p:spPr>
+        <p:txBody>
+          <a:bodyPr vert="horz" lIns="91440" tIns="45720" rIns="91440" bIns="45720" rtlCol="0"/>
+          <a:lstStyle>
+            <a:lvl1pPr algn="l">
+              <a:defRPr sz="1200"/>
+            </a:lvl1pPr>
+          </a:lstStyle>
+          <a:p>
+            <a:endParaRPr lang="ko-KR" altLang="en-US"/>
+          </a:p>
+        </p:txBody>
+      </p:sp>
+      <p:sp>
+        <p:nvSpPr>
+          <p:cNvPr id="3" name="날짜 개체 틀 2"/>
+          <p:cNvSpPr>
+            <a:spLocks noGrp="1"/>
+          </p:cNvSpPr>
+          <p:nvPr>
+            <p:ph type="dt" idx="1"/>
+          </p:nvPr>
+        </p:nvSpPr>
+        <p:spPr>
+          <a:xfrm>
+            <a:off x="3884613" y="0"/>
+            <a:ext cx="2971800" cy="458788"/>
+          </a:xfrm>
+          <a:prstGeom prst="rect">
+            <a:avLst/>
+          </a:prstGeom>
+        </p:spPr>
+        <p:txBody>
+          <a:bodyPr vert="horz" lIns="91440" tIns="45720" rIns="91440" bIns="45720" rtlCol="0"/>
+          <a:lstStyle>
+            <a:lvl1pPr algn="r">
+              <a:defRPr sz="1200"/>
+            </a:lvl1pPr>
+          </a:lstStyle>
+          <a:p>
+            <a:fld id="{33411047-42F0-4CC2-B8A2-923F087E7E46}" type="datetimeFigureOut">
+              <a:rPr lang="ko-KR" altLang="en-US" smtClean="0"/>
+              <a:t>2025-06-12</a:t>
+            </a:fld>
+            <a:endParaRPr lang="ko-KR" altLang="en-US"/>
+          </a:p>
+        </p:txBody>
+      </p:sp>
+      <p:sp>
+        <p:nvSpPr>
+          <p:cNvPr id="4" name="슬라이드 이미지 개체 틀 3"/>
+          <p:cNvSpPr>
+            <a:spLocks noGrp="1" noRot="1" noChangeAspect="1"/>
+          </p:cNvSpPr>
+          <p:nvPr>
+            <p:ph type="sldImg" idx="2"/>
+          </p:nvPr>
+        </p:nvSpPr>
+        <p:spPr>
+          <a:xfrm>
+            <a:off x="685800" y="1143000"/>
+            <a:ext cx="5486400" cy="3086100"/>
+          </a:xfrm>
+          <a:prstGeom prst="rect">
+            <a:avLst/>
+          </a:prstGeom>
+          <a:noFill/>
+          <a:ln w="12700">
+            <a:solidFill>
+              <a:prstClr val="black"/>
+            </a:solidFill>
+          </a:ln>
+        </p:spPr>
+        <p:txBody>
+          <a:bodyPr vert="horz" lIns="91440" tIns="45720" rIns="91440" bIns="45720" rtlCol="0" anchor="ctr"/>
+          <a:lstStyle/>
+          <a:p>
+            <a:endParaRPr lang="ko-KR" altLang="en-US"/>
+          </a:p>
+        </p:txBody>
+      </p:sp>
+      <p:sp>
+        <p:nvSpPr>
+          <p:cNvPr id="5" name="슬라이드 노트 개체 틀 4"/>
+          <p:cNvSpPr>
+            <a:spLocks noGrp="1"/>
+          </p:cNvSpPr>
+          <p:nvPr>
+            <p:ph type="body" sz="quarter" idx="3"/>
+          </p:nvPr>
+        </p:nvSpPr>
+        <p:spPr>
+          <a:xfrm>
+            <a:off x="685800" y="4400550"/>
+            <a:ext cx="5486400" cy="3600450"/>
+          </a:xfrm>
+          <a:prstGeom prst="rect">
+            <a:avLst/>
+          </a:prstGeom>
+        </p:spPr>
+        <p:txBody>
+          <a:bodyPr vert="horz" lIns="91440" tIns="45720" rIns="91440" bIns="45720" rtlCol="0"/>
+          <a:lstStyle/>
+          <a:p>
+            <a:pPr lvl="0"/>
+            <a:r>
+              <a:rPr lang="ko-KR" altLang="en-US"/>
+              <a:t>마스터 텍스트 스타일을 편집하려면 클릭</a:t>
+            </a:r>
+          </a:p>
+          <a:p>
+            <a:pPr lvl="1"/>
+            <a:r>
+              <a:rPr lang="ko-KR" altLang="en-US"/>
+              <a:t>두 번째 수준</a:t>
+            </a:r>
+          </a:p>
+          <a:p>
+            <a:pPr lvl="2"/>
+            <a:r>
+              <a:rPr lang="ko-KR" altLang="en-US"/>
+              <a:t>세 번째 수준</a:t>
+            </a:r>
+          </a:p>
+          <a:p>
+            <a:pPr lvl="3"/>
+            <a:r>
+              <a:rPr lang="ko-KR" altLang="en-US"/>
+              <a:t>네 번째 수준</a:t>
+            </a:r>
+          </a:p>
+          <a:p>
+            <a:pPr lvl="4"/>
+            <a:r>
+              <a:rPr lang="ko-KR" altLang="en-US"/>
+              <a:t>다섯 번째 수준</a:t>
+            </a:r>
+          </a:p>
+        </p:txBody>
+      </p:sp>
+      <p:sp>
+        <p:nvSpPr>
+          <p:cNvPr id="6" name="바닥글 개체 틀 5"/>
+          <p:cNvSpPr>
+            <a:spLocks noGrp="1"/>
+          </p:cNvSpPr>
+          <p:nvPr>
+            <p:ph type="ftr" sz="quarter" idx="4"/>
+          </p:nvPr>
+        </p:nvSpPr>
+        <p:spPr>
+          <a:xfrm>
+            <a:off x="0" y="8685213"/>
+            <a:ext cx="2971800" cy="458787"/>
+          </a:xfrm>
+          <a:prstGeom prst="rect">
+            <a:avLst/>
+          </a:prstGeom>
+        </p:spPr>
+        <p:txBody>
+          <a:bodyPr vert="horz" lIns="91440" tIns="45720" rIns="91440" bIns="45720" rtlCol="0" anchor="b"/>
+          <a:lstStyle>
+            <a:lvl1pPr algn="l">
+              <a:defRPr sz="1200"/>
+            </a:lvl1pPr>
+          </a:lstStyle>
+          <a:p>
+            <a:endParaRPr lang="ko-KR" altLang="en-US"/>
+          </a:p>
+        </p:txBody>
+      </p:sp>
+      <p:sp>
+        <p:nvSpPr>
+          <p:cNvPr id="7" name="슬라이드 번호 개체 틀 6"/>
+          <p:cNvSpPr>
+            <a:spLocks noGrp="1"/>
+          </p:cNvSpPr>
+          <p:nvPr>
+            <p:ph type="sldNum" sz="quarter" idx="5"/>
+          </p:nvPr>
+        </p:nvSpPr>
+        <p:spPr>
+          <a:xfrm>
+            <a:off x="3884613" y="8685213"/>
+            <a:ext cx="2971800" cy="458787"/>
+          </a:xfrm>
+          <a:prstGeom prst="rect">
+            <a:avLst/>
+          </a:prstGeom>
+        </p:spPr>
+        <p:txBody>
+          <a:bodyPr vert="horz" lIns="91440" tIns="45720" rIns="91440" bIns="45720" rtlCol="0" anchor="b"/>
+          <a:lstStyle>
+            <a:lvl1pPr algn="r">
+              <a:defRPr sz="1200"/>
+            </a:lvl1pPr>
+          </a:lstStyle>
+          <a:p>
+            <a:fld id="{98A03DBC-1058-43FC-A566-55580D6B3B1A}" type="slidenum">
+              <a:rPr lang="ko-KR" altLang="en-US" smtClean="0"/>
+              <a:t>‹#›</a:t>
+            </a:fld>
+            <a:endParaRPr lang="ko-KR" altLang="en-US"/>
+          </a:p>
+        </p:txBody>
+      </p:sp>
+    </p:spTree>
+    <p:extLst>
+      <p:ext uri="{BB962C8B-B14F-4D97-AF65-F5344CB8AC3E}">
+        <p14:creationId xmlns:p14="http://schemas.microsoft.com/office/powerpoint/2010/main" val="85131391"/>
+      </p:ext>
+    </p:extLst>
+  </p:cSld>
+  <p:clrMap bg1="lt1" tx1="dk1" bg2="lt2" tx2="dk2" accent1="accent1" accent2="accent2" accent3="accent3" accent4="accent4" accent5="accent5" accent6="accent6" hlink="hlink" folHlink="folHlink"/>
+  <p:notesStyle>
+    <a:lvl1pPr marL="0" algn="l" defTabSz="914400" rtl="0" eaLnBrk="1" latinLnBrk="1" hangingPunct="1">
+      <a:defRPr sz="1200" kern="1200">
+        <a:solidFill>
+          <a:schemeClr val="tx1"/>
+        </a:solidFill>
+        <a:latin typeface="+mn-lt"/>
+        <a:ea typeface="+mn-ea"/>
+        <a:cs typeface="+mn-cs"/>
+      </a:defRPr>
+    </a:lvl1pPr>
+    <a:lvl2pPr marL="457200" algn="l" defTabSz="914400" rtl="0" eaLnBrk="1" latinLnBrk="1" hangingPunct="1">
+      <a:defRPr sz="1200" kern="1200">
+        <a:solidFill>
+          <a:schemeClr val="tx1"/>
+        </a:solidFill>
+        <a:latin typeface="+mn-lt"/>
+        <a:ea typeface="+mn-ea"/>
+        <a:cs typeface="+mn-cs"/>
+      </a:defRPr>
+    </a:lvl2pPr>
+    <a:lvl3pPr marL="914400" algn="l" defTabSz="914400" rtl="0" eaLnBrk="1" latinLnBrk="1" hangingPunct="1">
+      <a:defRPr sz="1200" kern="1200">
+        <a:solidFill>
+          <a:schemeClr val="tx1"/>
+        </a:solidFill>
+        <a:latin typeface="+mn-lt"/>
+        <a:ea typeface="+mn-ea"/>
+        <a:cs typeface="+mn-cs"/>
+      </a:defRPr>
+    </a:lvl3pPr>
+    <a:lvl4pPr marL="1371600" algn="l" defTabSz="914400" rtl="0" eaLnBrk="1" latinLnBrk="1" hangingPunct="1">
+      <a:defRPr sz="1200" kern="1200">
+        <a:solidFill>
+          <a:schemeClr val="tx1"/>
+        </a:solidFill>
+        <a:latin typeface="+mn-lt"/>
+        <a:ea typeface="+mn-ea"/>
+        <a:cs typeface="+mn-cs"/>
+      </a:defRPr>
+    </a:lvl4pPr>
+    <a:lvl5pPr marL="1828800" algn="l" defTabSz="914400" rtl="0" eaLnBrk="1" latinLnBrk="1" hangingPunct="1">
+      <a:defRPr sz="1200" kern="1200">
+        <a:solidFill>
+          <a:schemeClr val="tx1"/>
+        </a:solidFill>
+        <a:latin typeface="+mn-lt"/>
+        <a:ea typeface="+mn-ea"/>
+        <a:cs typeface="+mn-cs"/>
+      </a:defRPr>
+    </a:lvl5pPr>
+    <a:lvl6pPr marL="2286000" algn="l" defTabSz="914400" rtl="0" eaLnBrk="1" latinLnBrk="1" hangingPunct="1">
+      <a:defRPr sz="1200" kern="1200">
+        <a:solidFill>
+          <a:schemeClr val="tx1"/>
+        </a:solidFill>
+        <a:latin typeface="+mn-lt"/>
+        <a:ea typeface="+mn-ea"/>
+        <a:cs typeface="+mn-cs"/>
+      </a:defRPr>
+    </a:lvl6pPr>
+    <a:lvl7pPr marL="2743200" algn="l" defTabSz="914400" rtl="0" eaLnBrk="1" latinLnBrk="1" hangingPunct="1">
+      <a:defRPr sz="1200" kern="1200">
+        <a:solidFill>
+          <a:schemeClr val="tx1"/>
+        </a:solidFill>
+        <a:latin typeface="+mn-lt"/>
+        <a:ea typeface="+mn-ea"/>
+        <a:cs typeface="+mn-cs"/>
+      </a:defRPr>
+    </a:lvl7pPr>
+    <a:lvl8pPr marL="3200400" algn="l" defTabSz="914400" rtl="0" eaLnBrk="1" latinLnBrk="1" hangingPunct="1">
+      <a:defRPr sz="1200" kern="1200">
+        <a:solidFill>
+          <a:schemeClr val="tx1"/>
+        </a:solidFill>
+        <a:latin typeface="+mn-lt"/>
+        <a:ea typeface="+mn-ea"/>
+        <a:cs typeface="+mn-cs"/>
+      </a:defRPr>
+    </a:lvl8pPr>
+    <a:lvl9pPr marL="3657600" algn="l" defTabSz="914400" rtl="0" eaLnBrk="1" latinLnBrk="1" hangingPunct="1">
+      <a:defRPr sz="1200" kern="1200">
+        <a:solidFill>
+          <a:schemeClr val="tx1"/>
+        </a:solidFill>
+        <a:latin typeface="+mn-lt"/>
+        <a:ea typeface="+mn-ea"/>
+        <a:cs typeface="+mn-cs"/>
+      </a:defRPr>
+    </a:lvl9pPr>
+  </p:notesStyle>
+</p:notesMaster>
+</file>
+
+<file path=ppt/notesSlides/notesSlide1.xml><?xml version="1.0" encoding="utf-8"?>
+<p:notes xmlns:a="http://schemas.openxmlformats.org/drawingml/2006/main" xmlns:r="http://schemas.openxmlformats.org/officeDocument/2006/relationships" xmlns:p="http://schemas.openxmlformats.org/presentationml/2006/main">
+  <p:cSld>
+    <p:spTree>
+      <p:nvGrpSpPr>
+        <p:cNvPr id="1" name=""/>
+        <p:cNvGrpSpPr/>
+        <p:nvPr/>
+      </p:nvGrpSpPr>
+      <p:grpSpPr>
+        <a:xfrm>
+          <a:off x="0" y="0"/>
+          <a:ext cx="0" cy="0"/>
+          <a:chOff x="0" y="0"/>
+          <a:chExt cx="0" cy="0"/>
+        </a:xfrm>
+      </p:grpSpPr>
+      <p:sp>
+        <p:nvSpPr>
+          <p:cNvPr id="2" name="슬라이드 이미지 개체 틀 1"/>
+          <p:cNvSpPr>
+            <a:spLocks noGrp="1" noRot="1" noChangeAspect="1"/>
+          </p:cNvSpPr>
+          <p:nvPr>
+            <p:ph type="sldImg"/>
+          </p:nvPr>
+        </p:nvSpPr>
+        <p:spPr/>
+      </p:sp>
+      <p:sp>
+        <p:nvSpPr>
+          <p:cNvPr id="3" name="슬라이드 노트 개체 틀 2"/>
+          <p:cNvSpPr>
+            <a:spLocks noGrp="1"/>
+          </p:cNvSpPr>
+          <p:nvPr>
+            <p:ph type="body" idx="1"/>
+          </p:nvPr>
+        </p:nvSpPr>
+        <p:spPr/>
+        <p:txBody>
+          <a:bodyPr/>
+          <a:lstStyle/>
+          <a:p>
+            <a:r>
+              <a:rPr lang="en-US" altLang="ko-KR" sz="1200" b="0" kern="1200" dirty="0">
+                <a:solidFill>
+                  <a:schemeClr val="tx1"/>
+                </a:solidFill>
+                <a:effectLst/>
+                <a:latin typeface="+mn-lt"/>
+                <a:ea typeface="+mn-ea"/>
+                <a:cs typeface="+mn-cs"/>
+              </a:rPr>
+              <a:t>-</a:t>
+            </a:r>
+            <a:r>
+              <a:rPr lang="ko-KR" altLang="en-US" sz="1200" b="0" kern="1200" dirty="0">
+                <a:solidFill>
+                  <a:schemeClr val="tx1"/>
+                </a:solidFill>
+                <a:effectLst/>
+                <a:latin typeface="+mn-lt"/>
+                <a:ea typeface="+mn-ea"/>
+                <a:cs typeface="+mn-cs"/>
+              </a:rPr>
+              <a:t> </a:t>
+            </a:r>
+            <a:r>
+              <a:rPr lang="en-US" altLang="ko-KR" sz="1200" b="0" kern="1200" dirty="0">
+                <a:solidFill>
+                  <a:schemeClr val="tx1"/>
+                </a:solidFill>
+                <a:effectLst/>
+                <a:latin typeface="+mn-lt"/>
+                <a:ea typeface="+mn-ea"/>
+                <a:cs typeface="+mn-cs"/>
+              </a:rPr>
+              <a:t>multivariate time-series features</a:t>
+            </a:r>
+          </a:p>
+          <a:p>
+            <a:r>
+              <a:rPr lang="en-US" altLang="ko-KR" sz="1200" b="0" kern="1200" dirty="0">
+                <a:solidFill>
+                  <a:schemeClr val="tx1"/>
+                </a:solidFill>
+                <a:effectLst/>
+                <a:latin typeface="+mn-lt"/>
+                <a:ea typeface="+mn-ea"/>
+                <a:cs typeface="+mn-cs"/>
+              </a:rPr>
+              <a:t>    -</a:t>
+            </a:r>
+            <a:r>
+              <a:rPr lang="ko-KR" altLang="en-US" sz="1200" b="0" kern="1200" dirty="0">
+                <a:solidFill>
+                  <a:schemeClr val="tx1"/>
+                </a:solidFill>
+                <a:effectLst/>
+                <a:latin typeface="+mn-lt"/>
+                <a:ea typeface="+mn-ea"/>
+                <a:cs typeface="+mn-cs"/>
+              </a:rPr>
+              <a:t> </a:t>
+            </a:r>
+            <a:r>
+              <a:rPr lang="en-US" altLang="ko-KR" sz="1200" b="0" kern="1200" dirty="0">
+                <a:solidFill>
+                  <a:schemeClr val="tx1"/>
+                </a:solidFill>
+                <a:effectLst/>
+                <a:latin typeface="+mn-lt"/>
+                <a:ea typeface="+mn-ea"/>
+                <a:cs typeface="+mn-cs"/>
+              </a:rPr>
+              <a:t>opening price, closing price, and volume</a:t>
+            </a:r>
+          </a:p>
+          <a:p>
+            <a:r>
+              <a:rPr lang="en-US" altLang="ko-KR" sz="1200" b="0" kern="1200" dirty="0">
+                <a:solidFill>
+                  <a:schemeClr val="tx1"/>
+                </a:solidFill>
+                <a:effectLst/>
+                <a:latin typeface="+mn-lt"/>
+                <a:ea typeface="+mn-ea"/>
+                <a:cs typeface="+mn-cs"/>
+              </a:rPr>
+              <a:t>  -</a:t>
+            </a:r>
+            <a:r>
+              <a:rPr lang="ko-KR" altLang="en-US" sz="1200" b="0" kern="1200" dirty="0">
+                <a:solidFill>
+                  <a:schemeClr val="tx1"/>
+                </a:solidFill>
+                <a:effectLst/>
+                <a:latin typeface="+mn-lt"/>
+                <a:ea typeface="+mn-ea"/>
+                <a:cs typeface="+mn-cs"/>
+              </a:rPr>
+              <a:t> </a:t>
+            </a:r>
+            <a:r>
+              <a:rPr lang="en-US" altLang="ko-KR" sz="1200" b="0" kern="1200" dirty="0">
+                <a:solidFill>
+                  <a:schemeClr val="tx1"/>
+                </a:solidFill>
+                <a:effectLst/>
+                <a:latin typeface="+mn-lt"/>
+                <a:ea typeface="+mn-ea"/>
+                <a:cs typeface="+mn-cs"/>
+              </a:rPr>
+              <a:t>discrete tabular features</a:t>
+            </a:r>
+          </a:p>
+          <a:p>
+            <a:r>
+              <a:rPr lang="en-US" altLang="ko-KR" sz="1200" b="0" kern="1200" dirty="0">
+                <a:solidFill>
+                  <a:schemeClr val="tx1"/>
+                </a:solidFill>
+                <a:effectLst/>
+                <a:latin typeface="+mn-lt"/>
+                <a:ea typeface="+mn-ea"/>
+                <a:cs typeface="+mn-cs"/>
+              </a:rPr>
+              <a:t>    -</a:t>
+            </a:r>
+            <a:r>
+              <a:rPr lang="ko-KR" altLang="en-US" sz="1200" b="0" kern="1200" dirty="0">
+                <a:solidFill>
+                  <a:schemeClr val="tx1"/>
+                </a:solidFill>
+                <a:effectLst/>
+                <a:latin typeface="+mn-lt"/>
+                <a:ea typeface="+mn-ea"/>
+                <a:cs typeface="+mn-cs"/>
+              </a:rPr>
+              <a:t> </a:t>
+            </a:r>
+            <a:r>
+              <a:rPr lang="en-US" altLang="ko-KR" sz="1200" b="0" kern="1200" dirty="0">
+                <a:solidFill>
+                  <a:schemeClr val="tx1"/>
+                </a:solidFill>
+                <a:effectLst/>
+                <a:latin typeface="+mn-lt"/>
+                <a:ea typeface="+mn-ea"/>
+                <a:cs typeface="+mn-cs"/>
+              </a:rPr>
+              <a:t>technical indicators calculated based on historical trading signals</a:t>
+            </a:r>
+          </a:p>
+          <a:p>
+            <a:r>
+              <a:rPr lang="en-US" altLang="ko-KR" sz="1200" b="0" kern="1200" dirty="0">
+                <a:solidFill>
+                  <a:schemeClr val="tx1"/>
+                </a:solidFill>
+                <a:effectLst/>
+                <a:latin typeface="+mn-lt"/>
+                <a:ea typeface="+mn-ea"/>
+                <a:cs typeface="+mn-cs"/>
+              </a:rPr>
+              <a:t>      -</a:t>
+            </a:r>
+            <a:r>
+              <a:rPr lang="ko-KR" altLang="en-US" sz="1200" b="0" kern="1200" dirty="0">
+                <a:solidFill>
+                  <a:schemeClr val="tx1"/>
+                </a:solidFill>
+                <a:effectLst/>
+                <a:latin typeface="+mn-lt"/>
+                <a:ea typeface="+mn-ea"/>
+                <a:cs typeface="+mn-cs"/>
+              </a:rPr>
+              <a:t> 가격</a:t>
+            </a:r>
+            <a:r>
+              <a:rPr lang="en-US" altLang="ko-KR" sz="1200" b="0" kern="1200" dirty="0">
+                <a:solidFill>
+                  <a:schemeClr val="tx1"/>
+                </a:solidFill>
+                <a:effectLst/>
+                <a:latin typeface="+mn-lt"/>
+                <a:ea typeface="+mn-ea"/>
+                <a:cs typeface="+mn-cs"/>
+              </a:rPr>
+              <a:t>·</a:t>
+            </a:r>
+            <a:r>
+              <a:rPr lang="ko-KR" altLang="en-US" sz="1200" b="0" kern="1200" dirty="0">
+                <a:solidFill>
+                  <a:schemeClr val="tx1"/>
+                </a:solidFill>
+                <a:effectLst/>
+                <a:latin typeface="+mn-lt"/>
+                <a:ea typeface="+mn-ea"/>
+                <a:cs typeface="+mn-cs"/>
+              </a:rPr>
+              <a:t>거래량 등 시계열 데이터를 기반으로 일정한 계산식</a:t>
+            </a:r>
+            <a:r>
+              <a:rPr lang="en-US" altLang="ko-KR" sz="1200" b="0" kern="1200" dirty="0">
+                <a:solidFill>
+                  <a:schemeClr val="tx1"/>
+                </a:solidFill>
+                <a:effectLst/>
+                <a:latin typeface="+mn-lt"/>
+                <a:ea typeface="+mn-ea"/>
+                <a:cs typeface="+mn-cs"/>
+              </a:rPr>
+              <a:t>(</a:t>
+            </a:r>
+            <a:r>
+              <a:rPr lang="ko-KR" altLang="en-US" sz="1200" b="0" kern="1200" dirty="0">
+                <a:solidFill>
+                  <a:schemeClr val="tx1"/>
+                </a:solidFill>
+                <a:effectLst/>
+                <a:latin typeface="+mn-lt"/>
+                <a:ea typeface="+mn-ea"/>
+                <a:cs typeface="+mn-cs"/>
+              </a:rPr>
+              <a:t>공식</a:t>
+            </a:r>
+            <a:r>
+              <a:rPr lang="en-US" altLang="ko-KR" sz="1200" b="0" kern="1200" dirty="0">
+                <a:solidFill>
+                  <a:schemeClr val="tx1"/>
+                </a:solidFill>
+                <a:effectLst/>
+                <a:latin typeface="+mn-lt"/>
+                <a:ea typeface="+mn-ea"/>
+                <a:cs typeface="+mn-cs"/>
+              </a:rPr>
+              <a:t>)</a:t>
+            </a:r>
+            <a:r>
+              <a:rPr lang="ko-KR" altLang="en-US" sz="1200" b="0" kern="1200" dirty="0">
+                <a:solidFill>
+                  <a:schemeClr val="tx1"/>
+                </a:solidFill>
+                <a:effectLst/>
+                <a:latin typeface="+mn-lt"/>
+                <a:ea typeface="+mn-ea"/>
+                <a:cs typeface="+mn-cs"/>
+              </a:rPr>
+              <a:t>을 적용하여 도출된 숫자형 요약 지표들</a:t>
+            </a:r>
+          </a:p>
+          <a:p>
+            <a:r>
+              <a:rPr lang="ko-KR" altLang="en-US" sz="1200" b="0" kern="1200" dirty="0">
+                <a:solidFill>
+                  <a:schemeClr val="tx1"/>
+                </a:solidFill>
+                <a:effectLst/>
+                <a:latin typeface="+mn-lt"/>
+                <a:ea typeface="+mn-ea"/>
+                <a:cs typeface="+mn-cs"/>
+              </a:rPr>
+              <a:t>      </a:t>
+            </a:r>
+            <a:r>
+              <a:rPr lang="en-US" altLang="ko-KR" sz="1200" b="0" kern="1200" dirty="0">
+                <a:solidFill>
+                  <a:schemeClr val="tx1"/>
+                </a:solidFill>
+                <a:effectLst/>
+                <a:latin typeface="+mn-lt"/>
+                <a:ea typeface="+mn-ea"/>
+                <a:cs typeface="+mn-cs"/>
+              </a:rPr>
+              <a:t>-</a:t>
+            </a:r>
+            <a:r>
+              <a:rPr lang="ko-KR" altLang="en-US" sz="1200" b="0" kern="1200" dirty="0">
+                <a:solidFill>
+                  <a:schemeClr val="tx1"/>
+                </a:solidFill>
+                <a:effectLst/>
+                <a:latin typeface="+mn-lt"/>
+                <a:ea typeface="+mn-ea"/>
+                <a:cs typeface="+mn-cs"/>
+              </a:rPr>
+              <a:t> </a:t>
+            </a:r>
+            <a:r>
+              <a:rPr lang="en-US" altLang="ko-KR" sz="1200" b="0" kern="1200" dirty="0">
+                <a:solidFill>
+                  <a:schemeClr val="tx1"/>
+                </a:solidFill>
+                <a:effectLst/>
+                <a:latin typeface="+mn-lt"/>
+                <a:ea typeface="+mn-ea"/>
+                <a:cs typeface="+mn-cs"/>
+              </a:rPr>
+              <a:t>MA (</a:t>
+            </a:r>
+            <a:r>
+              <a:rPr lang="ko-KR" altLang="en-US" sz="1200" b="0" kern="1200" dirty="0">
+                <a:solidFill>
+                  <a:schemeClr val="tx1"/>
+                </a:solidFill>
+                <a:effectLst/>
+                <a:latin typeface="+mn-lt"/>
+                <a:ea typeface="+mn-ea"/>
+                <a:cs typeface="+mn-cs"/>
+              </a:rPr>
+              <a:t>이동평균선</a:t>
+            </a:r>
+            <a:r>
+              <a:rPr lang="en-US" altLang="ko-KR" sz="1200" b="0" kern="1200" dirty="0">
+                <a:solidFill>
+                  <a:schemeClr val="tx1"/>
+                </a:solidFill>
+                <a:effectLst/>
+                <a:latin typeface="+mn-lt"/>
+                <a:ea typeface="+mn-ea"/>
+                <a:cs typeface="+mn-cs"/>
+              </a:rPr>
+              <a:t>): </a:t>
+            </a:r>
+            <a:r>
+              <a:rPr lang="ko-KR" altLang="en-US" sz="1200" b="0" kern="1200" dirty="0">
+                <a:solidFill>
+                  <a:schemeClr val="tx1"/>
+                </a:solidFill>
+                <a:effectLst/>
+                <a:latin typeface="+mn-lt"/>
+                <a:ea typeface="+mn-ea"/>
+                <a:cs typeface="+mn-cs"/>
+              </a:rPr>
+              <a:t>일정 기간 동안의 평균 가격</a:t>
+            </a:r>
+            <a:r>
+              <a:rPr lang="en-US" altLang="ko-KR" sz="1200" b="0" kern="1200" dirty="0">
+                <a:solidFill>
+                  <a:schemeClr val="tx1"/>
+                </a:solidFill>
+                <a:effectLst/>
+                <a:latin typeface="+mn-lt"/>
+                <a:ea typeface="+mn-ea"/>
+                <a:cs typeface="+mn-cs"/>
+              </a:rPr>
+              <a:t>. </a:t>
+            </a:r>
+            <a:r>
+              <a:rPr lang="ko-KR" altLang="en-US" sz="1200" b="0" kern="1200" dirty="0">
+                <a:solidFill>
+                  <a:schemeClr val="tx1"/>
+                </a:solidFill>
+                <a:effectLst/>
+                <a:latin typeface="+mn-lt"/>
+                <a:ea typeface="+mn-ea"/>
+                <a:cs typeface="+mn-cs"/>
+              </a:rPr>
+              <a:t>상승</a:t>
+            </a:r>
+            <a:r>
+              <a:rPr lang="en-US" altLang="ko-KR" sz="1200" b="0" kern="1200" dirty="0">
+                <a:solidFill>
+                  <a:schemeClr val="tx1"/>
+                </a:solidFill>
+                <a:effectLst/>
+                <a:latin typeface="+mn-lt"/>
+                <a:ea typeface="+mn-ea"/>
+                <a:cs typeface="+mn-cs"/>
+              </a:rPr>
+              <a:t>/</a:t>
+            </a:r>
+            <a:r>
+              <a:rPr lang="ko-KR" altLang="en-US" sz="1200" b="0" kern="1200" dirty="0">
+                <a:solidFill>
+                  <a:schemeClr val="tx1"/>
+                </a:solidFill>
+                <a:effectLst/>
+                <a:latin typeface="+mn-lt"/>
+                <a:ea typeface="+mn-ea"/>
+                <a:cs typeface="+mn-cs"/>
+              </a:rPr>
+              <a:t>하락 추세 식별</a:t>
+            </a:r>
+          </a:p>
+          <a:p>
+            <a:r>
+              <a:rPr lang="ko-KR" altLang="en-US" sz="1200" b="0" kern="1200" dirty="0">
+                <a:solidFill>
+                  <a:schemeClr val="tx1"/>
+                </a:solidFill>
+                <a:effectLst/>
+                <a:latin typeface="+mn-lt"/>
+                <a:ea typeface="+mn-ea"/>
+                <a:cs typeface="+mn-cs"/>
+              </a:rPr>
+              <a:t>      </a:t>
+            </a:r>
+            <a:r>
+              <a:rPr lang="en-US" altLang="ko-KR" sz="1200" b="0" kern="1200" dirty="0">
+                <a:solidFill>
+                  <a:schemeClr val="tx1"/>
+                </a:solidFill>
+                <a:effectLst/>
+                <a:latin typeface="+mn-lt"/>
+                <a:ea typeface="+mn-ea"/>
+                <a:cs typeface="+mn-cs"/>
+              </a:rPr>
+              <a:t>-</a:t>
+            </a:r>
+            <a:r>
+              <a:rPr lang="ko-KR" altLang="en-US" sz="1200" b="0" kern="1200" dirty="0">
+                <a:solidFill>
+                  <a:schemeClr val="tx1"/>
+                </a:solidFill>
+                <a:effectLst/>
+                <a:latin typeface="+mn-lt"/>
+                <a:ea typeface="+mn-ea"/>
+                <a:cs typeface="+mn-cs"/>
+              </a:rPr>
+              <a:t> </a:t>
+            </a:r>
+            <a:r>
+              <a:rPr lang="en-US" altLang="ko-KR" sz="1200" b="0" kern="1200" dirty="0">
+                <a:solidFill>
+                  <a:schemeClr val="tx1"/>
+                </a:solidFill>
+                <a:effectLst/>
+                <a:latin typeface="+mn-lt"/>
+                <a:ea typeface="+mn-ea"/>
+                <a:cs typeface="+mn-cs"/>
+              </a:rPr>
+              <a:t>MACD: </a:t>
+            </a:r>
+            <a:r>
+              <a:rPr lang="ko-KR" altLang="en-US" sz="1200" b="0" kern="1200" dirty="0">
+                <a:solidFill>
+                  <a:schemeClr val="tx1"/>
+                </a:solidFill>
+                <a:effectLst/>
+                <a:latin typeface="+mn-lt"/>
+                <a:ea typeface="+mn-ea"/>
+                <a:cs typeface="+mn-cs"/>
+              </a:rPr>
+              <a:t>장</a:t>
+            </a:r>
+            <a:r>
+              <a:rPr lang="en-US" altLang="ko-KR" sz="1200" b="0" kern="1200" dirty="0">
+                <a:solidFill>
+                  <a:schemeClr val="tx1"/>
+                </a:solidFill>
+                <a:effectLst/>
+                <a:latin typeface="+mn-lt"/>
+                <a:ea typeface="+mn-ea"/>
+                <a:cs typeface="+mn-cs"/>
+              </a:rPr>
+              <a:t>·</a:t>
+            </a:r>
+            <a:r>
+              <a:rPr lang="ko-KR" altLang="en-US" sz="1200" b="0" kern="1200" dirty="0">
+                <a:solidFill>
+                  <a:schemeClr val="tx1"/>
+                </a:solidFill>
+                <a:effectLst/>
+                <a:latin typeface="+mn-lt"/>
+                <a:ea typeface="+mn-ea"/>
+                <a:cs typeface="+mn-cs"/>
+              </a:rPr>
+              <a:t>단기 이동 평균선 간 차이를 통해 추세 전환 포착</a:t>
+            </a:r>
+          </a:p>
+          <a:p>
+            <a:r>
+              <a:rPr lang="ko-KR" altLang="en-US" sz="1200" b="0" kern="1200" dirty="0">
+                <a:solidFill>
+                  <a:schemeClr val="tx1"/>
+                </a:solidFill>
+                <a:effectLst/>
+                <a:latin typeface="+mn-lt"/>
+                <a:ea typeface="+mn-ea"/>
+                <a:cs typeface="+mn-cs"/>
+              </a:rPr>
+              <a:t>      </a:t>
+            </a:r>
+            <a:r>
+              <a:rPr lang="en-US" altLang="ko-KR" sz="1200" b="0" kern="1200" dirty="0">
+                <a:solidFill>
+                  <a:schemeClr val="tx1"/>
+                </a:solidFill>
+                <a:effectLst/>
+                <a:latin typeface="+mn-lt"/>
+                <a:ea typeface="+mn-ea"/>
+                <a:cs typeface="+mn-cs"/>
+              </a:rPr>
+              <a:t>-</a:t>
+            </a:r>
+            <a:r>
+              <a:rPr lang="ko-KR" altLang="en-US" sz="1200" b="0" kern="1200" dirty="0">
+                <a:solidFill>
+                  <a:schemeClr val="tx1"/>
+                </a:solidFill>
+                <a:effectLst/>
+                <a:latin typeface="+mn-lt"/>
+                <a:ea typeface="+mn-ea"/>
+                <a:cs typeface="+mn-cs"/>
+              </a:rPr>
+              <a:t> 왜 </a:t>
+            </a:r>
+            <a:r>
+              <a:rPr lang="en-US" altLang="ko-KR" sz="1200" b="0" kern="1200" dirty="0">
+                <a:solidFill>
+                  <a:schemeClr val="tx1"/>
+                </a:solidFill>
+                <a:effectLst/>
+                <a:latin typeface="+mn-lt"/>
+                <a:ea typeface="+mn-ea"/>
+                <a:cs typeface="+mn-cs"/>
+              </a:rPr>
+              <a:t>"</a:t>
+            </a:r>
+            <a:r>
+              <a:rPr lang="ko-KR" altLang="en-US" sz="1200" b="0" kern="1200" dirty="0">
+                <a:solidFill>
+                  <a:schemeClr val="tx1"/>
+                </a:solidFill>
+                <a:effectLst/>
+                <a:latin typeface="+mn-lt"/>
+                <a:ea typeface="+mn-ea"/>
+                <a:cs typeface="+mn-cs"/>
+              </a:rPr>
+              <a:t>이산형</a:t>
+            </a:r>
+            <a:r>
+              <a:rPr lang="en-US" altLang="ko-KR" sz="1200" b="0" kern="1200" dirty="0">
+                <a:solidFill>
+                  <a:schemeClr val="tx1"/>
+                </a:solidFill>
+                <a:effectLst/>
+                <a:latin typeface="+mn-lt"/>
+                <a:ea typeface="+mn-ea"/>
+                <a:cs typeface="+mn-cs"/>
+              </a:rPr>
+              <a:t>(discrete)"</a:t>
+            </a:r>
+            <a:r>
+              <a:rPr lang="ko-KR" altLang="en-US" sz="1200" b="0" kern="1200" dirty="0">
+                <a:solidFill>
+                  <a:schemeClr val="tx1"/>
+                </a:solidFill>
+                <a:effectLst/>
+                <a:latin typeface="+mn-lt"/>
+                <a:ea typeface="+mn-ea"/>
+                <a:cs typeface="+mn-cs"/>
+              </a:rPr>
+              <a:t>일까</a:t>
+            </a:r>
+            <a:r>
+              <a:rPr lang="en-US" altLang="ko-KR" sz="1200" b="0" kern="1200" dirty="0">
+                <a:solidFill>
+                  <a:schemeClr val="tx1"/>
+                </a:solidFill>
+                <a:effectLst/>
+                <a:latin typeface="+mn-lt"/>
+                <a:ea typeface="+mn-ea"/>
+                <a:cs typeface="+mn-cs"/>
+              </a:rPr>
+              <a:t>?</a:t>
+            </a:r>
+          </a:p>
+          <a:p>
+            <a:r>
+              <a:rPr lang="en-US" altLang="ko-KR" sz="1200" b="0" kern="1200" dirty="0">
+                <a:solidFill>
+                  <a:schemeClr val="tx1"/>
+                </a:solidFill>
+                <a:effectLst/>
+                <a:latin typeface="+mn-lt"/>
+                <a:ea typeface="+mn-ea"/>
+                <a:cs typeface="+mn-cs"/>
+              </a:rPr>
+              <a:t>        -</a:t>
+            </a:r>
+            <a:r>
+              <a:rPr lang="ko-KR" altLang="en-US" sz="1200" b="0" kern="1200" dirty="0">
+                <a:solidFill>
+                  <a:schemeClr val="tx1"/>
+                </a:solidFill>
+                <a:effectLst/>
+                <a:latin typeface="+mn-lt"/>
+                <a:ea typeface="+mn-ea"/>
+                <a:cs typeface="+mn-cs"/>
+              </a:rPr>
+              <a:t> 하루 단위</a:t>
+            </a:r>
+            <a:r>
+              <a:rPr lang="en-US" altLang="ko-KR" sz="1200" b="0" kern="1200" dirty="0">
+                <a:solidFill>
+                  <a:schemeClr val="tx1"/>
+                </a:solidFill>
+                <a:effectLst/>
+                <a:latin typeface="+mn-lt"/>
+                <a:ea typeface="+mn-ea"/>
+                <a:cs typeface="+mn-cs"/>
+              </a:rPr>
+              <a:t>, </a:t>
+            </a:r>
+            <a:r>
+              <a:rPr lang="ko-KR" altLang="en-US" sz="1200" b="0" kern="1200" dirty="0">
+                <a:solidFill>
+                  <a:schemeClr val="tx1"/>
+                </a:solidFill>
+                <a:effectLst/>
+                <a:latin typeface="+mn-lt"/>
+                <a:ea typeface="+mn-ea"/>
+                <a:cs typeface="+mn-cs"/>
+              </a:rPr>
+              <a:t>혹은 특정 윈도우</a:t>
+            </a:r>
+            <a:r>
+              <a:rPr lang="en-US" altLang="ko-KR" sz="1200" b="0" kern="1200" dirty="0">
+                <a:solidFill>
+                  <a:schemeClr val="tx1"/>
+                </a:solidFill>
+                <a:effectLst/>
+                <a:latin typeface="+mn-lt"/>
+                <a:ea typeface="+mn-ea"/>
+                <a:cs typeface="+mn-cs"/>
+              </a:rPr>
+              <a:t>(5</a:t>
+            </a:r>
+            <a:r>
+              <a:rPr lang="ko-KR" altLang="en-US" sz="1200" b="0" kern="1200" dirty="0">
+                <a:solidFill>
+                  <a:schemeClr val="tx1"/>
+                </a:solidFill>
+                <a:effectLst/>
+                <a:latin typeface="+mn-lt"/>
+                <a:ea typeface="+mn-ea"/>
+                <a:cs typeface="+mn-cs"/>
+              </a:rPr>
+              <a:t>일</a:t>
+            </a:r>
+            <a:r>
+              <a:rPr lang="en-US" altLang="ko-KR" sz="1200" b="0" kern="1200" dirty="0">
+                <a:solidFill>
+                  <a:schemeClr val="tx1"/>
+                </a:solidFill>
+                <a:effectLst/>
+                <a:latin typeface="+mn-lt"/>
+                <a:ea typeface="+mn-ea"/>
+                <a:cs typeface="+mn-cs"/>
+              </a:rPr>
+              <a:t>, 14</a:t>
+            </a:r>
+            <a:r>
+              <a:rPr lang="ko-KR" altLang="en-US" sz="1200" b="0" kern="1200" dirty="0">
+                <a:solidFill>
+                  <a:schemeClr val="tx1"/>
+                </a:solidFill>
+                <a:effectLst/>
+                <a:latin typeface="+mn-lt"/>
+                <a:ea typeface="+mn-ea"/>
+                <a:cs typeface="+mn-cs"/>
+              </a:rPr>
+              <a:t>일</a:t>
+            </a:r>
+            <a:r>
+              <a:rPr lang="en-US" altLang="ko-KR" sz="1200" b="0" kern="1200" dirty="0">
+                <a:solidFill>
+                  <a:schemeClr val="tx1"/>
+                </a:solidFill>
+                <a:effectLst/>
+                <a:latin typeface="+mn-lt"/>
+                <a:ea typeface="+mn-ea"/>
+                <a:cs typeface="+mn-cs"/>
+              </a:rPr>
+              <a:t>, 30</a:t>
+            </a:r>
+            <a:r>
+              <a:rPr lang="ko-KR" altLang="en-US" sz="1200" b="0" kern="1200" dirty="0">
+                <a:solidFill>
+                  <a:schemeClr val="tx1"/>
+                </a:solidFill>
+                <a:effectLst/>
+                <a:latin typeface="+mn-lt"/>
+                <a:ea typeface="+mn-ea"/>
+                <a:cs typeface="+mn-cs"/>
+              </a:rPr>
+              <a:t>일 등</a:t>
+            </a:r>
+            <a:r>
+              <a:rPr lang="en-US" altLang="ko-KR" sz="1200" b="0" kern="1200" dirty="0">
+                <a:solidFill>
+                  <a:schemeClr val="tx1"/>
+                </a:solidFill>
+                <a:effectLst/>
+                <a:latin typeface="+mn-lt"/>
+                <a:ea typeface="+mn-ea"/>
+                <a:cs typeface="+mn-cs"/>
+              </a:rPr>
+              <a:t>)</a:t>
+            </a:r>
+            <a:r>
+              <a:rPr lang="ko-KR" altLang="en-US" sz="1200" b="0" kern="1200" dirty="0">
+                <a:solidFill>
+                  <a:schemeClr val="tx1"/>
+                </a:solidFill>
+                <a:effectLst/>
+                <a:latin typeface="+mn-lt"/>
+                <a:ea typeface="+mn-ea"/>
+                <a:cs typeface="+mn-cs"/>
+              </a:rPr>
+              <a:t>를 기준으로 하나의 고정된 수치 값을 출력</a:t>
+            </a:r>
+          </a:p>
+          <a:p>
+            <a:r>
+              <a:rPr lang="ko-KR" altLang="en-US" sz="1200" b="0" kern="1200" dirty="0">
+                <a:solidFill>
+                  <a:schemeClr val="tx1"/>
+                </a:solidFill>
+                <a:effectLst/>
+                <a:latin typeface="+mn-lt"/>
+                <a:ea typeface="+mn-ea"/>
+                <a:cs typeface="+mn-cs"/>
+              </a:rPr>
+              <a:t>        </a:t>
+            </a:r>
+            <a:r>
+              <a:rPr lang="en-US" altLang="ko-KR" sz="1200" b="0" kern="1200" dirty="0">
+                <a:solidFill>
+                  <a:schemeClr val="tx1"/>
+                </a:solidFill>
+                <a:effectLst/>
+                <a:latin typeface="+mn-lt"/>
+                <a:ea typeface="+mn-ea"/>
+                <a:cs typeface="+mn-cs"/>
+              </a:rPr>
+              <a:t>-</a:t>
+            </a:r>
+            <a:r>
+              <a:rPr lang="ko-KR" altLang="en-US" sz="1200" b="0" kern="1200" dirty="0">
+                <a:solidFill>
+                  <a:schemeClr val="tx1"/>
+                </a:solidFill>
+                <a:effectLst/>
+                <a:latin typeface="+mn-lt"/>
+                <a:ea typeface="+mn-ea"/>
+                <a:cs typeface="+mn-cs"/>
+              </a:rPr>
+              <a:t> 연속적인 시계열이 아닌</a:t>
+            </a:r>
+            <a:r>
+              <a:rPr lang="en-US" altLang="ko-KR" sz="1200" b="0" kern="1200" dirty="0">
+                <a:solidFill>
+                  <a:schemeClr val="tx1"/>
+                </a:solidFill>
+                <a:effectLst/>
+                <a:latin typeface="+mn-lt"/>
+                <a:ea typeface="+mn-ea"/>
+                <a:cs typeface="+mn-cs"/>
+              </a:rPr>
+              <a:t>, </a:t>
+            </a:r>
+            <a:r>
+              <a:rPr lang="ko-KR" altLang="en-US" sz="1200" b="0" kern="1200" dirty="0">
+                <a:solidFill>
+                  <a:schemeClr val="tx1"/>
+                </a:solidFill>
+                <a:effectLst/>
+                <a:latin typeface="+mn-lt"/>
+                <a:ea typeface="+mn-ea"/>
+                <a:cs typeface="+mn-cs"/>
+              </a:rPr>
+              <a:t>고정된 시점에서의 하나의 값으로써 **이산적</a:t>
+            </a:r>
+            <a:r>
+              <a:rPr lang="en-US" altLang="ko-KR" sz="1200" b="0" kern="1200" dirty="0">
+                <a:solidFill>
+                  <a:schemeClr val="tx1"/>
+                </a:solidFill>
+                <a:effectLst/>
+                <a:latin typeface="+mn-lt"/>
+                <a:ea typeface="+mn-ea"/>
+                <a:cs typeface="+mn-cs"/>
+              </a:rPr>
+              <a:t>(discrete)</a:t>
+            </a:r>
+          </a:p>
+          <a:p>
+            <a:endParaRPr lang="en-US" altLang="ko-KR" dirty="0"/>
+          </a:p>
+          <a:p>
+            <a:r>
+              <a:rPr lang="ko-KR" altLang="en-US" dirty="0"/>
+              <a:t>모든 주식은 서로 독립적이라는 가정하에 서로 간의 상호작용을 무시</a:t>
+            </a:r>
+            <a:r>
+              <a:rPr lang="en-US" altLang="ko-KR" dirty="0"/>
+              <a:t>(</a:t>
+            </a:r>
+            <a:r>
+              <a:rPr lang="en-US" altLang="ko-KR" sz="1200" kern="1200" dirty="0">
+                <a:solidFill>
+                  <a:schemeClr val="bg1">
+                    <a:lumMod val="50000"/>
+                  </a:schemeClr>
+                </a:solidFill>
+                <a:latin typeface="+mj-ea"/>
+                <a:ea typeface="+mn-ea"/>
+                <a:cs typeface="+mn-cs"/>
+              </a:rPr>
+              <a:t>Assume all stocks are mutually exclusive</a:t>
+            </a:r>
+            <a:r>
+              <a:rPr lang="en-US" altLang="ko-KR" dirty="0"/>
+              <a:t>)</a:t>
+            </a:r>
+          </a:p>
+          <a:p>
+            <a:endParaRPr lang="en-US" altLang="ko-KR" dirty="0"/>
+          </a:p>
+          <a:p>
+            <a:r>
+              <a:rPr lang="ko-KR" altLang="en-US" sz="1200" b="0" kern="1200" dirty="0">
+                <a:solidFill>
+                  <a:schemeClr val="tx1"/>
+                </a:solidFill>
+                <a:effectLst/>
+                <a:latin typeface="+mn-lt"/>
+                <a:ea typeface="+mn-ea"/>
+                <a:cs typeface="+mn-cs"/>
+              </a:rPr>
+              <a:t>    </a:t>
+            </a:r>
+            <a:r>
+              <a:rPr lang="en-US" altLang="ko-KR" sz="1200" b="0" kern="1200" dirty="0">
+                <a:solidFill>
+                  <a:schemeClr val="tx1"/>
+                </a:solidFill>
+                <a:effectLst/>
+                <a:latin typeface="+mn-lt"/>
+                <a:ea typeface="+mn-ea"/>
+                <a:cs typeface="+mn-cs"/>
+              </a:rPr>
+              <a:t>-</a:t>
+            </a:r>
+            <a:r>
+              <a:rPr lang="ko-KR" altLang="en-US" sz="1200" b="0" kern="1200" dirty="0">
+                <a:solidFill>
+                  <a:schemeClr val="tx1"/>
+                </a:solidFill>
+                <a:effectLst/>
+                <a:latin typeface="+mn-lt"/>
+                <a:ea typeface="+mn-ea"/>
+                <a:cs typeface="+mn-cs"/>
+              </a:rPr>
+              <a:t> </a:t>
+            </a:r>
+            <a:r>
+              <a:rPr lang="en-US" altLang="ko-KR" sz="1200" b="0" kern="1200" dirty="0">
+                <a:solidFill>
+                  <a:schemeClr val="tx1"/>
+                </a:solidFill>
+                <a:effectLst/>
+                <a:latin typeface="+mn-lt"/>
+                <a:ea typeface="+mn-ea"/>
+                <a:cs typeface="+mn-cs"/>
+              </a:rPr>
+              <a:t>Why? momentum spillover effect(</a:t>
+            </a:r>
+            <a:r>
+              <a:rPr lang="ko-KR" altLang="en-US" sz="1200" b="0" kern="1200" dirty="0">
+                <a:solidFill>
+                  <a:schemeClr val="tx1"/>
+                </a:solidFill>
+                <a:effectLst/>
+                <a:latin typeface="+mn-lt"/>
+                <a:ea typeface="+mn-ea"/>
+                <a:cs typeface="+mn-cs"/>
+              </a:rPr>
+              <a:t>모멘텀 전이 효과</a:t>
+            </a:r>
+            <a:r>
+              <a:rPr lang="en-US" altLang="ko-KR" sz="1200" b="0" kern="1200" dirty="0">
+                <a:solidFill>
+                  <a:schemeClr val="tx1"/>
+                </a:solidFill>
+                <a:effectLst/>
+                <a:latin typeface="+mn-lt"/>
+                <a:ea typeface="+mn-ea"/>
+                <a:cs typeface="+mn-cs"/>
+              </a:rPr>
+              <a:t>)</a:t>
+            </a:r>
+          </a:p>
+          <a:p>
+            <a:r>
+              <a:rPr lang="en-US" altLang="ko-KR" sz="1200" b="0" kern="1200" dirty="0">
+                <a:solidFill>
+                  <a:schemeClr val="tx1"/>
+                </a:solidFill>
+                <a:effectLst/>
+                <a:latin typeface="+mn-lt"/>
+                <a:ea typeface="+mn-ea"/>
+                <a:cs typeface="+mn-cs"/>
+              </a:rPr>
+              <a:t>      -</a:t>
+            </a:r>
+            <a:r>
+              <a:rPr lang="ko-KR" altLang="en-US" sz="1200" b="0" kern="1200" dirty="0">
+                <a:solidFill>
+                  <a:schemeClr val="tx1"/>
+                </a:solidFill>
+                <a:effectLst/>
+                <a:latin typeface="+mn-lt"/>
+                <a:ea typeface="+mn-ea"/>
+                <a:cs typeface="+mn-cs"/>
+              </a:rPr>
+              <a:t> </a:t>
+            </a:r>
+            <a:r>
+              <a:rPr lang="en-US" altLang="ko-KR" sz="1200" b="0" kern="1200" dirty="0">
+                <a:solidFill>
+                  <a:schemeClr val="tx1"/>
+                </a:solidFill>
+                <a:effectLst/>
+                <a:latin typeface="+mn-lt"/>
+                <a:ea typeface="+mn-ea"/>
+                <a:cs typeface="+mn-cs"/>
+              </a:rPr>
+              <a:t>factor movement:</a:t>
+            </a:r>
+            <a:r>
+              <a:rPr lang="ko-KR" altLang="en-US" sz="1200" b="0" kern="1200" dirty="0">
+                <a:solidFill>
+                  <a:schemeClr val="tx1"/>
+                </a:solidFill>
+                <a:effectLst/>
+                <a:latin typeface="+mn-lt"/>
+                <a:ea typeface="+mn-ea"/>
+                <a:cs typeface="+mn-cs"/>
+              </a:rPr>
+              <a:t>주식 수익률에 영향을 주는 공통 요인</a:t>
+            </a:r>
+            <a:r>
+              <a:rPr lang="en-US" altLang="ko-KR" sz="1200" b="0" kern="1200" dirty="0">
+                <a:solidFill>
+                  <a:schemeClr val="tx1"/>
+                </a:solidFill>
+                <a:effectLst/>
+                <a:latin typeface="+mn-lt"/>
+                <a:ea typeface="+mn-ea"/>
+                <a:cs typeface="+mn-cs"/>
+              </a:rPr>
+              <a:t>(Market factor, Value, Growth, Small/Big, Momentum)</a:t>
+            </a:r>
+            <a:r>
+              <a:rPr lang="ko-KR" altLang="en-US" sz="1200" b="0" kern="1200" dirty="0">
+                <a:solidFill>
+                  <a:schemeClr val="tx1"/>
+                </a:solidFill>
+                <a:effectLst/>
+                <a:latin typeface="+mn-lt"/>
+                <a:ea typeface="+mn-ea"/>
+                <a:cs typeface="+mn-cs"/>
+              </a:rPr>
+              <a:t>이 변하면서 개별 주식 또는 여러 섹터에 영향을 미침</a:t>
+            </a:r>
+          </a:p>
+          <a:p>
+            <a:r>
+              <a:rPr lang="ko-KR" altLang="en-US" sz="1200" b="0" kern="1200" dirty="0">
+                <a:solidFill>
+                  <a:schemeClr val="tx1"/>
+                </a:solidFill>
+                <a:effectLst/>
+                <a:latin typeface="+mn-lt"/>
+                <a:ea typeface="+mn-ea"/>
+                <a:cs typeface="+mn-cs"/>
+              </a:rPr>
+              <a:t>      </a:t>
+            </a:r>
+            <a:r>
+              <a:rPr lang="en-US" altLang="ko-KR" sz="1200" b="0" kern="1200" dirty="0">
+                <a:solidFill>
+                  <a:schemeClr val="tx1"/>
+                </a:solidFill>
+                <a:effectLst/>
+                <a:latin typeface="+mn-lt"/>
+                <a:ea typeface="+mn-ea"/>
+                <a:cs typeface="+mn-cs"/>
+              </a:rPr>
+              <a:t>-</a:t>
+            </a:r>
+            <a:r>
+              <a:rPr lang="ko-KR" altLang="en-US" sz="1200" b="0" kern="1200" dirty="0">
+                <a:solidFill>
+                  <a:schemeClr val="tx1"/>
+                </a:solidFill>
+                <a:effectLst/>
+                <a:latin typeface="+mn-lt"/>
+                <a:ea typeface="+mn-ea"/>
+                <a:cs typeface="+mn-cs"/>
+              </a:rPr>
+              <a:t> </a:t>
+            </a:r>
+            <a:r>
+              <a:rPr lang="en-US" altLang="ko-KR" sz="1200" b="0" kern="1200" dirty="0">
+                <a:solidFill>
+                  <a:schemeClr val="tx1"/>
+                </a:solidFill>
+                <a:effectLst/>
+                <a:latin typeface="+mn-lt"/>
+                <a:ea typeface="+mn-ea"/>
+                <a:cs typeface="+mn-cs"/>
+              </a:rPr>
+              <a:t>lead-lag effect: </a:t>
+            </a:r>
+            <a:r>
+              <a:rPr lang="ko-KR" altLang="en-US" sz="1200" b="0" kern="1200" dirty="0">
+                <a:solidFill>
+                  <a:schemeClr val="tx1"/>
+                </a:solidFill>
+                <a:effectLst/>
+                <a:latin typeface="+mn-lt"/>
+                <a:ea typeface="+mn-ea"/>
+                <a:cs typeface="+mn-cs"/>
+              </a:rPr>
+              <a:t>한 자산</a:t>
+            </a:r>
+            <a:r>
+              <a:rPr lang="en-US" altLang="ko-KR" sz="1200" b="0" kern="1200" dirty="0">
+                <a:solidFill>
+                  <a:schemeClr val="tx1"/>
+                </a:solidFill>
+                <a:effectLst/>
+                <a:latin typeface="+mn-lt"/>
+                <a:ea typeface="+mn-ea"/>
+                <a:cs typeface="+mn-cs"/>
+              </a:rPr>
+              <a:t>(</a:t>
+            </a:r>
+            <a:r>
+              <a:rPr lang="ko-KR" altLang="en-US" sz="1200" b="0" kern="1200" dirty="0">
+                <a:solidFill>
+                  <a:schemeClr val="tx1"/>
+                </a:solidFill>
+                <a:effectLst/>
+                <a:latin typeface="+mn-lt"/>
+                <a:ea typeface="+mn-ea"/>
+                <a:cs typeface="+mn-cs"/>
+              </a:rPr>
+              <a:t>또는 지표</a:t>
+            </a:r>
+            <a:r>
+              <a:rPr lang="en-US" altLang="ko-KR" sz="1200" b="0" kern="1200" dirty="0">
+                <a:solidFill>
+                  <a:schemeClr val="tx1"/>
+                </a:solidFill>
+                <a:effectLst/>
+                <a:latin typeface="+mn-lt"/>
+                <a:ea typeface="+mn-ea"/>
+                <a:cs typeface="+mn-cs"/>
+              </a:rPr>
+              <a:t>)</a:t>
+            </a:r>
+            <a:r>
+              <a:rPr lang="ko-KR" altLang="en-US" sz="1200" b="0" kern="1200" dirty="0">
+                <a:solidFill>
+                  <a:schemeClr val="tx1"/>
+                </a:solidFill>
+                <a:effectLst/>
+                <a:latin typeface="+mn-lt"/>
+                <a:ea typeface="+mn-ea"/>
+                <a:cs typeface="+mn-cs"/>
+              </a:rPr>
+              <a:t>의 가격 움직임이 시간적으로 선행</a:t>
+            </a:r>
+            <a:r>
+              <a:rPr lang="en-US" altLang="ko-KR" sz="1200" b="0" kern="1200" dirty="0">
+                <a:solidFill>
+                  <a:schemeClr val="tx1"/>
+                </a:solidFill>
+                <a:effectLst/>
+                <a:latin typeface="+mn-lt"/>
+                <a:ea typeface="+mn-ea"/>
+                <a:cs typeface="+mn-cs"/>
+              </a:rPr>
+              <a:t>(lead)</a:t>
+            </a:r>
+            <a:r>
+              <a:rPr lang="ko-KR" altLang="en-US" sz="1200" b="0" kern="1200" dirty="0">
+                <a:solidFill>
+                  <a:schemeClr val="tx1"/>
+                </a:solidFill>
+                <a:effectLst/>
+                <a:latin typeface="+mn-lt"/>
+                <a:ea typeface="+mn-ea"/>
+                <a:cs typeface="+mn-cs"/>
+              </a:rPr>
+              <a:t>하고</a:t>
+            </a:r>
+            <a:r>
+              <a:rPr lang="en-US" altLang="ko-KR" sz="1200" b="0" kern="1200" dirty="0">
+                <a:solidFill>
+                  <a:schemeClr val="tx1"/>
+                </a:solidFill>
+                <a:effectLst/>
+                <a:latin typeface="+mn-lt"/>
+                <a:ea typeface="+mn-ea"/>
+                <a:cs typeface="+mn-cs"/>
+              </a:rPr>
+              <a:t>, </a:t>
+            </a:r>
+            <a:r>
+              <a:rPr lang="ko-KR" altLang="en-US" sz="1200" b="0" kern="1200" dirty="0">
+                <a:solidFill>
+                  <a:schemeClr val="tx1"/>
+                </a:solidFill>
+                <a:effectLst/>
+                <a:latin typeface="+mn-lt"/>
+                <a:ea typeface="+mn-ea"/>
+                <a:cs typeface="+mn-cs"/>
+              </a:rPr>
+              <a:t>다른 자산이 뒤따라서 반응</a:t>
+            </a:r>
+            <a:r>
+              <a:rPr lang="en-US" altLang="ko-KR" sz="1200" b="0" kern="1200" dirty="0">
+                <a:solidFill>
+                  <a:schemeClr val="tx1"/>
+                </a:solidFill>
+                <a:effectLst/>
+                <a:latin typeface="+mn-lt"/>
+                <a:ea typeface="+mn-ea"/>
+                <a:cs typeface="+mn-cs"/>
+              </a:rPr>
+              <a:t>(lag)</a:t>
+            </a:r>
+            <a:r>
+              <a:rPr lang="ko-KR" altLang="en-US" sz="1200" b="0" kern="1200" dirty="0">
+                <a:solidFill>
+                  <a:schemeClr val="tx1"/>
+                </a:solidFill>
+                <a:effectLst/>
+                <a:latin typeface="+mn-lt"/>
+                <a:ea typeface="+mn-ea"/>
+                <a:cs typeface="+mn-cs"/>
+              </a:rPr>
+              <a:t>하는 현상</a:t>
+            </a:r>
+          </a:p>
+          <a:p>
+            <a:r>
+              <a:rPr lang="ko-KR" altLang="en-US" sz="1200" b="0" kern="1200" dirty="0">
+                <a:solidFill>
+                  <a:schemeClr val="tx1"/>
+                </a:solidFill>
+                <a:effectLst/>
+                <a:latin typeface="+mn-lt"/>
+                <a:ea typeface="+mn-ea"/>
+                <a:cs typeface="+mn-cs"/>
+              </a:rPr>
+              <a:t>        </a:t>
+            </a:r>
+            <a:r>
+              <a:rPr lang="en-US" altLang="ko-KR" sz="1200" b="0" kern="1200" dirty="0">
+                <a:solidFill>
+                  <a:schemeClr val="tx1"/>
+                </a:solidFill>
+                <a:effectLst/>
+                <a:latin typeface="+mn-lt"/>
+                <a:ea typeface="+mn-ea"/>
+                <a:cs typeface="+mn-cs"/>
+              </a:rPr>
+              <a:t>-</a:t>
+            </a:r>
+            <a:r>
+              <a:rPr lang="ko-KR" altLang="en-US" sz="1200" b="0" kern="1200" dirty="0">
+                <a:solidFill>
+                  <a:schemeClr val="tx1"/>
+                </a:solidFill>
+                <a:effectLst/>
+                <a:latin typeface="+mn-lt"/>
+                <a:ea typeface="+mn-ea"/>
+                <a:cs typeface="+mn-cs"/>
+              </a:rPr>
+              <a:t> </a:t>
+            </a:r>
+            <a:r>
+              <a:rPr lang="en-US" altLang="ko-KR" sz="1200" b="0" kern="1200" dirty="0">
+                <a:solidFill>
+                  <a:schemeClr val="tx1"/>
+                </a:solidFill>
+                <a:effectLst/>
+                <a:latin typeface="+mn-lt"/>
+                <a:ea typeface="+mn-ea"/>
+                <a:cs typeface="+mn-cs"/>
+              </a:rPr>
+              <a:t>t: </a:t>
+            </a:r>
+            <a:r>
+              <a:rPr lang="ko-KR" altLang="en-US" sz="1200" b="0" kern="1200" dirty="0" err="1">
+                <a:solidFill>
+                  <a:schemeClr val="tx1"/>
+                </a:solidFill>
+                <a:effectLst/>
+                <a:latin typeface="+mn-lt"/>
+                <a:ea typeface="+mn-ea"/>
+                <a:cs typeface="+mn-cs"/>
+              </a:rPr>
+              <a:t>기술주</a:t>
+            </a:r>
+            <a:r>
+              <a:rPr lang="ko-KR" altLang="en-US" sz="1200" b="0" kern="1200" dirty="0">
+                <a:solidFill>
+                  <a:schemeClr val="tx1"/>
+                </a:solidFill>
+                <a:effectLst/>
+                <a:latin typeface="+mn-lt"/>
+                <a:ea typeface="+mn-ea"/>
+                <a:cs typeface="+mn-cs"/>
+              </a:rPr>
+              <a:t> </a:t>
+            </a:r>
+            <a:r>
+              <a:rPr lang="en-US" altLang="ko-KR" sz="1200" b="0" kern="1200" dirty="0">
+                <a:solidFill>
+                  <a:schemeClr val="tx1"/>
+                </a:solidFill>
+                <a:effectLst/>
+                <a:latin typeface="+mn-lt"/>
+                <a:ea typeface="+mn-ea"/>
+                <a:cs typeface="+mn-cs"/>
+              </a:rPr>
+              <a:t>ETF </a:t>
+            </a:r>
+            <a:r>
+              <a:rPr lang="ko-KR" altLang="en-US" sz="1200" b="0" kern="1200" dirty="0">
+                <a:solidFill>
+                  <a:schemeClr val="tx1"/>
+                </a:solidFill>
+                <a:effectLst/>
+                <a:latin typeface="+mn-lt"/>
+                <a:ea typeface="+mn-ea"/>
+                <a:cs typeface="+mn-cs"/>
+              </a:rPr>
+              <a:t>급등 ➡️ </a:t>
+            </a:r>
+            <a:r>
+              <a:rPr lang="en-US" altLang="ko-KR" sz="1200" b="0" kern="1200" dirty="0">
+                <a:solidFill>
+                  <a:schemeClr val="tx1"/>
+                </a:solidFill>
+                <a:effectLst/>
+                <a:latin typeface="+mn-lt"/>
+                <a:ea typeface="+mn-ea"/>
+                <a:cs typeface="+mn-cs"/>
+              </a:rPr>
+              <a:t>t+1: </a:t>
+            </a:r>
+            <a:r>
+              <a:rPr lang="ko-KR" altLang="en-US" sz="1200" b="0" kern="1200" dirty="0">
+                <a:solidFill>
+                  <a:schemeClr val="tx1"/>
+                </a:solidFill>
+                <a:effectLst/>
+                <a:latin typeface="+mn-lt"/>
+                <a:ea typeface="+mn-ea"/>
+                <a:cs typeface="+mn-cs"/>
+              </a:rPr>
+              <a:t>삼성전자 상승</a:t>
+            </a:r>
+          </a:p>
+          <a:p>
+            <a:r>
+              <a:rPr lang="ko-KR" altLang="en-US" sz="1200" b="0" kern="1200" dirty="0">
+                <a:solidFill>
+                  <a:schemeClr val="tx1"/>
+                </a:solidFill>
+                <a:effectLst/>
+                <a:latin typeface="+mn-lt"/>
+                <a:ea typeface="+mn-ea"/>
+                <a:cs typeface="+mn-cs"/>
+              </a:rPr>
+              <a:t>      </a:t>
+            </a:r>
+            <a:r>
+              <a:rPr lang="en-US" altLang="ko-KR" sz="1200" b="0" kern="1200" dirty="0">
+                <a:solidFill>
+                  <a:schemeClr val="tx1"/>
+                </a:solidFill>
+                <a:effectLst/>
+                <a:latin typeface="+mn-lt"/>
+                <a:ea typeface="+mn-ea"/>
+                <a:cs typeface="+mn-cs"/>
+              </a:rPr>
+              <a:t>-</a:t>
+            </a:r>
+            <a:r>
+              <a:rPr lang="ko-KR" altLang="en-US" sz="1200" b="0" kern="1200" dirty="0">
+                <a:solidFill>
+                  <a:schemeClr val="tx1"/>
+                </a:solidFill>
+                <a:effectLst/>
+                <a:latin typeface="+mn-lt"/>
+                <a:ea typeface="+mn-ea"/>
+                <a:cs typeface="+mn-cs"/>
+              </a:rPr>
+              <a:t> </a:t>
+            </a:r>
+            <a:r>
+              <a:rPr lang="en-US" altLang="ko-KR" sz="1200" b="0" kern="1200" dirty="0">
+                <a:solidFill>
+                  <a:schemeClr val="tx1"/>
+                </a:solidFill>
+                <a:effectLst/>
+                <a:latin typeface="+mn-lt"/>
+                <a:ea typeface="+mn-ea"/>
+                <a:cs typeface="+mn-cs"/>
+              </a:rPr>
+              <a:t>portfolio rebalancing: ETF</a:t>
+            </a:r>
+            <a:r>
+              <a:rPr lang="ko-KR" altLang="en-US" sz="1200" b="0" kern="1200" dirty="0">
+                <a:solidFill>
+                  <a:schemeClr val="tx1"/>
+                </a:solidFill>
+                <a:effectLst/>
+                <a:latin typeface="+mn-lt"/>
+                <a:ea typeface="+mn-ea"/>
+                <a:cs typeface="+mn-cs"/>
+              </a:rPr>
+              <a:t>나 기관 포트폴리오의 </a:t>
+            </a:r>
+            <a:r>
+              <a:rPr lang="ko-KR" altLang="en-US" sz="1200" b="0" kern="1200" dirty="0" err="1">
+                <a:solidFill>
+                  <a:schemeClr val="tx1"/>
+                </a:solidFill>
+                <a:effectLst/>
+                <a:latin typeface="+mn-lt"/>
+                <a:ea typeface="+mn-ea"/>
+                <a:cs typeface="+mn-cs"/>
+              </a:rPr>
+              <a:t>리밸런싱</a:t>
+            </a:r>
+            <a:r>
+              <a:rPr lang="ko-KR" altLang="en-US" sz="1200" b="0" kern="1200" dirty="0">
+                <a:solidFill>
+                  <a:schemeClr val="tx1"/>
+                </a:solidFill>
+                <a:effectLst/>
+                <a:latin typeface="+mn-lt"/>
+                <a:ea typeface="+mn-ea"/>
+                <a:cs typeface="+mn-cs"/>
+              </a:rPr>
+              <a:t> ➡️ 포함된 여러 종목에 동시적으로 매수 또는 매도 압력</a:t>
+            </a:r>
+          </a:p>
+          <a:p>
+            <a:r>
+              <a:rPr lang="ko-KR" altLang="en-US" sz="1200" b="0" kern="1200" dirty="0">
+                <a:solidFill>
+                  <a:schemeClr val="tx1"/>
+                </a:solidFill>
+                <a:effectLst/>
+                <a:latin typeface="+mn-lt"/>
+                <a:ea typeface="+mn-ea"/>
+                <a:cs typeface="+mn-cs"/>
+              </a:rPr>
+              <a:t>    </a:t>
+            </a:r>
+            <a:r>
+              <a:rPr lang="en-US" altLang="ko-KR" sz="1200" b="0" kern="1200" dirty="0">
+                <a:solidFill>
+                  <a:schemeClr val="tx1"/>
+                </a:solidFill>
+                <a:effectLst/>
+                <a:latin typeface="+mn-lt"/>
+                <a:ea typeface="+mn-ea"/>
+                <a:cs typeface="+mn-cs"/>
+              </a:rPr>
+              <a:t>-</a:t>
+            </a:r>
+            <a:r>
+              <a:rPr lang="ko-KR" altLang="en-US" sz="1200" b="0" kern="1200" dirty="0">
+                <a:solidFill>
+                  <a:schemeClr val="tx1"/>
+                </a:solidFill>
+                <a:effectLst/>
+                <a:latin typeface="+mn-lt"/>
+                <a:ea typeface="+mn-ea"/>
+                <a:cs typeface="+mn-cs"/>
+              </a:rPr>
+              <a:t> 현실에서는 주식 간 다음과 같은 상관관계</a:t>
+            </a:r>
+            <a:r>
+              <a:rPr lang="en-US" altLang="ko-KR" sz="1200" b="0" kern="1200" dirty="0">
+                <a:solidFill>
+                  <a:schemeClr val="tx1"/>
+                </a:solidFill>
+                <a:effectLst/>
+                <a:latin typeface="+mn-lt"/>
+                <a:ea typeface="+mn-ea"/>
+                <a:cs typeface="+mn-cs"/>
+              </a:rPr>
+              <a:t>(correlation) </a:t>
+            </a:r>
+            <a:r>
+              <a:rPr lang="ko-KR" altLang="en-US" sz="1200" b="0" kern="1200" dirty="0">
+                <a:solidFill>
+                  <a:schemeClr val="tx1"/>
+                </a:solidFill>
+                <a:effectLst/>
+                <a:latin typeface="+mn-lt"/>
+                <a:ea typeface="+mn-ea"/>
+                <a:cs typeface="+mn-cs"/>
+              </a:rPr>
+              <a:t>또는 </a:t>
+            </a:r>
+            <a:r>
+              <a:rPr lang="ko-KR" altLang="en-US" sz="1200" b="1" kern="1200" dirty="0">
+                <a:solidFill>
+                  <a:schemeClr val="tx1"/>
+                </a:solidFill>
+                <a:effectLst/>
+                <a:latin typeface="+mn-lt"/>
+                <a:ea typeface="+mn-ea"/>
+                <a:cs typeface="+mn-cs"/>
+              </a:rPr>
+              <a:t>**영향 전이</a:t>
+            </a:r>
+            <a:r>
+              <a:rPr lang="en-US" altLang="ko-KR" sz="1200" b="1" kern="1200" dirty="0">
+                <a:solidFill>
+                  <a:schemeClr val="tx1"/>
+                </a:solidFill>
+                <a:effectLst/>
+                <a:latin typeface="+mn-lt"/>
+                <a:ea typeface="+mn-ea"/>
+                <a:cs typeface="+mn-cs"/>
+              </a:rPr>
+              <a:t>(spillover)**</a:t>
+            </a:r>
+            <a:r>
+              <a:rPr lang="ko-KR" altLang="en-US" sz="1200" b="0" kern="1200" dirty="0">
+                <a:solidFill>
+                  <a:schemeClr val="tx1"/>
+                </a:solidFill>
+                <a:effectLst/>
+                <a:latin typeface="+mn-lt"/>
+                <a:ea typeface="+mn-ea"/>
+                <a:cs typeface="+mn-cs"/>
+              </a:rPr>
+              <a:t>가 존재</a:t>
+            </a:r>
+          </a:p>
+          <a:p>
+            <a:r>
+              <a:rPr lang="ko-KR" altLang="en-US" sz="1200" b="0" kern="1200" dirty="0">
+                <a:solidFill>
+                  <a:schemeClr val="tx1"/>
+                </a:solidFill>
+                <a:effectLst/>
+                <a:latin typeface="+mn-lt"/>
+                <a:ea typeface="+mn-ea"/>
+                <a:cs typeface="+mn-cs"/>
+              </a:rPr>
+              <a:t>      </a:t>
+            </a:r>
+            <a:r>
+              <a:rPr lang="en-US" altLang="ko-KR" sz="1200" b="0" kern="1200" dirty="0">
+                <a:solidFill>
+                  <a:schemeClr val="tx1"/>
+                </a:solidFill>
+                <a:effectLst/>
+                <a:latin typeface="+mn-lt"/>
+                <a:ea typeface="+mn-ea"/>
+                <a:cs typeface="+mn-cs"/>
+              </a:rPr>
+              <a:t>-</a:t>
+            </a:r>
+            <a:r>
+              <a:rPr lang="ko-KR" altLang="en-US" sz="1200" b="0" kern="1200" dirty="0">
+                <a:solidFill>
+                  <a:schemeClr val="tx1"/>
+                </a:solidFill>
+                <a:effectLst/>
+                <a:latin typeface="+mn-lt"/>
+                <a:ea typeface="+mn-ea"/>
+                <a:cs typeface="+mn-cs"/>
+              </a:rPr>
+              <a:t> 삼성전자 주가 상승 → </a:t>
+            </a:r>
+            <a:r>
+              <a:rPr lang="en-US" altLang="ko-KR" sz="1200" b="0" kern="1200" dirty="0">
+                <a:solidFill>
+                  <a:schemeClr val="tx1"/>
+                </a:solidFill>
+                <a:effectLst/>
+                <a:latin typeface="+mn-lt"/>
+                <a:ea typeface="+mn-ea"/>
+                <a:cs typeface="+mn-cs"/>
+              </a:rPr>
+              <a:t>SK</a:t>
+            </a:r>
+            <a:r>
+              <a:rPr lang="ko-KR" altLang="en-US" sz="1200" b="0" kern="1200" dirty="0">
+                <a:solidFill>
+                  <a:schemeClr val="tx1"/>
+                </a:solidFill>
+                <a:effectLst/>
+                <a:latin typeface="+mn-lt"/>
+                <a:ea typeface="+mn-ea"/>
+                <a:cs typeface="+mn-cs"/>
+              </a:rPr>
+              <a:t>하이닉스 주가도 반응</a:t>
+            </a:r>
+          </a:p>
+          <a:p>
+            <a:r>
+              <a:rPr lang="ko-KR" altLang="en-US" sz="1200" b="0" kern="1200" dirty="0">
+                <a:solidFill>
+                  <a:schemeClr val="tx1"/>
+                </a:solidFill>
+                <a:effectLst/>
+                <a:latin typeface="+mn-lt"/>
+                <a:ea typeface="+mn-ea"/>
+                <a:cs typeface="+mn-cs"/>
+              </a:rPr>
+              <a:t>      </a:t>
+            </a:r>
+            <a:r>
+              <a:rPr lang="en-US" altLang="ko-KR" sz="1200" b="0" kern="1200" dirty="0">
+                <a:solidFill>
+                  <a:schemeClr val="tx1"/>
+                </a:solidFill>
+                <a:effectLst/>
+                <a:latin typeface="+mn-lt"/>
+                <a:ea typeface="+mn-ea"/>
+                <a:cs typeface="+mn-cs"/>
+              </a:rPr>
+              <a:t>-</a:t>
+            </a:r>
+            <a:r>
+              <a:rPr lang="ko-KR" altLang="en-US" sz="1200" b="0" kern="1200" dirty="0">
+                <a:solidFill>
+                  <a:schemeClr val="tx1"/>
+                </a:solidFill>
+                <a:effectLst/>
+                <a:latin typeface="+mn-lt"/>
+                <a:ea typeface="+mn-ea"/>
+                <a:cs typeface="+mn-cs"/>
+              </a:rPr>
+              <a:t> 테슬라 실적 발표 → </a:t>
+            </a:r>
+            <a:r>
+              <a:rPr lang="en-US" altLang="ko-KR" sz="1200" b="0" kern="1200" dirty="0">
+                <a:solidFill>
+                  <a:schemeClr val="tx1"/>
+                </a:solidFill>
+                <a:effectLst/>
+                <a:latin typeface="+mn-lt"/>
+                <a:ea typeface="+mn-ea"/>
+                <a:cs typeface="+mn-cs"/>
+              </a:rPr>
+              <a:t>LG</a:t>
+            </a:r>
+            <a:r>
+              <a:rPr lang="ko-KR" altLang="en-US" sz="1200" b="0" kern="1200" dirty="0">
+                <a:solidFill>
+                  <a:schemeClr val="tx1"/>
+                </a:solidFill>
+                <a:effectLst/>
+                <a:latin typeface="+mn-lt"/>
+                <a:ea typeface="+mn-ea"/>
+                <a:cs typeface="+mn-cs"/>
+              </a:rPr>
+              <a:t>에너지솔루션 영향</a:t>
+            </a:r>
+          </a:p>
+          <a:p>
+            <a:endParaRPr lang="ko-KR" altLang="en-US" dirty="0"/>
+          </a:p>
+        </p:txBody>
+      </p:sp>
+      <p:sp>
+        <p:nvSpPr>
+          <p:cNvPr id="4" name="슬라이드 번호 개체 틀 3"/>
+          <p:cNvSpPr>
+            <a:spLocks noGrp="1"/>
+          </p:cNvSpPr>
+          <p:nvPr>
+            <p:ph type="sldNum" sz="quarter" idx="5"/>
+          </p:nvPr>
+        </p:nvSpPr>
+        <p:spPr/>
+        <p:txBody>
+          <a:bodyPr/>
+          <a:lstStyle/>
+          <a:p>
+            <a:fld id="{98A03DBC-1058-43FC-A566-55580D6B3B1A}" type="slidenum">
+              <a:rPr lang="ko-KR" altLang="en-US" smtClean="0"/>
+              <a:t>3</a:t>
+            </a:fld>
+            <a:endParaRPr lang="ko-KR" altLang="en-US"/>
+          </a:p>
+        </p:txBody>
+      </p:sp>
+    </p:spTree>
+    <p:extLst>
+      <p:ext uri="{BB962C8B-B14F-4D97-AF65-F5344CB8AC3E}">
+        <p14:creationId xmlns:p14="http://schemas.microsoft.com/office/powerpoint/2010/main" val="2264298209"/>
+      </p:ext>
+    </p:extLst>
+  </p:cSld>
+  <p:clrMapOvr>
+    <a:masterClrMapping/>
+  </p:clrMapOvr>
+</p:notes>
+</file>
+
+<file path=ppt/notesSlides/notesSlide2.xml><?xml version="1.0" encoding="utf-8"?>
+<p:notes xmlns:a="http://schemas.openxmlformats.org/drawingml/2006/main" xmlns:r="http://schemas.openxmlformats.org/officeDocument/2006/relationships" xmlns:p="http://schemas.openxmlformats.org/presentationml/2006/main">
+  <p:cSld>
+    <p:spTree>
+      <p:nvGrpSpPr>
+        <p:cNvPr id="1" name="">
+          <a:extLst>
+            <a:ext uri="{FF2B5EF4-FFF2-40B4-BE49-F238E27FC236}">
+              <a16:creationId xmlns:a16="http://schemas.microsoft.com/office/drawing/2014/main" id="{BBB262D8-DFE0-3BED-97F7-ED78F3DFAA19}"/>
+            </a:ext>
+          </a:extLst>
+        </p:cNvPr>
+        <p:cNvGrpSpPr/>
+        <p:nvPr/>
+      </p:nvGrpSpPr>
+      <p:grpSpPr>
+        <a:xfrm>
+          <a:off x="0" y="0"/>
+          <a:ext cx="0" cy="0"/>
+          <a:chOff x="0" y="0"/>
+          <a:chExt cx="0" cy="0"/>
+        </a:xfrm>
+      </p:grpSpPr>
+      <p:sp>
+        <p:nvSpPr>
+          <p:cNvPr id="2" name="슬라이드 이미지 개체 틀 1">
+            <a:extLst>
+              <a:ext uri="{FF2B5EF4-FFF2-40B4-BE49-F238E27FC236}">
+                <a16:creationId xmlns:a16="http://schemas.microsoft.com/office/drawing/2014/main" id="{DD30F546-197E-D105-72A8-494C4FBB5077}"/>
+              </a:ext>
+            </a:extLst>
+          </p:cNvPr>
+          <p:cNvSpPr>
+            <a:spLocks noGrp="1" noRot="1" noChangeAspect="1"/>
+          </p:cNvSpPr>
+          <p:nvPr>
+            <p:ph type="sldImg"/>
+          </p:nvPr>
+        </p:nvSpPr>
+        <p:spPr/>
+      </p:sp>
+      <p:sp>
+        <p:nvSpPr>
+          <p:cNvPr id="3" name="슬라이드 노트 개체 틀 2">
+            <a:extLst>
+              <a:ext uri="{FF2B5EF4-FFF2-40B4-BE49-F238E27FC236}">
+                <a16:creationId xmlns:a16="http://schemas.microsoft.com/office/drawing/2014/main" id="{B72B337B-0887-49C1-4851-8092B4113E2F}"/>
+              </a:ext>
+            </a:extLst>
+          </p:cNvPr>
+          <p:cNvSpPr>
+            <a:spLocks noGrp="1"/>
+          </p:cNvSpPr>
+          <p:nvPr>
+            <p:ph type="body" idx="1"/>
+          </p:nvPr>
+        </p:nvSpPr>
+        <p:spPr/>
+        <p:txBody>
+          <a:bodyPr/>
+          <a:lstStyle/>
+          <a:p>
+            <a:endParaRPr lang="ko-KR" altLang="en-US" dirty="0"/>
+          </a:p>
+        </p:txBody>
+      </p:sp>
+      <p:sp>
+        <p:nvSpPr>
+          <p:cNvPr id="4" name="슬라이드 번호 개체 틀 3">
+            <a:extLst>
+              <a:ext uri="{FF2B5EF4-FFF2-40B4-BE49-F238E27FC236}">
+                <a16:creationId xmlns:a16="http://schemas.microsoft.com/office/drawing/2014/main" id="{8A6528DA-5462-DB09-E923-D0001B5E034D}"/>
+              </a:ext>
+            </a:extLst>
+          </p:cNvPr>
+          <p:cNvSpPr>
+            <a:spLocks noGrp="1"/>
+          </p:cNvSpPr>
+          <p:nvPr>
+            <p:ph type="sldNum" sz="quarter" idx="5"/>
+          </p:nvPr>
+        </p:nvSpPr>
+        <p:spPr/>
+        <p:txBody>
+          <a:bodyPr/>
+          <a:lstStyle/>
+          <a:p>
+            <a:pPr marL="0" marR="0" lvl="0" indent="0" algn="r" defTabSz="457200" rtl="0" eaLnBrk="1" fontAlgn="auto" latinLnBrk="0" hangingPunct="1">
+              <a:lnSpc>
+                <a:spcPct val="100000"/>
+              </a:lnSpc>
+              <a:spcBef>
+                <a:spcPts val="0"/>
+              </a:spcBef>
+              <a:spcAft>
+                <a:spcPts val="0"/>
+              </a:spcAft>
+              <a:buClrTx/>
+              <a:buSzTx/>
+              <a:buFontTx/>
+              <a:buNone/>
+              <a:tabLst/>
+              <a:defRPr/>
+            </a:pPr>
+            <a:fld id="{98A03DBC-1058-43FC-A566-55580D6B3B1A}" type="slidenum">
+              <a:rPr kumimoji="0" lang="ko-KR" altLang="en-US" sz="1200" b="0" i="0" u="none" strike="noStrike" kern="1200" cap="none" spc="0" normalizeH="0" baseline="0" noProof="0" smtClean="0">
+                <a:ln>
+                  <a:noFill/>
+                </a:ln>
+                <a:solidFill>
+                  <a:prstClr val="black"/>
+                </a:solidFill>
+                <a:effectLst/>
+                <a:uLnTx/>
+                <a:uFillTx/>
+                <a:latin typeface="맑은 고딕" panose="02110004020202020204"/>
+                <a:ea typeface="맑은 고딕" panose="020B0503020000020004" pitchFamily="50" charset="-127"/>
+                <a:cs typeface="+mn-cs"/>
+              </a:rPr>
+              <a:pPr marL="0" marR="0" lvl="0" indent="0" algn="r" defTabSz="457200" rtl="0" eaLnBrk="1" fontAlgn="auto" latinLnBrk="0" hangingPunct="1">
+                <a:lnSpc>
+                  <a:spcPct val="100000"/>
+                </a:lnSpc>
+                <a:spcBef>
+                  <a:spcPts val="0"/>
+                </a:spcBef>
+                <a:spcAft>
+                  <a:spcPts val="0"/>
+                </a:spcAft>
+                <a:buClrTx/>
+                <a:buSzTx/>
+                <a:buFontTx/>
+                <a:buNone/>
+                <a:tabLst/>
+                <a:defRPr/>
+              </a:pPr>
+              <a:t>4</a:t>
+            </a:fld>
+            <a:endParaRPr kumimoji="0" lang="ko-KR" altLang="en-US" sz="1200" b="0" i="0" u="none" strike="noStrike" kern="1200" cap="none" spc="0" normalizeH="0" baseline="0" noProof="0">
+              <a:ln>
+                <a:noFill/>
+              </a:ln>
+              <a:solidFill>
+                <a:prstClr val="black"/>
+              </a:solidFill>
+              <a:effectLst/>
+              <a:uLnTx/>
+              <a:uFillTx/>
+              <a:latin typeface="맑은 고딕" panose="02110004020202020204"/>
+              <a:ea typeface="맑은 고딕" panose="020B0503020000020004" pitchFamily="50" charset="-127"/>
+              <a:cs typeface="+mn-cs"/>
+            </a:endParaRPr>
+          </a:p>
+        </p:txBody>
+      </p:sp>
+    </p:spTree>
+    <p:extLst>
+      <p:ext uri="{BB962C8B-B14F-4D97-AF65-F5344CB8AC3E}">
+        <p14:creationId xmlns:p14="http://schemas.microsoft.com/office/powerpoint/2010/main" val="1204496289"/>
+      </p:ext>
+    </p:extLst>
+  </p:cSld>
+  <p:clrMapOvr>
+    <a:masterClrMapping/>
+  </p:clrMapOvr>
+</p:notes>
 </file>
 
 <file path=ppt/slideLayouts/slideLayout1.xml><?xml version="1.0" encoding="utf-8"?>
@@ -3730,9 +5916,9 @@
         <p:grpSpPr>
           <a:xfrm>
             <a:off x="615950" y="1636562"/>
-            <a:ext cx="3613150" cy="4188993"/>
+            <a:ext cx="3613150" cy="3734720"/>
             <a:chOff x="514350" y="1547662"/>
-            <a:chExt cx="3613150" cy="4188993"/>
+            <a:chExt cx="3613150" cy="3734720"/>
           </a:xfrm>
         </p:grpSpPr>
         <p:sp>
@@ -3774,7 +5960,7 @@
                   <a:latin typeface="+mj-ea"/>
                   <a:ea typeface="+mj-ea"/>
                 </a:rPr>
-                <a:t>Why Stock Movement Prediction is Challenging</a:t>
+                <a:t>New Challenge of Stock Movement Prediction</a:t>
               </a:r>
             </a:p>
           </p:txBody>
@@ -3793,8 +5979,8 @@
           </p:nvSpPr>
           <p:spPr>
             <a:xfrm>
-              <a:off x="523975" y="2443446"/>
-              <a:ext cx="3603524" cy="3293209"/>
+              <a:off x="523975" y="2344590"/>
+              <a:ext cx="3603524" cy="2937792"/>
             </a:xfrm>
             <a:prstGeom prst="rect">
               <a:avLst/>
@@ -3808,6 +5994,30 @@
             <a:lstStyle/>
             <a:p>
               <a:pPr marL="285750" lvl="1" indent="-285750">
+                <a:lnSpc>
+                  <a:spcPct val="130000"/>
+                </a:lnSpc>
+                <a:buFont typeface="Arial" panose="020B0604020202020204" pitchFamily="34" charset="0"/>
+                <a:buChar char="•"/>
+              </a:pPr>
+              <a:r>
+                <a:rPr lang="en-US" altLang="ko-KR" sz="1600" dirty="0">
+                  <a:solidFill>
+                    <a:schemeClr val="bg1">
+                      <a:lumMod val="50000"/>
+                    </a:schemeClr>
+                  </a:solidFill>
+                  <a:latin typeface="+mj-ea"/>
+                  <a:ea typeface="+mj-ea"/>
+                </a:rPr>
+                <a:t>Rapid growth of multimedia platforms</a:t>
+              </a:r>
+            </a:p>
+            <a:p>
+              <a:pPr marL="285750" lvl="1" indent="-285750">
+                <a:lnSpc>
+                  <a:spcPct val="130000"/>
+                </a:lnSpc>
                 <a:buFont typeface="Arial" panose="020B0604020202020204" pitchFamily="34" charset="0"/>
                 <a:buChar char="•"/>
               </a:pPr>
@@ -3826,6 +6036,9 @@
             </a:p>
             <a:p>
               <a:pPr marL="285750" lvl="1" indent="-285750">
+                <a:lnSpc>
+                  <a:spcPct val="130000"/>
+                </a:lnSpc>
                 <a:buFont typeface="Arial" panose="020B0604020202020204" pitchFamily="34" charset="0"/>
                 <a:buChar char="•"/>
               </a:pPr>
@@ -3839,11 +6052,14 @@
                   <a:latin typeface="+mj-ea"/>
                   <a:ea typeface="+mj-ea"/>
                 </a:rPr>
-                <a:t>Stock prices contain randomness (random walk), but also predictable components driven by news</a:t>
+                <a:t>Stock prices contain randomness (random walk)</a:t>
               </a:r>
             </a:p>
             <a:p>
               <a:pPr marL="285750" lvl="1" indent="-285750">
+                <a:lnSpc>
+                  <a:spcPct val="130000"/>
+                </a:lnSpc>
                 <a:buFont typeface="Arial" panose="020B0604020202020204" pitchFamily="34" charset="0"/>
                 <a:buChar char="•"/>
               </a:pPr>
@@ -3857,42 +6073,24 @@
                   <a:latin typeface="+mj-ea"/>
                   <a:ea typeface="+mj-ea"/>
                 </a:rPr>
-                <a:t>Models use:</a:t>
+                <a:t>But, there is deterministic components driven by news</a:t>
               </a:r>
             </a:p>
             <a:p>
-              <a:pPr marL="1257300" lvl="2" indent="-342900">
-                <a:buAutoNum type="arabicPeriod"/>
+              <a:pPr marL="0" lvl="1">
+                <a:lnSpc>
+                  <a:spcPct val="130000"/>
+                </a:lnSpc>
               </a:pPr>
-              <a:r>
-                <a:rPr lang="en-US" altLang="ko-KR" sz="1600" dirty="0">
-                  <a:solidFill>
-                    <a:schemeClr val="bg1">
-                      <a:lumMod val="50000"/>
-                    </a:schemeClr>
-                  </a:solidFill>
-                  <a:latin typeface="+mj-ea"/>
-                  <a:ea typeface="+mj-ea"/>
-                </a:rPr>
-                <a:t>Time-series data: price, volume</a:t>
-              </a:r>
-            </a:p>
-            <a:p>
-              <a:pPr marL="1257300" lvl="2" indent="-342900">
-                <a:buAutoNum type="arabicPeriod"/>
-              </a:pPr>
-              <a:r>
-                <a:rPr lang="en-US" altLang="ko-KR" sz="1600" dirty="0">
-                  <a:solidFill>
-                    <a:schemeClr val="bg1">
-                      <a:lumMod val="50000"/>
-                    </a:schemeClr>
-                  </a:solidFill>
-                  <a:latin typeface="+mj-ea"/>
-                  <a:ea typeface="+mj-ea"/>
-                </a:rPr>
-                <a:t>Technical indicators: MA, MACD (discrete, window-based summaries)</a:t>
-              </a:r>
+              <a:endParaRPr lang="en-US" altLang="ko-KR" sz="1600" dirty="0">
+                <a:solidFill>
+                  <a:schemeClr val="bg1">
+                    <a:lumMod val="50000"/>
+                  </a:schemeClr>
+                </a:solidFill>
+                <a:latin typeface="+mj-ea"/>
+                <a:ea typeface="+mj-ea"/>
+              </a:endParaRPr>
             </a:p>
           </p:txBody>
         </p:sp>
@@ -3958,9 +6156,9 @@
         <p:grpSpPr>
           <a:xfrm>
             <a:off x="4494212" y="1632817"/>
-            <a:ext cx="3446463" cy="3204108"/>
+            <a:ext cx="3721098" cy="5015070"/>
             <a:chOff x="514350" y="1547662"/>
-            <a:chExt cx="3613150" cy="3204108"/>
+            <a:chExt cx="3613150" cy="5015070"/>
           </a:xfrm>
         </p:grpSpPr>
         <p:sp>
@@ -4002,22 +6200,7 @@
                   <a:latin typeface="+mj-ea"/>
                   <a:ea typeface="+mj-ea"/>
                 </a:rPr>
-                <a:t>Limitations of</a:t>
-              </a:r>
-            </a:p>
-            <a:p>
-              <a:pPr algn="ctr"/>
-              <a:r>
-                <a:rPr lang="en-US" sz="2000" b="1" i="1" dirty="0">
-                  <a:solidFill>
-                    <a:schemeClr val="bg1">
-                      <a:lumMod val="50000"/>
-                    </a:schemeClr>
-                  </a:solidFill>
-                  <a:latin typeface="+mj-ea"/>
-                  <a:ea typeface="+mj-ea"/>
-                </a:rPr>
-                <a:t>Existing Models</a:t>
+                <a:t>Limitations of Existing Models</a:t>
               </a:r>
             </a:p>
           </p:txBody>
@@ -4036,8 +6219,8 @@
           </p:nvSpPr>
           <p:spPr>
             <a:xfrm>
-              <a:off x="523975" y="2443446"/>
-              <a:ext cx="3603524" cy="2308324"/>
+              <a:off x="523975" y="2344590"/>
+              <a:ext cx="3603524" cy="4218142"/>
             </a:xfrm>
             <a:prstGeom prst="rect">
               <a:avLst/>
@@ -4051,6 +6234,83 @@
             <a:lstStyle/>
             <a:p>
               <a:pPr marL="285750" lvl="1" indent="-285750">
+                <a:lnSpc>
+                  <a:spcPct val="130000"/>
+                </a:lnSpc>
+                <a:buFont typeface="Arial" panose="020B0604020202020204" pitchFamily="34" charset="0"/>
+                <a:buChar char="•"/>
+              </a:pPr>
+              <a:r>
+                <a:rPr lang="en-US" altLang="ko-KR" sz="1600" dirty="0">
+                  <a:solidFill>
+                    <a:schemeClr val="bg1">
+                      <a:lumMod val="50000"/>
+                    </a:schemeClr>
+                  </a:solidFill>
+                  <a:latin typeface="+mj-ea"/>
+                </a:rPr>
+                <a:t>Time-series forecasting Model</a:t>
+              </a:r>
+              <a:br>
+                <a:rPr lang="en-US" altLang="ko-KR" sz="1600" dirty="0">
+                  <a:solidFill>
+                    <a:schemeClr val="bg1">
+                      <a:lumMod val="50000"/>
+                    </a:schemeClr>
+                  </a:solidFill>
+                  <a:latin typeface="+mj-ea"/>
+                </a:rPr>
+              </a:br>
+              <a:r>
+                <a:rPr lang="en-US" altLang="ko-KR" sz="1600" dirty="0">
+                  <a:solidFill>
+                    <a:schemeClr val="bg1">
+                      <a:lumMod val="50000"/>
+                    </a:schemeClr>
+                  </a:solidFill>
+                  <a:latin typeface="+mj-ea"/>
+                </a:rPr>
+                <a:t>- Two feature modalities: Time-series features, Discrete Technical indicators</a:t>
+              </a:r>
+              <a:br>
+                <a:rPr lang="en-US" altLang="ko-KR" sz="1600" dirty="0">
+                  <a:solidFill>
+                    <a:schemeClr val="bg1">
+                      <a:lumMod val="50000"/>
+                    </a:schemeClr>
+                  </a:solidFill>
+                  <a:latin typeface="+mj-ea"/>
+                </a:rPr>
+              </a:br>
+              <a:r>
+                <a:rPr lang="en-US" altLang="ko-KR" sz="1600" dirty="0">
+                  <a:solidFill>
+                    <a:schemeClr val="bg1">
+                      <a:lumMod val="50000"/>
+                    </a:schemeClr>
+                  </a:solidFill>
+                  <a:latin typeface="+mj-ea"/>
+                </a:rPr>
+                <a:t>- </a:t>
+              </a:r>
+              <a:r>
+                <a:rPr lang="en-US" altLang="ko-KR" sz="1600" dirty="0">
+                  <a:solidFill>
+                    <a:schemeClr val="bg1">
+                      <a:lumMod val="50000"/>
+                    </a:schemeClr>
+                  </a:solidFill>
+                  <a:latin typeface="+mj-ea"/>
+                  <a:ea typeface="+mj-ea"/>
+                </a:rPr>
+                <a:t>Ignore inter-stock dynamics like Momentum spillover</a:t>
+              </a:r>
+            </a:p>
+            <a:p>
+              <a:pPr marL="285750" lvl="1" indent="-285750">
+                <a:lnSpc>
+                  <a:spcPct val="130000"/>
+                </a:lnSpc>
                 <a:buFont typeface="Arial" panose="020B0604020202020204" pitchFamily="34" charset="0"/>
                 <a:buChar char="•"/>
               </a:pPr>
@@ -4064,11 +6324,74 @@
                   <a:latin typeface="+mj-ea"/>
                   <a:ea typeface="+mj-ea"/>
                 </a:rPr>
-                <a:t>Assume stocks are independent</a:t>
+                <a:t>GNN</a:t>
+              </a:r>
+              <a:r>
+                <a:rPr lang="ko-KR" altLang="en-US" sz="1600" dirty="0">
+                  <a:solidFill>
+                    <a:schemeClr val="bg1">
+                      <a:lumMod val="50000"/>
+                    </a:schemeClr>
+                  </a:solidFill>
+                  <a:latin typeface="+mj-ea"/>
+                  <a:ea typeface="+mj-ea"/>
+                </a:rPr>
+                <a:t> </a:t>
+              </a:r>
+              <a:r>
+                <a:rPr lang="en-US" altLang="ko-KR" sz="1600" dirty="0">
+                  <a:solidFill>
+                    <a:schemeClr val="bg1">
+                      <a:lumMod val="50000"/>
+                    </a:schemeClr>
+                  </a:solidFill>
+                  <a:latin typeface="+mj-ea"/>
+                  <a:ea typeface="+mj-ea"/>
+                </a:rPr>
+                <a:t>Model</a:t>
+              </a:r>
+              <a:br>
+                <a:rPr lang="en-US" altLang="ko-KR" sz="1600" dirty="0">
+                  <a:solidFill>
+                    <a:schemeClr val="bg1">
+                      <a:lumMod val="50000"/>
+                    </a:schemeClr>
+                  </a:solidFill>
+                  <a:latin typeface="+mj-ea"/>
+                  <a:ea typeface="+mj-ea"/>
+                </a:rPr>
+              </a:br>
+              <a:r>
+                <a:rPr lang="en-US" altLang="ko-KR" sz="1600" dirty="0">
+                  <a:solidFill>
+                    <a:schemeClr val="bg1">
+                      <a:lumMod val="50000"/>
+                    </a:schemeClr>
+                  </a:solidFill>
+                  <a:latin typeface="+mj-ea"/>
+                  <a:ea typeface="+mj-ea"/>
+                </a:rPr>
+                <a:t>- Hard-coded microstructure </a:t>
+              </a:r>
+              <a:r>
+                <a:rPr lang="en-US" altLang="ko-KR" sz="1600" dirty="0">
+                  <a:solidFill>
+                    <a:schemeClr val="bg1">
+                      <a:lumMod val="50000"/>
+                    </a:schemeClr>
+                  </a:solidFill>
+                  <a:latin typeface="+mj-ea"/>
+                  <a:ea typeface="+mj-ea"/>
+                  <a:sym typeface="Wingdings" panose="05000000000000000000" pitchFamily="2" charset="2"/>
+                </a:rPr>
+                <a:t> Capture limited interactions</a:t>
               </a:r>
             </a:p>
             <a:p>
               <a:pPr marL="285750" lvl="1" indent="-285750">
+                <a:lnSpc>
+                  <a:spcPct val="130000"/>
+                </a:lnSpc>
                 <a:buFont typeface="Arial" panose="020B0604020202020204" pitchFamily="34" charset="0"/>
                 <a:buChar char="•"/>
               </a:pPr>
@@ -4082,14 +6405,19 @@
                   <a:latin typeface="+mj-ea"/>
                   <a:ea typeface="+mj-ea"/>
                 </a:rPr>
-                <a:t>Ignore inter-stock dynamics like:</a:t>
+                <a:t>GATs Model</a:t>
               </a:r>
-            </a:p>
-            <a:p>
-              <a:pPr marL="742950" lvl="2" indent="-285750">
-                <a:buFont typeface="Arial" panose="020B0604020202020204" pitchFamily="34" charset="0"/>
-                <a:buChar char="•"/>
-              </a:pPr>
+              <a:br>
+                <a:rPr lang="en-US" altLang="ko-KR" sz="1600" dirty="0">
+                  <a:solidFill>
+                    <a:schemeClr val="bg1">
+                      <a:lumMod val="50000"/>
+                    </a:schemeClr>
+                  </a:solidFill>
+                  <a:latin typeface="+mj-ea"/>
+                  <a:ea typeface="+mj-ea"/>
+                </a:rPr>
+              </a:br>
               <a:r>
                 <a:rPr lang="en-US" altLang="ko-KR" sz="1600" dirty="0">
                   <a:solidFill>
@@ -4100,14 +6428,8 @@
                   <a:latin typeface="+mj-ea"/>
                   <a:ea typeface="+mj-ea"/>
                 </a:rPr>
-                <a:t>Momentum spillover (e.g., Tesla → LG Energy Solution)</a:t>
+                <a:t>- Dynamically assign weights </a:t>
               </a:r>
-            </a:p>
-            <a:p>
-              <a:pPr marL="742950" lvl="2" indent="-285750">
-                <a:buFont typeface="Arial" panose="020B0604020202020204" pitchFamily="34" charset="0"/>
-                <a:buChar char="•"/>
-              </a:pPr>
               <a:r>
                 <a:rPr lang="en-US" altLang="ko-KR" sz="1600" dirty="0">
                   <a:solidFill>
@@ -4116,28 +6438,19 @@
                     </a:schemeClr>
                   </a:solidFill>
                   <a:latin typeface="+mj-ea"/>
-                  <a:ea typeface="+mj-ea"/>
+                  <a:sym typeface="Wingdings" panose="05000000000000000000" pitchFamily="2" charset="2"/>
                 </a:rPr>
-                <a:t>Lead-lag effects (ETF rise → stock rise)</a:t>
+                <a:t> Massive price-related features  Biased attention effect </a:t>
               </a:r>
-            </a:p>
-            <a:p>
-              <a:pPr marL="742950" lvl="2" indent="-285750">
-                <a:buFont typeface="Arial" panose="020B0604020202020204" pitchFamily="34" charset="0"/>
-                <a:buChar char="•"/>
-              </a:pPr>
-              <a:r>
-                <a:rPr lang="en-US" altLang="ko-KR" sz="1600" dirty="0">
-                  <a:solidFill>
-                    <a:schemeClr val="bg1">
-                      <a:lumMod val="50000"/>
-                    </a:schemeClr>
-                  </a:solidFill>
-                  <a:latin typeface="+mj-ea"/>
-                  <a:ea typeface="+mj-ea"/>
-                </a:rPr>
-                <a:t>Portfolio rebalancing (simultaneous buying/selling pressure)</a:t>
-              </a:r>
+              <a:endParaRPr lang="en-US" altLang="ko-KR" sz="1600" dirty="0">
+                <a:solidFill>
+                  <a:schemeClr val="bg1">
+                    <a:lumMod val="50000"/>
+                  </a:schemeClr>
+                </a:solidFill>
+                <a:latin typeface="+mj-ea"/>
+                <a:ea typeface="+mj-ea"/>
+              </a:endParaRPr>
             </a:p>
           </p:txBody>
         </p:sp>
@@ -4158,7 +6471,7 @@
         </p:nvCxnSpPr>
         <p:spPr>
           <a:xfrm>
-            <a:off x="8035925" y="2070008"/>
+            <a:off x="8134781" y="2070008"/>
             <a:ext cx="0" cy="3900076"/>
           </a:xfrm>
           <a:prstGeom prst="line">
@@ -4202,10 +6515,10 @@
         </p:nvGrpSpPr>
         <p:grpSpPr>
           <a:xfrm>
-            <a:off x="8215310" y="1644171"/>
-            <a:ext cx="3446463" cy="2957887"/>
+            <a:off x="8301809" y="1631814"/>
+            <a:ext cx="3446463" cy="4694983"/>
             <a:chOff x="514350" y="1547662"/>
-            <a:chExt cx="3613150" cy="2957887"/>
+            <a:chExt cx="3613150" cy="4694983"/>
           </a:xfrm>
         </p:grpSpPr>
         <p:sp>
@@ -4281,8 +6594,8 @@
           </p:nvSpPr>
           <p:spPr>
             <a:xfrm>
-              <a:off x="523975" y="2443446"/>
-              <a:ext cx="3603524" cy="2062103"/>
+              <a:off x="523975" y="2344590"/>
+              <a:ext cx="3603524" cy="3898055"/>
             </a:xfrm>
             <a:prstGeom prst="rect">
               <a:avLst/>
@@ -4296,6 +6609,9 @@
             <a:lstStyle/>
             <a:p>
               <a:pPr marL="285750" lvl="1" indent="-285750">
+                <a:lnSpc>
+                  <a:spcPct val="130000"/>
+                </a:lnSpc>
                 <a:buFont typeface="Arial" panose="020B0604020202020204" pitchFamily="34" charset="0"/>
                 <a:buChar char="•"/>
               </a:pPr>
@@ -4309,11 +6625,90 @@
                   <a:latin typeface="+mj-ea"/>
                   <a:ea typeface="+mj-ea"/>
                 </a:rPr>
-                <a:t>A few “popular” stocks have abundant news</a:t>
+                <a:t>A fraction of stocks have the news</a:t>
               </a:r>
             </a:p>
             <a:p>
               <a:pPr marL="285750" lvl="1" indent="-285750">
+                <a:lnSpc>
+                  <a:spcPct val="130000"/>
+                </a:lnSpc>
+                <a:buFont typeface="Arial" panose="020B0604020202020204" pitchFamily="34" charset="0"/>
+                <a:buChar char="•"/>
+              </a:pPr>
+              <a:r>
+                <a:rPr lang="en-US" altLang="ko-KR" sz="1600" dirty="0">
+                  <a:solidFill>
+                    <a:schemeClr val="bg1">
+                      <a:lumMod val="50000"/>
+                    </a:schemeClr>
+                  </a:solidFill>
+                  <a:latin typeface="+mj-ea"/>
+                </a:rPr>
+                <a:t>Long-tailed Distribution</a:t>
+              </a:r>
+              <a:br>
+                <a:rPr lang="en-US" altLang="ko-KR" sz="1600" dirty="0">
+                  <a:solidFill>
+                    <a:schemeClr val="bg1">
+                      <a:lumMod val="50000"/>
+                    </a:schemeClr>
+                  </a:solidFill>
+                  <a:latin typeface="+mj-ea"/>
+                </a:rPr>
+              </a:br>
+              <a:r>
+                <a:rPr lang="en-US" altLang="ko-KR" sz="1600" dirty="0">
+                  <a:solidFill>
+                    <a:schemeClr val="bg1">
+                      <a:lumMod val="50000"/>
+                    </a:schemeClr>
+                  </a:solidFill>
+                  <a:latin typeface="+mj-ea"/>
+                </a:rPr>
+                <a:t>- </a:t>
+              </a:r>
+              <a:r>
+                <a:rPr lang="en-US" altLang="ko-KR" sz="1600" dirty="0">
+                  <a:solidFill>
+                    <a:schemeClr val="bg1">
+                      <a:lumMod val="50000"/>
+                    </a:schemeClr>
+                  </a:solidFill>
+                  <a:latin typeface="+mj-ea"/>
+                  <a:ea typeface="+mj-ea"/>
+                </a:rPr>
+                <a:t>Breaking news receive insufficient attention</a:t>
+              </a:r>
+              <a:br>
+                <a:rPr lang="en-US" altLang="ko-KR" sz="1600" dirty="0">
+                  <a:solidFill>
+                    <a:schemeClr val="bg1">
+                      <a:lumMod val="50000"/>
+                    </a:schemeClr>
+                  </a:solidFill>
+                  <a:latin typeface="+mj-ea"/>
+                  <a:ea typeface="+mj-ea"/>
+                </a:rPr>
+              </a:br>
+              <a:r>
+                <a:rPr lang="en-US" altLang="ko-KR" sz="1600" dirty="0">
+                  <a:solidFill>
+                    <a:schemeClr val="bg1">
+                      <a:lumMod val="50000"/>
+                    </a:schemeClr>
+                  </a:solidFill>
+                  <a:latin typeface="+mj-ea"/>
+                  <a:ea typeface="+mj-ea"/>
+                </a:rPr>
+                <a:t>- Distracted by abundant time-series data</a:t>
+              </a:r>
+            </a:p>
+            <a:p>
+              <a:pPr marL="285750" lvl="1" indent="-285750">
+                <a:lnSpc>
+                  <a:spcPct val="130000"/>
+                </a:lnSpc>
                 <a:buFont typeface="Arial" panose="020B0604020202020204" pitchFamily="34" charset="0"/>
                 <a:buChar char="•"/>
               </a:pPr>
@@ -4327,14 +6722,19 @@
                   <a:latin typeface="+mj-ea"/>
                   <a:ea typeface="+mj-ea"/>
                 </a:rPr>
-                <a:t>Most stocks lack sufficient information → long-tailed distribution</a:t>
+                <a:t>Two Challenges</a:t>
               </a:r>
-            </a:p>
-            <a:p>
-              <a:pPr marL="285750" lvl="1" indent="-285750">
-                <a:buFont typeface="Arial" panose="020B0604020202020204" pitchFamily="34" charset="0"/>
-                <a:buChar char="•"/>
-              </a:pPr>
+              <a:br>
+                <a:rPr lang="en-US" altLang="ko-KR" sz="1600" dirty="0">
+                  <a:solidFill>
+                    <a:schemeClr val="bg1">
+                      <a:lumMod val="50000"/>
+                    </a:schemeClr>
+                  </a:solidFill>
+                  <a:latin typeface="+mj-ea"/>
+                  <a:ea typeface="+mj-ea"/>
+                </a:rPr>
+              </a:br>
               <a:r>
                 <a:rPr lang="en-US" altLang="ko-KR" sz="1600" dirty="0">
                   <a:solidFill>
@@ -4345,8 +6745,53 @@
                   <a:latin typeface="+mj-ea"/>
                   <a:ea typeface="+mj-ea"/>
                 </a:rPr>
-                <a:t>Traditional GNNs use static relationships and can't adapt well to market dynamics</a:t>
+                <a:t>- Biased attention toward the dominated head features</a:t>
               </a:r>
+              <a:br>
+                <a:rPr lang="en-US" altLang="ko-KR" sz="1600" dirty="0">
+                  <a:solidFill>
+                    <a:schemeClr val="bg1">
+                      <a:lumMod val="50000"/>
+                    </a:schemeClr>
+                  </a:solidFill>
+                  <a:latin typeface="+mj-ea"/>
+                  <a:ea typeface="+mj-ea"/>
+                </a:rPr>
+              </a:br>
+              <a:r>
+                <a:rPr lang="en-US" altLang="ko-KR" sz="1600" dirty="0">
+                  <a:solidFill>
+                    <a:schemeClr val="bg1">
+                      <a:lumMod val="50000"/>
+                    </a:schemeClr>
+                  </a:solidFill>
+                  <a:latin typeface="+mj-ea"/>
+                  <a:ea typeface="+mj-ea"/>
+                </a:rPr>
+                <a:t>- Data scarcity problem </a:t>
+              </a:r>
+              <a:r>
+                <a:rPr lang="en-US" altLang="ko-KR" sz="1600" dirty="0">
+                  <a:solidFill>
+                    <a:schemeClr val="bg1">
+                      <a:lumMod val="50000"/>
+                    </a:schemeClr>
+                  </a:solidFill>
+                  <a:latin typeface="+mj-ea"/>
+                  <a:ea typeface="+mj-ea"/>
+                  <a:sym typeface="Wingdings" panose="05000000000000000000" pitchFamily="2" charset="2"/>
+                </a:rPr>
+                <a:t> Poor generalization</a:t>
+              </a:r>
+              <a:endParaRPr lang="en-US" altLang="ko-KR" sz="1600" dirty="0">
+                <a:solidFill>
+                  <a:schemeClr val="bg1">
+                    <a:lumMod val="50000"/>
+                  </a:schemeClr>
+                </a:solidFill>
+                <a:latin typeface="+mj-ea"/>
+                <a:ea typeface="+mj-ea"/>
+              </a:endParaRPr>
             </a:p>
           </p:txBody>
         </p:sp>
@@ -4380,6 +6825,446 @@
         <p:cNvPr id="1" name="">
           <a:extLst>
             <a:ext uri="{FF2B5EF4-FFF2-40B4-BE49-F238E27FC236}">
+              <a16:creationId xmlns:a16="http://schemas.microsoft.com/office/drawing/2014/main" id="{07EBB0E5-24D6-89A6-EBBE-73CFC350900C}"/>
+            </a:ext>
+          </a:extLst>
+        </p:cNvPr>
+        <p:cNvGrpSpPr/>
+        <p:nvPr/>
+      </p:nvGrpSpPr>
+      <p:grpSpPr>
+        <a:xfrm>
+          <a:off x="0" y="0"/>
+          <a:ext cx="0" cy="0"/>
+          <a:chOff x="0" y="0"/>
+          <a:chExt cx="0" cy="0"/>
+        </a:xfrm>
+      </p:grpSpPr>
+      <p:sp>
+        <p:nvSpPr>
+          <p:cNvPr id="4" name="TextBox 3">
+            <a:extLst>
+              <a:ext uri="{FF2B5EF4-FFF2-40B4-BE49-F238E27FC236}">
+                <a16:creationId xmlns:a16="http://schemas.microsoft.com/office/drawing/2014/main" id="{F51826DC-C5DF-71A8-E15B-C7836FEDCF92}"/>
+              </a:ext>
+            </a:extLst>
+          </p:cNvPr>
+          <p:cNvSpPr txBox="1"/>
+          <p:nvPr/>
+        </p:nvSpPr>
+        <p:spPr>
+          <a:xfrm>
+            <a:off x="5578475" y="571499"/>
+            <a:ext cx="6096000" cy="523220"/>
+          </a:xfrm>
+          <a:prstGeom prst="rect">
+            <a:avLst/>
+          </a:prstGeom>
+          <a:noFill/>
+        </p:spPr>
+        <p:txBody>
+          <a:bodyPr wrap="square">
+            <a:spAutoFit/>
+          </a:bodyPr>
+          <a:lstStyle/>
+          <a:p>
+            <a:pPr marL="0" marR="0" lvl="0" indent="0" algn="r" defTabSz="457200" rtl="0" eaLnBrk="1" fontAlgn="auto" latinLnBrk="0" hangingPunct="1">
+              <a:lnSpc>
+                <a:spcPct val="100000"/>
+              </a:lnSpc>
+              <a:spcBef>
+                <a:spcPts val="0"/>
+              </a:spcBef>
+              <a:spcAft>
+                <a:spcPts val="0"/>
+              </a:spcAft>
+              <a:buClrTx/>
+              <a:buSzTx/>
+              <a:buFontTx/>
+              <a:buNone/>
+              <a:tabLst/>
+              <a:defRPr/>
+            </a:pPr>
+            <a:r>
+              <a:rPr kumimoji="0" lang="en-US" altLang="ko-KR" sz="2800" b="1" i="0" u="none" strike="noStrike" kern="1200" cap="none" spc="0" normalizeH="0" baseline="0" noProof="0" dirty="0">
+                <a:ln>
+                  <a:noFill/>
+                </a:ln>
+                <a:solidFill>
+                  <a:prstClr val="black"/>
+                </a:solidFill>
+                <a:effectLst/>
+                <a:uLnTx/>
+                <a:uFillTx/>
+                <a:latin typeface="맑은 고딕" panose="020B0503020000020004" pitchFamily="50" charset="-127"/>
+                <a:ea typeface="맑은 고딕" panose="020B0503020000020004" pitchFamily="50" charset="-127"/>
+                <a:cs typeface="+mn-cs"/>
+              </a:rPr>
+              <a:t>Backgrounds and Challenges</a:t>
+            </a:r>
+            <a:endParaRPr kumimoji="0" lang="ko-KR" altLang="en-US" sz="2800" b="1" i="0" u="none" strike="noStrike" kern="1200" cap="none" spc="0" normalizeH="0" baseline="0" noProof="0" dirty="0">
+              <a:ln>
+                <a:noFill/>
+              </a:ln>
+              <a:solidFill>
+                <a:prstClr val="black"/>
+              </a:solidFill>
+              <a:effectLst/>
+              <a:uLnTx/>
+              <a:uFillTx/>
+              <a:latin typeface="맑은 고딕" panose="020B0503020000020004" pitchFamily="50" charset="-127"/>
+              <a:ea typeface="맑은 고딕" panose="020B0503020000020004" pitchFamily="50" charset="-127"/>
+              <a:cs typeface="+mn-cs"/>
+            </a:endParaRPr>
+          </a:p>
+        </p:txBody>
+      </p:sp>
+      <p:pic>
+        <p:nvPicPr>
+          <p:cNvPr id="6" name="그림 5">
+            <a:extLst>
+              <a:ext uri="{FF2B5EF4-FFF2-40B4-BE49-F238E27FC236}">
+                <a16:creationId xmlns:a16="http://schemas.microsoft.com/office/drawing/2014/main" id="{3A99D8DF-7AFA-EE14-3BC9-2086E289317E}"/>
+              </a:ext>
+            </a:extLst>
+          </p:cNvPr>
+          <p:cNvPicPr>
+            <a:picLocks noChangeAspect="1"/>
+          </p:cNvPicPr>
+          <p:nvPr/>
+        </p:nvPicPr>
+        <p:blipFill>
+          <a:blip r:embed="rId3"/>
+          <a:stretch>
+            <a:fillRect/>
+          </a:stretch>
+        </p:blipFill>
+        <p:spPr>
+          <a:xfrm>
+            <a:off x="944965" y="1533182"/>
+            <a:ext cx="4260335" cy="4787900"/>
+          </a:xfrm>
+          <a:prstGeom prst="rect">
+            <a:avLst/>
+          </a:prstGeom>
+        </p:spPr>
+      </p:pic>
+      <p:sp>
+        <p:nvSpPr>
+          <p:cNvPr id="8" name="TextBox 7">
+            <a:extLst>
+              <a:ext uri="{FF2B5EF4-FFF2-40B4-BE49-F238E27FC236}">
+                <a16:creationId xmlns:a16="http://schemas.microsoft.com/office/drawing/2014/main" id="{2F94F2A1-C4FA-5D63-AD04-49C91861959F}"/>
+              </a:ext>
+            </a:extLst>
+          </p:cNvPr>
+          <p:cNvSpPr txBox="1"/>
+          <p:nvPr/>
+        </p:nvSpPr>
+        <p:spPr>
+          <a:xfrm>
+            <a:off x="5679000" y="1533182"/>
+            <a:ext cx="5995475" cy="2937792"/>
+          </a:xfrm>
+          <a:prstGeom prst="rect">
+            <a:avLst/>
+          </a:prstGeom>
+          <a:noFill/>
+        </p:spPr>
+        <p:txBody>
+          <a:bodyPr wrap="square">
+            <a:spAutoFit/>
+          </a:bodyPr>
+          <a:lstStyle/>
+          <a:p>
+            <a:pPr marL="0" lvl="1">
+              <a:lnSpc>
+                <a:spcPct val="130000"/>
+              </a:lnSpc>
+            </a:pPr>
+            <a:r>
+              <a:rPr lang="en-US" altLang="ko-KR" sz="1600" dirty="0">
+                <a:solidFill>
+                  <a:schemeClr val="bg1">
+                    <a:lumMod val="50000"/>
+                  </a:schemeClr>
+                </a:solidFill>
+                <a:latin typeface="+mj-ea"/>
+                <a:ea typeface="+mj-ea"/>
+              </a:rPr>
+              <a:t>(top)</a:t>
+            </a:r>
+          </a:p>
+          <a:p>
+            <a:pPr marL="285750" lvl="1" indent="-285750">
+              <a:lnSpc>
+                <a:spcPct val="130000"/>
+              </a:lnSpc>
+              <a:buFont typeface="Arial" panose="020B0604020202020204" pitchFamily="34" charset="0"/>
+              <a:buChar char="•"/>
+            </a:pPr>
+            <a:r>
+              <a:rPr lang="en-US" altLang="ko-KR" sz="1600" dirty="0">
+                <a:solidFill>
+                  <a:schemeClr val="bg1">
+                    <a:lumMod val="50000"/>
+                  </a:schemeClr>
+                </a:solidFill>
+                <a:latin typeface="+mj-ea"/>
+                <a:ea typeface="+mj-ea"/>
+              </a:rPr>
+              <a:t>All stocks: Time-series features and Technical indicators</a:t>
+            </a:r>
+            <a:br>
+              <a:rPr lang="en-US" altLang="ko-KR" sz="1600" dirty="0">
+                <a:solidFill>
+                  <a:schemeClr val="bg1">
+                    <a:lumMod val="50000"/>
+                  </a:schemeClr>
+                </a:solidFill>
+                <a:latin typeface="+mj-ea"/>
+                <a:ea typeface="+mj-ea"/>
+              </a:rPr>
+            </a:br>
+            <a:r>
+              <a:rPr lang="en-US" altLang="ko-KR" sz="1600" dirty="0">
+                <a:solidFill>
+                  <a:schemeClr val="bg1">
+                    <a:lumMod val="50000"/>
+                  </a:schemeClr>
+                </a:solidFill>
+                <a:latin typeface="+mj-ea"/>
+                <a:ea typeface="+mj-ea"/>
+                <a:sym typeface="Wingdings" panose="05000000000000000000" pitchFamily="2" charset="2"/>
+              </a:rPr>
+              <a:t> Head Features</a:t>
+            </a:r>
+            <a:endParaRPr lang="en-US" altLang="ko-KR" sz="1600" dirty="0">
+              <a:solidFill>
+                <a:schemeClr val="bg1">
+                  <a:lumMod val="50000"/>
+                </a:schemeClr>
+              </a:solidFill>
+              <a:latin typeface="+mj-ea"/>
+              <a:ea typeface="+mj-ea"/>
+            </a:endParaRPr>
+          </a:p>
+          <a:p>
+            <a:pPr marL="285750" lvl="1" indent="-285750">
+              <a:lnSpc>
+                <a:spcPct val="130000"/>
+              </a:lnSpc>
+              <a:buFont typeface="Arial" panose="020B0604020202020204" pitchFamily="34" charset="0"/>
+              <a:buChar char="•"/>
+            </a:pPr>
+            <a:r>
+              <a:rPr lang="en-US" altLang="ko-KR" sz="1600" dirty="0">
+                <a:solidFill>
+                  <a:schemeClr val="bg1">
+                    <a:lumMod val="50000"/>
+                  </a:schemeClr>
+                </a:solidFill>
+                <a:latin typeface="+mj-ea"/>
+                <a:ea typeface="+mj-ea"/>
+              </a:rPr>
+              <a:t>Few stocks: News</a:t>
+            </a:r>
+            <a:br>
+              <a:rPr lang="en-US" altLang="ko-KR" sz="1600" dirty="0">
+                <a:solidFill>
+                  <a:schemeClr val="bg1">
+                    <a:lumMod val="50000"/>
+                  </a:schemeClr>
+                </a:solidFill>
+                <a:latin typeface="+mj-ea"/>
+                <a:ea typeface="+mj-ea"/>
+              </a:rPr>
+            </a:br>
+            <a:r>
+              <a:rPr lang="en-US" altLang="ko-KR" sz="1600" dirty="0">
+                <a:solidFill>
+                  <a:schemeClr val="bg1">
+                    <a:lumMod val="50000"/>
+                  </a:schemeClr>
+                </a:solidFill>
+                <a:latin typeface="+mj-ea"/>
+                <a:ea typeface="+mj-ea"/>
+                <a:sym typeface="Wingdings" panose="05000000000000000000" pitchFamily="2" charset="2"/>
+              </a:rPr>
+              <a:t> Tail Features</a:t>
+            </a:r>
+            <a:endParaRPr lang="en-US" altLang="ko-KR" sz="1600" dirty="0">
+              <a:solidFill>
+                <a:schemeClr val="bg1">
+                  <a:lumMod val="50000"/>
+                </a:schemeClr>
+              </a:solidFill>
+              <a:latin typeface="+mj-ea"/>
+              <a:ea typeface="+mj-ea"/>
+            </a:endParaRPr>
+          </a:p>
+          <a:p>
+            <a:pPr marL="0" lvl="1">
+              <a:lnSpc>
+                <a:spcPct val="130000"/>
+              </a:lnSpc>
+            </a:pPr>
+            <a:r>
+              <a:rPr lang="en-US" altLang="ko-KR" sz="1600" dirty="0">
+                <a:solidFill>
+                  <a:schemeClr val="bg1">
+                    <a:lumMod val="50000"/>
+                  </a:schemeClr>
+                </a:solidFill>
+                <a:latin typeface="+mj-ea"/>
+                <a:ea typeface="+mj-ea"/>
+              </a:rPr>
+              <a:t>(bottom)</a:t>
+            </a:r>
+          </a:p>
+          <a:p>
+            <a:pPr marL="285750" lvl="1" indent="-285750">
+              <a:lnSpc>
+                <a:spcPct val="130000"/>
+              </a:lnSpc>
+              <a:buFont typeface="Arial" panose="020B0604020202020204" pitchFamily="34" charset="0"/>
+              <a:buChar char="•"/>
+            </a:pPr>
+            <a:r>
+              <a:rPr lang="en-US" altLang="ko-KR" sz="1600" dirty="0">
+                <a:solidFill>
+                  <a:schemeClr val="bg1">
+                    <a:lumMod val="50000"/>
+                  </a:schemeClr>
+                </a:solidFill>
+                <a:latin typeface="+mj-ea"/>
+                <a:ea typeface="+mj-ea"/>
+              </a:rPr>
+              <a:t>JPM, WFC:  Breaking news that impact the overall stock market</a:t>
+            </a:r>
+          </a:p>
+          <a:p>
+            <a:pPr marL="285750" lvl="1" indent="-285750">
+              <a:lnSpc>
+                <a:spcPct val="130000"/>
+              </a:lnSpc>
+              <a:buFont typeface="Arial" panose="020B0604020202020204" pitchFamily="34" charset="0"/>
+              <a:buChar char="•"/>
+            </a:pPr>
+            <a:r>
+              <a:rPr lang="en-US" altLang="ko-KR" sz="1600" dirty="0">
+                <a:solidFill>
+                  <a:schemeClr val="bg1">
+                    <a:lumMod val="50000"/>
+                  </a:schemeClr>
+                </a:solidFill>
+                <a:latin typeface="+mj-ea"/>
+                <a:ea typeface="+mj-ea"/>
+              </a:rPr>
+              <a:t>Other sectors: </a:t>
+            </a:r>
+            <a:r>
+              <a:rPr lang="en-US" altLang="ko-KR" sz="1600" dirty="0" err="1">
+                <a:solidFill>
+                  <a:schemeClr val="bg1">
+                    <a:lumMod val="50000"/>
+                  </a:schemeClr>
+                </a:solidFill>
+                <a:latin typeface="+mj-ea"/>
+                <a:ea typeface="+mj-ea"/>
+              </a:rPr>
+              <a:t>Baised</a:t>
+            </a:r>
+            <a:r>
+              <a:rPr lang="en-US" altLang="ko-KR" sz="1600" dirty="0">
+                <a:solidFill>
+                  <a:schemeClr val="bg1">
+                    <a:lumMod val="50000"/>
+                  </a:schemeClr>
+                </a:solidFill>
+                <a:latin typeface="+mj-ea"/>
+                <a:ea typeface="+mj-ea"/>
+              </a:rPr>
+              <a:t> attention</a:t>
+            </a:r>
+          </a:p>
+        </p:txBody>
+      </p:sp>
+      <p:sp>
+        <p:nvSpPr>
+          <p:cNvPr id="20" name="TextBox 19">
+            <a:extLst>
+              <a:ext uri="{FF2B5EF4-FFF2-40B4-BE49-F238E27FC236}">
+                <a16:creationId xmlns:a16="http://schemas.microsoft.com/office/drawing/2014/main" id="{683E726C-2E84-DEB2-5E89-8FFEA64B333D}"/>
+              </a:ext>
+            </a:extLst>
+          </p:cNvPr>
+          <p:cNvSpPr txBox="1"/>
+          <p:nvPr/>
+        </p:nvSpPr>
+        <p:spPr>
+          <a:xfrm>
+            <a:off x="514350" y="564862"/>
+            <a:ext cx="3662234" cy="584775"/>
+          </a:xfrm>
+          <a:prstGeom prst="rect">
+            <a:avLst/>
+          </a:prstGeom>
+          <a:noFill/>
+        </p:spPr>
+        <p:txBody>
+          <a:bodyPr wrap="square" anchor="ctr">
+            <a:spAutoFit/>
+          </a:bodyPr>
+          <a:lstStyle/>
+          <a:p>
+            <a:r>
+              <a:rPr lang="en-US" sz="3200" b="1" dirty="0">
+                <a:solidFill>
+                  <a:srgbClr val="1B4599"/>
+                </a:solidFill>
+                <a:latin typeface="+mn-ea"/>
+              </a:rPr>
+              <a:t>Introduction</a:t>
+            </a:r>
+            <a:endParaRPr sz="3200" b="1" dirty="0">
+              <a:solidFill>
+                <a:srgbClr val="1B4599"/>
+              </a:solidFill>
+              <a:latin typeface="+mn-ea"/>
+            </a:endParaRPr>
+          </a:p>
+        </p:txBody>
+      </p:sp>
+    </p:spTree>
+    <p:extLst>
+      <p:ext uri="{BB962C8B-B14F-4D97-AF65-F5344CB8AC3E}">
+        <p14:creationId xmlns:p14="http://schemas.microsoft.com/office/powerpoint/2010/main" val="516181585"/>
+      </p:ext>
+    </p:extLst>
+  </p:cSld>
+  <p:clrMapOvr>
+    <a:masterClrMapping/>
+  </p:clrMapOvr>
+</p:sld>
+</file>
+
+<file path=ppt/slides/slide5.xml><?xml version="1.0" encoding="utf-8"?>
+<p:sld xmlns:a="http://schemas.openxmlformats.org/drawingml/2006/main" xmlns:r="http://schemas.openxmlformats.org/officeDocument/2006/relationships" xmlns:p="http://schemas.openxmlformats.org/presentationml/2006/main">
+  <p:cSld>
+    <p:bg>
+      <p:bgPr>
+        <a:solidFill>
+          <a:srgbClr val="F5F5F5"/>
+        </a:solidFill>
+        <a:effectLst/>
+      </p:bgPr>
+    </p:bg>
+    <p:spTree>
+      <p:nvGrpSpPr>
+        <p:cNvPr id="1" name="">
+          <a:extLst>
+            <a:ext uri="{FF2B5EF4-FFF2-40B4-BE49-F238E27FC236}">
               <a16:creationId xmlns:a16="http://schemas.microsoft.com/office/drawing/2014/main" id="{38F9D922-B23E-02CD-A0D9-1EDA9F3C8EEC}"/>
             </a:ext>
           </a:extLst>
@@ -4451,9 +7336,9 @@
         <p:grpSpPr>
           <a:xfrm>
             <a:off x="615950" y="1636562"/>
-            <a:ext cx="3613150" cy="1973002"/>
+            <a:ext cx="3613150" cy="2134282"/>
             <a:chOff x="514350" y="1547662"/>
-            <a:chExt cx="3613150" cy="1973002"/>
+            <a:chExt cx="3613150" cy="2134282"/>
           </a:xfrm>
         </p:grpSpPr>
         <p:sp>
@@ -4514,8 +7399,8 @@
           </p:nvSpPr>
           <p:spPr>
             <a:xfrm>
-              <a:off x="523975" y="2443446"/>
-              <a:ext cx="3603524" cy="1077218"/>
+              <a:off x="523975" y="2344590"/>
+              <a:ext cx="3603524" cy="1337354"/>
             </a:xfrm>
             <a:prstGeom prst="rect">
               <a:avLst/>
@@ -4529,6 +7414,9 @@
             <a:lstStyle/>
             <a:p>
               <a:pPr marL="285750" lvl="1" indent="-285750">
+                <a:lnSpc>
+                  <a:spcPct val="130000"/>
+                </a:lnSpc>
                 <a:buFont typeface="Arial" panose="020B0604020202020204" pitchFamily="34" charset="0"/>
                 <a:buChar char="•"/>
               </a:pPr>
@@ -4609,9 +7497,9 @@
         <p:grpSpPr>
           <a:xfrm>
             <a:off x="4494212" y="1632817"/>
-            <a:ext cx="3446463" cy="3696551"/>
+            <a:ext cx="3446463" cy="4374895"/>
             <a:chOff x="514350" y="1547662"/>
-            <a:chExt cx="3613150" cy="3696551"/>
+            <a:chExt cx="3613150" cy="4374895"/>
           </a:xfrm>
         </p:grpSpPr>
         <p:sp>
@@ -4672,8 +7560,8 @@
           </p:nvSpPr>
           <p:spPr>
             <a:xfrm>
-              <a:off x="523975" y="2443446"/>
-              <a:ext cx="3603524" cy="2800767"/>
+              <a:off x="523975" y="2344590"/>
+              <a:ext cx="3603524" cy="3577967"/>
             </a:xfrm>
             <a:prstGeom prst="rect">
               <a:avLst/>
@@ -4687,6 +7575,9 @@
             <a:lstStyle/>
             <a:p>
               <a:pPr marL="285750" lvl="1" indent="-285750">
+                <a:lnSpc>
+                  <a:spcPct val="130000"/>
+                </a:lnSpc>
                 <a:buFont typeface="Arial" panose="020B0604020202020204" pitchFamily="34" charset="0"/>
                 <a:buChar char="•"/>
               </a:pPr>
@@ -4705,6 +7596,9 @@
             </a:p>
             <a:p>
               <a:pPr marL="285750" lvl="1" indent="-285750">
+                <a:lnSpc>
+                  <a:spcPct val="130000"/>
+                </a:lnSpc>
                 <a:buFont typeface="Arial" panose="020B0604020202020204" pitchFamily="34" charset="0"/>
                 <a:buChar char="•"/>
               </a:pPr>
@@ -4723,6 +7617,9 @@
             </a:p>
             <a:p>
               <a:pPr marL="285750" lvl="1" indent="-285750">
+                <a:lnSpc>
+                  <a:spcPct val="130000"/>
+                </a:lnSpc>
                 <a:buFont typeface="Arial" panose="020B0604020202020204" pitchFamily="34" charset="0"/>
                 <a:buChar char="•"/>
               </a:pPr>
@@ -4741,6 +7638,9 @@
             </a:p>
             <a:p>
               <a:pPr marL="742950" lvl="2" indent="-285750">
+                <a:lnSpc>
+                  <a:spcPct val="130000"/>
+                </a:lnSpc>
                 <a:buFont typeface="Arial" panose="020B0604020202020204" pitchFamily="34" charset="0"/>
                 <a:buChar char="•"/>
               </a:pPr>
@@ -4759,6 +7659,9 @@
             </a:p>
             <a:p>
               <a:pPr marL="742950" lvl="2" indent="-285750">
+                <a:lnSpc>
+                  <a:spcPct val="130000"/>
+                </a:lnSpc>
                 <a:buFont typeface="Arial" panose="020B0604020202020204" pitchFamily="34" charset="0"/>
                 <a:buChar char="•"/>
               </a:pPr>
@@ -4838,10 +7741,10 @@
         </p:nvGrpSpPr>
         <p:grpSpPr>
           <a:xfrm>
-            <a:off x="8215310" y="1644171"/>
-            <a:ext cx="3446463" cy="4435214"/>
+            <a:off x="8215310" y="1631814"/>
+            <a:ext cx="3446463" cy="5335158"/>
             <a:chOff x="514350" y="1547662"/>
-            <a:chExt cx="3613150" cy="4435214"/>
+            <a:chExt cx="3613150" cy="5335158"/>
           </a:xfrm>
         </p:grpSpPr>
         <p:sp>
@@ -4902,8 +7805,8 @@
           </p:nvSpPr>
           <p:spPr>
             <a:xfrm>
-              <a:off x="523975" y="2443446"/>
-              <a:ext cx="3603524" cy="3539430"/>
+              <a:off x="523975" y="2344590"/>
+              <a:ext cx="3603524" cy="4538230"/>
             </a:xfrm>
             <a:prstGeom prst="rect">
               <a:avLst/>
@@ -4917,6 +7820,9 @@
             <a:lstStyle/>
             <a:p>
               <a:pPr marL="285750" lvl="1" indent="-285750">
+                <a:lnSpc>
+                  <a:spcPct val="130000"/>
+                </a:lnSpc>
                 <a:buFont typeface="Arial" panose="020B0604020202020204" pitchFamily="34" charset="0"/>
                 <a:buChar char="•"/>
               </a:pPr>
@@ -4959,6 +7865,9 @@
             </a:p>
             <a:p>
               <a:pPr marL="742950" lvl="2" indent="-285750">
+                <a:lnSpc>
+                  <a:spcPct val="130000"/>
+                </a:lnSpc>
                 <a:buFont typeface="Arial" panose="020B0604020202020204" pitchFamily="34" charset="0"/>
                 <a:buChar char="•"/>
               </a:pPr>
@@ -4977,6 +7886,9 @@
             </a:p>
             <a:p>
               <a:pPr marL="742950" lvl="2" indent="-285750">
+                <a:lnSpc>
+                  <a:spcPct val="130000"/>
+                </a:lnSpc>
                 <a:buFont typeface="Arial" panose="020B0604020202020204" pitchFamily="34" charset="0"/>
                 <a:buChar char="•"/>
               </a:pPr>
@@ -4995,6 +7907,9 @@
             </a:p>
             <a:p>
               <a:pPr marL="285750" lvl="1" indent="-285750">
+                <a:lnSpc>
+                  <a:spcPct val="130000"/>
+                </a:lnSpc>
                 <a:buFont typeface="Arial" panose="020B0604020202020204" pitchFamily="34" charset="0"/>
                 <a:buChar char="•"/>
               </a:pPr>
@@ -5013,6 +7928,9 @@
             </a:p>
             <a:p>
               <a:pPr marL="742950" lvl="2" indent="-285750">
+                <a:lnSpc>
+                  <a:spcPct val="130000"/>
+                </a:lnSpc>
                 <a:buFont typeface="Arial" panose="020B0604020202020204" pitchFamily="34" charset="0"/>
                 <a:buChar char="•"/>
               </a:pPr>
@@ -5031,6 +7949,9 @@
             </a:p>
             <a:p>
               <a:pPr marL="742950" lvl="2" indent="-285750">
+                <a:lnSpc>
+                  <a:spcPct val="130000"/>
+                </a:lnSpc>
                 <a:buFont typeface="Arial" panose="020B0604020202020204" pitchFamily="34" charset="0"/>
                 <a:buChar char="•"/>
               </a:pPr>
@@ -5427,4 +8348,319 @@
   </a:objectDefaults>
   <a:extraClrSchemeLst/>
 </a:theme>
+</file>
+
+<file path=ppt/theme/theme2.xml><?xml version="1.0" encoding="utf-8"?>
+<a:theme xmlns:a="http://schemas.openxmlformats.org/drawingml/2006/main" name="Office 테마">
+  <a:themeElements>
+    <a:clrScheme name="Office">
+      <a:dk1>
+        <a:sysClr val="windowText" lastClr="000000"/>
+      </a:dk1>
+      <a:lt1>
+        <a:sysClr val="window" lastClr="FFFFFF"/>
+      </a:lt1>
+      <a:dk2>
+        <a:srgbClr val="0E2841"/>
+      </a:dk2>
+      <a:lt2>
+        <a:srgbClr val="E8E8E8"/>
+      </a:lt2>
+      <a:accent1>
+        <a:srgbClr val="156082"/>
+      </a:accent1>
+      <a:accent2>
+        <a:srgbClr val="E97132"/>
+      </a:accent2>
+      <a:accent3>
+        <a:srgbClr val="196B24"/>
+      </a:accent3>
+      <a:accent4>
+        <a:srgbClr val="0F9ED5"/>
+      </a:accent4>
+      <a:accent5>
+        <a:srgbClr val="A02B93"/>
+      </a:accent5>
+      <a:accent6>
+        <a:srgbClr val="4EA72E"/>
+      </a:accent6>
+      <a:hlink>
+        <a:srgbClr val="467886"/>
+      </a:hlink>
+      <a:folHlink>
+        <a:srgbClr val="96607D"/>
+      </a:folHlink>
+    </a:clrScheme>
+    <a:fontScheme name="Office">
+      <a:majorFont>
+        <a:latin typeface="맑은 고딕" panose="02110004020202020204"/>
+        <a:ea typeface=""/>
+        <a:cs typeface=""/>
+        <a:font script="Jpan" typeface="游ゴシック Light"/>
+        <a:font script="Hang" typeface="맑은 고딕"/>
+        <a:font script="Hans" typeface="等线 Light"/>
+        <a:font script="Hant" typeface="新細明體"/>
+        <a:font script="Arab" typeface="Times New Roman"/>
+        <a:font script="Hebr" typeface="Times New Roman"/>
+        <a:font script="Thai" typeface="Angsana New"/>
+        <a:font script="Ethi" typeface="Nyala"/>
+        <a:font script="Beng" typeface="Vrinda"/>
+        <a:font script="Gujr" typeface="Shruti"/>
+        <a:font script="Khmr" typeface="MoolBoran"/>
+        <a:font script="Knda" typeface="Tunga"/>
+        <a:font script="Guru" typeface="Raavi"/>
+        <a:font script="Cans" typeface="Euphemia"/>
+        <a:font script="Cher" typeface="Plantagenet Cherokee"/>
+        <a:font script="Yiii" typeface="Microsoft Yi Baiti"/>
+        <a:font script="Tibt" typeface="Microsoft Himalaya"/>
+        <a:font script="Thaa" typeface="MV Boli"/>
+        <a:font script="Deva" typeface="Mangal"/>
+        <a:font script="Telu" typeface="Gautami"/>
+        <a:font script="Taml" typeface="Latha"/>
+        <a:font script="Syrc" typeface="Estrangelo Edessa"/>
+        <a:font script="Orya" typeface="Kalinga"/>
+        <a:font script="Mlym" typeface="Kartika"/>
+        <a:font script="Laoo" typeface="DokChampa"/>
+        <a:font script="Sinh" typeface="Iskoola Pota"/>
+        <a:font script="Mong" typeface="Mongolian Baiti"/>
+        <a:font script="Viet" typeface="Times New Roman"/>
+        <a:font script="Uigh" typeface="Microsoft Uighur"/>
+        <a:font script="Geor" typeface="Sylfaen"/>
+        <a:font script="Armn" typeface="Arial"/>
+        <a:font script="Bugi" typeface="Leelawadee UI"/>
+        <a:font script="Bopo" typeface="Microsoft JhengHei"/>
+        <a:font script="Java" typeface="Javanese Text"/>
+        <a:font script="Lisu" typeface="Segoe UI"/>
+        <a:font script="Mymr" typeface="Myanmar Text"/>
+        <a:font script="Nkoo" typeface="Ebrima"/>
+        <a:font script="Olck" typeface="Nirmala UI"/>
+        <a:font script="Osma" typeface="Ebrima"/>
+        <a:font script="Phag" typeface="Phagspa"/>
+        <a:font script="Syrn" typeface="Estrangelo Edessa"/>
+        <a:font script="Syrj" typeface="Estrangelo Edessa"/>
+        <a:font script="Syre" typeface="Estrangelo Edessa"/>
+        <a:font script="Sora" typeface="Nirmala UI"/>
+        <a:font script="Tale" typeface="Microsoft Tai Le"/>
+        <a:font script="Talu" typeface="Microsoft New Tai Lue"/>
+        <a:font script="Tfng" typeface="Ebrima"/>
+      </a:majorFont>
+      <a:minorFont>
+        <a:latin typeface="맑은 고딕" panose="02110004020202020204"/>
+        <a:ea typeface=""/>
+        <a:cs typeface=""/>
+        <a:font script="Jpan" typeface="游ゴシック"/>
+        <a:font script="Hang" typeface="맑은 고딕"/>
+        <a:font script="Hans" typeface="等线"/>
+        <a:font script="Hant" typeface="新細明體"/>
+        <a:font script="Arab" typeface="Arial"/>
+        <a:font script="Hebr" typeface="Arial"/>
+        <a:font script="Thai" typeface="Cordia New"/>
+        <a:font script="Ethi" typeface="Nyala"/>
+        <a:font script="Beng" typeface="Vrinda"/>
+        <a:font script="Gujr" typeface="Shruti"/>
+        <a:font script="Khmr" typeface="DaunPenh"/>
+        <a:font script="Knda" typeface="Tunga"/>
+        <a:font script="Guru" typeface="Raavi"/>
+        <a:font script="Cans" typeface="Euphemia"/>
+        <a:font script="Cher" typeface="Plantagenet Cherokee"/>
+        <a:font script="Yiii" typeface="Microsoft Yi Baiti"/>
+        <a:font script="Tibt" typeface="Microsoft Himalaya"/>
+        <a:font script="Thaa" typeface="MV Boli"/>
+        <a:font script="Deva" typeface="Mangal"/>
+        <a:font script="Telu" typeface="Gautami"/>
+        <a:font script="Taml" typeface="Latha"/>
+        <a:font script="Syrc" typeface="Estrangelo Edessa"/>
+        <a:font script="Orya" typeface="Kalinga"/>
+        <a:font script="Mlym" typeface="Kartika"/>
+        <a:font script="Laoo" typeface="DokChampa"/>
+        <a:font script="Sinh" typeface="Iskoola Pota"/>
+        <a:font script="Mong" typeface="Mongolian Baiti"/>
+        <a:font script="Viet" typeface="Arial"/>
+        <a:font script="Uigh" typeface="Microsoft Uighur"/>
+        <a:font script="Geor" typeface="Sylfaen"/>
+        <a:font script="Armn" typeface="Arial"/>
+        <a:font script="Bugi" typeface="Leelawadee UI"/>
+        <a:font script="Bopo" typeface="Microsoft JhengHei"/>
+        <a:font script="Java" typeface="Javanese Text"/>
+        <a:font script="Lisu" typeface="Segoe UI"/>
+        <a:font script="Mymr" typeface="Myanmar Text"/>
+        <a:font script="Nkoo" typeface="Ebrima"/>
+        <a:font script="Olck" typeface="Nirmala UI"/>
+        <a:font script="Osma" typeface="Ebrima"/>
+        <a:font script="Phag" typeface="Phagspa"/>
+        <a:font script="Syrn" typeface="Estrangelo Edessa"/>
+        <a:font script="Syrj" typeface="Estrangelo Edessa"/>
+        <a:font script="Syre" typeface="Estrangelo Edessa"/>
+        <a:font script="Sora" typeface="Nirmala UI"/>
+        <a:font script="Tale" typeface="Microsoft Tai Le"/>
+        <a:font script="Talu" typeface="Microsoft New Tai Lue"/>
+        <a:font script="Tfng" typeface="Ebrima"/>
+      </a:minorFont>
+    </a:fontScheme>
+    <a:fmtScheme name="Office">
+      <a:fillStyleLst>
+        <a:solidFill>
+          <a:schemeClr val="phClr"/>
+        </a:solidFill>
+        <a:gradFill rotWithShape="1">
+          <a:gsLst>
+            <a:gs pos="0">
+              <a:schemeClr val="phClr">
+                <a:lumMod val="110000"/>
+                <a:satMod val="105000"/>
+                <a:tint val="67000"/>
+              </a:schemeClr>
+            </a:gs>
+            <a:gs pos="50000">
+              <a:schemeClr val="phClr">
+                <a:lumMod val="105000"/>
+                <a:satMod val="103000"/>
+                <a:tint val="73000"/>
+              </a:schemeClr>
+            </a:gs>
+            <a:gs pos="100000">
+              <a:schemeClr val="phClr">
+                <a:lumMod val="105000"/>
+                <a:satMod val="109000"/>
+                <a:tint val="81000"/>
+              </a:schemeClr>
+            </a:gs>
+          </a:gsLst>
+          <a:lin ang="5400000" scaled="0"/>
+        </a:gradFill>
+        <a:gradFill rotWithShape="1">
+          <a:gsLst>
+            <a:gs pos="0">
+              <a:schemeClr val="phClr">
+                <a:satMod val="103000"/>
+                <a:lumMod val="102000"/>
+                <a:tint val="94000"/>
+              </a:schemeClr>
+            </a:gs>
+            <a:gs pos="50000">
+              <a:schemeClr val="phClr">
+                <a:satMod val="110000"/>
+                <a:lumMod val="100000"/>
+                <a:shade val="100000"/>
+              </a:schemeClr>
+            </a:gs>
+            <a:gs pos="100000">
+              <a:schemeClr val="phClr">
+                <a:lumMod val="99000"/>
+                <a:satMod val="120000"/>
+                <a:shade val="78000"/>
+              </a:schemeClr>
+            </a:gs>
+          </a:gsLst>
+          <a:lin ang="5400000" scaled="0"/>
+        </a:gradFill>
+      </a:fillStyleLst>
+      <a:lnStyleLst>
+        <a:ln w="12700" cap="flat" cmpd="sng" algn="ctr">
+          <a:solidFill>
+            <a:schemeClr val="phClr"/>
+          </a:solidFill>
+          <a:prstDash val="solid"/>
+          <a:miter lim="800000"/>
+        </a:ln>
+        <a:ln w="19050" cap="flat" cmpd="sng" algn="ctr">
+          <a:solidFill>
+            <a:schemeClr val="phClr"/>
+          </a:solidFill>
+          <a:prstDash val="solid"/>
+          <a:miter lim="800000"/>
+        </a:ln>
+        <a:ln w="25400" cap="flat" cmpd="sng" algn="ctr">
+          <a:solidFill>
+            <a:schemeClr val="phClr"/>
+          </a:solidFill>
+          <a:prstDash val="solid"/>
+          <a:miter lim="800000"/>
+        </a:ln>
+      </a:lnStyleLst>
+      <a:effectStyleLst>
+        <a:effectStyle>
+          <a:effectLst/>
+        </a:effectStyle>
+        <a:effectStyle>
+          <a:effectLst/>
+        </a:effectStyle>
+        <a:effectStyle>
+          <a:effectLst>
+            <a:outerShdw blurRad="57150" dist="19050" dir="5400000" algn="ctr" rotWithShape="0">
+              <a:srgbClr val="000000">
+                <a:alpha val="63000"/>
+              </a:srgbClr>
+            </a:outerShdw>
+          </a:effectLst>
+        </a:effectStyle>
+      </a:effectStyleLst>
+      <a:bgFillStyleLst>
+        <a:solidFill>
+          <a:schemeClr val="phClr"/>
+        </a:solidFill>
+        <a:solidFill>
+          <a:schemeClr val="phClr">
+            <a:tint val="95000"/>
+            <a:satMod val="170000"/>
+          </a:schemeClr>
+        </a:solidFill>
+        <a:gradFill rotWithShape="1">
+          <a:gsLst>
+            <a:gs pos="0">
+              <a:schemeClr val="phClr">
+                <a:tint val="93000"/>
+                <a:satMod val="150000"/>
+                <a:shade val="98000"/>
+                <a:lumMod val="102000"/>
+              </a:schemeClr>
+            </a:gs>
+            <a:gs pos="50000">
+              <a:schemeClr val="phClr">
+                <a:tint val="98000"/>
+                <a:satMod val="130000"/>
+                <a:shade val="90000"/>
+                <a:lumMod val="103000"/>
+              </a:schemeClr>
+            </a:gs>
+            <a:gs pos="100000">
+              <a:schemeClr val="phClr">
+                <a:shade val="63000"/>
+                <a:satMod val="120000"/>
+              </a:schemeClr>
+            </a:gs>
+          </a:gsLst>
+          <a:lin ang="5400000" scaled="0"/>
+        </a:gradFill>
+      </a:bgFillStyleLst>
+    </a:fmtScheme>
+  </a:themeElements>
+  <a:objectDefaults>
+    <a:lnDef>
+      <a:spPr/>
+      <a:bodyPr/>
+      <a:lstStyle/>
+      <a:style>
+        <a:lnRef idx="2">
+          <a:schemeClr val="accent1"/>
+        </a:lnRef>
+        <a:fillRef idx="0">
+          <a:schemeClr val="accent1"/>
+        </a:fillRef>
+        <a:effectRef idx="1">
+          <a:schemeClr val="accent1"/>
+        </a:effectRef>
+        <a:fontRef idx="minor">
+          <a:schemeClr val="tx1"/>
+        </a:fontRef>
+      </a:style>
+    </a:lnDef>
+  </a:objectDefaults>
+  <a:extraClrSchemeLst/>
+  <a:extLst>
+    <a:ext uri="{05A4C25C-085E-4340-85A3-A5531E510DB2}">
+      <thm15:themeFamily xmlns:thm15="http://schemas.microsoft.com/office/thememl/2012/main" name="Office Theme" id="{2E142A2C-CD16-42D6-873A-C26D2A0506FA}" vid="{1BDDFF52-6CD6-40A5-AB3C-68EB2F1E4D0A}"/>
+    </a:ext>
+  </a:extLst>
+</a:theme>
 </file>
--- a/논문 Review/Others/paper_review.pptx
+++ b/논문 Review/Others/paper_review.pptx
@@ -5,7 +5,7 @@
     <p:sldMasterId id="2147483648" r:id="rId1"/>
   </p:sldMasterIdLst>
   <p:notesMasterIdLst>
-    <p:notesMasterId r:id="rId16"/>
+    <p:notesMasterId r:id="rId18"/>
   </p:notesMasterIdLst>
   <p:sldIdLst>
     <p:sldId id="256" r:id="rId2"/>
@@ -22,6 +22,8 @@
     <p:sldId id="271" r:id="rId13"/>
     <p:sldId id="273" r:id="rId14"/>
     <p:sldId id="272" r:id="rId15"/>
+    <p:sldId id="274" r:id="rId16"/>
+    <p:sldId id="275" r:id="rId17"/>
   </p:sldIdLst>
   <p:sldSz cx="12188825" cy="6858000"/>
   <p:notesSz cx="6858000" cy="9144000"/>
@@ -261,7 +263,7 @@
           <a:p>
             <a:fld id="{33411047-42F0-4CC2-B8A2-923F087E7E46}" type="datetimeFigureOut">
               <a:rPr lang="ko-KR" altLang="en-US" smtClean="0"/>
-              <a:t>2025-06-15</a:t>
+              <a:t>2025-06-16</a:t>
             </a:fld>
             <a:endParaRPr lang="ko-KR" altLang="en-US"/>
           </a:p>
@@ -1275,6 +1277,342 @@
     <p:extLst>
       <p:ext uri="{BB962C8B-B14F-4D97-AF65-F5344CB8AC3E}">
         <p14:creationId xmlns:p14="http://schemas.microsoft.com/office/powerpoint/2010/main" val="2507515788"/>
+      </p:ext>
+    </p:extLst>
+  </p:cSld>
+  <p:clrMapOvr>
+    <a:masterClrMapping/>
+  </p:clrMapOvr>
+</p:notes>
+</file>
+
+<file path=ppt/notesSlides/notesSlide14.xml><?xml version="1.0" encoding="utf-8"?>
+<p:notes xmlns:a="http://schemas.openxmlformats.org/drawingml/2006/main" xmlns:r="http://schemas.openxmlformats.org/officeDocument/2006/relationships" xmlns:p="http://schemas.openxmlformats.org/presentationml/2006/main">
+  <p:cSld>
+    <p:spTree>
+      <p:nvGrpSpPr>
+        <p:cNvPr id="1" name="">
+          <a:extLst>
+            <a:ext uri="{FF2B5EF4-FFF2-40B4-BE49-F238E27FC236}">
+              <a16:creationId xmlns:a16="http://schemas.microsoft.com/office/drawing/2014/main" id="{B442AB2F-C880-1F1D-7125-66567FE33E30}"/>
+            </a:ext>
+          </a:extLst>
+        </p:cNvPr>
+        <p:cNvGrpSpPr/>
+        <p:nvPr/>
+      </p:nvGrpSpPr>
+      <p:grpSpPr>
+        <a:xfrm>
+          <a:off x="0" y="0"/>
+          <a:ext cx="0" cy="0"/>
+          <a:chOff x="0" y="0"/>
+          <a:chExt cx="0" cy="0"/>
+        </a:xfrm>
+      </p:grpSpPr>
+      <p:sp>
+        <p:nvSpPr>
+          <p:cNvPr id="2" name="슬라이드 이미지 개체 틀 1">
+            <a:extLst>
+              <a:ext uri="{FF2B5EF4-FFF2-40B4-BE49-F238E27FC236}">
+                <a16:creationId xmlns:a16="http://schemas.microsoft.com/office/drawing/2014/main" id="{00BDE1E5-19F4-23A9-B972-1D8D5CB287C5}"/>
+              </a:ext>
+            </a:extLst>
+          </p:cNvPr>
+          <p:cNvSpPr>
+            <a:spLocks noGrp="1" noRot="1" noChangeAspect="1"/>
+          </p:cNvSpPr>
+          <p:nvPr>
+            <p:ph type="sldImg"/>
+          </p:nvPr>
+        </p:nvSpPr>
+        <p:spPr/>
+      </p:sp>
+      <p:sp>
+        <p:nvSpPr>
+          <p:cNvPr id="3" name="슬라이드 노트 개체 틀 2">
+            <a:extLst>
+              <a:ext uri="{FF2B5EF4-FFF2-40B4-BE49-F238E27FC236}">
+                <a16:creationId xmlns:a16="http://schemas.microsoft.com/office/drawing/2014/main" id="{4120029E-D84E-E560-904B-00B898727682}"/>
+              </a:ext>
+            </a:extLst>
+          </p:cNvPr>
+          <p:cNvSpPr>
+            <a:spLocks noGrp="1"/>
+          </p:cNvSpPr>
+          <p:nvPr>
+            <p:ph type="body" idx="1"/>
+          </p:nvPr>
+        </p:nvSpPr>
+        <p:spPr/>
+        <p:txBody>
+          <a:bodyPr/>
+          <a:lstStyle/>
+          <a:p>
+            <a:endParaRPr lang="ko-KR" altLang="en-US" dirty="0"/>
+          </a:p>
+        </p:txBody>
+      </p:sp>
+      <p:sp>
+        <p:nvSpPr>
+          <p:cNvPr id="4" name="슬라이드 번호 개체 틀 3">
+            <a:extLst>
+              <a:ext uri="{FF2B5EF4-FFF2-40B4-BE49-F238E27FC236}">
+                <a16:creationId xmlns:a16="http://schemas.microsoft.com/office/drawing/2014/main" id="{59A3F0BE-98B4-EABB-D210-90157B68513F}"/>
+              </a:ext>
+            </a:extLst>
+          </p:cNvPr>
+          <p:cNvSpPr>
+            <a:spLocks noGrp="1"/>
+          </p:cNvSpPr>
+          <p:nvPr>
+            <p:ph type="sldNum" sz="quarter" idx="5"/>
+          </p:nvPr>
+        </p:nvSpPr>
+        <p:spPr/>
+        <p:txBody>
+          <a:bodyPr/>
+          <a:lstStyle/>
+          <a:p>
+            <a:pPr marL="0" marR="0" lvl="0" indent="0" algn="r" defTabSz="457200" rtl="0" eaLnBrk="1" fontAlgn="auto" latinLnBrk="0" hangingPunct="1">
+              <a:lnSpc>
+                <a:spcPct val="100000"/>
+              </a:lnSpc>
+              <a:spcBef>
+                <a:spcPts val="0"/>
+              </a:spcBef>
+              <a:spcAft>
+                <a:spcPts val="0"/>
+              </a:spcAft>
+              <a:buClrTx/>
+              <a:buSzTx/>
+              <a:buFontTx/>
+              <a:buNone/>
+              <a:tabLst/>
+              <a:defRPr/>
+            </a:pPr>
+            <a:fld id="{98A03DBC-1058-43FC-A566-55580D6B3B1A}" type="slidenum">
+              <a:rPr kumimoji="0" lang="ko-KR" altLang="en-US" sz="1200" b="0" i="0" u="none" strike="noStrike" kern="1200" cap="none" spc="0" normalizeH="0" baseline="0" noProof="0" smtClean="0">
+                <a:ln>
+                  <a:noFill/>
+                </a:ln>
+                <a:solidFill>
+                  <a:prstClr val="black"/>
+                </a:solidFill>
+                <a:effectLst/>
+                <a:uLnTx/>
+                <a:uFillTx/>
+                <a:latin typeface="맑은 고딕" panose="02110004020202020204"/>
+                <a:ea typeface="맑은 고딕" panose="020B0503020000020004" pitchFamily="50" charset="-127"/>
+                <a:cs typeface="+mn-cs"/>
+              </a:rPr>
+              <a:pPr marL="0" marR="0" lvl="0" indent="0" algn="r" defTabSz="457200" rtl="0" eaLnBrk="1" fontAlgn="auto" latinLnBrk="0" hangingPunct="1">
+                <a:lnSpc>
+                  <a:spcPct val="100000"/>
+                </a:lnSpc>
+                <a:spcBef>
+                  <a:spcPts val="0"/>
+                </a:spcBef>
+                <a:spcAft>
+                  <a:spcPts val="0"/>
+                </a:spcAft>
+                <a:buClrTx/>
+                <a:buSzTx/>
+                <a:buFontTx/>
+                <a:buNone/>
+                <a:tabLst/>
+                <a:defRPr/>
+              </a:pPr>
+              <a:t>15</a:t>
+            </a:fld>
+            <a:endParaRPr kumimoji="0" lang="ko-KR" altLang="en-US" sz="1200" b="0" i="0" u="none" strike="noStrike" kern="1200" cap="none" spc="0" normalizeH="0" baseline="0" noProof="0">
+              <a:ln>
+                <a:noFill/>
+              </a:ln>
+              <a:solidFill>
+                <a:prstClr val="black"/>
+              </a:solidFill>
+              <a:effectLst/>
+              <a:uLnTx/>
+              <a:uFillTx/>
+              <a:latin typeface="맑은 고딕" panose="02110004020202020204"/>
+              <a:ea typeface="맑은 고딕" panose="020B0503020000020004" pitchFamily="50" charset="-127"/>
+              <a:cs typeface="+mn-cs"/>
+            </a:endParaRPr>
+          </a:p>
+        </p:txBody>
+      </p:sp>
+    </p:spTree>
+    <p:extLst>
+      <p:ext uri="{BB962C8B-B14F-4D97-AF65-F5344CB8AC3E}">
+        <p14:creationId xmlns:p14="http://schemas.microsoft.com/office/powerpoint/2010/main" val="1396519464"/>
+      </p:ext>
+    </p:extLst>
+  </p:cSld>
+  <p:clrMapOvr>
+    <a:masterClrMapping/>
+  </p:clrMapOvr>
+</p:notes>
+</file>
+
+<file path=ppt/notesSlides/notesSlide15.xml><?xml version="1.0" encoding="utf-8"?>
+<p:notes xmlns:a="http://schemas.openxmlformats.org/drawingml/2006/main" xmlns:r="http://schemas.openxmlformats.org/officeDocument/2006/relationships" xmlns:p="http://schemas.openxmlformats.org/presentationml/2006/main">
+  <p:cSld>
+    <p:spTree>
+      <p:nvGrpSpPr>
+        <p:cNvPr id="1" name="">
+          <a:extLst>
+            <a:ext uri="{FF2B5EF4-FFF2-40B4-BE49-F238E27FC236}">
+              <a16:creationId xmlns:a16="http://schemas.microsoft.com/office/drawing/2014/main" id="{85534FE1-74F0-BF05-FDB8-22A177837D50}"/>
+            </a:ext>
+          </a:extLst>
+        </p:cNvPr>
+        <p:cNvGrpSpPr/>
+        <p:nvPr/>
+      </p:nvGrpSpPr>
+      <p:grpSpPr>
+        <a:xfrm>
+          <a:off x="0" y="0"/>
+          <a:ext cx="0" cy="0"/>
+          <a:chOff x="0" y="0"/>
+          <a:chExt cx="0" cy="0"/>
+        </a:xfrm>
+      </p:grpSpPr>
+      <p:sp>
+        <p:nvSpPr>
+          <p:cNvPr id="2" name="슬라이드 이미지 개체 틀 1">
+            <a:extLst>
+              <a:ext uri="{FF2B5EF4-FFF2-40B4-BE49-F238E27FC236}">
+                <a16:creationId xmlns:a16="http://schemas.microsoft.com/office/drawing/2014/main" id="{182691CF-5E92-6CAC-E134-A9462C1DF6B9}"/>
+              </a:ext>
+            </a:extLst>
+          </p:cNvPr>
+          <p:cNvSpPr>
+            <a:spLocks noGrp="1" noRot="1" noChangeAspect="1"/>
+          </p:cNvSpPr>
+          <p:nvPr>
+            <p:ph type="sldImg"/>
+          </p:nvPr>
+        </p:nvSpPr>
+        <p:spPr/>
+      </p:sp>
+      <p:sp>
+        <p:nvSpPr>
+          <p:cNvPr id="3" name="슬라이드 노트 개체 틀 2">
+            <a:extLst>
+              <a:ext uri="{FF2B5EF4-FFF2-40B4-BE49-F238E27FC236}">
+                <a16:creationId xmlns:a16="http://schemas.microsoft.com/office/drawing/2014/main" id="{28C0068D-AAA1-C7BD-1922-35C493EB168A}"/>
+              </a:ext>
+            </a:extLst>
+          </p:cNvPr>
+          <p:cNvSpPr>
+            <a:spLocks noGrp="1"/>
+          </p:cNvSpPr>
+          <p:nvPr>
+            <p:ph type="body" idx="1"/>
+          </p:nvPr>
+        </p:nvSpPr>
+        <p:spPr/>
+        <p:txBody>
+          <a:bodyPr/>
+          <a:lstStyle/>
+          <a:p>
+            <a:endParaRPr lang="ko-KR" altLang="en-US" dirty="0"/>
+          </a:p>
+        </p:txBody>
+      </p:sp>
+      <p:sp>
+        <p:nvSpPr>
+          <p:cNvPr id="4" name="슬라이드 번호 개체 틀 3">
+            <a:extLst>
+              <a:ext uri="{FF2B5EF4-FFF2-40B4-BE49-F238E27FC236}">
+                <a16:creationId xmlns:a16="http://schemas.microsoft.com/office/drawing/2014/main" id="{B5AF7218-ABAC-BE0F-DD21-4C2E67C1728F}"/>
+              </a:ext>
+            </a:extLst>
+          </p:cNvPr>
+          <p:cNvSpPr>
+            <a:spLocks noGrp="1"/>
+          </p:cNvSpPr>
+          <p:nvPr>
+            <p:ph type="sldNum" sz="quarter" idx="5"/>
+          </p:nvPr>
+        </p:nvSpPr>
+        <p:spPr/>
+        <p:txBody>
+          <a:bodyPr/>
+          <a:lstStyle/>
+          <a:p>
+            <a:pPr marL="0" marR="0" lvl="0" indent="0" algn="r" defTabSz="457200" rtl="0" eaLnBrk="1" fontAlgn="auto" latinLnBrk="0" hangingPunct="1">
+              <a:lnSpc>
+                <a:spcPct val="100000"/>
+              </a:lnSpc>
+              <a:spcBef>
+                <a:spcPts val="0"/>
+              </a:spcBef>
+              <a:spcAft>
+                <a:spcPts val="0"/>
+              </a:spcAft>
+              <a:buClrTx/>
+              <a:buSzTx/>
+              <a:buFontTx/>
+              <a:buNone/>
+              <a:tabLst/>
+              <a:defRPr/>
+            </a:pPr>
+            <a:fld id="{98A03DBC-1058-43FC-A566-55580D6B3B1A}" type="slidenum">
+              <a:rPr kumimoji="0" lang="ko-KR" altLang="en-US" sz="1200" b="0" i="0" u="none" strike="noStrike" kern="1200" cap="none" spc="0" normalizeH="0" baseline="0" noProof="0" smtClean="0">
+                <a:ln>
+                  <a:noFill/>
+                </a:ln>
+                <a:solidFill>
+                  <a:prstClr val="black"/>
+                </a:solidFill>
+                <a:effectLst/>
+                <a:uLnTx/>
+                <a:uFillTx/>
+                <a:latin typeface="맑은 고딕" panose="02110004020202020204"/>
+                <a:ea typeface="맑은 고딕" panose="020B0503020000020004" pitchFamily="50" charset="-127"/>
+                <a:cs typeface="+mn-cs"/>
+              </a:rPr>
+              <a:pPr marL="0" marR="0" lvl="0" indent="0" algn="r" defTabSz="457200" rtl="0" eaLnBrk="1" fontAlgn="auto" latinLnBrk="0" hangingPunct="1">
+                <a:lnSpc>
+                  <a:spcPct val="100000"/>
+                </a:lnSpc>
+                <a:spcBef>
+                  <a:spcPts val="0"/>
+                </a:spcBef>
+                <a:spcAft>
+                  <a:spcPts val="0"/>
+                </a:spcAft>
+                <a:buClrTx/>
+                <a:buSzTx/>
+                <a:buFontTx/>
+                <a:buNone/>
+                <a:tabLst/>
+                <a:defRPr/>
+              </a:pPr>
+              <a:t>16</a:t>
+            </a:fld>
+            <a:endParaRPr kumimoji="0" lang="ko-KR" altLang="en-US" sz="1200" b="0" i="0" u="none" strike="noStrike" kern="1200" cap="none" spc="0" normalizeH="0" baseline="0" noProof="0">
+              <a:ln>
+                <a:noFill/>
+              </a:ln>
+              <a:solidFill>
+                <a:prstClr val="black"/>
+              </a:solidFill>
+              <a:effectLst/>
+              <a:uLnTx/>
+              <a:uFillTx/>
+              <a:latin typeface="맑은 고딕" panose="02110004020202020204"/>
+              <a:ea typeface="맑은 고딕" panose="020B0503020000020004" pitchFamily="50" charset="-127"/>
+              <a:cs typeface="+mn-cs"/>
+            </a:endParaRPr>
+          </a:p>
+        </p:txBody>
+      </p:sp>
+    </p:spTree>
+    <p:extLst>
+      <p:ext uri="{BB962C8B-B14F-4D97-AF65-F5344CB8AC3E}">
+        <p14:creationId xmlns:p14="http://schemas.microsoft.com/office/powerpoint/2010/main" val="1729378135"/>
       </p:ext>
     </p:extLst>
   </p:cSld>
@@ -4228,7 +4566,7 @@
           <a:p>
             <a:fld id="{5BCAD085-E8A6-8845-BD4E-CB4CCA059FC4}" type="datetimeFigureOut">
               <a:rPr lang="en-US" smtClean="0"/>
-              <a:t>6/15/2025</a:t>
+              <a:t>6/16/2025</a:t>
             </a:fld>
             <a:endParaRPr lang="en-US"/>
           </a:p>
@@ -4396,7 +4734,7 @@
           <a:p>
             <a:fld id="{5BCAD085-E8A6-8845-BD4E-CB4CCA059FC4}" type="datetimeFigureOut">
               <a:rPr lang="en-US" smtClean="0"/>
-              <a:t>6/15/2025</a:t>
+              <a:t>6/16/2025</a:t>
             </a:fld>
             <a:endParaRPr lang="en-US"/>
           </a:p>
@@ -4574,7 +4912,7 @@
           <a:p>
             <a:fld id="{5BCAD085-E8A6-8845-BD4E-CB4CCA059FC4}" type="datetimeFigureOut">
               <a:rPr lang="en-US" smtClean="0"/>
-              <a:t>6/15/2025</a:t>
+              <a:t>6/16/2025</a:t>
             </a:fld>
             <a:endParaRPr lang="en-US"/>
           </a:p>
@@ -4742,7 +5080,7 @@
           <a:p>
             <a:fld id="{5BCAD085-E8A6-8845-BD4E-CB4CCA059FC4}" type="datetimeFigureOut">
               <a:rPr lang="en-US" smtClean="0"/>
-              <a:t>6/15/2025</a:t>
+              <a:t>6/16/2025</a:t>
             </a:fld>
             <a:endParaRPr lang="en-US"/>
           </a:p>
@@ -4987,7 +5325,7 @@
           <a:p>
             <a:fld id="{5BCAD085-E8A6-8845-BD4E-CB4CCA059FC4}" type="datetimeFigureOut">
               <a:rPr lang="en-US" smtClean="0"/>
-              <a:t>6/15/2025</a:t>
+              <a:t>6/16/2025</a:t>
             </a:fld>
             <a:endParaRPr lang="en-US"/>
           </a:p>
@@ -5272,7 +5610,7 @@
           <a:p>
             <a:fld id="{5BCAD085-E8A6-8845-BD4E-CB4CCA059FC4}" type="datetimeFigureOut">
               <a:rPr lang="en-US" smtClean="0"/>
-              <a:t>6/15/2025</a:t>
+              <a:t>6/16/2025</a:t>
             </a:fld>
             <a:endParaRPr lang="en-US"/>
           </a:p>
@@ -5691,7 +6029,7 @@
           <a:p>
             <a:fld id="{5BCAD085-E8A6-8845-BD4E-CB4CCA059FC4}" type="datetimeFigureOut">
               <a:rPr lang="en-US" smtClean="0"/>
-              <a:t>6/15/2025</a:t>
+              <a:t>6/16/2025</a:t>
             </a:fld>
             <a:endParaRPr lang="en-US"/>
           </a:p>
@@ -5808,7 +6146,7 @@
           <a:p>
             <a:fld id="{5BCAD085-E8A6-8845-BD4E-CB4CCA059FC4}" type="datetimeFigureOut">
               <a:rPr lang="en-US" smtClean="0"/>
-              <a:t>6/15/2025</a:t>
+              <a:t>6/16/2025</a:t>
             </a:fld>
             <a:endParaRPr lang="en-US"/>
           </a:p>
@@ -5911,7 +6249,7 @@
           <a:p>
             <a:fld id="{5BCAD085-E8A6-8845-BD4E-CB4CCA059FC4}" type="datetimeFigureOut">
               <a:rPr lang="en-US" smtClean="0"/>
-              <a:t>6/15/2025</a:t>
+              <a:t>6/16/2025</a:t>
             </a:fld>
             <a:endParaRPr lang="en-US"/>
           </a:p>
@@ -6202,7 +6540,7 @@
           <a:p>
             <a:fld id="{5BCAD085-E8A6-8845-BD4E-CB4CCA059FC4}" type="datetimeFigureOut">
               <a:rPr lang="en-US" smtClean="0"/>
-              <a:t>6/15/2025</a:t>
+              <a:t>6/16/2025</a:t>
             </a:fld>
             <a:endParaRPr lang="en-US"/>
           </a:p>
@@ -6454,7 +6792,7 @@
           <a:p>
             <a:fld id="{5BCAD085-E8A6-8845-BD4E-CB4CCA059FC4}" type="datetimeFigureOut">
               <a:rPr lang="en-US" smtClean="0"/>
-              <a:t>6/15/2025</a:t>
+              <a:t>6/16/2025</a:t>
             </a:fld>
             <a:endParaRPr lang="en-US"/>
           </a:p>
@@ -6665,7 +7003,7 @@
           <a:p>
             <a:fld id="{5BCAD085-E8A6-8845-BD4E-CB4CCA059FC4}" type="datetimeFigureOut">
               <a:rPr lang="en-US" smtClean="0"/>
-              <a:t>6/15/2025</a:t>
+              <a:t>6/16/2025</a:t>
             </a:fld>
             <a:endParaRPr lang="en-US"/>
           </a:p>
@@ -7598,8 +7936,8 @@
           </p:txBody>
         </p:sp>
       </p:grpSp>
-      <mc:AlternateContent xmlns:mc="http://schemas.openxmlformats.org/markup-compatibility/2006">
-        <mc:Choice xmlns:a14="http://schemas.microsoft.com/office/drawing/2010/main" Requires="a14">
+      <mc:AlternateContent xmlns:mc="http://schemas.openxmlformats.org/markup-compatibility/2006" xmlns:a14="http://schemas.microsoft.com/office/drawing/2010/main">
+        <mc:Choice Requires="a14">
           <p:sp>
             <p:nvSpPr>
               <p:cNvPr id="13" name="직사각형 12">
@@ -7713,6 +8051,7 @@
                             <a:lumMod val="50000"/>
                           </a:schemeClr>
                         </a:solidFill>
+                        <a:latin typeface="Cambria Math" panose="02040503050406030204" pitchFamily="18" charset="0"/>
                       </a:rPr>
                       <m:t>𝑡</m:t>
                     </m:r>
@@ -7758,6 +8097,7 @@
                                 <a:lumMod val="50000"/>
                               </a:schemeClr>
                             </a:solidFill>
+                            <a:latin typeface="Cambria Math" panose="02040503050406030204" pitchFamily="18" charset="0"/>
                           </a:rPr>
                         </m:ctrlPr>
                       </m:sSupPr>
@@ -7769,6 +8109,7 @@
                                 <a:lumMod val="50000"/>
                               </a:schemeClr>
                             </a:solidFill>
+                            <a:latin typeface="Cambria Math" panose="02040503050406030204" pitchFamily="18" charset="0"/>
                           </a:rPr>
                           <m:t>𝑉</m:t>
                         </m:r>
@@ -7781,6 +8122,7 @@
                                 <a:lumMod val="50000"/>
                               </a:schemeClr>
                             </a:solidFill>
+                            <a:latin typeface="Cambria Math" panose="02040503050406030204" pitchFamily="18" charset="0"/>
                           </a:rPr>
                           <m:t>(0)</m:t>
                         </m:r>
@@ -7828,6 +8170,7 @@
                                 <a:lumMod val="50000"/>
                               </a:schemeClr>
                             </a:solidFill>
+                            <a:latin typeface="Cambria Math" panose="02040503050406030204" pitchFamily="18" charset="0"/>
                           </a:rPr>
                         </m:ctrlPr>
                       </m:sSupPr>
@@ -7839,6 +8182,7 @@
                                 <a:lumMod val="50000"/>
                               </a:schemeClr>
                             </a:solidFill>
+                            <a:latin typeface="Cambria Math" panose="02040503050406030204" pitchFamily="18" charset="0"/>
                           </a:rPr>
                           <m:t>𝑉</m:t>
                         </m:r>
@@ -7851,6 +8195,7 @@
                                 <a:lumMod val="50000"/>
                               </a:schemeClr>
                             </a:solidFill>
+                            <a:latin typeface="Cambria Math" panose="02040503050406030204" pitchFamily="18" charset="0"/>
                           </a:rPr>
                           <m:t>(</m:t>
                         </m:r>
@@ -7861,6 +8206,7 @@
                                 <a:lumMod val="50000"/>
                               </a:schemeClr>
                             </a:solidFill>
+                            <a:latin typeface="Cambria Math" panose="02040503050406030204" pitchFamily="18" charset="0"/>
                           </a:rPr>
                           <m:t>1</m:t>
                         </m:r>
@@ -7871,6 +8217,7 @@
                                 <a:lumMod val="50000"/>
                               </a:schemeClr>
                             </a:solidFill>
+                            <a:latin typeface="Cambria Math" panose="02040503050406030204" pitchFamily="18" charset="0"/>
                           </a:rPr>
                           <m:t>)</m:t>
                         </m:r>
@@ -7907,7 +8254,7 @@
             </p:txBody>
           </p:sp>
         </mc:Choice>
-        <mc:Fallback>
+        <mc:Fallback xmlns="">
           <p:sp>
             <p:nvSpPr>
               <p:cNvPr id="13" name="직사각형 12">
@@ -8395,7 +8742,7 @@
             <p:spPr>
               <a:xfrm>
                 <a:off x="1198563" y="2141136"/>
-                <a:ext cx="3972607" cy="2149948"/>
+                <a:ext cx="4315133" cy="2301527"/>
               </a:xfrm>
               <a:prstGeom prst="rect">
                 <a:avLst/>
@@ -8429,7 +8776,7 @@
                   <a:rPr lang="en-US" altLang="ko-KR" dirty="0"/>
                 </a:br>
                 <a:r>
-                  <a:rPr lang="en-US" altLang="ko-KR" dirty="0"/>
+                  <a:rPr lang="en-US" altLang="ko-KR" sz="2000" dirty="0"/>
                   <a:t>- </a:t>
                 </a:r>
                 <a14:m>
@@ -8437,48 +8784,64 @@
                     <m:sSub>
                       <m:sSubPr>
                         <m:ctrlPr>
-                          <a:rPr lang="en-US" altLang="ko-KR" i="1"/>
+                          <a:rPr lang="en-US" altLang="ko-KR" sz="2000" i="1">
+                            <a:latin typeface="Cambria Math" panose="02040503050406030204" pitchFamily="18" charset="0"/>
+                          </a:rPr>
                         </m:ctrlPr>
                       </m:sSubPr>
                       <m:e>
                         <m:r>
-                          <a:rPr lang="en-US" altLang="ko-KR" i="1"/>
+                          <a:rPr lang="en-US" altLang="ko-KR" sz="2000" i="1">
+                            <a:latin typeface="Cambria Math" panose="02040503050406030204" pitchFamily="18" charset="0"/>
+                          </a:rPr>
                           <m:t>𝑚</m:t>
                         </m:r>
                       </m:e>
                       <m:sub>
                         <m:r>
-                          <a:rPr lang="en-US" altLang="ko-KR" i="1"/>
+                          <a:rPr lang="en-US" altLang="ko-KR" sz="2000" i="1">
+                            <a:latin typeface="Cambria Math" panose="02040503050406030204" pitchFamily="18" charset="0"/>
+                          </a:rPr>
                           <m:t>𝑖</m:t>
                         </m:r>
                       </m:sub>
                     </m:sSub>
                     <m:r>
-                      <a:rPr lang="en-US" altLang="ko-KR" i="1"/>
+                      <a:rPr lang="en-US" altLang="ko-KR" sz="2000" i="1">
+                        <a:latin typeface="Cambria Math" panose="02040503050406030204" pitchFamily="18" charset="0"/>
+                      </a:rPr>
                       <m:t>=</m:t>
                     </m:r>
                     <m:d>
                       <m:dPr>
                         <m:ctrlPr>
-                          <a:rPr lang="en-US" altLang="ko-KR" i="1"/>
+                          <a:rPr lang="en-US" altLang="ko-KR" sz="2000" i="1">
+                            <a:latin typeface="Cambria Math" panose="02040503050406030204" pitchFamily="18" charset="0"/>
+                          </a:rPr>
                         </m:ctrlPr>
                       </m:dPr>
                       <m:e>
                         <m:f>
                           <m:fPr>
                             <m:ctrlPr>
-                              <a:rPr lang="en-US" altLang="ko-KR" i="1"/>
+                              <a:rPr lang="en-US" altLang="ko-KR" sz="2000" i="1">
+                                <a:latin typeface="Cambria Math" panose="02040503050406030204" pitchFamily="18" charset="0"/>
+                              </a:rPr>
                             </m:ctrlPr>
                           </m:fPr>
                           <m:num>
                             <m:r>
-                              <a:rPr lang="en-US" altLang="ko-KR" i="1"/>
+                              <a:rPr lang="en-US" altLang="ko-KR" sz="2000" i="1">
+                                <a:latin typeface="Cambria Math" panose="02040503050406030204" pitchFamily="18" charset="0"/>
+                              </a:rPr>
                               <m:t>1</m:t>
                             </m:r>
                           </m:num>
                           <m:den>
                             <m:r>
-                              <a:rPr lang="en-US" altLang="ko-KR" i="1"/>
+                              <a:rPr lang="en-US" altLang="ko-KR" sz="2000" i="1">
+                                <a:latin typeface="Cambria Math" panose="02040503050406030204" pitchFamily="18" charset="0"/>
+                              </a:rPr>
                               <m:t>𝐿</m:t>
                             </m:r>
                           </m:den>
@@ -8489,7 +8852,9 @@
                       <m:naryPr>
                         <m:chr m:val="∑"/>
                         <m:ctrlPr>
-                          <a:rPr lang="en-US" altLang="ko-KR" i="1"/>
+                          <a:rPr lang="en-US" altLang="ko-KR" sz="2000" i="1">
+                            <a:latin typeface="Cambria Math" panose="02040503050406030204" pitchFamily="18" charset="0"/>
+                          </a:rPr>
                         </m:ctrlPr>
                       </m:naryPr>
                       <m:sub>
@@ -8497,91 +8862,120 @@
                           <m:rPr>
                             <m:brk m:alnAt="23"/>
                           </m:rPr>
-                          <a:rPr lang="en-US" altLang="ko-KR" i="1"/>
+                          <a:rPr lang="en-US" altLang="ko-KR" sz="2000" i="1">
+                            <a:latin typeface="Cambria Math" panose="02040503050406030204" pitchFamily="18" charset="0"/>
+                          </a:rPr>
                           <m:t>𝑙</m:t>
                         </m:r>
                         <m:r>
-                          <a:rPr lang="en-US" altLang="ko-KR" i="1"/>
+                          <a:rPr lang="en-US" altLang="ko-KR" sz="2000" i="1">
+                            <a:latin typeface="Cambria Math" panose="02040503050406030204" pitchFamily="18" charset="0"/>
+                          </a:rPr>
                           <m:t>=</m:t>
                         </m:r>
                         <m:r>
                           <m:rPr>
                             <m:brk m:alnAt="23"/>
                           </m:rPr>
-                          <a:rPr lang="en-US" altLang="ko-KR" i="1"/>
+                          <a:rPr lang="en-US" altLang="ko-KR" sz="2000" i="1">
+                            <a:latin typeface="Cambria Math" panose="02040503050406030204" pitchFamily="18" charset="0"/>
+                          </a:rPr>
                           <m:t>1</m:t>
                         </m:r>
                       </m:sub>
                       <m:sup>
                         <m:r>
-                          <a:rPr lang="en-US" altLang="ko-KR" i="1"/>
+                          <a:rPr lang="en-US" altLang="ko-KR" sz="2000" i="1">
+                            <a:latin typeface="Cambria Math" panose="02040503050406030204" pitchFamily="18" charset="0"/>
+                          </a:rPr>
                           <m:t>𝐿</m:t>
                         </m:r>
                       </m:sup>
                       <m:e>
                         <m:r>
-                          <a:rPr lang="en-US" altLang="ko-KR" i="1"/>
+                          <a:rPr lang="en-US" altLang="ko-KR" sz="2000" i="1">
+                            <a:latin typeface="Cambria Math" panose="02040503050406030204" pitchFamily="18" charset="0"/>
+                          </a:rPr>
                           <m:t>𝐵𝐸𝑅𝑇</m:t>
                         </m:r>
                       </m:e>
                     </m:nary>
                     <m:r>
-                      <a:rPr lang="en-US" altLang="ko-KR" i="1"/>
+                      <a:rPr lang="en-US" altLang="ko-KR" sz="2000" i="1">
+                        <a:latin typeface="Cambria Math" panose="02040503050406030204" pitchFamily="18" charset="0"/>
+                      </a:rPr>
                       <m:t>(</m:t>
                     </m:r>
                     <m:sSubSup>
                       <m:sSubSupPr>
                         <m:ctrlPr>
-                          <a:rPr lang="en-US" altLang="ko-KR" i="1"/>
+                          <a:rPr lang="en-US" altLang="ko-KR" sz="2000" i="1">
+                            <a:latin typeface="Cambria Math" panose="02040503050406030204" pitchFamily="18" charset="0"/>
+                          </a:rPr>
                         </m:ctrlPr>
                       </m:sSubSupPr>
                       <m:e>
                         <m:r>
-                          <a:rPr lang="en-US" altLang="ko-KR" i="1"/>
+                          <a:rPr lang="en-US" altLang="ko-KR" sz="2000" i="1">
+                            <a:latin typeface="Cambria Math" panose="02040503050406030204" pitchFamily="18" charset="0"/>
+                          </a:rPr>
                           <m:t>𝑠</m:t>
                         </m:r>
                       </m:e>
                       <m:sub>
                         <m:r>
-                          <a:rPr lang="en-US" altLang="ko-KR" i="1"/>
+                          <a:rPr lang="en-US" altLang="ko-KR" sz="2000" i="1">
+                            <a:latin typeface="Cambria Math" panose="02040503050406030204" pitchFamily="18" charset="0"/>
+                          </a:rPr>
                           <m:t>𝑖</m:t>
                         </m:r>
                       </m:sub>
                       <m:sup>
                         <m:r>
-                          <a:rPr lang="en-US" altLang="ko-KR" i="1"/>
+                          <a:rPr lang="en-US" altLang="ko-KR" sz="2000" i="1">
+                            <a:latin typeface="Cambria Math" panose="02040503050406030204" pitchFamily="18" charset="0"/>
+                          </a:rPr>
                           <m:t>𝑡</m:t>
                         </m:r>
                         <m:r>
-                          <a:rPr lang="en-US" altLang="ko-KR" i="1"/>
+                          <a:rPr lang="en-US" altLang="ko-KR" sz="2000" i="1">
+                            <a:latin typeface="Cambria Math" panose="02040503050406030204" pitchFamily="18" charset="0"/>
+                          </a:rPr>
                           <m:t>,</m:t>
                         </m:r>
                         <m:r>
-                          <a:rPr lang="en-US" altLang="ko-KR" i="1"/>
+                          <a:rPr lang="en-US" altLang="ko-KR" sz="2000" i="1">
+                            <a:latin typeface="Cambria Math" panose="02040503050406030204" pitchFamily="18" charset="0"/>
+                          </a:rPr>
                           <m:t>𝑙</m:t>
                         </m:r>
                       </m:sup>
                     </m:sSubSup>
                     <m:r>
-                      <a:rPr lang="en-US" altLang="ko-KR" i="1"/>
+                      <a:rPr lang="en-US" altLang="ko-KR" sz="2000" i="1">
+                        <a:latin typeface="Cambria Math" panose="02040503050406030204" pitchFamily="18" charset="0"/>
+                      </a:rPr>
                       <m:t>)</m:t>
                     </m:r>
                   </m:oMath>
                 </a14:m>
                 <a:r>
-                  <a:rPr lang="en-US" altLang="ko-KR" dirty="0"/>
+                  <a:rPr lang="en-US" altLang="ko-KR" sz="2000" dirty="0"/>
                   <a:t>, </a:t>
                 </a:r>
                 <a14:m>
                   <m:oMath xmlns:m="http://schemas.openxmlformats.org/officeDocument/2006/math">
                     <m:r>
-                      <a:rPr lang="en-US" altLang="ko-KR" i="1" dirty="0"/>
+                      <a:rPr lang="en-US" altLang="ko-KR" sz="2000" i="1" dirty="0">
+                        <a:latin typeface="Cambria Math" panose="02040503050406030204" pitchFamily="18" charset="0"/>
+                      </a:rPr>
                       <m:t>∈</m:t>
                     </m:r>
                     <m:sSup>
                       <m:sSupPr>
                         <m:ctrlPr>
-                          <a:rPr lang="en-US" altLang="ko-KR" i="1">
+                          <a:rPr lang="en-US" altLang="ko-KR" sz="2000" i="1">
+                            <a:latin typeface="Cambria Math" panose="02040503050406030204" pitchFamily="18" charset="0"/>
                             <a:ea typeface="Cambria Math" panose="02040503050406030204" pitchFamily="18" charset="0"/>
                           </a:rPr>
                         </m:ctrlPr>
@@ -8591,7 +8985,8 @@
                           <m:rPr>
                             <m:lit/>
                           </m:rPr>
-                          <a:rPr lang="en-US" altLang="ko-KR" i="1">
+                          <a:rPr lang="en-US" altLang="ko-KR" sz="2000" i="1">
+                            <a:latin typeface="Cambria Math" panose="02040503050406030204" pitchFamily="18" charset="0"/>
                             <a:ea typeface="Cambria Math" panose="02040503050406030204" pitchFamily="18" charset="0"/>
                           </a:rPr>
                           <m:t>ℝ</m:t>
@@ -8601,14 +8996,16 @@
                         <m:sSub>
                           <m:sSubPr>
                             <m:ctrlPr>
-                              <a:rPr lang="en-US" altLang="ko-KR" i="1">
+                              <a:rPr lang="en-US" altLang="ko-KR" sz="2000" i="1">
+                                <a:latin typeface="Cambria Math" panose="02040503050406030204" pitchFamily="18" charset="0"/>
                                 <a:ea typeface="Cambria Math" panose="02040503050406030204" pitchFamily="18" charset="0"/>
                               </a:rPr>
                             </m:ctrlPr>
                           </m:sSubPr>
                           <m:e>
                             <m:r>
-                              <a:rPr lang="en-US" altLang="ko-KR" i="1">
+                              <a:rPr lang="en-US" altLang="ko-KR" sz="2000" i="1">
+                                <a:latin typeface="Cambria Math" panose="02040503050406030204" pitchFamily="18" charset="0"/>
                                 <a:ea typeface="Cambria Math" panose="02040503050406030204" pitchFamily="18" charset="0"/>
                               </a:rPr>
                               <m:t>𝑑</m:t>
@@ -8616,7 +9013,8 @@
                           </m:e>
                           <m:sub>
                             <m:r>
-                              <a:rPr lang="en-US" altLang="ko-KR" i="1">
+                              <a:rPr lang="en-US" altLang="ko-KR" sz="2000" i="1">
+                                <a:latin typeface="Cambria Math" panose="02040503050406030204" pitchFamily="18" charset="0"/>
                                 <a:ea typeface="Cambria Math" panose="02040503050406030204" pitchFamily="18" charset="0"/>
                               </a:rPr>
                               <m:t>𝑚</m:t>
@@ -8627,7 +9025,7 @@
                     </m:sSup>
                   </m:oMath>
                 </a14:m>
-                <a:endParaRPr lang="en-US" altLang="ko-KR" dirty="0"/>
+                <a:endParaRPr lang="en-US" altLang="ko-KR" sz="2000" dirty="0"/>
               </a:p>
               <a:p>
                 <a:pPr marL="285750" lvl="1" indent="-285750">
@@ -8651,7 +9049,7 @@
                   <a:rPr lang="en-US" altLang="ko-KR" dirty="0"/>
                 </a:br>
                 <a:r>
-                  <a:rPr lang="en-US" altLang="ko-KR" dirty="0"/>
+                  <a:rPr lang="en-US" altLang="ko-KR" sz="2000" dirty="0"/>
                   <a:t>- </a:t>
                 </a:r>
                 <a14:m>
@@ -8659,60 +9057,80 @@
                     <m:sSub>
                       <m:sSubPr>
                         <m:ctrlPr>
-                          <a:rPr lang="en-US" altLang="ko-KR" i="1"/>
+                          <a:rPr lang="en-US" altLang="ko-KR" sz="2000" i="1">
+                            <a:latin typeface="Cambria Math" panose="02040503050406030204" pitchFamily="18" charset="0"/>
+                          </a:rPr>
                         </m:ctrlPr>
                       </m:sSubPr>
                       <m:e>
                         <m:r>
-                          <a:rPr lang="en-US" altLang="ko-KR" i="1"/>
+                          <a:rPr lang="en-US" altLang="ko-KR" sz="2000" i="1">
+                            <a:latin typeface="Cambria Math" panose="02040503050406030204" pitchFamily="18" charset="0"/>
+                          </a:rPr>
                           <m:t>𝑝</m:t>
                         </m:r>
                       </m:e>
                       <m:sub>
                         <m:r>
-                          <a:rPr lang="en-US" altLang="ko-KR" i="1"/>
+                          <a:rPr lang="en-US" altLang="ko-KR" sz="2000" i="1">
+                            <a:latin typeface="Cambria Math" panose="02040503050406030204" pitchFamily="18" charset="0"/>
+                          </a:rPr>
                           <m:t>𝑖</m:t>
                         </m:r>
                       </m:sub>
                     </m:sSub>
                     <m:r>
-                      <a:rPr lang="en-US" altLang="ko-KR" i="1"/>
+                      <a:rPr lang="en-US" altLang="ko-KR" sz="2000" i="1">
+                        <a:latin typeface="Cambria Math" panose="02040503050406030204" pitchFamily="18" charset="0"/>
+                      </a:rPr>
                       <m:t>=</m:t>
                     </m:r>
                     <m:r>
-                      <a:rPr lang="en-US" altLang="ko-KR" i="1"/>
+                      <a:rPr lang="en-US" altLang="ko-KR" sz="2000" i="1">
+                        <a:latin typeface="Cambria Math" panose="02040503050406030204" pitchFamily="18" charset="0"/>
+                      </a:rPr>
                       <m:t>𝐵𝑖</m:t>
                     </m:r>
                     <m:r>
                       <m:rPr>
                         <m:nor/>
                       </m:rPr>
-                      <a:rPr lang="ko-KR" altLang="en-US" dirty="0"/>
+                      <a:rPr lang="ko-KR" altLang="en-US" sz="2000" dirty="0"/>
                       <m:t>－</m:t>
                     </m:r>
                     <m:r>
-                      <a:rPr lang="en-US" altLang="ko-KR" i="1" dirty="0"/>
+                      <a:rPr lang="en-US" altLang="ko-KR" sz="2000" i="1" dirty="0">
+                        <a:latin typeface="Cambria Math" panose="02040503050406030204" pitchFamily="18" charset="0"/>
+                      </a:rPr>
                       <m:t>𝐿𝑆𝑇𝑀</m:t>
                     </m:r>
                     <m:r>
-                      <a:rPr lang="en-US" altLang="ko-KR" i="1" dirty="0"/>
+                      <a:rPr lang="en-US" altLang="ko-KR" sz="2000" i="1" dirty="0">
+                        <a:latin typeface="Cambria Math" panose="02040503050406030204" pitchFamily="18" charset="0"/>
+                      </a:rPr>
                       <m:t>(</m:t>
                     </m:r>
                     <m:sSubSup>
                       <m:sSubSupPr>
                         <m:ctrlPr>
-                          <a:rPr lang="en-US" altLang="ko-KR" i="1"/>
+                          <a:rPr lang="en-US" altLang="ko-KR" sz="2000" i="1">
+                            <a:latin typeface="Cambria Math" panose="02040503050406030204" pitchFamily="18" charset="0"/>
+                          </a:rPr>
                         </m:ctrlPr>
                       </m:sSubSupPr>
                       <m:e>
                         <m:r>
-                          <a:rPr lang="en-US" altLang="ko-KR" i="1"/>
+                          <a:rPr lang="en-US" altLang="ko-KR" sz="2000" i="1">
+                            <a:latin typeface="Cambria Math" panose="02040503050406030204" pitchFamily="18" charset="0"/>
+                          </a:rPr>
                           <m:t>𝑋</m:t>
                         </m:r>
                       </m:e>
                       <m:sub>
                         <m:r>
-                          <a:rPr lang="en-US" altLang="ko-KR" i="1"/>
+                          <a:rPr lang="en-US" altLang="ko-KR" sz="2000" i="1">
+                            <a:latin typeface="Cambria Math" panose="02040503050406030204" pitchFamily="18" charset="0"/>
+                          </a:rPr>
                           <m:t>𝑖</m:t>
                         </m:r>
                       </m:sub>
@@ -8722,28 +9140,40 @@
                             <m:begChr m:val="["/>
                             <m:endChr m:val="]"/>
                             <m:ctrlPr>
-                              <a:rPr lang="en-US" altLang="ko-KR" i="1"/>
+                              <a:rPr lang="en-US" altLang="ko-KR" sz="2000" i="1">
+                                <a:latin typeface="Cambria Math" panose="02040503050406030204" pitchFamily="18" charset="0"/>
+                              </a:rPr>
                             </m:ctrlPr>
                           </m:dPr>
                           <m:e>
                             <m:r>
-                              <a:rPr lang="en-US" altLang="ko-KR" i="1"/>
+                              <a:rPr lang="en-US" altLang="ko-KR" sz="2000" i="1">
+                                <a:latin typeface="Cambria Math" panose="02040503050406030204" pitchFamily="18" charset="0"/>
+                              </a:rPr>
                               <m:t>𝑡</m:t>
                             </m:r>
                             <m:r>
-                              <a:rPr lang="en-US" altLang="ko-KR" i="1"/>
+                              <a:rPr lang="en-US" altLang="ko-KR" sz="2000" i="1">
+                                <a:latin typeface="Cambria Math" panose="02040503050406030204" pitchFamily="18" charset="0"/>
+                              </a:rPr>
                               <m:t>−</m:t>
                             </m:r>
                             <m:r>
-                              <a:rPr lang="en-US" altLang="ko-KR" i="1"/>
+                              <a:rPr lang="en-US" altLang="ko-KR" sz="2000" i="1">
+                                <a:latin typeface="Cambria Math" panose="02040503050406030204" pitchFamily="18" charset="0"/>
+                              </a:rPr>
                               <m:t>𝑇</m:t>
                             </m:r>
                             <m:r>
-                              <a:rPr lang="en-US" altLang="ko-KR" i="1"/>
+                              <a:rPr lang="en-US" altLang="ko-KR" sz="2000" i="1">
+                                <a:latin typeface="Cambria Math" panose="02040503050406030204" pitchFamily="18" charset="0"/>
+                              </a:rPr>
                               <m:t>;</m:t>
                             </m:r>
                             <m:r>
-                              <a:rPr lang="en-US" altLang="ko-KR" i="1"/>
+                              <a:rPr lang="en-US" altLang="ko-KR" sz="2000" i="1">
+                                <a:latin typeface="Cambria Math" panose="02040503050406030204" pitchFamily="18" charset="0"/>
+                              </a:rPr>
                               <m:t>𝑡</m:t>
                             </m:r>
                           </m:e>
@@ -8751,20 +9181,22 @@
                       </m:sup>
                     </m:sSubSup>
                     <m:r>
-                      <a:rPr lang="en-US" altLang="ko-KR" i="1"/>
+                      <a:rPr lang="en-US" altLang="ko-KR" sz="2000" i="1">
+                        <a:latin typeface="Cambria Math" panose="02040503050406030204" pitchFamily="18" charset="0"/>
+                      </a:rPr>
                       <m:t>)</m:t>
                     </m:r>
                   </m:oMath>
                 </a14:m>
                 <a:r>
-                  <a:rPr lang="en-US" altLang="ko-KR" dirty="0"/>
+                  <a:rPr lang="en-US" altLang="ko-KR" sz="2000" dirty="0"/>
                   <a:t> </a:t>
                 </a:r>
                 <a:br>
-                  <a:rPr lang="en-US" altLang="ko-KR" dirty="0"/>
+                  <a:rPr lang="en-US" altLang="ko-KR" sz="2000" dirty="0"/>
                 </a:br>
                 <a:r>
-                  <a:rPr lang="en-US" altLang="ko-KR" dirty="0"/>
+                  <a:rPr lang="en-US" altLang="ko-KR" sz="2000" dirty="0"/>
                   <a:t>- </a:t>
                 </a:r>
                 <a14:m>
@@ -8772,74 +9204,94 @@
                     <m:sSub>
                       <m:sSubPr>
                         <m:ctrlPr>
-                          <a:rPr lang="en-US" altLang="ko-KR" i="1"/>
+                          <a:rPr lang="en-US" altLang="ko-KR" sz="2000" i="1">
+                            <a:latin typeface="Cambria Math" panose="02040503050406030204" pitchFamily="18" charset="0"/>
+                          </a:rPr>
                         </m:ctrlPr>
                       </m:sSubPr>
                       <m:e>
                         <m:r>
-                          <a:rPr lang="en-US" altLang="ko-KR" i="1"/>
+                          <a:rPr lang="en-US" altLang="ko-KR" sz="2000" i="1">
+                            <a:latin typeface="Cambria Math" panose="02040503050406030204" pitchFamily="18" charset="0"/>
+                          </a:rPr>
                           <m:t>𝑞</m:t>
                         </m:r>
                       </m:e>
                       <m:sub>
                         <m:r>
-                          <a:rPr lang="en-US" altLang="ko-KR" i="1"/>
+                          <a:rPr lang="en-US" altLang="ko-KR" sz="2000" i="1">
+                            <a:latin typeface="Cambria Math" panose="02040503050406030204" pitchFamily="18" charset="0"/>
+                          </a:rPr>
                           <m:t>𝑖</m:t>
                         </m:r>
                       </m:sub>
                     </m:sSub>
                     <m:r>
-                      <a:rPr lang="en-US" altLang="ko-KR" i="1"/>
+                      <a:rPr lang="en-US" altLang="ko-KR" sz="2000" i="1">
+                        <a:latin typeface="Cambria Math" panose="02040503050406030204" pitchFamily="18" charset="0"/>
+                      </a:rPr>
                       <m:t>=</m:t>
                     </m:r>
                     <m:r>
-                      <a:rPr lang="en-US" altLang="ko-KR" i="1"/>
+                      <a:rPr lang="en-US" altLang="ko-KR" sz="2000" i="1">
+                        <a:latin typeface="Cambria Math" panose="02040503050406030204" pitchFamily="18" charset="0"/>
+                      </a:rPr>
                       <m:t>𝑇𝑎𝑏𝑁𝑒𝑡</m:t>
                     </m:r>
                     <m:r>
-                      <a:rPr lang="en-US" altLang="ko-KR" i="1"/>
+                      <a:rPr lang="en-US" altLang="ko-KR" sz="2000" i="1">
+                        <a:latin typeface="Cambria Math" panose="02040503050406030204" pitchFamily="18" charset="0"/>
+                      </a:rPr>
                       <m:t>(</m:t>
                     </m:r>
                     <m:sSubSup>
                       <m:sSubSupPr>
                         <m:ctrlPr>
-                          <a:rPr lang="en-US" altLang="ko-KR" i="1"/>
+                          <a:rPr lang="en-US" altLang="ko-KR" sz="2000" i="1">
+                            <a:latin typeface="Cambria Math" panose="02040503050406030204" pitchFamily="18" charset="0"/>
+                          </a:rPr>
                         </m:ctrlPr>
                       </m:sSubSupPr>
                       <m:e>
                         <m:r>
-                          <a:rPr lang="en-US" altLang="ko-KR" i="1"/>
+                          <a:rPr lang="en-US" altLang="ko-KR" sz="2000" i="1">
+                            <a:latin typeface="Cambria Math" panose="02040503050406030204" pitchFamily="18" charset="0"/>
+                          </a:rPr>
                           <m:t>𝐼</m:t>
                         </m:r>
                       </m:e>
                       <m:sub>
                         <m:r>
-                          <a:rPr lang="en-US" altLang="ko-KR" i="1"/>
+                          <a:rPr lang="en-US" altLang="ko-KR" sz="2000" i="1">
+                            <a:latin typeface="Cambria Math" panose="02040503050406030204" pitchFamily="18" charset="0"/>
+                          </a:rPr>
                           <m:t>𝑖</m:t>
                         </m:r>
                       </m:sub>
                       <m:sup>
                         <m:r>
-                          <a:rPr lang="en-US" altLang="ko-KR" i="1"/>
+                          <a:rPr lang="en-US" altLang="ko-KR" sz="2000" i="1">
+                            <a:latin typeface="Cambria Math" panose="02040503050406030204" pitchFamily="18" charset="0"/>
+                          </a:rPr>
                           <m:t>𝑡</m:t>
                         </m:r>
                         <m:r>
-                          <a:rPr lang="en-US" altLang="ko-KR" i="1"/>
-                          <m:t>−</m:t>
-                        </m:r>
-                        <m:r>
-                          <a:rPr lang="en-US" altLang="ko-KR" i="1"/>
-                          <m:t>1</m:t>
+                          <a:rPr lang="en-US" altLang="ko-KR" sz="2000" i="1">
+                            <a:latin typeface="Cambria Math" panose="02040503050406030204" pitchFamily="18" charset="0"/>
+                          </a:rPr>
+                          <m:t>−1</m:t>
                         </m:r>
                       </m:sup>
                     </m:sSubSup>
                     <m:r>
-                      <a:rPr lang="en-US" altLang="ko-KR" i="1"/>
+                      <a:rPr lang="en-US" altLang="ko-KR" sz="2000" i="1">
+                        <a:latin typeface="Cambria Math" panose="02040503050406030204" pitchFamily="18" charset="0"/>
+                      </a:rPr>
                       <m:t>)</m:t>
                     </m:r>
                   </m:oMath>
                 </a14:m>
-                <a:endParaRPr lang="en-US" altLang="ko-KR" dirty="0">
+                <a:endParaRPr lang="en-US" altLang="ko-KR" sz="2000" dirty="0">
                   <a:solidFill>
                     <a:schemeClr val="bg1">
                       <a:lumMod val="50000"/>
@@ -8868,7 +9320,7 @@
             <p:spPr>
               <a:xfrm>
                 <a:off x="1198563" y="2141136"/>
-                <a:ext cx="3972607" cy="2149948"/>
+                <a:ext cx="4315133" cy="2301527"/>
               </a:xfrm>
               <a:prstGeom prst="rect">
                 <a:avLst/>
@@ -8876,7 +9328,7 @@
               <a:blipFill>
                 <a:blip r:embed="rId4"/>
                 <a:stretch>
-                  <a:fillRect l="-1075" b="-3683"/>
+                  <a:fillRect l="-990" b="-3704"/>
                 </a:stretch>
               </a:blipFill>
             </p:spPr>
@@ -8950,8 +9402,8 @@
           </a:p>
         </p:txBody>
       </p:sp>
-      <mc:AlternateContent xmlns:mc="http://schemas.openxmlformats.org/markup-compatibility/2006">
-        <mc:Choice xmlns:a14="http://schemas.microsoft.com/office/drawing/2010/main" Requires="a14">
+      <mc:AlternateContent xmlns:mc="http://schemas.openxmlformats.org/markup-compatibility/2006" xmlns:a14="http://schemas.microsoft.com/office/drawing/2010/main">
+        <mc:Choice Requires="a14">
           <p:sp>
             <p:nvSpPr>
               <p:cNvPr id="6" name="직사각형 5">
@@ -9025,6 +9477,7 @@
                             <a:lumMod val="50000"/>
                           </a:schemeClr>
                         </a:solidFill>
+                        <a:latin typeface="Cambria Math" panose="02040503050406030204" pitchFamily="18" charset="0"/>
                       </a:rPr>
                       <m:t>𝑖</m:t>
                     </m:r>
@@ -9035,6 +9488,7 @@
                             <a:lumMod val="50000"/>
                           </a:schemeClr>
                         </a:solidFill>
+                        <a:latin typeface="Cambria Math" panose="02040503050406030204" pitchFamily="18" charset="0"/>
                       </a:rPr>
                       <m:t>∈</m:t>
                     </m:r>
@@ -9045,6 +9499,7 @@
                             <a:lumMod val="50000"/>
                           </a:schemeClr>
                         </a:solidFill>
+                        <a:latin typeface="Cambria Math" panose="02040503050406030204" pitchFamily="18" charset="0"/>
                       </a:rPr>
                       <m:t>𝑉</m:t>
                     </m:r>
@@ -9055,6 +9510,7 @@
                             <a:lumMod val="50000"/>
                           </a:schemeClr>
                         </a:solidFill>
+                        <a:latin typeface="Cambria Math" panose="02040503050406030204" pitchFamily="18" charset="0"/>
                       </a:rPr>
                       <m:t> </m:t>
                     </m:r>
@@ -9065,6 +9521,7 @@
                             <a:lumMod val="50000"/>
                           </a:schemeClr>
                         </a:solidFill>
+                        <a:latin typeface="Cambria Math" panose="02040503050406030204" pitchFamily="18" charset="0"/>
                       </a:rPr>
                       <m:t>𝑜𝑛</m:t>
                     </m:r>
@@ -9075,6 +9532,7 @@
                             <a:lumMod val="50000"/>
                           </a:schemeClr>
                         </a:solidFill>
+                        <a:latin typeface="Cambria Math" panose="02040503050406030204" pitchFamily="18" charset="0"/>
                       </a:rPr>
                       <m:t> </m:t>
                     </m:r>
@@ -9085,8 +9543,9 @@
                             <a:lumMod val="50000"/>
                           </a:schemeClr>
                         </a:solidFill>
+                        <a:latin typeface="Cambria Math" panose="02040503050406030204" pitchFamily="18" charset="0"/>
                       </a:rPr>
-                      <m:t>𝑡</m:t>
+                      <m:t>𝑡h𝑒</m:t>
                     </m:r>
                     <m:r>
                       <a:rPr lang="en-US" altLang="ko-KR" b="0" i="1" smtClean="0">
@@ -9095,26 +9554,7 @@
                             <a:lumMod val="50000"/>
                           </a:schemeClr>
                         </a:solidFill>
-                      </a:rPr>
-                      <m:t>h</m:t>
-                    </m:r>
-                    <m:r>
-                      <a:rPr lang="en-US" altLang="ko-KR" b="0" i="1" smtClean="0">
-                        <a:solidFill>
-                          <a:schemeClr val="bg1">
-                            <a:lumMod val="50000"/>
-                          </a:schemeClr>
-                        </a:solidFill>
-                      </a:rPr>
-                      <m:t>𝑒</m:t>
-                    </m:r>
-                    <m:r>
-                      <a:rPr lang="en-US" altLang="ko-KR" b="0" i="1" smtClean="0">
-                        <a:solidFill>
-                          <a:schemeClr val="bg1">
-                            <a:lumMod val="50000"/>
-                          </a:schemeClr>
-                        </a:solidFill>
+                        <a:latin typeface="Cambria Math" panose="02040503050406030204" pitchFamily="18" charset="0"/>
                       </a:rPr>
                       <m:t> </m:t>
                     </m:r>
@@ -9127,6 +9567,7 @@
                                 <a:lumMod val="50000"/>
                               </a:schemeClr>
                             </a:solidFill>
+                            <a:latin typeface="Cambria Math" panose="02040503050406030204" pitchFamily="18" charset="0"/>
                           </a:rPr>
                         </m:ctrlPr>
                       </m:dPr>
@@ -9138,6 +9579,7 @@
                                 <a:lumMod val="50000"/>
                               </a:schemeClr>
                             </a:solidFill>
+                            <a:latin typeface="Cambria Math" panose="02040503050406030204" pitchFamily="18" charset="0"/>
                           </a:rPr>
                           <m:t>𝑡</m:t>
                         </m:r>
@@ -9148,18 +9590,9 @@
                                 <a:lumMod val="50000"/>
                               </a:schemeClr>
                             </a:solidFill>
+                            <a:latin typeface="Cambria Math" panose="02040503050406030204" pitchFamily="18" charset="0"/>
                           </a:rPr>
-                          <m:t>−</m:t>
-                        </m:r>
-                        <m:r>
-                          <a:rPr lang="en-US" altLang="ko-KR" b="0" i="1" smtClean="0">
-                            <a:solidFill>
-                              <a:schemeClr val="bg1">
-                                <a:lumMod val="50000"/>
-                              </a:schemeClr>
-                            </a:solidFill>
-                          </a:rPr>
-                          <m:t>1</m:t>
+                          <m:t>−1</m:t>
                         </m:r>
                       </m:e>
                     </m:d>
@@ -9170,8 +9603,9 @@
                             <a:lumMod val="50000"/>
                           </a:schemeClr>
                         </a:solidFill>
+                        <a:latin typeface="Cambria Math" panose="02040503050406030204" pitchFamily="18" charset="0"/>
                       </a:rPr>
-                      <m:t>𝑡</m:t>
+                      <m:t>𝑡h</m:t>
                     </m:r>
                     <m:r>
                       <a:rPr lang="en-US" altLang="ko-KR" b="0" i="1" smtClean="0">
@@ -9180,16 +9614,7 @@
                             <a:lumMod val="50000"/>
                           </a:schemeClr>
                         </a:solidFill>
-                      </a:rPr>
-                      <m:t>h</m:t>
-                    </m:r>
-                    <m:r>
-                      <a:rPr lang="en-US" altLang="ko-KR" b="0" i="1" smtClean="0">
-                        <a:solidFill>
-                          <a:schemeClr val="bg1">
-                            <a:lumMod val="50000"/>
-                          </a:schemeClr>
-                        </a:solidFill>
+                        <a:latin typeface="Cambria Math" panose="02040503050406030204" pitchFamily="18" charset="0"/>
                       </a:rPr>
                       <m:t> </m:t>
                     </m:r>
@@ -9200,6 +9625,7 @@
                             <a:lumMod val="50000"/>
                           </a:schemeClr>
                         </a:solidFill>
+                        <a:latin typeface="Cambria Math" panose="02040503050406030204" pitchFamily="18" charset="0"/>
                       </a:rPr>
                       <m:t>𝑑𝑎𝑦</m:t>
                     </m:r>
@@ -9226,6 +9652,7 @@
                                 <a:lumMod val="50000"/>
                               </a:schemeClr>
                             </a:solidFill>
+                            <a:latin typeface="Cambria Math" panose="02040503050406030204" pitchFamily="18" charset="0"/>
                           </a:rPr>
                         </m:ctrlPr>
                       </m:sSubSupPr>
@@ -9237,6 +9664,7 @@
                                 <a:lumMod val="50000"/>
                               </a:schemeClr>
                             </a:solidFill>
+                            <a:latin typeface="Cambria Math" panose="02040503050406030204" pitchFamily="18" charset="0"/>
                           </a:rPr>
                           <m:t>𝑠</m:t>
                         </m:r>
@@ -9249,6 +9677,7 @@
                                 <a:lumMod val="50000"/>
                               </a:schemeClr>
                             </a:solidFill>
+                            <a:latin typeface="Cambria Math" panose="02040503050406030204" pitchFamily="18" charset="0"/>
                           </a:rPr>
                           <m:t>𝑖</m:t>
                         </m:r>
@@ -9261,6 +9690,7 @@
                                 <a:lumMod val="50000"/>
                               </a:schemeClr>
                             </a:solidFill>
+                            <a:latin typeface="Cambria Math" panose="02040503050406030204" pitchFamily="18" charset="0"/>
                           </a:rPr>
                           <m:t>𝑡</m:t>
                         </m:r>
@@ -9273,6 +9703,7 @@
                             <a:lumMod val="50000"/>
                           </a:schemeClr>
                         </a:solidFill>
+                        <a:latin typeface="Cambria Math" panose="02040503050406030204" pitchFamily="18" charset="0"/>
                       </a:rPr>
                       <m:t>∈</m:t>
                     </m:r>
@@ -9283,6 +9714,7 @@
                             <a:lumMod val="50000"/>
                           </a:schemeClr>
                         </a:solidFill>
+                        <a:latin typeface="Cambria Math" panose="02040503050406030204" pitchFamily="18" charset="0"/>
                       </a:rPr>
                       <m:t>𝑁𝑒𝑤𝑠</m:t>
                     </m:r>
@@ -9293,6 +9725,7 @@
                             <a:lumMod val="50000"/>
                           </a:schemeClr>
                         </a:solidFill>
+                        <a:latin typeface="Cambria Math" panose="02040503050406030204" pitchFamily="18" charset="0"/>
                       </a:rPr>
                       <m:t> </m:t>
                     </m:r>
@@ -9303,6 +9736,7 @@
                             <a:lumMod val="50000"/>
                           </a:schemeClr>
                         </a:solidFill>
+                        <a:latin typeface="Cambria Math" panose="02040503050406030204" pitchFamily="18" charset="0"/>
                       </a:rPr>
                       <m:t>𝑇</m:t>
                     </m:r>
@@ -9329,6 +9763,7 @@
                                 <a:lumMod val="50000"/>
                               </a:schemeClr>
                             </a:solidFill>
+                            <a:latin typeface="Cambria Math" panose="02040503050406030204" pitchFamily="18" charset="0"/>
                           </a:rPr>
                         </m:ctrlPr>
                       </m:sSubSupPr>
@@ -9343,6 +9778,7 @@
                                 <a:lumMod val="50000"/>
                               </a:schemeClr>
                             </a:solidFill>
+                            <a:latin typeface="Cambria Math" panose="02040503050406030204" pitchFamily="18" charset="0"/>
                           </a:rPr>
                           <m:t>I</m:t>
                         </m:r>
@@ -9358,6 +9794,7 @@
                                 <a:lumMod val="50000"/>
                               </a:schemeClr>
                             </a:solidFill>
+                            <a:latin typeface="Cambria Math" panose="02040503050406030204" pitchFamily="18" charset="0"/>
                           </a:rPr>
                           <m:t>i</m:t>
                         </m:r>
@@ -9370,6 +9807,7 @@
                                 <a:lumMod val="50000"/>
                               </a:schemeClr>
                             </a:solidFill>
+                            <a:latin typeface="Cambria Math" panose="02040503050406030204" pitchFamily="18" charset="0"/>
                           </a:rPr>
                           <m:t>𝑡</m:t>
                         </m:r>
@@ -9380,18 +9818,9 @@
                                 <a:lumMod val="50000"/>
                               </a:schemeClr>
                             </a:solidFill>
+                            <a:latin typeface="Cambria Math" panose="02040503050406030204" pitchFamily="18" charset="0"/>
                           </a:rPr>
-                          <m:t>−</m:t>
-                        </m:r>
-                        <m:r>
-                          <a:rPr lang="en-US" altLang="ko-KR" b="0" i="1" dirty="0" smtClean="0">
-                            <a:solidFill>
-                              <a:schemeClr val="bg1">
-                                <a:lumMod val="50000"/>
-                              </a:schemeClr>
-                            </a:solidFill>
-                          </a:rPr>
-                          <m:t>1</m:t>
+                          <m:t>−1</m:t>
                         </m:r>
                       </m:sup>
                     </m:sSubSup>
@@ -9402,6 +9831,7 @@
                             <a:lumMod val="50000"/>
                           </a:schemeClr>
                         </a:solidFill>
+                        <a:latin typeface="Cambria Math" panose="02040503050406030204" pitchFamily="18" charset="0"/>
                       </a:rPr>
                       <m:t>∈</m:t>
                     </m:r>
@@ -9414,6 +9844,7 @@
                                 <a:lumMod val="50000"/>
                               </a:schemeClr>
                             </a:solidFill>
+                            <a:latin typeface="Cambria Math" panose="02040503050406030204" pitchFamily="18" charset="0"/>
                             <a:ea typeface="Cambria Math" panose="02040503050406030204" pitchFamily="18" charset="0"/>
                           </a:rPr>
                         </m:ctrlPr>
@@ -9429,6 +9860,7 @@
                                 <a:lumMod val="50000"/>
                               </a:schemeClr>
                             </a:solidFill>
+                            <a:latin typeface="Cambria Math" panose="02040503050406030204" pitchFamily="18" charset="0"/>
                             <a:ea typeface="Cambria Math" panose="02040503050406030204" pitchFamily="18" charset="0"/>
                           </a:rPr>
                           <m:t>ℝ</m:t>
@@ -9444,6 +9876,7 @@
                                     <a:lumMod val="50000"/>
                                   </a:schemeClr>
                                 </a:solidFill>
+                                <a:latin typeface="Cambria Math" panose="02040503050406030204" pitchFamily="18" charset="0"/>
                                 <a:ea typeface="Cambria Math" panose="02040503050406030204" pitchFamily="18" charset="0"/>
                               </a:rPr>
                             </m:ctrlPr>
@@ -9456,6 +9889,7 @@
                                     <a:lumMod val="50000"/>
                                   </a:schemeClr>
                                 </a:solidFill>
+                                <a:latin typeface="Cambria Math" panose="02040503050406030204" pitchFamily="18" charset="0"/>
                                 <a:ea typeface="Cambria Math" panose="02040503050406030204" pitchFamily="18" charset="0"/>
                               </a:rPr>
                               <m:t>𝑑</m:t>
@@ -9469,6 +9903,7 @@
                                     <a:lumMod val="50000"/>
                                   </a:schemeClr>
                                 </a:solidFill>
+                                <a:latin typeface="Cambria Math" panose="02040503050406030204" pitchFamily="18" charset="0"/>
                                 <a:ea typeface="Cambria Math" panose="02040503050406030204" pitchFamily="18" charset="0"/>
                               </a:rPr>
                               <m:t>𝑓</m:t>
@@ -9503,12 +9938,13 @@
                     <m:sSub>
                       <m:sSubPr>
                         <m:ctrlPr>
-                          <a:rPr lang="en-US" altLang="ko-KR" b="0" i="0" dirty="0" smtClean="0">
+                          <a:rPr lang="en-US" altLang="ko-KR" b="0" i="1" dirty="0" smtClean="0">
                             <a:solidFill>
                               <a:schemeClr val="bg1">
                                 <a:lumMod val="50000"/>
                               </a:schemeClr>
                             </a:solidFill>
+                            <a:latin typeface="Cambria Math" panose="02040503050406030204" pitchFamily="18" charset="0"/>
                           </a:rPr>
                         </m:ctrlPr>
                       </m:sSubPr>
@@ -9523,6 +9959,7 @@
                                 <a:lumMod val="50000"/>
                               </a:schemeClr>
                             </a:solidFill>
+                            <a:latin typeface="Cambria Math" panose="02040503050406030204" pitchFamily="18" charset="0"/>
                           </a:rPr>
                           <m:t>m</m:t>
                         </m:r>
@@ -9538,6 +9975,7 @@
                                 <a:lumMod val="50000"/>
                               </a:schemeClr>
                             </a:solidFill>
+                            <a:latin typeface="Cambria Math" panose="02040503050406030204" pitchFamily="18" charset="0"/>
                           </a:rPr>
                           <m:t>i</m:t>
                         </m:r>
@@ -9550,6 +9988,7 @@
                             <a:lumMod val="50000"/>
                           </a:schemeClr>
                         </a:solidFill>
+                        <a:latin typeface="Cambria Math" panose="02040503050406030204" pitchFamily="18" charset="0"/>
                       </a:rPr>
                       <m:t>∈</m:t>
                     </m:r>
@@ -9562,6 +10001,7 @@
                                 <a:lumMod val="50000"/>
                               </a:schemeClr>
                             </a:solidFill>
+                            <a:latin typeface="Cambria Math" panose="02040503050406030204" pitchFamily="18" charset="0"/>
                             <a:ea typeface="Cambria Math" panose="02040503050406030204" pitchFamily="18" charset="0"/>
                           </a:rPr>
                         </m:ctrlPr>
@@ -9577,6 +10017,7 @@
                                 <a:lumMod val="50000"/>
                               </a:schemeClr>
                             </a:solidFill>
+                            <a:latin typeface="Cambria Math" panose="02040503050406030204" pitchFamily="18" charset="0"/>
                             <a:ea typeface="Cambria Math" panose="02040503050406030204" pitchFamily="18" charset="0"/>
                           </a:rPr>
                           <m:t>ℝ</m:t>
@@ -9592,6 +10033,7 @@
                                     <a:lumMod val="50000"/>
                                   </a:schemeClr>
                                 </a:solidFill>
+                                <a:latin typeface="Cambria Math" panose="02040503050406030204" pitchFamily="18" charset="0"/>
                                 <a:ea typeface="Cambria Math" panose="02040503050406030204" pitchFamily="18" charset="0"/>
                               </a:rPr>
                             </m:ctrlPr>
@@ -9604,6 +10046,7 @@
                                     <a:lumMod val="50000"/>
                                   </a:schemeClr>
                                 </a:solidFill>
+                                <a:latin typeface="Cambria Math" panose="02040503050406030204" pitchFamily="18" charset="0"/>
                                 <a:ea typeface="Cambria Math" panose="02040503050406030204" pitchFamily="18" charset="0"/>
                               </a:rPr>
                               <m:t>𝑑</m:t>
@@ -9617,6 +10060,7 @@
                                     <a:lumMod val="50000"/>
                                   </a:schemeClr>
                                 </a:solidFill>
+                                <a:latin typeface="Cambria Math" panose="02040503050406030204" pitchFamily="18" charset="0"/>
                                 <a:ea typeface="Cambria Math" panose="02040503050406030204" pitchFamily="18" charset="0"/>
                               </a:rPr>
                               <m:t>𝑚</m:t>
@@ -9632,6 +10076,7 @@
                             <a:lumMod val="50000"/>
                           </a:schemeClr>
                         </a:solidFill>
+                        <a:latin typeface="Cambria Math" panose="02040503050406030204" pitchFamily="18" charset="0"/>
                         <a:ea typeface="Cambria Math" panose="02040503050406030204" pitchFamily="18" charset="0"/>
                       </a:rPr>
                       <m:t>,</m:t>
@@ -9645,6 +10090,7 @@
                                 <a:lumMod val="50000"/>
                               </a:schemeClr>
                             </a:solidFill>
+                            <a:latin typeface="Cambria Math" panose="02040503050406030204" pitchFamily="18" charset="0"/>
                           </a:rPr>
                         </m:ctrlPr>
                       </m:sSubPr>
@@ -9659,6 +10105,7 @@
                                 <a:lumMod val="50000"/>
                               </a:schemeClr>
                             </a:solidFill>
+                            <a:latin typeface="Cambria Math" panose="02040503050406030204" pitchFamily="18" charset="0"/>
                           </a:rPr>
                           <m:t>p</m:t>
                         </m:r>
@@ -9674,6 +10121,7 @@
                                 <a:lumMod val="50000"/>
                               </a:schemeClr>
                             </a:solidFill>
+                            <a:latin typeface="Cambria Math" panose="02040503050406030204" pitchFamily="18" charset="0"/>
                           </a:rPr>
                           <m:t>i</m:t>
                         </m:r>
@@ -9686,6 +10134,7 @@
                             <a:lumMod val="50000"/>
                           </a:schemeClr>
                         </a:solidFill>
+                        <a:latin typeface="Cambria Math" panose="02040503050406030204" pitchFamily="18" charset="0"/>
                       </a:rPr>
                       <m:t>∈</m:t>
                     </m:r>
@@ -9698,6 +10147,7 @@
                                 <a:lumMod val="50000"/>
                               </a:schemeClr>
                             </a:solidFill>
+                            <a:latin typeface="Cambria Math" panose="02040503050406030204" pitchFamily="18" charset="0"/>
                             <a:ea typeface="Cambria Math" panose="02040503050406030204" pitchFamily="18" charset="0"/>
                           </a:rPr>
                         </m:ctrlPr>
@@ -9713,6 +10163,7 @@
                                 <a:lumMod val="50000"/>
                               </a:schemeClr>
                             </a:solidFill>
+                            <a:latin typeface="Cambria Math" panose="02040503050406030204" pitchFamily="18" charset="0"/>
                             <a:ea typeface="Cambria Math" panose="02040503050406030204" pitchFamily="18" charset="0"/>
                           </a:rPr>
                           <m:t>ℝ</m:t>
@@ -9728,6 +10179,7 @@
                                     <a:lumMod val="50000"/>
                                   </a:schemeClr>
                                 </a:solidFill>
+                                <a:latin typeface="Cambria Math" panose="02040503050406030204" pitchFamily="18" charset="0"/>
                                 <a:ea typeface="Cambria Math" panose="02040503050406030204" pitchFamily="18" charset="0"/>
                               </a:rPr>
                             </m:ctrlPr>
@@ -9740,6 +10192,7 @@
                                     <a:lumMod val="50000"/>
                                   </a:schemeClr>
                                 </a:solidFill>
+                                <a:latin typeface="Cambria Math" panose="02040503050406030204" pitchFamily="18" charset="0"/>
                                 <a:ea typeface="Cambria Math" panose="02040503050406030204" pitchFamily="18" charset="0"/>
                               </a:rPr>
                               <m:t>𝑑</m:t>
@@ -9753,6 +10206,7 @@
                                     <a:lumMod val="50000"/>
                                   </a:schemeClr>
                                 </a:solidFill>
+                                <a:latin typeface="Cambria Math" panose="02040503050406030204" pitchFamily="18" charset="0"/>
                                 <a:ea typeface="Cambria Math" panose="02040503050406030204" pitchFamily="18" charset="0"/>
                               </a:rPr>
                               <m:t>𝑝</m:t>
@@ -9784,6 +10238,7 @@
                                 <a:lumMod val="50000"/>
                               </a:schemeClr>
                             </a:solidFill>
+                            <a:latin typeface="Cambria Math" panose="02040503050406030204" pitchFamily="18" charset="0"/>
                           </a:rPr>
                         </m:ctrlPr>
                       </m:sSubPr>
@@ -9798,6 +10253,7 @@
                                 <a:lumMod val="50000"/>
                               </a:schemeClr>
                             </a:solidFill>
+                            <a:latin typeface="Cambria Math" panose="02040503050406030204" pitchFamily="18" charset="0"/>
                           </a:rPr>
                           <m:t>q</m:t>
                         </m:r>
@@ -9813,6 +10269,7 @@
                                 <a:lumMod val="50000"/>
                               </a:schemeClr>
                             </a:solidFill>
+                            <a:latin typeface="Cambria Math" panose="02040503050406030204" pitchFamily="18" charset="0"/>
                           </a:rPr>
                           <m:t>i</m:t>
                         </m:r>
@@ -9825,6 +10282,7 @@
                             <a:lumMod val="50000"/>
                           </a:schemeClr>
                         </a:solidFill>
+                        <a:latin typeface="Cambria Math" panose="02040503050406030204" pitchFamily="18" charset="0"/>
                       </a:rPr>
                       <m:t>∈</m:t>
                     </m:r>
@@ -9837,6 +10295,7 @@
                                 <a:lumMod val="50000"/>
                               </a:schemeClr>
                             </a:solidFill>
+                            <a:latin typeface="Cambria Math" panose="02040503050406030204" pitchFamily="18" charset="0"/>
                             <a:ea typeface="Cambria Math" panose="02040503050406030204" pitchFamily="18" charset="0"/>
                           </a:rPr>
                         </m:ctrlPr>
@@ -9852,6 +10311,7 @@
                                 <a:lumMod val="50000"/>
                               </a:schemeClr>
                             </a:solidFill>
+                            <a:latin typeface="Cambria Math" panose="02040503050406030204" pitchFamily="18" charset="0"/>
                             <a:ea typeface="Cambria Math" panose="02040503050406030204" pitchFamily="18" charset="0"/>
                           </a:rPr>
                           <m:t>ℝ</m:t>
@@ -9867,6 +10327,7 @@
                                     <a:lumMod val="50000"/>
                                   </a:schemeClr>
                                 </a:solidFill>
+                                <a:latin typeface="Cambria Math" panose="02040503050406030204" pitchFamily="18" charset="0"/>
                                 <a:ea typeface="Cambria Math" panose="02040503050406030204" pitchFamily="18" charset="0"/>
                               </a:rPr>
                             </m:ctrlPr>
@@ -9879,6 +10340,7 @@
                                     <a:lumMod val="50000"/>
                                   </a:schemeClr>
                                 </a:solidFill>
+                                <a:latin typeface="Cambria Math" panose="02040503050406030204" pitchFamily="18" charset="0"/>
                                 <a:ea typeface="Cambria Math" panose="02040503050406030204" pitchFamily="18" charset="0"/>
                               </a:rPr>
                               <m:t>𝑑</m:t>
@@ -9892,6 +10354,7 @@
                                     <a:lumMod val="50000"/>
                                   </a:schemeClr>
                                 </a:solidFill>
+                                <a:latin typeface="Cambria Math" panose="02040503050406030204" pitchFamily="18" charset="0"/>
                                 <a:ea typeface="Cambria Math" panose="02040503050406030204" pitchFamily="18" charset="0"/>
                               </a:rPr>
                               <m:t>𝑞</m:t>
@@ -9913,7 +10376,7 @@
             </p:txBody>
           </p:sp>
         </mc:Choice>
-        <mc:Fallback>
+        <mc:Fallback xmlns="">
           <p:sp>
             <p:nvSpPr>
               <p:cNvPr id="6" name="직사각형 5">
@@ -10451,8 +10914,8 @@
           </a:p>
         </p:txBody>
       </p:sp>
-      <mc:AlternateContent xmlns:mc="http://schemas.openxmlformats.org/markup-compatibility/2006">
-        <mc:Choice xmlns:a14="http://schemas.microsoft.com/office/drawing/2010/main" Requires="a14">
+      <mc:AlternateContent xmlns:mc="http://schemas.openxmlformats.org/markup-compatibility/2006" xmlns:a14="http://schemas.microsoft.com/office/drawing/2010/main">
+        <mc:Choice Requires="a14">
           <p:sp>
             <p:nvSpPr>
               <p:cNvPr id="6" name="직사각형 5">
@@ -10510,7 +10973,7 @@
                     <m:sSub>
                       <m:sSubPr>
                         <m:ctrlPr>
-                          <a:rPr lang="en-US" altLang="ko-KR" b="0" i="0" dirty="0" smtClean="0">
+                          <a:rPr lang="en-US" altLang="ko-KR" b="0" i="1" dirty="0" smtClean="0">
                             <a:solidFill>
                               <a:schemeClr val="bg1">
                                 <a:lumMod val="50000"/>
@@ -10560,6 +11023,7 @@
                             <a:lumMod val="50000"/>
                           </a:schemeClr>
                         </a:solidFill>
+                        <a:latin typeface="Cambria Math" panose="02040503050406030204" pitchFamily="18" charset="0"/>
                       </a:rPr>
                       <m:t>∈</m:t>
                     </m:r>
@@ -10572,6 +11036,7 @@
                                 <a:lumMod val="50000"/>
                               </a:schemeClr>
                             </a:solidFill>
+                            <a:latin typeface="Cambria Math" panose="02040503050406030204" pitchFamily="18" charset="0"/>
                             <a:ea typeface="Cambria Math" panose="02040503050406030204" pitchFamily="18" charset="0"/>
                           </a:rPr>
                         </m:ctrlPr>
@@ -10587,6 +11052,7 @@
                                 <a:lumMod val="50000"/>
                               </a:schemeClr>
                             </a:solidFill>
+                            <a:latin typeface="Cambria Math" panose="02040503050406030204" pitchFamily="18" charset="0"/>
                             <a:ea typeface="Cambria Math" panose="02040503050406030204" pitchFamily="18" charset="0"/>
                           </a:rPr>
                           <m:t>ℝ</m:t>
@@ -10602,6 +11068,7 @@
                                     <a:lumMod val="50000"/>
                                   </a:schemeClr>
                                 </a:solidFill>
+                                <a:latin typeface="Cambria Math" panose="02040503050406030204" pitchFamily="18" charset="0"/>
                                 <a:ea typeface="Cambria Math" panose="02040503050406030204" pitchFamily="18" charset="0"/>
                               </a:rPr>
                             </m:ctrlPr>
@@ -10614,6 +11081,7 @@
                                     <a:lumMod val="50000"/>
                                   </a:schemeClr>
                                 </a:solidFill>
+                                <a:latin typeface="Cambria Math" panose="02040503050406030204" pitchFamily="18" charset="0"/>
                                 <a:ea typeface="Cambria Math" panose="02040503050406030204" pitchFamily="18" charset="0"/>
                               </a:rPr>
                               <m:t>𝑑</m:t>
@@ -11499,7 +11967,7 @@
             </p:txBody>
           </p:sp>
         </mc:Choice>
-        <mc:Fallback>
+        <mc:Fallback xmlns="">
           <p:sp>
             <p:nvSpPr>
               <p:cNvPr id="6" name="직사각형 5">
@@ -11544,8 +12012,8 @@
           </p:sp>
         </mc:Fallback>
       </mc:AlternateContent>
-      <mc:AlternateContent xmlns:mc="http://schemas.openxmlformats.org/markup-compatibility/2006">
-        <mc:Choice xmlns:a14="http://schemas.microsoft.com/office/drawing/2010/main" Requires="a14">
+      <mc:AlternateContent xmlns:mc="http://schemas.openxmlformats.org/markup-compatibility/2006" xmlns:a14="http://schemas.microsoft.com/office/drawing/2010/main">
+        <mc:Choice Requires="a14">
           <p:graphicFrame>
             <p:nvGraphicFramePr>
               <p:cNvPr id="7" name="표 6">
@@ -12488,7 +12956,7 @@
             </a:graphic>
           </p:graphicFrame>
         </mc:Choice>
-        <mc:Fallback>
+        <mc:Fallback xmlns="">
           <p:graphicFrame>
             <p:nvGraphicFramePr>
               <p:cNvPr id="7" name="표 6">
@@ -14151,13 +14619,7 @@
                               <a:rPr lang="en-US" altLang="ko-KR" sz="2000" i="1">
                                 <a:latin typeface="Cambria Math" panose="02040503050406030204" pitchFamily="18" charset="0"/>
                               </a:rPr>
-                              <m:t>𝑢</m:t>
-                            </m:r>
-                            <m:r>
-                              <a:rPr lang="en-US" altLang="ko-KR" sz="2000" i="1">
-                                <a:latin typeface="Cambria Math" panose="02040503050406030204" pitchFamily="18" charset="0"/>
-                              </a:rPr>
-                              <m:t>𝑝</m:t>
+                              <m:t>𝑢𝑝</m:t>
                             </m:r>
                           </m:sub>
                         </m:sSub>
@@ -14188,13 +14650,7 @@
                               <a:rPr lang="en-US" altLang="ko-KR" sz="2000" i="1">
                                 <a:latin typeface="Cambria Math" panose="02040503050406030204" pitchFamily="18" charset="0"/>
                               </a:rPr>
-                              <m:t>𝑣</m:t>
-                            </m:r>
-                            <m:r>
-                              <a:rPr lang="en-US" altLang="ko-KR" sz="2000" i="1">
-                                <a:latin typeface="Cambria Math" panose="02040503050406030204" pitchFamily="18" charset="0"/>
-                              </a:rPr>
-                              <m:t>𝑝</m:t>
+                              <m:t>𝑣𝑝</m:t>
                             </m:r>
                           </m:sub>
                           <m:sup>
@@ -14815,8 +15271,8 @@
           </a:p>
         </p:txBody>
       </p:sp>
-      <mc:AlternateContent xmlns:mc="http://schemas.openxmlformats.org/markup-compatibility/2006">
-        <mc:Choice xmlns:a14="http://schemas.microsoft.com/office/drawing/2010/main" Requires="a14">
+      <mc:AlternateContent xmlns:mc="http://schemas.openxmlformats.org/markup-compatibility/2006" xmlns:a14="http://schemas.microsoft.com/office/drawing/2010/main">
+        <mc:Choice Requires="a14">
           <p:sp>
             <p:nvSpPr>
               <p:cNvPr id="16" name="직사각형 15">
@@ -14869,36 +15325,48 @@
                       <m:sSubSup>
                         <m:sSubSupPr>
                           <m:ctrlPr>
-                            <a:rPr lang="en-US" altLang="ko-KR" sz="2000" i="1" smtClean="0"/>
+                            <a:rPr lang="en-US" altLang="ko-KR" sz="2000" i="1" smtClean="0">
+                              <a:latin typeface="Cambria Math" panose="02040503050406030204" pitchFamily="18" charset="0"/>
+                            </a:rPr>
                           </m:ctrlPr>
                         </m:sSubSupPr>
                         <m:e>
                           <m:r>
-                            <a:rPr lang="en-US" altLang="ko-KR" sz="2000" i="1"/>
+                            <a:rPr lang="en-US" altLang="ko-KR" sz="2000" i="1">
+                              <a:latin typeface="Cambria Math" panose="02040503050406030204" pitchFamily="18" charset="0"/>
+                            </a:rPr>
                             <m:t>h</m:t>
                           </m:r>
                         </m:e>
                         <m:sub>
                           <m:r>
-                            <a:rPr lang="en-US" altLang="ko-KR" sz="2000" i="1"/>
+                            <a:rPr lang="en-US" altLang="ko-KR" sz="2000" i="1">
+                              <a:latin typeface="Cambria Math" panose="02040503050406030204" pitchFamily="18" charset="0"/>
+                            </a:rPr>
                             <m:t>𝑖</m:t>
                           </m:r>
                         </m:sub>
                         <m:sup>
                           <m:r>
-                            <a:rPr lang="en-US" altLang="ko-KR" sz="2000" i="1"/>
+                            <a:rPr lang="en-US" altLang="ko-KR" sz="2000" i="1">
+                              <a:latin typeface="Cambria Math" panose="02040503050406030204" pitchFamily="18" charset="0"/>
+                            </a:rPr>
                             <m:t>𝑝𝑚𝑡</m:t>
                           </m:r>
                         </m:sup>
                       </m:sSubSup>
                       <m:r>
-                        <a:rPr lang="en-US" altLang="ko-KR" sz="2000" b="0" i="1" smtClean="0"/>
+                        <a:rPr lang="en-US" altLang="ko-KR" sz="2000" b="0" i="1" smtClean="0">
+                          <a:latin typeface="Cambria Math" panose="02040503050406030204" pitchFamily="18" charset="0"/>
+                        </a:rPr>
                         <m:t>=[</m:t>
                       </m:r>
                       <m:sSubSup>
                         <m:sSubSupPr>
                           <m:ctrlPr>
-                            <a:rPr lang="en-US" altLang="ko-KR" sz="2000" b="0" i="1" smtClean="0"/>
+                            <a:rPr lang="en-US" altLang="ko-KR" sz="2000" b="0" i="1" smtClean="0">
+                              <a:latin typeface="Cambria Math" panose="02040503050406030204" pitchFamily="18" charset="0"/>
+                            </a:rPr>
                           </m:ctrlPr>
                         </m:sSubSupPr>
                         <m:e>
@@ -14906,12 +15374,16 @@
                             <m:accPr>
                               <m:chr m:val="̂"/>
                               <m:ctrlPr>
-                                <a:rPr lang="en-US" altLang="ko-KR" sz="2000" b="0" i="1" smtClean="0"/>
+                                <a:rPr lang="en-US" altLang="ko-KR" sz="2000" b="0" i="1" smtClean="0">
+                                  <a:latin typeface="Cambria Math" panose="02040503050406030204" pitchFamily="18" charset="0"/>
+                                </a:rPr>
                               </m:ctrlPr>
                             </m:accPr>
                             <m:e>
                               <m:r>
-                                <a:rPr lang="en-US" altLang="ko-KR" sz="2000" b="0" i="1" smtClean="0"/>
+                                <a:rPr lang="en-US" altLang="ko-KR" sz="2000" b="0" i="1" smtClean="0">
+                                  <a:latin typeface="Cambria Math" panose="02040503050406030204" pitchFamily="18" charset="0"/>
+                                </a:rPr>
                                 <m:t>h</m:t>
                               </m:r>
                             </m:e>
@@ -14919,19 +15391,25 @@
                         </m:e>
                         <m:sub>
                           <m:r>
-                            <a:rPr lang="en-US" altLang="ko-KR" sz="2000" b="0" i="1" smtClean="0"/>
+                            <a:rPr lang="en-US" altLang="ko-KR" sz="2000" b="0" i="1" smtClean="0">
+                              <a:latin typeface="Cambria Math" panose="02040503050406030204" pitchFamily="18" charset="0"/>
+                            </a:rPr>
                             <m:t>𝑖</m:t>
                           </m:r>
                         </m:sub>
                         <m:sup>
                           <m:r>
-                            <a:rPr lang="en-US" altLang="ko-KR" sz="2000" b="0" i="1" smtClean="0"/>
+                            <a:rPr lang="en-US" altLang="ko-KR" sz="2000" b="0" i="1" smtClean="0">
+                              <a:latin typeface="Cambria Math" panose="02040503050406030204" pitchFamily="18" charset="0"/>
+                            </a:rPr>
                             <m:t>−</m:t>
                           </m:r>
                         </m:sup>
                       </m:sSubSup>
                       <m:r>
-                        <a:rPr lang="en-US" altLang="ko-KR" sz="2000" b="0" i="1" smtClean="0"/>
+                        <a:rPr lang="en-US" altLang="ko-KR" sz="2000" b="0" i="1" smtClean="0">
+                          <a:latin typeface="Cambria Math" panose="02040503050406030204" pitchFamily="18" charset="0"/>
+                        </a:rPr>
                         <m:t>|</m:t>
                       </m:r>
                       <m:d>
@@ -14939,14 +15417,18 @@
                           <m:begChr m:val="|"/>
                           <m:endChr m:val="]"/>
                           <m:ctrlPr>
-                            <a:rPr lang="en-US" altLang="ko-KR" sz="2000" b="0" i="1" smtClean="0"/>
+                            <a:rPr lang="en-US" altLang="ko-KR" sz="2000" b="0" i="1" smtClean="0">
+                              <a:latin typeface="Cambria Math" panose="02040503050406030204" pitchFamily="18" charset="0"/>
+                            </a:rPr>
                           </m:ctrlPr>
                         </m:dPr>
                         <m:e>
                           <m:sSubSup>
                             <m:sSubSupPr>
                               <m:ctrlPr>
-                                <a:rPr lang="en-US" altLang="ko-KR" sz="2000" i="1"/>
+                                <a:rPr lang="en-US" altLang="ko-KR" sz="2000" i="1">
+                                  <a:latin typeface="Cambria Math" panose="02040503050406030204" pitchFamily="18" charset="0"/>
+                                </a:rPr>
                               </m:ctrlPr>
                             </m:sSubSupPr>
                             <m:e>
@@ -14954,12 +15436,16 @@
                                 <m:accPr>
                                   <m:chr m:val="̂"/>
                                   <m:ctrlPr>
-                                    <a:rPr lang="en-US" altLang="ko-KR" sz="2000" i="1"/>
+                                    <a:rPr lang="en-US" altLang="ko-KR" sz="2000" i="1">
+                                      <a:latin typeface="Cambria Math" panose="02040503050406030204" pitchFamily="18" charset="0"/>
+                                    </a:rPr>
                                   </m:ctrlPr>
                                 </m:accPr>
                                 <m:e>
                                   <m:r>
-                                    <a:rPr lang="en-US" altLang="ko-KR" sz="2000" i="1"/>
+                                    <a:rPr lang="en-US" altLang="ko-KR" sz="2000" i="1">
+                                      <a:latin typeface="Cambria Math" panose="02040503050406030204" pitchFamily="18" charset="0"/>
+                                    </a:rPr>
                                     <m:t>h</m:t>
                                   </m:r>
                                 </m:e>
@@ -14967,13 +15453,17 @@
                             </m:e>
                             <m:sub>
                               <m:r>
-                                <a:rPr lang="en-US" altLang="ko-KR" sz="2000" i="1"/>
+                                <a:rPr lang="en-US" altLang="ko-KR" sz="2000" i="1">
+                                  <a:latin typeface="Cambria Math" panose="02040503050406030204" pitchFamily="18" charset="0"/>
+                                </a:rPr>
                                 <m:t>𝑖</m:t>
                               </m:r>
                             </m:sub>
                             <m:sup>
                               <m:r>
-                                <a:rPr lang="en-US" altLang="ko-KR" sz="2000" b="0" i="1" smtClean="0"/>
+                                <a:rPr lang="en-US" altLang="ko-KR" sz="2000" b="0" i="1" smtClean="0">
+                                  <a:latin typeface="Cambria Math" panose="02040503050406030204" pitchFamily="18" charset="0"/>
+                                </a:rPr>
                                 <m:t>+</m:t>
                               </m:r>
                             </m:sup>
@@ -14999,11 +15489,15 @@
                 <a14:m>
                   <m:oMath xmlns:m="http://schemas.openxmlformats.org/officeDocument/2006/math">
                     <m:r>
-                      <a:rPr lang="en-US" altLang="ko-KR" sz="2000" b="0" i="1" smtClean="0"/>
+                      <a:rPr lang="en-US" altLang="ko-KR" sz="2000" b="0" i="1" smtClean="0">
+                        <a:latin typeface="Cambria Math" panose="02040503050406030204" pitchFamily="18" charset="0"/>
+                      </a:rPr>
                       <m:t>=</m:t>
                     </m:r>
                     <m:r>
-                      <a:rPr lang="en-US" altLang="ko-KR" sz="2000" b="0" i="1" smtClean="0"/>
+                      <a:rPr lang="en-US" altLang="ko-KR" sz="2000" b="0" i="1" smtClean="0">
+                        <a:latin typeface="Cambria Math" panose="02040503050406030204" pitchFamily="18" charset="0"/>
+                      </a:rPr>
                       <m:t>𝑠𝑜𝑓𝑡𝑚𝑎𝑥</m:t>
                     </m:r>
                     <m:d>
@@ -15018,18 +15512,24 @@
                         <m:sSub>
                           <m:sSubPr>
                             <m:ctrlPr>
-                              <a:rPr lang="en-US" altLang="ko-KR" sz="2000" b="0" i="1" smtClean="0"/>
+                              <a:rPr lang="en-US" altLang="ko-KR" sz="2000" b="0" i="1" smtClean="0">
+                                <a:latin typeface="Cambria Math" panose="02040503050406030204" pitchFamily="18" charset="0"/>
+                              </a:rPr>
                             </m:ctrlPr>
                           </m:sSubPr>
                           <m:e>
                             <m:r>
-                              <a:rPr lang="en-US" altLang="ko-KR" sz="2000" b="0" i="1" smtClean="0"/>
+                              <a:rPr lang="en-US" altLang="ko-KR" sz="2000" b="0" i="1" smtClean="0">
+                                <a:latin typeface="Cambria Math" panose="02040503050406030204" pitchFamily="18" charset="0"/>
+                              </a:rPr>
                               <m:t>𝑊</m:t>
                             </m:r>
                           </m:e>
                           <m:sub>
                             <m:r>
-                              <a:rPr lang="en-US" altLang="ko-KR" sz="2000" b="0" i="1" smtClean="0"/>
+                              <a:rPr lang="en-US" altLang="ko-KR" sz="2000" b="0" i="1" smtClean="0">
+                                <a:latin typeface="Cambria Math" panose="02040503050406030204" pitchFamily="18" charset="0"/>
+                              </a:rPr>
                               <m:t>𝑧𝑟</m:t>
                             </m:r>
                           </m:sub>
@@ -15048,30 +15548,39 @@
                             <m:sSubSup>
                               <m:sSubSupPr>
                                 <m:ctrlPr>
-                                  <a:rPr lang="en-US" altLang="ko-KR" sz="2000" b="0" i="1" smtClean="0"/>
+                                  <a:rPr lang="en-US" altLang="ko-KR" sz="2000" b="0" i="1" smtClean="0">
+                                    <a:latin typeface="Cambria Math" panose="02040503050406030204" pitchFamily="18" charset="0"/>
+                                  </a:rPr>
                                 </m:ctrlPr>
                               </m:sSubSupPr>
                               <m:e>
                                 <m:r>
-                                  <a:rPr lang="en-US" altLang="ko-KR" sz="2000" b="0" i="1" smtClean="0"/>
+                                  <a:rPr lang="en-US" altLang="ko-KR" sz="2000" b="0" i="1" smtClean="0">
+                                    <a:latin typeface="Cambria Math" panose="02040503050406030204" pitchFamily="18" charset="0"/>
+                                  </a:rPr>
                                   <m:t>𝑢</m:t>
                                 </m:r>
                               </m:e>
                               <m:sub>
                                 <m:r>
-                                  <a:rPr lang="en-US" altLang="ko-KR" sz="2000" b="0" i="1" smtClean="0"/>
+                                  <a:rPr lang="en-US" altLang="ko-KR" sz="2000" b="0" i="1" smtClean="0">
+                                    <a:latin typeface="Cambria Math" panose="02040503050406030204" pitchFamily="18" charset="0"/>
+                                  </a:rPr>
                                   <m:t>𝑖</m:t>
                                 </m:r>
                               </m:sub>
                               <m:sup>
                                 <m:r>
-                                  <a:rPr lang="en-US" altLang="ko-KR" sz="2000" b="0" i="1" smtClean="0"/>
+                                  <a:rPr lang="en-US" altLang="ko-KR" sz="2000" b="0" i="1" smtClean="0">
+                                    <a:latin typeface="Cambria Math" panose="02040503050406030204" pitchFamily="18" charset="0"/>
+                                  </a:rPr>
                                   <m:t>𝑚</m:t>
                                 </m:r>
                               </m:sup>
                             </m:sSubSup>
                             <m:r>
                               <a:rPr lang="en-US" altLang="ko-KR" sz="2000" b="0" i="1" smtClean="0">
+                                <a:latin typeface="Cambria Math" panose="02040503050406030204" pitchFamily="18" charset="0"/>
                                 <a:ea typeface="Cambria Math" panose="02040503050406030204" pitchFamily="18" charset="0"/>
                               </a:rPr>
                               <m:t>∥</m:t>
@@ -15079,37 +15588,48 @@
                             <m:d>
                               <m:dPr>
                                 <m:ctrlPr>
-                                  <a:rPr lang="en-US" altLang="ko-KR" sz="2000" b="0" i="1" smtClean="0"/>
+                                  <a:rPr lang="en-US" altLang="ko-KR" sz="2000" b="0" i="1" smtClean="0">
+                                    <a:latin typeface="Cambria Math" panose="02040503050406030204" pitchFamily="18" charset="0"/>
+                                  </a:rPr>
                                 </m:ctrlPr>
                               </m:dPr>
                               <m:e>
                                 <m:sSubSup>
                                   <m:sSubSupPr>
                                     <m:ctrlPr>
-                                      <a:rPr lang="en-US" altLang="ko-KR" sz="2000" b="0" i="1" smtClean="0"/>
+                                      <a:rPr lang="en-US" altLang="ko-KR" sz="2000" b="0" i="1" smtClean="0">
+                                        <a:latin typeface="Cambria Math" panose="02040503050406030204" pitchFamily="18" charset="0"/>
+                                      </a:rPr>
                                     </m:ctrlPr>
                                   </m:sSubSupPr>
                                   <m:e>
                                     <m:r>
-                                      <a:rPr lang="en-US" altLang="ko-KR" sz="2000" b="0" i="1" smtClean="0"/>
+                                      <a:rPr lang="en-US" altLang="ko-KR" sz="2000" b="0" i="1" smtClean="0">
+                                        <a:latin typeface="Cambria Math" panose="02040503050406030204" pitchFamily="18" charset="0"/>
+                                      </a:rPr>
                                       <m:t>𝑢</m:t>
                                     </m:r>
                                   </m:e>
                                   <m:sub>
                                     <m:r>
-                                      <a:rPr lang="en-US" altLang="ko-KR" sz="2000" b="0" i="1" smtClean="0"/>
+                                      <a:rPr lang="en-US" altLang="ko-KR" sz="2000" b="0" i="1" smtClean="0">
+                                        <a:latin typeface="Cambria Math" panose="02040503050406030204" pitchFamily="18" charset="0"/>
+                                      </a:rPr>
                                       <m:t>𝑖</m:t>
                                     </m:r>
                                   </m:sub>
                                   <m:sup>
                                     <m:r>
-                                      <a:rPr lang="en-US" altLang="ko-KR" sz="2000" b="0" i="1" smtClean="0"/>
+                                      <a:rPr lang="en-US" altLang="ko-KR" sz="2000" b="0" i="1" smtClean="0">
+                                        <a:latin typeface="Cambria Math" panose="02040503050406030204" pitchFamily="18" charset="0"/>
+                                      </a:rPr>
                                       <m:t>𝑚</m:t>
                                     </m:r>
                                   </m:sup>
                                 </m:sSubSup>
                                 <m:r>
                                   <a:rPr lang="en-US" altLang="ko-KR" sz="2000" b="0" i="1" smtClean="0">
+                                    <a:latin typeface="Cambria Math" panose="02040503050406030204" pitchFamily="18" charset="0"/>
                                     <a:ea typeface="Cambria Math" panose="02040503050406030204" pitchFamily="18" charset="0"/>
                                   </a:rPr>
                                   <m:t>⨀</m:t>
@@ -15118,6 +15638,7 @@
                                   <m:sSubSupPr>
                                     <m:ctrlPr>
                                       <a:rPr lang="en-US" altLang="ko-KR" sz="2000" b="0" i="1" smtClean="0">
+                                        <a:latin typeface="Cambria Math" panose="02040503050406030204" pitchFamily="18" charset="0"/>
                                         <a:ea typeface="Cambria Math" panose="02040503050406030204" pitchFamily="18" charset="0"/>
                                       </a:rPr>
                                     </m:ctrlPr>
@@ -15125,6 +15646,7 @@
                                   <m:e>
                                     <m:r>
                                       <a:rPr lang="en-US" altLang="ko-KR" sz="2000" b="0" i="1" smtClean="0">
+                                        <a:latin typeface="Cambria Math" panose="02040503050406030204" pitchFamily="18" charset="0"/>
                                         <a:ea typeface="Cambria Math" panose="02040503050406030204" pitchFamily="18" charset="0"/>
                                       </a:rPr>
                                       <m:t>𝑣</m:t>
@@ -15133,6 +15655,7 @@
                                   <m:sub>
                                     <m:r>
                                       <a:rPr lang="en-US" altLang="ko-KR" sz="2000" b="0" i="1" smtClean="0">
+                                        <a:latin typeface="Cambria Math" panose="02040503050406030204" pitchFamily="18" charset="0"/>
                                         <a:ea typeface="Cambria Math" panose="02040503050406030204" pitchFamily="18" charset="0"/>
                                       </a:rPr>
                                       <m:t>𝑖</m:t>
@@ -15141,6 +15664,7 @@
                                   <m:sup>
                                     <m:r>
                                       <a:rPr lang="en-US" altLang="ko-KR" sz="2000" b="0" i="1" smtClean="0">
+                                        <a:latin typeface="Cambria Math" panose="02040503050406030204" pitchFamily="18" charset="0"/>
                                         <a:ea typeface="Cambria Math" panose="02040503050406030204" pitchFamily="18" charset="0"/>
                                       </a:rPr>
                                       <m:t>𝑝</m:t>
@@ -15151,6 +15675,7 @@
                             </m:d>
                             <m:r>
                               <a:rPr lang="en-US" altLang="ko-KR" sz="2000" i="1">
+                                <a:latin typeface="Cambria Math" panose="02040503050406030204" pitchFamily="18" charset="0"/>
                                 <a:ea typeface="Cambria Math" panose="02040503050406030204" pitchFamily="18" charset="0"/>
                               </a:rPr>
                               <m:t>∥</m:t>
@@ -15158,24 +15683,32 @@
                             <m:sSubSup>
                               <m:sSubSupPr>
                                 <m:ctrlPr>
-                                  <a:rPr lang="en-US" altLang="ko-KR" sz="2000" b="0" i="1" smtClean="0"/>
+                                  <a:rPr lang="en-US" altLang="ko-KR" sz="2000" b="0" i="1" smtClean="0">
+                                    <a:latin typeface="Cambria Math" panose="02040503050406030204" pitchFamily="18" charset="0"/>
+                                  </a:rPr>
                                 </m:ctrlPr>
                               </m:sSubSupPr>
                               <m:e>
                                 <m:r>
-                                  <a:rPr lang="en-US" altLang="ko-KR" sz="2000" b="0" i="1" smtClean="0"/>
+                                  <a:rPr lang="en-US" altLang="ko-KR" sz="2000" b="0" i="1" smtClean="0">
+                                    <a:latin typeface="Cambria Math" panose="02040503050406030204" pitchFamily="18" charset="0"/>
+                                  </a:rPr>
                                   <m:t>𝑣</m:t>
                                 </m:r>
                               </m:e>
                               <m:sub>
                                 <m:r>
-                                  <a:rPr lang="en-US" altLang="ko-KR" sz="2000" b="0" i="1" smtClean="0"/>
+                                  <a:rPr lang="en-US" altLang="ko-KR" sz="2000" b="0" i="1" smtClean="0">
+                                    <a:latin typeface="Cambria Math" panose="02040503050406030204" pitchFamily="18" charset="0"/>
+                                  </a:rPr>
                                   <m:t>𝑖</m:t>
                                 </m:r>
                               </m:sub>
                               <m:sup>
                                 <m:r>
-                                  <a:rPr lang="en-US" altLang="ko-KR" sz="2000" b="0" i="1" smtClean="0"/>
+                                  <a:rPr lang="en-US" altLang="ko-KR" sz="2000" b="0" i="1" smtClean="0">
+                                    <a:latin typeface="Cambria Math" panose="02040503050406030204" pitchFamily="18" charset="0"/>
+                                  </a:rPr>
                                   <m:t>𝑝</m:t>
                                 </m:r>
                               </m:sup>
@@ -15191,7 +15724,7 @@
             </p:txBody>
           </p:sp>
         </mc:Choice>
-        <mc:Fallback>
+        <mc:Fallback xmlns="">
           <p:sp>
             <p:nvSpPr>
               <p:cNvPr id="16" name="직사각형 15">
@@ -15236,8 +15769,8 @@
           </p:sp>
         </mc:Fallback>
       </mc:AlternateContent>
-      <mc:AlternateContent xmlns:mc="http://schemas.openxmlformats.org/markup-compatibility/2006">
-        <mc:Choice xmlns:a14="http://schemas.microsoft.com/office/drawing/2010/main" Requires="a14">
+      <mc:AlternateContent xmlns:mc="http://schemas.openxmlformats.org/markup-compatibility/2006" xmlns:a14="http://schemas.microsoft.com/office/drawing/2010/main">
+        <mc:Choice Requires="a14">
           <p:sp>
             <p:nvSpPr>
               <p:cNvPr id="17" name="직사각형 16">
@@ -15653,6 +16186,7 @@
                             <a:lumMod val="50000"/>
                           </a:schemeClr>
                         </a:solidFill>
+                        <a:latin typeface="Cambria Math" panose="02040503050406030204" pitchFamily="18" charset="0"/>
                       </a:rPr>
                       <m:t>∈</m:t>
                     </m:r>
@@ -15665,6 +16199,7 @@
                                 <a:lumMod val="50000"/>
                               </a:schemeClr>
                             </a:solidFill>
+                            <a:latin typeface="Cambria Math" panose="02040503050406030204" pitchFamily="18" charset="0"/>
                             <a:ea typeface="Cambria Math" panose="02040503050406030204" pitchFamily="18" charset="0"/>
                           </a:rPr>
                         </m:ctrlPr>
@@ -15680,6 +16215,7 @@
                                 <a:lumMod val="50000"/>
                               </a:schemeClr>
                             </a:solidFill>
+                            <a:latin typeface="Cambria Math" panose="02040503050406030204" pitchFamily="18" charset="0"/>
                             <a:ea typeface="Cambria Math" panose="02040503050406030204" pitchFamily="18" charset="0"/>
                           </a:rPr>
                           <m:t>ℝ</m:t>
@@ -16564,7 +17100,7 @@
             </p:txBody>
           </p:sp>
         </mc:Choice>
-        <mc:Fallback>
+        <mc:Fallback xmlns="">
           <p:sp>
             <p:nvSpPr>
               <p:cNvPr id="17" name="직사각형 16">
@@ -16709,8 +17245,8 @@
           </a:p>
         </p:txBody>
       </p:sp>
-      <mc:AlternateContent xmlns:mc="http://schemas.openxmlformats.org/markup-compatibility/2006">
-        <mc:Choice xmlns:a14="http://schemas.microsoft.com/office/drawing/2010/main" Requires="a14">
+      <mc:AlternateContent xmlns:mc="http://schemas.openxmlformats.org/markup-compatibility/2006" xmlns:a14="http://schemas.microsoft.com/office/drawing/2010/main">
+        <mc:Choice Requires="a14">
           <p:sp>
             <p:nvSpPr>
               <p:cNvPr id="19" name="직사각형 18">
@@ -16826,13 +17362,7 @@
                                 <a:rPr lang="en-US" altLang="ko-KR" sz="2000" b="0" i="1" smtClean="0">
                                   <a:latin typeface="Cambria Math" panose="02040503050406030204" pitchFamily="18" charset="0"/>
                                 </a:rPr>
-                                <m:t>h</m:t>
-                              </m:r>
-                              <m:r>
-                                <a:rPr lang="en-US" altLang="ko-KR" sz="2000" b="0" i="1" smtClean="0">
-                                  <a:latin typeface="Cambria Math" panose="02040503050406030204" pitchFamily="18" charset="0"/>
-                                </a:rPr>
-                                <m:t>𝑟</m:t>
+                                <m:t>h𝑟</m:t>
                               </m:r>
                             </m:sub>
                           </m:sSub>
@@ -17058,7 +17588,7 @@
             </p:txBody>
           </p:sp>
         </mc:Choice>
-        <mc:Fallback>
+        <mc:Fallback xmlns="">
           <p:sp>
             <p:nvSpPr>
               <p:cNvPr id="19" name="직사각형 18">
@@ -17553,7 +18083,7 @@
         <p:spPr>
           <a:xfrm>
             <a:off x="1198563" y="2141136"/>
-            <a:ext cx="5382110" cy="1861920"/>
+            <a:ext cx="5382110" cy="1501821"/>
           </a:xfrm>
           <a:prstGeom prst="rect">
             <a:avLst/>
@@ -17660,26 +18190,8 @@
                 <a:ea typeface="맑은 고딕" panose="020B0503020000020004" pitchFamily="50" charset="-127"/>
                 <a:cs typeface="+mn-cs"/>
               </a:rPr>
-              <a:t>Different activation states </a:t>
+              <a:t>Different activation states  </a:t>
             </a:r>
-            <a:br>
-              <a:rPr kumimoji="0" lang="en-US" altLang="ko-KR" sz="1800" b="0" i="0" u="none" strike="noStrike" kern="1200" cap="none" spc="0" normalizeH="0" baseline="0" noProof="0" dirty="0">
-                <a:ln>
-                  <a:noFill/>
-                </a:ln>
-                <a:solidFill>
-                  <a:prstClr val="white">
-                    <a:lumMod val="50000"/>
-                  </a:prstClr>
-                </a:solidFill>
-                <a:effectLst/>
-                <a:uLnTx/>
-                <a:uFillTx/>
-                <a:latin typeface="Calibri"/>
-                <a:ea typeface="맑은 고딕" panose="020B0503020000020004" pitchFamily="50" charset="-127"/>
-                <a:cs typeface="+mn-cs"/>
-              </a:rPr>
-            </a:br>
             <a:r>
               <a:rPr lang="en-US" altLang="ko-KR" dirty="0">
                 <a:solidFill>
@@ -17708,26 +18220,8 @@
                 <a:ea typeface="맑은 고딕" panose="020B0503020000020004" pitchFamily="50" charset="-127"/>
                 <a:cs typeface="+mn-cs"/>
               </a:rPr>
-              <a:t> Varying inter-stock influences </a:t>
+              <a:t> Varying inter-stock influences  </a:t>
             </a:r>
-            <a:br>
-              <a:rPr kumimoji="0" lang="en-US" altLang="ko-KR" sz="1800" b="0" i="0" u="none" strike="noStrike" kern="1200" cap="none" spc="0" normalizeH="0" baseline="0" noProof="0" dirty="0">
-                <a:ln>
-                  <a:noFill/>
-                </a:ln>
-                <a:solidFill>
-                  <a:prstClr val="white">
-                    <a:lumMod val="50000"/>
-                  </a:prstClr>
-                </a:solidFill>
-                <a:effectLst/>
-                <a:uLnTx/>
-                <a:uFillTx/>
-                <a:latin typeface="Calibri"/>
-                <a:ea typeface="맑은 고딕" panose="020B0503020000020004" pitchFamily="50" charset="-127"/>
-                <a:cs typeface="+mn-cs"/>
-              </a:rPr>
-            </a:br>
             <a:r>
               <a:rPr lang="en-US" altLang="ko-KR" dirty="0">
                 <a:solidFill>
@@ -17869,7 +18363,7 @@
             </p:nvSpPr>
             <p:spPr>
               <a:xfrm>
-                <a:off x="1357314" y="3491586"/>
+                <a:off x="1357314" y="3355106"/>
                 <a:ext cx="9367837" cy="1573892"/>
               </a:xfrm>
               <a:prstGeom prst="rect">
@@ -17921,14 +18415,10 @@
                       </m:sub>
                     </m:sSub>
                     <m:r>
-                      <a:rPr lang="en-US" altLang="ko-KR" sz="2000" b="0" i="1" smtClean="0"/>
-                      <m:t>=</m:t>
-                    </m:r>
-                    <m:r>
                       <a:rPr lang="en-US" altLang="ko-KR" sz="2000" b="0" i="1" smtClean="0">
                         <a:latin typeface="Cambria Math" panose="02040503050406030204" pitchFamily="18" charset="0"/>
                       </a:rPr>
-                      <m:t> </m:t>
+                      <m:t>= </m:t>
                     </m:r>
                     <m:d>
                       <m:dPr>
@@ -18419,7 +18909,7 @@
             </p:nvSpPr>
             <p:spPr>
               <a:xfrm>
-                <a:off x="1357314" y="3491586"/>
+                <a:off x="1357314" y="3355106"/>
                 <a:ext cx="9367837" cy="1573892"/>
               </a:xfrm>
               <a:prstGeom prst="rect">
@@ -18463,7 +18953,7 @@
             </p:nvSpPr>
             <p:spPr>
               <a:xfrm>
-                <a:off x="8235951" y="4472000"/>
+                <a:off x="8235951" y="4390112"/>
                 <a:ext cx="3575049" cy="1752083"/>
               </a:xfrm>
               <a:prstGeom prst="rect">
@@ -19585,7 +20075,7 @@
             </p:nvSpPr>
             <p:spPr>
               <a:xfrm>
-                <a:off x="8235951" y="4472000"/>
+                <a:off x="8235951" y="4390112"/>
                 <a:ext cx="3575049" cy="1752083"/>
               </a:xfrm>
               <a:prstGeom prst="rect">
@@ -19594,7 +20084,7 @@
               <a:blipFill>
                 <a:blip r:embed="rId5"/>
                 <a:stretch>
-                  <a:fillRect l="-1363" b="-4181"/>
+                  <a:fillRect l="-1363" b="-3819"/>
                 </a:stretch>
               </a:blipFill>
             </p:spPr>
@@ -19627,7 +20117,7 @@
         </p:nvSpPr>
         <p:spPr>
           <a:xfrm>
-            <a:off x="1198563" y="5032520"/>
+            <a:off x="1198563" y="4923336"/>
             <a:ext cx="7208838" cy="783420"/>
           </a:xfrm>
           <a:prstGeom prst="rect">
@@ -19700,7 +20190,7 @@
             </p:nvSpPr>
             <p:spPr>
               <a:xfrm>
-                <a:off x="1357314" y="5538191"/>
+                <a:off x="1357314" y="5429007"/>
                 <a:ext cx="6719886" cy="1510413"/>
               </a:xfrm>
               <a:prstGeom prst="rect">
@@ -20235,7 +20725,7 @@
             </p:nvSpPr>
             <p:spPr>
               <a:xfrm>
-                <a:off x="1357314" y="5538191"/>
+                <a:off x="1357314" y="5429007"/>
                 <a:ext cx="6719886" cy="1510413"/>
               </a:xfrm>
               <a:prstGeom prst="rect">
@@ -20267,6 +20757,6179 @@
     <p:extLst>
       <p:ext uri="{BB962C8B-B14F-4D97-AF65-F5344CB8AC3E}">
         <p14:creationId xmlns:p14="http://schemas.microsoft.com/office/powerpoint/2010/main" val="641003318"/>
+      </p:ext>
+    </p:extLst>
+  </p:cSld>
+  <p:clrMapOvr>
+    <a:masterClrMapping/>
+  </p:clrMapOvr>
+</p:sld>
+</file>
+
+<file path=ppt/slides/slide15.xml><?xml version="1.0" encoding="utf-8"?>
+<p:sld xmlns:a="http://schemas.openxmlformats.org/drawingml/2006/main" xmlns:r="http://schemas.openxmlformats.org/officeDocument/2006/relationships" xmlns:p="http://schemas.openxmlformats.org/presentationml/2006/main">
+  <p:cSld>
+    <p:spTree>
+      <p:nvGrpSpPr>
+        <p:cNvPr id="1" name="">
+          <a:extLst>
+            <a:ext uri="{FF2B5EF4-FFF2-40B4-BE49-F238E27FC236}">
+              <a16:creationId xmlns:a16="http://schemas.microsoft.com/office/drawing/2014/main" id="{DA31A614-7F94-F5F9-5781-0A27B1AFC84F}"/>
+            </a:ext>
+          </a:extLst>
+        </p:cNvPr>
+        <p:cNvGrpSpPr/>
+        <p:nvPr/>
+      </p:nvGrpSpPr>
+      <p:grpSpPr>
+        <a:xfrm>
+          <a:off x="0" y="0"/>
+          <a:ext cx="0" cy="0"/>
+          <a:chOff x="0" y="0"/>
+          <a:chExt cx="0" cy="0"/>
+        </a:xfrm>
+      </p:grpSpPr>
+      <p:sp>
+        <p:nvSpPr>
+          <p:cNvPr id="2" name="직사각형 1">
+            <a:extLst>
+              <a:ext uri="{FF2B5EF4-FFF2-40B4-BE49-F238E27FC236}">
+                <a16:creationId xmlns:a16="http://schemas.microsoft.com/office/drawing/2014/main" id="{D0DB6F34-7DF7-F382-0DF9-D43D2266C16E}"/>
+              </a:ext>
+            </a:extLst>
+          </p:cNvPr>
+          <p:cNvSpPr/>
+          <p:nvPr/>
+        </p:nvSpPr>
+        <p:spPr>
+          <a:xfrm>
+            <a:off x="516856" y="524721"/>
+            <a:ext cx="4517861" cy="583200"/>
+          </a:xfrm>
+          <a:prstGeom prst="rect">
+            <a:avLst/>
+          </a:prstGeom>
+          <a:noFill/>
+        </p:spPr>
+        <p:txBody>
+          <a:bodyPr wrap="square" anchor="ctr">
+            <a:noAutofit/>
+          </a:bodyPr>
+          <a:lstStyle/>
+          <a:p>
+            <a:pPr marL="0" marR="0" lvl="0" indent="0" algn="l" defTabSz="457200" rtl="0" eaLnBrk="1" fontAlgn="auto" latinLnBrk="0" hangingPunct="1">
+              <a:lnSpc>
+                <a:spcPct val="100000"/>
+              </a:lnSpc>
+              <a:spcBef>
+                <a:spcPts val="0"/>
+              </a:spcBef>
+              <a:spcAft>
+                <a:spcPts val="0"/>
+              </a:spcAft>
+              <a:buClrTx/>
+              <a:buSzTx/>
+              <a:buFontTx/>
+              <a:buNone/>
+              <a:tabLst/>
+              <a:defRPr/>
+            </a:pPr>
+            <a:r>
+              <a:rPr kumimoji="0" lang="en-US" altLang="ko-KR" sz="3600" b="1" i="0" u="none" strike="noStrike" kern="1200" cap="none" spc="0" normalizeH="0" baseline="0" noProof="0" dirty="0">
+                <a:ln>
+                  <a:noFill/>
+                </a:ln>
+                <a:solidFill>
+                  <a:srgbClr val="1B4599"/>
+                </a:solidFill>
+                <a:effectLst/>
+                <a:uLnTx/>
+                <a:uFillTx/>
+                <a:latin typeface="Calibri"/>
+                <a:ea typeface="맑은 고딕" panose="020B0503020000020004" pitchFamily="50" charset="-127"/>
+                <a:cs typeface="+mn-cs"/>
+              </a:rPr>
+              <a:t>PA-TMM Architecture</a:t>
+            </a:r>
+          </a:p>
+        </p:txBody>
+      </p:sp>
+      <p:sp>
+        <p:nvSpPr>
+          <p:cNvPr id="8" name="직사각형 7">
+            <a:extLst>
+              <a:ext uri="{FF2B5EF4-FFF2-40B4-BE49-F238E27FC236}">
+                <a16:creationId xmlns:a16="http://schemas.microsoft.com/office/drawing/2014/main" id="{A7B2BE3B-468A-4D6B-E9C2-0CEA5ED6643E}"/>
+              </a:ext>
+            </a:extLst>
+          </p:cNvPr>
+          <p:cNvSpPr/>
+          <p:nvPr/>
+        </p:nvSpPr>
+        <p:spPr>
+          <a:xfrm>
+            <a:off x="5816600" y="514437"/>
+            <a:ext cx="5857875" cy="584775"/>
+          </a:xfrm>
+          <a:prstGeom prst="rect">
+            <a:avLst/>
+          </a:prstGeom>
+          <a:solidFill>
+            <a:srgbClr val="F5F5F5"/>
+          </a:solidFill>
+          <a:ln>
+            <a:noFill/>
+          </a:ln>
+        </p:spPr>
+        <p:txBody>
+          <a:bodyPr wrap="square">
+            <a:spAutoFit/>
+          </a:bodyPr>
+          <a:lstStyle/>
+          <a:p>
+            <a:pPr marL="0" marR="0" lvl="0" indent="0" algn="r" defTabSz="457200" rtl="0" eaLnBrk="1" fontAlgn="auto" latinLnBrk="0" hangingPunct="1">
+              <a:lnSpc>
+                <a:spcPct val="100000"/>
+              </a:lnSpc>
+              <a:spcBef>
+                <a:spcPts val="0"/>
+              </a:spcBef>
+              <a:spcAft>
+                <a:spcPts val="0"/>
+              </a:spcAft>
+              <a:buClrTx/>
+              <a:buSzTx/>
+              <a:buFontTx/>
+              <a:buNone/>
+              <a:tabLst/>
+              <a:defRPr/>
+            </a:pPr>
+            <a:r>
+              <a:rPr kumimoji="0" lang="en-US" altLang="ko-KR" sz="3200" b="1" i="0" u="none" strike="noStrike" kern="1200" cap="none" spc="0" normalizeH="0" baseline="0" noProof="0" dirty="0">
+                <a:ln>
+                  <a:noFill/>
+                </a:ln>
+                <a:solidFill>
+                  <a:prstClr val="black"/>
+                </a:solidFill>
+                <a:effectLst/>
+                <a:uLnTx/>
+                <a:uFillTx/>
+                <a:latin typeface="Calibri"/>
+                <a:ea typeface="맑은 고딕" panose="020B0503020000020004" pitchFamily="50" charset="-127"/>
+                <a:cs typeface="+mn-cs"/>
+              </a:rPr>
+              <a:t>Graph Dual-Attention Module</a:t>
+            </a:r>
+            <a:endParaRPr kumimoji="0" lang="ko-KR" altLang="en-US" sz="3200" b="1" i="0" u="none" strike="noStrike" kern="1200" cap="none" spc="0" normalizeH="0" baseline="0" noProof="0" dirty="0">
+              <a:ln>
+                <a:noFill/>
+              </a:ln>
+              <a:solidFill>
+                <a:prstClr val="black"/>
+              </a:solidFill>
+              <a:effectLst/>
+              <a:uLnTx/>
+              <a:uFillTx/>
+              <a:latin typeface="Calibri"/>
+              <a:ea typeface="맑은 고딕" panose="020B0503020000020004" pitchFamily="50" charset="-127"/>
+              <a:cs typeface="+mn-cs"/>
+            </a:endParaRPr>
+          </a:p>
+        </p:txBody>
+      </p:sp>
+      <p:grpSp>
+        <p:nvGrpSpPr>
+          <p:cNvPr id="9" name="그룹 8">
+            <a:extLst>
+              <a:ext uri="{FF2B5EF4-FFF2-40B4-BE49-F238E27FC236}">
+                <a16:creationId xmlns:a16="http://schemas.microsoft.com/office/drawing/2014/main" id="{9983E319-790D-7309-1D50-1648D77A38BB}"/>
+              </a:ext>
+            </a:extLst>
+          </p:cNvPr>
+          <p:cNvGrpSpPr/>
+          <p:nvPr/>
+        </p:nvGrpSpPr>
+        <p:grpSpPr>
+          <a:xfrm>
+            <a:off x="909600" y="1525587"/>
+            <a:ext cx="3640972" cy="518419"/>
+            <a:chOff x="917540" y="1633203"/>
+            <a:chExt cx="3640972" cy="584168"/>
+          </a:xfrm>
+        </p:grpSpPr>
+        <p:sp>
+          <p:nvSpPr>
+            <p:cNvPr id="10" name="TextBox 9">
+              <a:extLst>
+                <a:ext uri="{FF2B5EF4-FFF2-40B4-BE49-F238E27FC236}">
+                  <a16:creationId xmlns:a16="http://schemas.microsoft.com/office/drawing/2014/main" id="{D60B95F0-0955-B4EC-B406-75FDDEE6F805}"/>
+                </a:ext>
+              </a:extLst>
+            </p:cNvPr>
+            <p:cNvSpPr txBox="1"/>
+            <p:nvPr/>
+          </p:nvSpPr>
+          <p:spPr>
+            <a:xfrm>
+              <a:off x="922301" y="1633203"/>
+              <a:ext cx="3636211" cy="584168"/>
+            </a:xfrm>
+            <a:prstGeom prst="roundRect">
+              <a:avLst>
+                <a:gd name="adj" fmla="val 50000"/>
+              </a:avLst>
+            </a:prstGeom>
+            <a:solidFill>
+              <a:schemeClr val="bg1"/>
+            </a:solidFill>
+            <a:ln>
+              <a:solidFill>
+                <a:srgbClr val="1B4599"/>
+              </a:solidFill>
+            </a:ln>
+          </p:spPr>
+          <p:txBody>
+            <a:bodyPr wrap="square" lIns="468000" anchor="ctr">
+              <a:noAutofit/>
+            </a:bodyPr>
+            <a:lstStyle/>
+            <a:p>
+              <a:pPr marL="0" marR="0" lvl="0" indent="0" algn="l" defTabSz="457200" rtl="0" eaLnBrk="1" fontAlgn="auto" latinLnBrk="0" hangingPunct="1">
+                <a:lnSpc>
+                  <a:spcPct val="100000"/>
+                </a:lnSpc>
+                <a:spcBef>
+                  <a:spcPts val="0"/>
+                </a:spcBef>
+                <a:spcAft>
+                  <a:spcPts val="0"/>
+                </a:spcAft>
+                <a:buClrTx/>
+                <a:buSzTx/>
+                <a:buFontTx/>
+                <a:buNone/>
+                <a:tabLst/>
+                <a:defRPr/>
+              </a:pPr>
+              <a:r>
+                <a:rPr kumimoji="0" lang="en-US" altLang="ko-KR" sz="2000" b="1" i="0" u="none" strike="noStrike" kern="1200" cap="none" spc="0" normalizeH="0" baseline="0" noProof="0" dirty="0">
+                  <a:ln>
+                    <a:noFill/>
+                  </a:ln>
+                  <a:solidFill>
+                    <a:prstClr val="white">
+                      <a:lumMod val="50000"/>
+                    </a:prstClr>
+                  </a:solidFill>
+                  <a:effectLst/>
+                  <a:uLnTx/>
+                  <a:uFillTx/>
+                  <a:latin typeface="Calibri"/>
+                  <a:ea typeface="맑은 고딕" panose="020B0503020000020004" pitchFamily="50" charset="-127"/>
+                  <a:cs typeface="+mn-cs"/>
+                </a:rPr>
+                <a:t>Interaction Inference</a:t>
+              </a:r>
+              <a:endParaRPr kumimoji="0" lang="en-US" altLang="ko-KR" sz="2000" b="1" i="1" u="none" strike="noStrike" kern="1200" cap="none" spc="0" normalizeH="0" baseline="0" noProof="0" dirty="0">
+                <a:ln>
+                  <a:noFill/>
+                </a:ln>
+                <a:solidFill>
+                  <a:prstClr val="white"/>
+                </a:solidFill>
+                <a:effectLst/>
+                <a:uLnTx/>
+                <a:uFillTx/>
+                <a:latin typeface="Calibri"/>
+                <a:ea typeface="맑은 고딕" panose="020B0503020000020004" pitchFamily="50" charset="-127"/>
+                <a:cs typeface="+mn-cs"/>
+              </a:endParaRPr>
+            </a:p>
+          </p:txBody>
+        </p:sp>
+        <p:sp>
+          <p:nvSpPr>
+            <p:cNvPr id="12" name="사각형: 둥근 위쪽 모서리 11">
+              <a:extLst>
+                <a:ext uri="{FF2B5EF4-FFF2-40B4-BE49-F238E27FC236}">
+                  <a16:creationId xmlns:a16="http://schemas.microsoft.com/office/drawing/2014/main" id="{B4D56101-6BF0-0FB7-C381-4A276DC3EF9A}"/>
+                </a:ext>
+              </a:extLst>
+            </p:cNvPr>
+            <p:cNvSpPr/>
+            <p:nvPr/>
+          </p:nvSpPr>
+          <p:spPr>
+            <a:xfrm rot="16200000">
+              <a:off x="850652" y="1700091"/>
+              <a:ext cx="581490" cy="447713"/>
+            </a:xfrm>
+            <a:prstGeom prst="round2SameRect">
+              <a:avLst>
+                <a:gd name="adj1" fmla="val 50000"/>
+                <a:gd name="adj2" fmla="val 0"/>
+              </a:avLst>
+            </a:prstGeom>
+            <a:solidFill>
+              <a:srgbClr val="1B4599"/>
+            </a:solidFill>
+          </p:spPr>
+          <p:txBody>
+            <a:bodyPr vert="eaVert" wrap="square" anchor="ctr">
+              <a:noAutofit/>
+            </a:bodyPr>
+            <a:lstStyle/>
+            <a:p>
+              <a:pPr marL="0" marR="0" lvl="0" indent="0" algn="ctr" defTabSz="457200" rtl="0" eaLnBrk="1" fontAlgn="auto" latinLnBrk="0" hangingPunct="1">
+                <a:lnSpc>
+                  <a:spcPct val="100000"/>
+                </a:lnSpc>
+                <a:spcBef>
+                  <a:spcPts val="0"/>
+                </a:spcBef>
+                <a:spcAft>
+                  <a:spcPts val="0"/>
+                </a:spcAft>
+                <a:buClrTx/>
+                <a:buSzTx/>
+                <a:buFontTx/>
+                <a:buNone/>
+                <a:tabLst/>
+                <a:defRPr/>
+              </a:pPr>
+              <a:r>
+                <a:rPr kumimoji="0" lang="en-US" altLang="ko-KR" sz="2800" b="1" i="0" u="none" strike="noStrike" kern="1200" cap="none" spc="0" normalizeH="0" baseline="0" noProof="0" dirty="0">
+                  <a:ln>
+                    <a:noFill/>
+                  </a:ln>
+                  <a:solidFill>
+                    <a:prstClr val="white"/>
+                  </a:solidFill>
+                  <a:effectLst/>
+                  <a:uLnTx/>
+                  <a:uFillTx/>
+                  <a:latin typeface="Calibri"/>
+                  <a:ea typeface="맑은 고딕" panose="020B0503020000020004" pitchFamily="50" charset="-127"/>
+                  <a:cs typeface="+mn-cs"/>
+                </a:rPr>
+                <a:t>2</a:t>
+              </a:r>
+              <a:endParaRPr kumimoji="0" lang="ko-KR" altLang="en-US" sz="2800" b="1" i="0" u="none" strike="noStrike" kern="1200" cap="none" spc="0" normalizeH="0" baseline="0" noProof="0" dirty="0">
+                <a:ln>
+                  <a:noFill/>
+                </a:ln>
+                <a:solidFill>
+                  <a:prstClr val="white"/>
+                </a:solidFill>
+                <a:effectLst/>
+                <a:uLnTx/>
+                <a:uFillTx/>
+                <a:latin typeface="Calibri"/>
+                <a:ea typeface="맑은 고딕" panose="020B0503020000020004" pitchFamily="50" charset="-127"/>
+                <a:cs typeface="+mn-cs"/>
+              </a:endParaRPr>
+            </a:p>
+          </p:txBody>
+        </p:sp>
+      </p:grpSp>
+      <mc:AlternateContent xmlns:mc="http://schemas.openxmlformats.org/markup-compatibility/2006">
+        <mc:Choice xmlns:a14="http://schemas.microsoft.com/office/drawing/2010/main" Requires="a14">
+          <p:sp>
+            <p:nvSpPr>
+              <p:cNvPr id="13" name="직사각형 12">
+                <a:extLst>
+                  <a:ext uri="{FF2B5EF4-FFF2-40B4-BE49-F238E27FC236}">
+                    <a16:creationId xmlns:a16="http://schemas.microsoft.com/office/drawing/2014/main" id="{F5FA3E7B-EE34-A50C-B3A0-CF95F96BCF8F}"/>
+                  </a:ext>
+                </a:extLst>
+              </p:cNvPr>
+              <p:cNvSpPr/>
+              <p:nvPr/>
+            </p:nvSpPr>
+            <p:spPr>
+              <a:xfrm>
+                <a:off x="1198563" y="2141136"/>
+                <a:ext cx="5382110" cy="2969659"/>
+              </a:xfrm>
+              <a:prstGeom prst="rect">
+                <a:avLst/>
+              </a:prstGeom>
+              <a:noFill/>
+            </p:spPr>
+            <p:txBody>
+              <a:bodyPr wrap="square">
+                <a:spAutoFit/>
+              </a:bodyPr>
+              <a:lstStyle/>
+              <a:p>
+                <a:pPr marL="285750" lvl="1" indent="-285750">
+                  <a:lnSpc>
+                    <a:spcPct val="130000"/>
+                  </a:lnSpc>
+                  <a:buFont typeface="Arial" panose="020B0604020202020204" pitchFamily="34" charset="0"/>
+                  <a:buChar char="•"/>
+                  <a:defRPr/>
+                </a:pPr>
+                <a:r>
+                  <a:rPr lang="en-US" altLang="ko-KR" b="0" dirty="0">
+                    <a:solidFill>
+                      <a:prstClr val="white">
+                        <a:lumMod val="50000"/>
+                      </a:prstClr>
+                    </a:solidFill>
+                    <a:latin typeface="Calibri"/>
+                  </a:rPr>
+                  <a:t>Dynamic Interaction </a:t>
+                </a:r>
+                <a:r>
+                  <a:rPr lang="en-US" altLang="ko-KR" dirty="0">
+                    <a:solidFill>
+                      <a:prstClr val="white">
+                        <a:lumMod val="50000"/>
+                      </a:prstClr>
+                    </a:solidFill>
+                    <a:latin typeface="Calibri"/>
+                    <a:sym typeface="Wingdings" panose="05000000000000000000" pitchFamily="2" charset="2"/>
+                  </a:rPr>
+                  <a:t> Attnetion Network</a:t>
+                </a:r>
+              </a:p>
+              <a:p>
+                <a:pPr marL="285750" lvl="1" indent="-285750">
+                  <a:lnSpc>
+                    <a:spcPct val="130000"/>
+                  </a:lnSpc>
+                  <a:buFont typeface="Arial" panose="020B0604020202020204" pitchFamily="34" charset="0"/>
+                  <a:buChar char="•"/>
+                  <a:defRPr/>
+                </a:pPr>
+                <a:r>
+                  <a:rPr lang="en-US" altLang="ko-KR" b="0" dirty="0">
+                    <a:solidFill>
+                      <a:prstClr val="white">
+                        <a:lumMod val="50000"/>
+                      </a:prstClr>
+                    </a:solidFill>
+                    <a:latin typeface="Calibri"/>
+                    <a:sym typeface="Wingdings" panose="05000000000000000000" pitchFamily="2" charset="2"/>
+                  </a:rPr>
+                  <a:t>Reflecting information flow</a:t>
+                </a:r>
+                <a:r>
+                  <a:rPr lang="en-US" altLang="ko-KR" sz="1600" b="0" dirty="0">
+                    <a:solidFill>
+                      <a:prstClr val="white">
+                        <a:lumMod val="50000"/>
+                      </a:prstClr>
+                    </a:solidFill>
+                    <a:latin typeface="Calibri"/>
+                    <a:sym typeface="Wingdings" panose="05000000000000000000" pitchFamily="2" charset="2"/>
+                  </a:rPr>
+                  <a:t>[Activated  Nonactivated]</a:t>
+                </a:r>
+                <a:r>
+                  <a:rPr lang="en-US" altLang="ko-KR" b="0" dirty="0">
+                    <a:solidFill>
+                      <a:prstClr val="white">
+                        <a:lumMod val="50000"/>
+                      </a:prstClr>
+                    </a:solidFill>
+                    <a:latin typeface="Calibri"/>
+                    <a:sym typeface="Wingdings" panose="05000000000000000000" pitchFamily="2" charset="2"/>
+                  </a:rPr>
+                  <a:t>   Partially </a:t>
+                </a:r>
+                <a:r>
+                  <a:rPr lang="en-US" altLang="ko-KR" dirty="0">
+                    <a:solidFill>
+                      <a:prstClr val="white">
+                        <a:lumMod val="50000"/>
+                      </a:prstClr>
+                    </a:solidFill>
+                    <a:latin typeface="Calibri"/>
+                    <a:sym typeface="Wingdings" panose="05000000000000000000" pitchFamily="2" charset="2"/>
+                  </a:rPr>
+                  <a:t>B</a:t>
+                </a:r>
+                <a:r>
+                  <a:rPr lang="en-US" altLang="ko-KR" b="0" dirty="0">
+                    <a:solidFill>
+                      <a:prstClr val="white">
+                        <a:lumMod val="50000"/>
+                      </a:prstClr>
+                    </a:solidFill>
+                    <a:latin typeface="Calibri"/>
+                    <a:sym typeface="Wingdings" panose="05000000000000000000" pitchFamily="2" charset="2"/>
+                  </a:rPr>
+                  <a:t>ipartite(Fig.3) </a:t>
+                </a:r>
+              </a:p>
+              <a:p>
+                <a:pPr marL="285750" lvl="1" indent="-285750">
+                  <a:lnSpc>
+                    <a:spcPct val="130000"/>
+                  </a:lnSpc>
+                  <a:buFont typeface="Arial" panose="020B0604020202020204" pitchFamily="34" charset="0"/>
+                  <a:buChar char="•"/>
+                  <a:defRPr/>
+                </a:pPr>
+                <a:r>
+                  <a:rPr lang="en-US" altLang="ko-KR" dirty="0">
+                    <a:solidFill>
+                      <a:prstClr val="white">
+                        <a:lumMod val="50000"/>
+                      </a:prstClr>
+                    </a:solidFill>
+                    <a:latin typeface="Calibri"/>
+                    <a:sym typeface="Wingdings" panose="05000000000000000000" pitchFamily="2" charset="2"/>
+                  </a:rPr>
+                  <a:t>Attention Score      </a:t>
+                </a:r>
+                <a14:m>
+                  <m:oMath xmlns:m="http://schemas.openxmlformats.org/officeDocument/2006/math">
+                    <m:r>
+                      <a:rPr lang="en-US" altLang="ko-KR" sz="2000" b="0" i="0" smtClean="0">
+                        <a:latin typeface="Cambria Math" panose="02040503050406030204" pitchFamily="18" charset="0"/>
+                      </a:rPr>
+                      <m:t> </m:t>
+                    </m:r>
+                    <m:sSubSup>
+                      <m:sSubSupPr>
+                        <m:ctrlPr>
+                          <a:rPr lang="en-US" altLang="ko-KR" sz="2000" i="1">
+                            <a:latin typeface="Cambria Math" panose="02040503050406030204" pitchFamily="18" charset="0"/>
+                          </a:rPr>
+                        </m:ctrlPr>
+                      </m:sSubSupPr>
+                      <m:e>
+                        <m:r>
+                          <a:rPr lang="en-US" altLang="ko-KR" sz="2000" i="1">
+                            <a:latin typeface="Cambria Math" panose="02040503050406030204" pitchFamily="18" charset="0"/>
+                          </a:rPr>
+                          <m:t>𝑎</m:t>
+                        </m:r>
+                      </m:e>
+                      <m:sub>
+                        <m:r>
+                          <a:rPr lang="en-US" altLang="ko-KR" sz="2000" i="1">
+                            <a:latin typeface="Cambria Math" panose="02040503050406030204" pitchFamily="18" charset="0"/>
+                          </a:rPr>
+                          <m:t>𝑖</m:t>
+                        </m:r>
+                        <m:r>
+                          <a:rPr lang="en-US" altLang="ko-KR" sz="2000" i="1">
+                            <a:latin typeface="Cambria Math" panose="02040503050406030204" pitchFamily="18" charset="0"/>
+                          </a:rPr>
+                          <m:t>,</m:t>
+                        </m:r>
+                        <m:r>
+                          <a:rPr lang="en-US" altLang="ko-KR" sz="2000" i="1">
+                            <a:latin typeface="Cambria Math" panose="02040503050406030204" pitchFamily="18" charset="0"/>
+                          </a:rPr>
+                          <m:t>𝑗</m:t>
+                        </m:r>
+                      </m:sub>
+                      <m:sup>
+                        <m:r>
+                          <a:rPr lang="en-US" altLang="ko-KR" sz="2000" i="1">
+                            <a:latin typeface="Cambria Math" panose="02040503050406030204" pitchFamily="18" charset="0"/>
+                          </a:rPr>
+                          <m:t>(</m:t>
+                        </m:r>
+                        <m:r>
+                          <a:rPr lang="en-US" altLang="ko-KR" sz="2000" i="1">
+                            <a:latin typeface="Cambria Math" panose="02040503050406030204" pitchFamily="18" charset="0"/>
+                          </a:rPr>
+                          <m:t>𝑘</m:t>
+                        </m:r>
+                        <m:r>
+                          <a:rPr lang="en-US" altLang="ko-KR" sz="2000" i="1">
+                            <a:latin typeface="Cambria Math" panose="02040503050406030204" pitchFamily="18" charset="0"/>
+                          </a:rPr>
+                          <m:t>)</m:t>
+                        </m:r>
+                      </m:sup>
+                    </m:sSubSup>
+                    <m:r>
+                      <a:rPr lang="en-US" altLang="ko-KR" sz="2000" i="1">
+                        <a:latin typeface="Cambria Math" panose="02040503050406030204" pitchFamily="18" charset="0"/>
+                      </a:rPr>
+                      <m:t>=</m:t>
+                    </m:r>
+                    <m:f>
+                      <m:fPr>
+                        <m:ctrlPr>
+                          <a:rPr lang="en-US" altLang="ko-KR" sz="2000" i="1">
+                            <a:latin typeface="Cambria Math" panose="02040503050406030204" pitchFamily="18" charset="0"/>
+                          </a:rPr>
+                        </m:ctrlPr>
+                      </m:fPr>
+                      <m:num>
+                        <m:func>
+                          <m:funcPr>
+                            <m:ctrlPr>
+                              <a:rPr lang="en-US" altLang="ko-KR" sz="2000" i="1">
+                                <a:latin typeface="Cambria Math" panose="02040503050406030204" pitchFamily="18" charset="0"/>
+                              </a:rPr>
+                            </m:ctrlPr>
+                          </m:funcPr>
+                          <m:fName>
+                            <m:r>
+                              <m:rPr>
+                                <m:sty m:val="p"/>
+                              </m:rPr>
+                              <a:rPr lang="en-US" altLang="ko-KR" sz="2000">
+                                <a:latin typeface="Cambria Math" panose="02040503050406030204" pitchFamily="18" charset="0"/>
+                              </a:rPr>
+                              <m:t>exp</m:t>
+                            </m:r>
+                          </m:fName>
+                          <m:e>
+                            <m:d>
+                              <m:dPr>
+                                <m:ctrlPr>
+                                  <a:rPr lang="en-US" altLang="ko-KR" sz="2000" i="1">
+                                    <a:latin typeface="Cambria Math" panose="02040503050406030204" pitchFamily="18" charset="0"/>
+                                  </a:rPr>
+                                </m:ctrlPr>
+                              </m:dPr>
+                              <m:e>
+                                <m:r>
+                                  <a:rPr lang="ko-KR" altLang="en-US" sz="2000" i="1">
+                                    <a:latin typeface="Cambria Math" panose="02040503050406030204" pitchFamily="18" charset="0"/>
+                                  </a:rPr>
+                                  <m:t>𝜑</m:t>
+                                </m:r>
+                                <m:d>
+                                  <m:dPr>
+                                    <m:ctrlPr>
+                                      <a:rPr lang="en-US" altLang="ko-KR" sz="2000" i="1">
+                                        <a:latin typeface="Cambria Math" panose="02040503050406030204" pitchFamily="18" charset="0"/>
+                                      </a:rPr>
+                                    </m:ctrlPr>
+                                  </m:dPr>
+                                  <m:e>
+                                    <m:sSub>
+                                      <m:sSubPr>
+                                        <m:ctrlPr>
+                                          <a:rPr lang="en-US" altLang="ko-KR" sz="2000" i="1">
+                                            <a:latin typeface="Cambria Math" panose="02040503050406030204" pitchFamily="18" charset="0"/>
+                                          </a:rPr>
+                                        </m:ctrlPr>
+                                      </m:sSubPr>
+                                      <m:e>
+                                        <m:r>
+                                          <a:rPr lang="en-US" altLang="ko-KR" sz="2000" i="1">
+                                            <a:latin typeface="Cambria Math" panose="02040503050406030204" pitchFamily="18" charset="0"/>
+                                          </a:rPr>
+                                          <m:t>𝑛</m:t>
+                                        </m:r>
+                                      </m:e>
+                                      <m:sub>
+                                        <m:r>
+                                          <a:rPr lang="en-US" altLang="ko-KR" sz="2000" i="1">
+                                            <a:latin typeface="Cambria Math" panose="02040503050406030204" pitchFamily="18" charset="0"/>
+                                          </a:rPr>
+                                          <m:t>𝑖</m:t>
+                                        </m:r>
+                                      </m:sub>
+                                    </m:sSub>
+                                    <m:r>
+                                      <a:rPr lang="en-US" altLang="ko-KR" sz="2000" i="1">
+                                        <a:latin typeface="Cambria Math" panose="02040503050406030204" pitchFamily="18" charset="0"/>
+                                      </a:rPr>
+                                      <m:t>, </m:t>
+                                    </m:r>
+                                    <m:sSub>
+                                      <m:sSubPr>
+                                        <m:ctrlPr>
+                                          <a:rPr lang="en-US" altLang="ko-KR" sz="2000" i="1">
+                                            <a:latin typeface="Cambria Math" panose="02040503050406030204" pitchFamily="18" charset="0"/>
+                                          </a:rPr>
+                                        </m:ctrlPr>
+                                      </m:sSubPr>
+                                      <m:e>
+                                        <m:r>
+                                          <a:rPr lang="en-US" altLang="ko-KR" sz="2000" i="1">
+                                            <a:latin typeface="Cambria Math" panose="02040503050406030204" pitchFamily="18" charset="0"/>
+                                          </a:rPr>
+                                          <m:t>𝑛</m:t>
+                                        </m:r>
+                                      </m:e>
+                                      <m:sub>
+                                        <m:r>
+                                          <a:rPr lang="en-US" altLang="ko-KR" sz="2000" i="1">
+                                            <a:latin typeface="Cambria Math" panose="02040503050406030204" pitchFamily="18" charset="0"/>
+                                          </a:rPr>
+                                          <m:t>𝑗</m:t>
+                                        </m:r>
+                                      </m:sub>
+                                    </m:sSub>
+                                  </m:e>
+                                </m:d>
+                              </m:e>
+                            </m:d>
+                          </m:e>
+                        </m:func>
+                      </m:num>
+                      <m:den>
+                        <m:nary>
+                          <m:naryPr>
+                            <m:chr m:val="∑"/>
+                            <m:supHide m:val="on"/>
+                            <m:ctrlPr>
+                              <a:rPr lang="en-US" altLang="ko-KR" sz="2000" i="1">
+                                <a:latin typeface="Cambria Math" panose="02040503050406030204" pitchFamily="18" charset="0"/>
+                              </a:rPr>
+                            </m:ctrlPr>
+                          </m:naryPr>
+                          <m:sub>
+                            <m:r>
+                              <a:rPr lang="en-US" altLang="ko-KR" sz="2000" i="1">
+                                <a:latin typeface="Cambria Math" panose="02040503050406030204" pitchFamily="18" charset="0"/>
+                              </a:rPr>
+                              <m:t>𝑗</m:t>
+                            </m:r>
+                            <m:r>
+                              <a:rPr lang="en-US" altLang="ko-KR" sz="2000" i="1">
+                                <a:latin typeface="Cambria Math" panose="02040503050406030204" pitchFamily="18" charset="0"/>
+                              </a:rPr>
+                              <m:t>∈</m:t>
+                            </m:r>
+                            <m:sSup>
+                              <m:sSupPr>
+                                <m:ctrlPr>
+                                  <a:rPr lang="en-US" altLang="ko-KR" sz="2000" i="1">
+                                    <a:latin typeface="Cambria Math" panose="02040503050406030204" pitchFamily="18" charset="0"/>
+                                  </a:rPr>
+                                </m:ctrlPr>
+                              </m:sSupPr>
+                              <m:e>
+                                <m:r>
+                                  <a:rPr lang="en-US" altLang="ko-KR" sz="2000" i="1">
+                                    <a:latin typeface="Cambria Math" panose="02040503050406030204" pitchFamily="18" charset="0"/>
+                                  </a:rPr>
+                                  <m:t>𝑉</m:t>
+                                </m:r>
+                              </m:e>
+                              <m:sup>
+                                <m:r>
+                                  <a:rPr lang="en-US" altLang="ko-KR" sz="2000" i="1">
+                                    <a:latin typeface="Cambria Math" panose="02040503050406030204" pitchFamily="18" charset="0"/>
+                                  </a:rPr>
+                                  <m:t>(</m:t>
+                                </m:r>
+                                <m:r>
+                                  <a:rPr lang="en-US" altLang="ko-KR" sz="2000" i="1">
+                                    <a:latin typeface="Cambria Math" panose="02040503050406030204" pitchFamily="18" charset="0"/>
+                                  </a:rPr>
+                                  <m:t>𝑘</m:t>
+                                </m:r>
+                                <m:r>
+                                  <a:rPr lang="en-US" altLang="ko-KR" sz="2000" i="1">
+                                    <a:latin typeface="Cambria Math" panose="02040503050406030204" pitchFamily="18" charset="0"/>
+                                  </a:rPr>
+                                  <m:t>)</m:t>
+                                </m:r>
+                              </m:sup>
+                            </m:sSup>
+                          </m:sub>
+                          <m:sup/>
+                          <m:e>
+                            <m:func>
+                              <m:funcPr>
+                                <m:ctrlPr>
+                                  <a:rPr lang="en-US" altLang="ko-KR" sz="2000" i="1">
+                                    <a:latin typeface="Cambria Math" panose="02040503050406030204" pitchFamily="18" charset="0"/>
+                                  </a:rPr>
+                                </m:ctrlPr>
+                              </m:funcPr>
+                              <m:fName>
+                                <m:r>
+                                  <m:rPr>
+                                    <m:sty m:val="p"/>
+                                  </m:rPr>
+                                  <a:rPr lang="en-US" altLang="ko-KR" sz="2000">
+                                    <a:latin typeface="Cambria Math" panose="02040503050406030204" pitchFamily="18" charset="0"/>
+                                  </a:rPr>
+                                  <m:t>exp</m:t>
+                                </m:r>
+                              </m:fName>
+                              <m:e>
+                                <m:d>
+                                  <m:dPr>
+                                    <m:ctrlPr>
+                                      <a:rPr lang="en-US" altLang="ko-KR" sz="2000" i="1">
+                                        <a:latin typeface="Cambria Math" panose="02040503050406030204" pitchFamily="18" charset="0"/>
+                                      </a:rPr>
+                                    </m:ctrlPr>
+                                  </m:dPr>
+                                  <m:e>
+                                    <m:r>
+                                      <a:rPr lang="ko-KR" altLang="en-US" sz="2000" i="1">
+                                        <a:latin typeface="Cambria Math" panose="02040503050406030204" pitchFamily="18" charset="0"/>
+                                      </a:rPr>
+                                      <m:t>𝜑</m:t>
+                                    </m:r>
+                                    <m:d>
+                                      <m:dPr>
+                                        <m:ctrlPr>
+                                          <a:rPr lang="en-US" altLang="ko-KR" sz="2000" i="1">
+                                            <a:latin typeface="Cambria Math" panose="02040503050406030204" pitchFamily="18" charset="0"/>
+                                          </a:rPr>
+                                        </m:ctrlPr>
+                                      </m:dPr>
+                                      <m:e>
+                                        <m:sSub>
+                                          <m:sSubPr>
+                                            <m:ctrlPr>
+                                              <a:rPr lang="en-US" altLang="ko-KR" sz="2000" i="1">
+                                                <a:latin typeface="Cambria Math" panose="02040503050406030204" pitchFamily="18" charset="0"/>
+                                              </a:rPr>
+                                            </m:ctrlPr>
+                                          </m:sSubPr>
+                                          <m:e>
+                                            <m:r>
+                                              <a:rPr lang="en-US" altLang="ko-KR" sz="2000" i="1">
+                                                <a:latin typeface="Cambria Math" panose="02040503050406030204" pitchFamily="18" charset="0"/>
+                                              </a:rPr>
+                                              <m:t>𝑛</m:t>
+                                            </m:r>
+                                          </m:e>
+                                          <m:sub>
+                                            <m:r>
+                                              <a:rPr lang="en-US" altLang="ko-KR" sz="2000" i="1">
+                                                <a:latin typeface="Cambria Math" panose="02040503050406030204" pitchFamily="18" charset="0"/>
+                                              </a:rPr>
+                                              <m:t>𝑖</m:t>
+                                            </m:r>
+                                          </m:sub>
+                                        </m:sSub>
+                                        <m:r>
+                                          <a:rPr lang="en-US" altLang="ko-KR" sz="2000" i="1">
+                                            <a:latin typeface="Cambria Math" panose="02040503050406030204" pitchFamily="18" charset="0"/>
+                                          </a:rPr>
+                                          <m:t>, </m:t>
+                                        </m:r>
+                                        <m:sSub>
+                                          <m:sSubPr>
+                                            <m:ctrlPr>
+                                              <a:rPr lang="en-US" altLang="ko-KR" sz="2000" i="1">
+                                                <a:latin typeface="Cambria Math" panose="02040503050406030204" pitchFamily="18" charset="0"/>
+                                              </a:rPr>
+                                            </m:ctrlPr>
+                                          </m:sSubPr>
+                                          <m:e>
+                                            <m:r>
+                                              <a:rPr lang="en-US" altLang="ko-KR" sz="2000" i="1">
+                                                <a:latin typeface="Cambria Math" panose="02040503050406030204" pitchFamily="18" charset="0"/>
+                                              </a:rPr>
+                                              <m:t>𝑛</m:t>
+                                            </m:r>
+                                          </m:e>
+                                          <m:sub>
+                                            <m:r>
+                                              <a:rPr lang="en-US" altLang="ko-KR" sz="2000" i="1">
+                                                <a:latin typeface="Cambria Math" panose="02040503050406030204" pitchFamily="18" charset="0"/>
+                                              </a:rPr>
+                                              <m:t>𝑗</m:t>
+                                            </m:r>
+                                          </m:sub>
+                                        </m:sSub>
+                                      </m:e>
+                                    </m:d>
+                                  </m:e>
+                                </m:d>
+                              </m:e>
+                            </m:func>
+                          </m:e>
+                        </m:nary>
+                      </m:den>
+                    </m:f>
+                  </m:oMath>
+                </a14:m>
+                <a:endParaRPr lang="en-US" altLang="ko-KR" dirty="0">
+                  <a:solidFill>
+                    <a:prstClr val="white">
+                      <a:lumMod val="50000"/>
+                    </a:prstClr>
+                  </a:solidFill>
+                  <a:latin typeface="Calibri"/>
+                  <a:sym typeface="Wingdings" panose="05000000000000000000" pitchFamily="2" charset="2"/>
+                </a:endParaRPr>
+              </a:p>
+              <a:p>
+                <a:pPr marL="285750" lvl="1" indent="-285750">
+                  <a:lnSpc>
+                    <a:spcPct val="130000"/>
+                  </a:lnSpc>
+                  <a:buFont typeface="Arial" panose="020B0604020202020204" pitchFamily="34" charset="0"/>
+                  <a:buChar char="•"/>
+                  <a:defRPr/>
+                </a:pPr>
+                <a:r>
+                  <a:rPr lang="en-US" altLang="ko-KR" dirty="0">
+                    <a:solidFill>
+                      <a:prstClr val="white">
+                        <a:lumMod val="50000"/>
+                      </a:prstClr>
+                    </a:solidFill>
+                    <a:latin typeface="Calibri"/>
+                    <a:sym typeface="Wingdings" panose="05000000000000000000" pitchFamily="2" charset="2"/>
+                  </a:rPr>
+                  <a:t>Message flux </a:t>
+                </a:r>
+                <a:br>
+                  <a:rPr lang="en-US" altLang="ko-KR" dirty="0">
+                    <a:solidFill>
+                      <a:prstClr val="white">
+                        <a:lumMod val="50000"/>
+                      </a:prstClr>
+                    </a:solidFill>
+                    <a:latin typeface="Calibri"/>
+                    <a:sym typeface="Wingdings" panose="05000000000000000000" pitchFamily="2" charset="2"/>
+                  </a:rPr>
+                </a:br>
+                <a14:m>
+                  <m:oMath xmlns:m="http://schemas.openxmlformats.org/officeDocument/2006/math">
+                    <m:r>
+                      <a:rPr lang="ko-KR" altLang="en-US" sz="2000" i="1">
+                        <a:latin typeface="Cambria Math" panose="02040503050406030204" pitchFamily="18" charset="0"/>
+                      </a:rPr>
+                      <m:t>𝜑</m:t>
+                    </m:r>
+                    <m:d>
+                      <m:dPr>
+                        <m:ctrlPr>
+                          <a:rPr lang="en-US" altLang="ko-KR" sz="2000" i="1">
+                            <a:latin typeface="Cambria Math" panose="02040503050406030204" pitchFamily="18" charset="0"/>
+                          </a:rPr>
+                        </m:ctrlPr>
+                      </m:dPr>
+                      <m:e>
+                        <m:sSub>
+                          <m:sSubPr>
+                            <m:ctrlPr>
+                              <a:rPr lang="en-US" altLang="ko-KR" sz="2000" i="1">
+                                <a:latin typeface="Cambria Math" panose="02040503050406030204" pitchFamily="18" charset="0"/>
+                              </a:rPr>
+                            </m:ctrlPr>
+                          </m:sSubPr>
+                          <m:e>
+                            <m:r>
+                              <a:rPr lang="en-US" altLang="ko-KR" sz="2000" i="1">
+                                <a:latin typeface="Cambria Math" panose="02040503050406030204" pitchFamily="18" charset="0"/>
+                              </a:rPr>
+                              <m:t>𝑛</m:t>
+                            </m:r>
+                          </m:e>
+                          <m:sub>
+                            <m:r>
+                              <a:rPr lang="en-US" altLang="ko-KR" sz="2000" i="1">
+                                <a:latin typeface="Cambria Math" panose="02040503050406030204" pitchFamily="18" charset="0"/>
+                              </a:rPr>
+                              <m:t>𝑖</m:t>
+                            </m:r>
+                          </m:sub>
+                        </m:sSub>
+                        <m:r>
+                          <a:rPr lang="en-US" altLang="ko-KR" sz="2000" i="1">
+                            <a:latin typeface="Cambria Math" panose="02040503050406030204" pitchFamily="18" charset="0"/>
+                          </a:rPr>
+                          <m:t>, </m:t>
+                        </m:r>
+                        <m:sSub>
+                          <m:sSubPr>
+                            <m:ctrlPr>
+                              <a:rPr lang="en-US" altLang="ko-KR" sz="2000" i="1">
+                                <a:latin typeface="Cambria Math" panose="02040503050406030204" pitchFamily="18" charset="0"/>
+                              </a:rPr>
+                            </m:ctrlPr>
+                          </m:sSubPr>
+                          <m:e>
+                            <m:r>
+                              <a:rPr lang="en-US" altLang="ko-KR" sz="2000" i="1">
+                                <a:latin typeface="Cambria Math" panose="02040503050406030204" pitchFamily="18" charset="0"/>
+                              </a:rPr>
+                              <m:t>𝑛</m:t>
+                            </m:r>
+                          </m:e>
+                          <m:sub>
+                            <m:r>
+                              <a:rPr lang="en-US" altLang="ko-KR" sz="2000" i="1">
+                                <a:latin typeface="Cambria Math" panose="02040503050406030204" pitchFamily="18" charset="0"/>
+                              </a:rPr>
+                              <m:t>𝑗</m:t>
+                            </m:r>
+                          </m:sub>
+                        </m:sSub>
+                      </m:e>
+                    </m:d>
+                    <m:r>
+                      <a:rPr lang="en-US" altLang="ko-KR" sz="2000" i="1">
+                        <a:latin typeface="Cambria Math" panose="02040503050406030204" pitchFamily="18" charset="0"/>
+                      </a:rPr>
+                      <m:t>=</m:t>
+                    </m:r>
+                    <m:sSubSup>
+                      <m:sSubSupPr>
+                        <m:ctrlPr>
+                          <a:rPr lang="en-US" altLang="ko-KR" sz="2000" i="1">
+                            <a:latin typeface="Cambria Math" panose="02040503050406030204" pitchFamily="18" charset="0"/>
+                          </a:rPr>
+                        </m:ctrlPr>
+                      </m:sSubSupPr>
+                      <m:e>
+                        <m:r>
+                          <a:rPr lang="en-US" altLang="ko-KR" sz="2000" i="1">
+                            <a:latin typeface="Cambria Math" panose="02040503050406030204" pitchFamily="18" charset="0"/>
+                          </a:rPr>
+                          <m:t>𝑎</m:t>
+                        </m:r>
+                      </m:e>
+                      <m:sub>
+                        <m:r>
+                          <a:rPr lang="ko-KR" altLang="en-US" sz="2000" i="1">
+                            <a:latin typeface="Cambria Math" panose="02040503050406030204" pitchFamily="18" charset="0"/>
+                          </a:rPr>
+                          <m:t>𝜑</m:t>
+                        </m:r>
+                      </m:sub>
+                      <m:sup>
+                        <m:r>
+                          <a:rPr lang="en-US" altLang="ko-KR" sz="2000" i="1">
+                            <a:latin typeface="Cambria Math" panose="02040503050406030204" pitchFamily="18" charset="0"/>
+                          </a:rPr>
+                          <m:t>𝑇</m:t>
+                        </m:r>
+                      </m:sup>
+                    </m:sSubSup>
+                    <m:r>
+                      <a:rPr lang="en-US" altLang="ko-KR" sz="2000" i="1">
+                        <a:latin typeface="Cambria Math" panose="02040503050406030204" pitchFamily="18" charset="0"/>
+                      </a:rPr>
+                      <m:t>𝐿𝑒𝑎𝑘𝑦𝑅𝑒𝑙𝑢</m:t>
+                    </m:r>
+                    <m:d>
+                      <m:dPr>
+                        <m:ctrlPr>
+                          <a:rPr lang="en-US" altLang="ko-KR" sz="2000" i="1">
+                            <a:latin typeface="Cambria Math" panose="02040503050406030204" pitchFamily="18" charset="0"/>
+                          </a:rPr>
+                        </m:ctrlPr>
+                      </m:dPr>
+                      <m:e>
+                        <m:sSub>
+                          <m:sSubPr>
+                            <m:ctrlPr>
+                              <a:rPr lang="en-US" altLang="ko-KR" sz="2000" i="1">
+                                <a:latin typeface="Cambria Math" panose="02040503050406030204" pitchFamily="18" charset="0"/>
+                              </a:rPr>
+                            </m:ctrlPr>
+                          </m:sSubPr>
+                          <m:e>
+                            <m:r>
+                              <a:rPr lang="en-US" altLang="ko-KR" sz="2000" i="1">
+                                <a:latin typeface="Cambria Math" panose="02040503050406030204" pitchFamily="18" charset="0"/>
+                              </a:rPr>
+                              <m:t>𝑊</m:t>
+                            </m:r>
+                          </m:e>
+                          <m:sub>
+                            <m:r>
+                              <a:rPr lang="en-US" altLang="ko-KR" sz="2000" i="1">
+                                <a:latin typeface="Cambria Math" panose="02040503050406030204" pitchFamily="18" charset="0"/>
+                              </a:rPr>
+                              <m:t>𝑛</m:t>
+                            </m:r>
+                            <m:r>
+                              <a:rPr lang="ko-KR" altLang="en-US" sz="2000" i="1">
+                                <a:latin typeface="Cambria Math" panose="02040503050406030204" pitchFamily="18" charset="0"/>
+                              </a:rPr>
+                              <m:t>𝜑</m:t>
+                            </m:r>
+                          </m:sub>
+                        </m:sSub>
+                        <m:d>
+                          <m:dPr>
+                            <m:begChr m:val="["/>
+                            <m:endChr m:val="]"/>
+                            <m:ctrlPr>
+                              <a:rPr lang="en-US" altLang="ko-KR" sz="2000" i="1">
+                                <a:latin typeface="Cambria Math" panose="02040503050406030204" pitchFamily="18" charset="0"/>
+                              </a:rPr>
+                            </m:ctrlPr>
+                          </m:dPr>
+                          <m:e>
+                            <m:sSub>
+                              <m:sSubPr>
+                                <m:ctrlPr>
+                                  <a:rPr lang="en-US" altLang="ko-KR" sz="2000" i="1">
+                                    <a:latin typeface="Cambria Math" panose="02040503050406030204" pitchFamily="18" charset="0"/>
+                                  </a:rPr>
+                                </m:ctrlPr>
+                              </m:sSubPr>
+                              <m:e>
+                                <m:r>
+                                  <a:rPr lang="en-US" altLang="ko-KR" sz="2000" i="1">
+                                    <a:latin typeface="Cambria Math" panose="02040503050406030204" pitchFamily="18" charset="0"/>
+                                  </a:rPr>
+                                  <m:t>𝑛</m:t>
+                                </m:r>
+                              </m:e>
+                              <m:sub>
+                                <m:r>
+                                  <a:rPr lang="en-US" altLang="ko-KR" sz="2000" i="1">
+                                    <a:latin typeface="Cambria Math" panose="02040503050406030204" pitchFamily="18" charset="0"/>
+                                  </a:rPr>
+                                  <m:t>𝑖</m:t>
+                                </m:r>
+                              </m:sub>
+                            </m:sSub>
+                            <m:r>
+                              <a:rPr lang="en-US" altLang="ko-KR" sz="2000" i="1">
+                                <a:latin typeface="Cambria Math" panose="02040503050406030204" pitchFamily="18" charset="0"/>
+                                <a:ea typeface="Cambria Math" panose="02040503050406030204" pitchFamily="18" charset="0"/>
+                              </a:rPr>
+                              <m:t>∥</m:t>
+                            </m:r>
+                            <m:sSub>
+                              <m:sSubPr>
+                                <m:ctrlPr>
+                                  <a:rPr lang="en-US" altLang="ko-KR" sz="2000" i="1">
+                                    <a:latin typeface="Cambria Math" panose="02040503050406030204" pitchFamily="18" charset="0"/>
+                                  </a:rPr>
+                                </m:ctrlPr>
+                              </m:sSubPr>
+                              <m:e>
+                                <m:r>
+                                  <a:rPr lang="en-US" altLang="ko-KR" sz="2000" i="1">
+                                    <a:latin typeface="Cambria Math" panose="02040503050406030204" pitchFamily="18" charset="0"/>
+                                  </a:rPr>
+                                  <m:t>𝑛</m:t>
+                                </m:r>
+                              </m:e>
+                              <m:sub>
+                                <m:r>
+                                  <a:rPr lang="en-US" altLang="ko-KR" sz="2000" i="1">
+                                    <a:latin typeface="Cambria Math" panose="02040503050406030204" pitchFamily="18" charset="0"/>
+                                  </a:rPr>
+                                  <m:t>𝑗</m:t>
+                                </m:r>
+                              </m:sub>
+                            </m:sSub>
+                          </m:e>
+                        </m:d>
+                      </m:e>
+                    </m:d>
+                  </m:oMath>
+                </a14:m>
+                <a:br>
+                  <a:rPr lang="en-US" altLang="ko-KR" dirty="0">
+                    <a:solidFill>
+                      <a:prstClr val="white">
+                        <a:lumMod val="50000"/>
+                      </a:prstClr>
+                    </a:solidFill>
+                    <a:latin typeface="Calibri"/>
+                    <a:sym typeface="Wingdings" panose="05000000000000000000" pitchFamily="2" charset="2"/>
+                  </a:rPr>
+                </a:br>
+                <a:endParaRPr lang="en-US" altLang="ko-KR" b="0" dirty="0">
+                  <a:latin typeface="Calibri"/>
+                </a:endParaRPr>
+              </a:p>
+            </p:txBody>
+          </p:sp>
+        </mc:Choice>
+        <mc:Fallback>
+          <p:sp>
+            <p:nvSpPr>
+              <p:cNvPr id="13" name="직사각형 12">
+                <a:extLst>
+                  <a:ext uri="{FF2B5EF4-FFF2-40B4-BE49-F238E27FC236}">
+                    <a16:creationId xmlns:a16="http://schemas.microsoft.com/office/drawing/2014/main" id="{F5FA3E7B-EE34-A50C-B3A0-CF95F96BCF8F}"/>
+                  </a:ext>
+                </a:extLst>
+              </p:cNvPr>
+              <p:cNvSpPr>
+                <a:spLocks noRot="1" noChangeAspect="1" noMove="1" noResize="1" noEditPoints="1" noAdjustHandles="1" noChangeArrowheads="1" noChangeShapeType="1" noTextEdit="1"/>
+              </p:cNvSpPr>
+              <p:nvPr/>
+            </p:nvSpPr>
+            <p:spPr>
+              <a:xfrm>
+                <a:off x="1198563" y="2141136"/>
+                <a:ext cx="5382110" cy="2969659"/>
+              </a:xfrm>
+              <a:prstGeom prst="rect">
+                <a:avLst/>
+              </a:prstGeom>
+              <a:blipFill>
+                <a:blip r:embed="rId3"/>
+                <a:stretch>
+                  <a:fillRect l="-793"/>
+                </a:stretch>
+              </a:blipFill>
+            </p:spPr>
+            <p:txBody>
+              <a:bodyPr/>
+              <a:lstStyle/>
+              <a:p>
+                <a:r>
+                  <a:rPr lang="ko-KR" altLang="en-US">
+                    <a:noFill/>
+                  </a:rPr>
+                  <a:t> </a:t>
+                </a:r>
+              </a:p>
+            </p:txBody>
+          </p:sp>
+        </mc:Fallback>
+      </mc:AlternateContent>
+      <p:pic>
+        <p:nvPicPr>
+          <p:cNvPr id="21" name="그림 20">
+            <a:extLst>
+              <a:ext uri="{FF2B5EF4-FFF2-40B4-BE49-F238E27FC236}">
+                <a16:creationId xmlns:a16="http://schemas.microsoft.com/office/drawing/2014/main" id="{433AE0FB-8C2C-63C1-BD0F-AEF52F20BC42}"/>
+              </a:ext>
+            </a:extLst>
+          </p:cNvPr>
+          <p:cNvPicPr>
+            <a:picLocks noChangeAspect="1"/>
+          </p:cNvPicPr>
+          <p:nvPr/>
+        </p:nvPicPr>
+        <p:blipFill>
+          <a:blip r:embed="rId4"/>
+          <a:srcRect l="52208" t="28015"/>
+          <a:stretch>
+            <a:fillRect/>
+          </a:stretch>
+        </p:blipFill>
+        <p:spPr>
+          <a:xfrm>
+            <a:off x="6580673" y="1533525"/>
+            <a:ext cx="5093802" cy="2894764"/>
+          </a:xfrm>
+          <a:prstGeom prst="rect">
+            <a:avLst/>
+          </a:prstGeom>
+          <a:effectLst>
+            <a:softEdge rad="63500"/>
+          </a:effectLst>
+        </p:spPr>
+      </p:pic>
+      <p:sp>
+        <p:nvSpPr>
+          <p:cNvPr id="22" name="직사각형 21">
+            <a:extLst>
+              <a:ext uri="{FF2B5EF4-FFF2-40B4-BE49-F238E27FC236}">
+                <a16:creationId xmlns:a16="http://schemas.microsoft.com/office/drawing/2014/main" id="{E4BA473F-5AD1-9094-EED1-0C4BD69C18D8}"/>
+              </a:ext>
+            </a:extLst>
+          </p:cNvPr>
+          <p:cNvSpPr/>
+          <p:nvPr/>
+        </p:nvSpPr>
+        <p:spPr>
+          <a:xfrm>
+            <a:off x="8235951" y="2347415"/>
+            <a:ext cx="1696731" cy="1606769"/>
+          </a:xfrm>
+          <a:prstGeom prst="rect">
+            <a:avLst/>
+          </a:prstGeom>
+          <a:solidFill>
+            <a:srgbClr val="FFFF00">
+              <a:alpha val="10196"/>
+            </a:srgbClr>
+          </a:solidFill>
+          <a:ln>
+            <a:solidFill>
+              <a:srgbClr val="FFFF00"/>
+            </a:solidFill>
+          </a:ln>
+          <a:effectLst/>
+        </p:spPr>
+        <p:style>
+          <a:lnRef idx="1">
+            <a:schemeClr val="accent1"/>
+          </a:lnRef>
+          <a:fillRef idx="3">
+            <a:schemeClr val="accent1"/>
+          </a:fillRef>
+          <a:effectRef idx="2">
+            <a:schemeClr val="accent1"/>
+          </a:effectRef>
+          <a:fontRef idx="minor">
+            <a:schemeClr val="lt1"/>
+          </a:fontRef>
+        </p:style>
+        <p:txBody>
+          <a:bodyPr rtlCol="0" anchor="ctr"/>
+          <a:lstStyle/>
+          <a:p>
+            <a:pPr algn="ctr"/>
+            <a:endParaRPr lang="ko-KR" altLang="en-US" sz="2000"/>
+          </a:p>
+        </p:txBody>
+      </p:sp>
+      <p:pic>
+        <p:nvPicPr>
+          <p:cNvPr id="4" name="그림 3">
+            <a:extLst>
+              <a:ext uri="{FF2B5EF4-FFF2-40B4-BE49-F238E27FC236}">
+                <a16:creationId xmlns:a16="http://schemas.microsoft.com/office/drawing/2014/main" id="{9BE34DC6-A1C3-4F3A-609B-14918215129E}"/>
+              </a:ext>
+            </a:extLst>
+          </p:cNvPr>
+          <p:cNvPicPr>
+            <a:picLocks noChangeAspect="1"/>
+          </p:cNvPicPr>
+          <p:nvPr/>
+        </p:nvPicPr>
+        <p:blipFill>
+          <a:blip r:embed="rId5"/>
+          <a:stretch>
+            <a:fillRect/>
+          </a:stretch>
+        </p:blipFill>
+        <p:spPr>
+          <a:xfrm>
+            <a:off x="6580673" y="4595728"/>
+            <a:ext cx="5093802" cy="1553793"/>
+          </a:xfrm>
+          <a:prstGeom prst="rect">
+            <a:avLst/>
+          </a:prstGeom>
+          <a:effectLst>
+            <a:softEdge rad="63500"/>
+          </a:effectLst>
+        </p:spPr>
+      </p:pic>
+      <mc:AlternateContent xmlns:mc="http://schemas.openxmlformats.org/markup-compatibility/2006">
+        <mc:Choice xmlns:a14="http://schemas.microsoft.com/office/drawing/2010/main" Requires="a14">
+          <p:sp>
+            <p:nvSpPr>
+              <p:cNvPr id="6" name="직사각형 5">
+                <a:extLst>
+                  <a:ext uri="{FF2B5EF4-FFF2-40B4-BE49-F238E27FC236}">
+                    <a16:creationId xmlns:a16="http://schemas.microsoft.com/office/drawing/2014/main" id="{44684138-0344-0198-2509-B0F61261069A}"/>
+                  </a:ext>
+                </a:extLst>
+              </p:cNvPr>
+              <p:cNvSpPr/>
+              <p:nvPr/>
+            </p:nvSpPr>
+            <p:spPr>
+              <a:xfrm>
+                <a:off x="1198562" y="5110795"/>
+                <a:ext cx="7829323" cy="1606658"/>
+              </a:xfrm>
+              <a:prstGeom prst="rect">
+                <a:avLst/>
+              </a:prstGeom>
+              <a:noFill/>
+            </p:spPr>
+            <p:txBody>
+              <a:bodyPr wrap="square">
+                <a:spAutoFit/>
+              </a:bodyPr>
+              <a:lstStyle/>
+              <a:p>
+                <a:pPr marL="285750" lvl="1" indent="-285750">
+                  <a:lnSpc>
+                    <a:spcPct val="130000"/>
+                  </a:lnSpc>
+                  <a:buFont typeface="Arial" panose="020B0604020202020204" pitchFamily="34" charset="0"/>
+                  <a:buChar char="•"/>
+                  <a:defRPr/>
+                </a:pPr>
+                <a:r>
+                  <a:rPr lang="en-US" altLang="ko-KR" dirty="0">
+                    <a:solidFill>
+                      <a:prstClr val="white">
+                        <a:lumMod val="50000"/>
+                      </a:prstClr>
+                    </a:solidFill>
+                    <a:latin typeface="Calibri"/>
+                    <a:sym typeface="Wingdings" panose="05000000000000000000" pitchFamily="2" charset="2"/>
+                  </a:rPr>
+                  <a:t>Where</a:t>
+                </a:r>
+                <a:br>
+                  <a:rPr lang="en-US" altLang="ko-KR" dirty="0">
+                    <a:solidFill>
+                      <a:prstClr val="white">
+                        <a:lumMod val="50000"/>
+                      </a:prstClr>
+                    </a:solidFill>
+                    <a:latin typeface="Calibri"/>
+                    <a:sym typeface="Wingdings" panose="05000000000000000000" pitchFamily="2" charset="2"/>
+                  </a:rPr>
+                </a:br>
+                <a:r>
+                  <a:rPr lang="en-US" altLang="ko-KR" dirty="0">
+                    <a:solidFill>
+                      <a:prstClr val="white">
+                        <a:lumMod val="50000"/>
+                      </a:prstClr>
+                    </a:solidFill>
+                    <a:latin typeface="Calibri"/>
+                    <a:sym typeface="Wingdings" panose="05000000000000000000" pitchFamily="2" charset="2"/>
+                  </a:rPr>
+                  <a:t>- Target Node </a:t>
+                </a:r>
+                <a14:m>
+                  <m:oMath xmlns:m="http://schemas.openxmlformats.org/officeDocument/2006/math">
+                    <m:sSub>
+                      <m:sSubPr>
+                        <m:ctrlPr>
+                          <a:rPr lang="en-US" altLang="ko-KR" b="0" i="0" smtClean="0">
+                            <a:solidFill>
+                              <a:prstClr val="white">
+                                <a:lumMod val="50000"/>
+                              </a:prstClr>
+                            </a:solidFill>
+                            <a:latin typeface="Cambria Math" panose="02040503050406030204" pitchFamily="18" charset="0"/>
+                            <a:sym typeface="Wingdings" panose="05000000000000000000" pitchFamily="2" charset="2"/>
+                          </a:rPr>
+                        </m:ctrlPr>
+                      </m:sSubPr>
+                      <m:e>
+                        <m:r>
+                          <m:rPr>
+                            <m:sty m:val="p"/>
+                          </m:rPr>
+                          <a:rPr lang="en-US" altLang="ko-KR" b="0" i="0" smtClean="0">
+                            <a:solidFill>
+                              <a:prstClr val="white">
+                                <a:lumMod val="50000"/>
+                              </a:prstClr>
+                            </a:solidFill>
+                            <a:latin typeface="Cambria Math" panose="02040503050406030204" pitchFamily="18" charset="0"/>
+                            <a:sym typeface="Wingdings" panose="05000000000000000000" pitchFamily="2" charset="2"/>
+                          </a:rPr>
+                          <m:t>n</m:t>
+                        </m:r>
+                      </m:e>
+                      <m:sub>
+                        <m:r>
+                          <a:rPr lang="en-US" altLang="ko-KR" b="0" i="1" smtClean="0">
+                            <a:solidFill>
+                              <a:prstClr val="white">
+                                <a:lumMod val="50000"/>
+                              </a:prstClr>
+                            </a:solidFill>
+                            <a:latin typeface="Cambria Math" panose="02040503050406030204" pitchFamily="18" charset="0"/>
+                            <a:sym typeface="Wingdings" panose="05000000000000000000" pitchFamily="2" charset="2"/>
+                          </a:rPr>
+                          <m:t>𝑖</m:t>
+                        </m:r>
+                      </m:sub>
+                    </m:sSub>
+                    <m:r>
+                      <a:rPr lang="en-US" altLang="ko-KR" b="0" i="1" smtClean="0">
+                        <a:solidFill>
+                          <a:prstClr val="white">
+                            <a:lumMod val="50000"/>
+                          </a:prstClr>
+                        </a:solidFill>
+                        <a:latin typeface="Cambria Math" panose="02040503050406030204" pitchFamily="18" charset="0"/>
+                        <a:sym typeface="Wingdings" panose="05000000000000000000" pitchFamily="2" charset="2"/>
+                      </a:rPr>
+                      <m:t>, </m:t>
+                    </m:r>
+                  </m:oMath>
+                </a14:m>
+                <a:r>
+                  <a:rPr lang="en-US" altLang="ko-KR" dirty="0">
+                    <a:solidFill>
+                      <a:prstClr val="white">
+                        <a:lumMod val="50000"/>
+                      </a:prstClr>
+                    </a:solidFill>
+                    <a:sym typeface="Wingdings" panose="05000000000000000000" pitchFamily="2" charset="2"/>
+                  </a:rPr>
+                  <a:t>Source Node </a:t>
+                </a:r>
+                <a14:m>
+                  <m:oMath xmlns:m="http://schemas.openxmlformats.org/officeDocument/2006/math">
+                    <m:sSub>
+                      <m:sSubPr>
+                        <m:ctrlPr>
+                          <a:rPr lang="en-US" altLang="ko-KR" b="0" i="0" smtClean="0">
+                            <a:solidFill>
+                              <a:prstClr val="white">
+                                <a:lumMod val="50000"/>
+                              </a:prstClr>
+                            </a:solidFill>
+                            <a:latin typeface="Cambria Math" panose="02040503050406030204" pitchFamily="18" charset="0"/>
+                            <a:sym typeface="Wingdings" panose="05000000000000000000" pitchFamily="2" charset="2"/>
+                          </a:rPr>
+                        </m:ctrlPr>
+                      </m:sSubPr>
+                      <m:e>
+                        <m:r>
+                          <m:rPr>
+                            <m:sty m:val="p"/>
+                          </m:rPr>
+                          <a:rPr lang="en-US" altLang="ko-KR" b="0" i="0" smtClean="0">
+                            <a:solidFill>
+                              <a:prstClr val="white">
+                                <a:lumMod val="50000"/>
+                              </a:prstClr>
+                            </a:solidFill>
+                            <a:latin typeface="Cambria Math" panose="02040503050406030204" pitchFamily="18" charset="0"/>
+                            <a:sym typeface="Wingdings" panose="05000000000000000000" pitchFamily="2" charset="2"/>
+                          </a:rPr>
+                          <m:t>n</m:t>
+                        </m:r>
+                      </m:e>
+                      <m:sub>
+                        <m:r>
+                          <a:rPr lang="en-US" altLang="ko-KR" b="0" i="1" smtClean="0">
+                            <a:solidFill>
+                              <a:prstClr val="white">
+                                <a:lumMod val="50000"/>
+                              </a:prstClr>
+                            </a:solidFill>
+                            <a:latin typeface="Cambria Math" panose="02040503050406030204" pitchFamily="18" charset="0"/>
+                            <a:sym typeface="Wingdings" panose="05000000000000000000" pitchFamily="2" charset="2"/>
+                          </a:rPr>
+                          <m:t>𝑗</m:t>
+                        </m:r>
+                      </m:sub>
+                    </m:sSub>
+                    <m:r>
+                      <a:rPr lang="en-US" altLang="ko-KR" b="0" i="0" smtClean="0">
+                        <a:solidFill>
+                          <a:prstClr val="white">
+                            <a:lumMod val="50000"/>
+                          </a:prstClr>
+                        </a:solidFill>
+                        <a:latin typeface="Cambria Math" panose="02040503050406030204" pitchFamily="18" charset="0"/>
+                        <a:sym typeface="Wingdings" panose="05000000000000000000" pitchFamily="2" charset="2"/>
+                      </a:rPr>
+                      <m:t>, </m:t>
+                    </m:r>
+                  </m:oMath>
+                </a14:m>
+                <a:br>
+                  <a:rPr lang="en-US" altLang="ko-KR" dirty="0">
+                    <a:solidFill>
+                      <a:prstClr val="white">
+                        <a:lumMod val="50000"/>
+                      </a:prstClr>
+                    </a:solidFill>
+                    <a:latin typeface="Calibri"/>
+                    <a:sym typeface="Wingdings" panose="05000000000000000000" pitchFamily="2" charset="2"/>
+                  </a:rPr>
+                </a:br>
+                <a:r>
+                  <a:rPr lang="en-US" altLang="ko-KR" dirty="0">
+                    <a:solidFill>
+                      <a:prstClr val="white">
+                        <a:lumMod val="50000"/>
+                      </a:prstClr>
+                    </a:solidFill>
+                    <a:latin typeface="Calibri"/>
+                    <a:sym typeface="Wingdings" panose="05000000000000000000" pitchFamily="2" charset="2"/>
+                  </a:rPr>
+                  <a:t>- </a:t>
+                </a:r>
+                <a14:m>
+                  <m:oMath xmlns:m="http://schemas.openxmlformats.org/officeDocument/2006/math">
+                    <m:sSup>
+                      <m:sSupPr>
+                        <m:ctrlPr>
+                          <a:rPr lang="en-US" altLang="ko-KR" b="0" i="1" smtClean="0">
+                            <a:solidFill>
+                              <a:prstClr val="white">
+                                <a:lumMod val="50000"/>
+                              </a:prstClr>
+                            </a:solidFill>
+                            <a:latin typeface="Cambria Math" panose="02040503050406030204" pitchFamily="18" charset="0"/>
+                            <a:sym typeface="Wingdings" panose="05000000000000000000" pitchFamily="2" charset="2"/>
+                          </a:rPr>
+                        </m:ctrlPr>
+                      </m:sSupPr>
+                      <m:e>
+                        <m:r>
+                          <a:rPr lang="en-US" altLang="ko-KR" b="0" i="1" smtClean="0">
+                            <a:solidFill>
+                              <a:prstClr val="white">
+                                <a:lumMod val="50000"/>
+                              </a:prstClr>
+                            </a:solidFill>
+                            <a:latin typeface="Cambria Math" panose="02040503050406030204" pitchFamily="18" charset="0"/>
+                            <a:sym typeface="Wingdings" panose="05000000000000000000" pitchFamily="2" charset="2"/>
+                          </a:rPr>
+                          <m:t>𝛼</m:t>
+                        </m:r>
+                      </m:e>
+                      <m:sup>
+                        <m:r>
+                          <a:rPr lang="en-US" altLang="ko-KR" b="0" i="1" smtClean="0">
+                            <a:solidFill>
+                              <a:prstClr val="white">
+                                <a:lumMod val="50000"/>
+                              </a:prstClr>
+                            </a:solidFill>
+                            <a:latin typeface="Cambria Math" panose="02040503050406030204" pitchFamily="18" charset="0"/>
+                            <a:sym typeface="Wingdings" panose="05000000000000000000" pitchFamily="2" charset="2"/>
+                          </a:rPr>
+                          <m:t>(1)</m:t>
+                        </m:r>
+                      </m:sup>
+                    </m:sSup>
+                    <m:r>
+                      <a:rPr lang="en-US" altLang="ko-KR" b="0" i="1" smtClean="0">
+                        <a:solidFill>
+                          <a:prstClr val="white">
+                            <a:lumMod val="50000"/>
+                          </a:prstClr>
+                        </a:solidFill>
+                        <a:latin typeface="Cambria Math" panose="02040503050406030204" pitchFamily="18" charset="0"/>
+                        <a:sym typeface="Wingdings" panose="05000000000000000000" pitchFamily="2" charset="2"/>
+                      </a:rPr>
+                      <m:t>:</m:t>
+                    </m:r>
+                    <m:sSup>
+                      <m:sSupPr>
+                        <m:ctrlPr>
+                          <a:rPr lang="en-US" altLang="ko-KR" b="0" i="1" smtClean="0">
+                            <a:solidFill>
+                              <a:prstClr val="white">
+                                <a:lumMod val="50000"/>
+                              </a:prstClr>
+                            </a:solidFill>
+                            <a:latin typeface="Cambria Math" panose="02040503050406030204" pitchFamily="18" charset="0"/>
+                            <a:sym typeface="Wingdings" panose="05000000000000000000" pitchFamily="2" charset="2"/>
+                          </a:rPr>
+                        </m:ctrlPr>
+                      </m:sSupPr>
+                      <m:e>
+                        <m:r>
+                          <a:rPr lang="en-US" altLang="ko-KR" b="0" i="1" smtClean="0">
+                            <a:solidFill>
+                              <a:prstClr val="white">
+                                <a:lumMod val="50000"/>
+                              </a:prstClr>
+                            </a:solidFill>
+                            <a:latin typeface="Cambria Math" panose="02040503050406030204" pitchFamily="18" charset="0"/>
+                            <a:sym typeface="Wingdings" panose="05000000000000000000" pitchFamily="2" charset="2"/>
+                          </a:rPr>
+                          <m:t>𝑉</m:t>
+                        </m:r>
+                      </m:e>
+                      <m:sup>
+                        <m:r>
+                          <a:rPr lang="en-US" altLang="ko-KR" b="0" i="1" smtClean="0">
+                            <a:solidFill>
+                              <a:prstClr val="white">
+                                <a:lumMod val="50000"/>
+                              </a:prstClr>
+                            </a:solidFill>
+                            <a:latin typeface="Cambria Math" panose="02040503050406030204" pitchFamily="18" charset="0"/>
+                            <a:sym typeface="Wingdings" panose="05000000000000000000" pitchFamily="2" charset="2"/>
+                          </a:rPr>
+                          <m:t>(1)</m:t>
+                        </m:r>
+                      </m:sup>
+                    </m:sSup>
+                    <m:r>
+                      <a:rPr lang="en-US" altLang="ko-KR" b="0" i="1" smtClean="0">
+                        <a:solidFill>
+                          <a:prstClr val="white">
+                            <a:lumMod val="50000"/>
+                          </a:prstClr>
+                        </a:solidFill>
+                        <a:latin typeface="Cambria Math" panose="02040503050406030204" pitchFamily="18" charset="0"/>
+                        <a:sym typeface="Wingdings" panose="05000000000000000000" pitchFamily="2" charset="2"/>
+                      </a:rPr>
+                      <m:t>→</m:t>
+                    </m:r>
+                    <m:sSup>
+                      <m:sSupPr>
+                        <m:ctrlPr>
+                          <a:rPr lang="en-US" altLang="ko-KR" b="0" i="1" smtClean="0">
+                            <a:solidFill>
+                              <a:prstClr val="white">
+                                <a:lumMod val="50000"/>
+                              </a:prstClr>
+                            </a:solidFill>
+                            <a:latin typeface="Cambria Math" panose="02040503050406030204" pitchFamily="18" charset="0"/>
+                            <a:sym typeface="Wingdings" panose="05000000000000000000" pitchFamily="2" charset="2"/>
+                          </a:rPr>
+                        </m:ctrlPr>
+                      </m:sSupPr>
+                      <m:e>
+                        <m:r>
+                          <a:rPr lang="en-US" altLang="ko-KR" b="0" i="1" smtClean="0">
+                            <a:solidFill>
+                              <a:prstClr val="white">
+                                <a:lumMod val="50000"/>
+                              </a:prstClr>
+                            </a:solidFill>
+                            <a:latin typeface="Cambria Math" panose="02040503050406030204" pitchFamily="18" charset="0"/>
+                            <a:sym typeface="Wingdings" panose="05000000000000000000" pitchFamily="2" charset="2"/>
+                          </a:rPr>
+                          <m:t>𝑉</m:t>
+                        </m:r>
+                      </m:e>
+                      <m:sup>
+                        <m:r>
+                          <a:rPr lang="en-US" altLang="ko-KR" b="0" i="1" smtClean="0">
+                            <a:solidFill>
+                              <a:prstClr val="white">
+                                <a:lumMod val="50000"/>
+                              </a:prstClr>
+                            </a:solidFill>
+                            <a:latin typeface="Cambria Math" panose="02040503050406030204" pitchFamily="18" charset="0"/>
+                            <a:sym typeface="Wingdings" panose="05000000000000000000" pitchFamily="2" charset="2"/>
+                          </a:rPr>
+                          <m:t>(0)</m:t>
+                        </m:r>
+                      </m:sup>
+                    </m:sSup>
+                    <m:r>
+                      <a:rPr lang="en-US" altLang="ko-KR" b="0" i="1" smtClean="0">
+                        <a:solidFill>
+                          <a:prstClr val="white">
+                            <a:lumMod val="50000"/>
+                          </a:prstClr>
+                        </a:solidFill>
+                        <a:latin typeface="Cambria Math" panose="02040503050406030204" pitchFamily="18" charset="0"/>
+                        <a:sym typeface="Wingdings" panose="05000000000000000000" pitchFamily="2" charset="2"/>
+                      </a:rPr>
+                      <m:t>,</m:t>
+                    </m:r>
+                    <m:sSup>
+                      <m:sSupPr>
+                        <m:ctrlPr>
+                          <a:rPr lang="en-US" altLang="ko-KR" i="1">
+                            <a:solidFill>
+                              <a:prstClr val="white">
+                                <a:lumMod val="50000"/>
+                              </a:prstClr>
+                            </a:solidFill>
+                            <a:latin typeface="Cambria Math" panose="02040503050406030204" pitchFamily="18" charset="0"/>
+                            <a:sym typeface="Wingdings" panose="05000000000000000000" pitchFamily="2" charset="2"/>
+                          </a:rPr>
+                        </m:ctrlPr>
+                      </m:sSupPr>
+                      <m:e>
+                        <m:r>
+                          <a:rPr lang="en-US" altLang="ko-KR" i="1">
+                            <a:solidFill>
+                              <a:prstClr val="white">
+                                <a:lumMod val="50000"/>
+                              </a:prstClr>
+                            </a:solidFill>
+                            <a:latin typeface="Cambria Math" panose="02040503050406030204" pitchFamily="18" charset="0"/>
+                            <a:sym typeface="Wingdings" panose="05000000000000000000" pitchFamily="2" charset="2"/>
+                          </a:rPr>
+                          <m:t>𝛼</m:t>
+                        </m:r>
+                      </m:e>
+                      <m:sup>
+                        <m:r>
+                          <a:rPr lang="en-US" altLang="ko-KR" i="1">
+                            <a:solidFill>
+                              <a:prstClr val="white">
+                                <a:lumMod val="50000"/>
+                              </a:prstClr>
+                            </a:solidFill>
+                            <a:latin typeface="Cambria Math" panose="02040503050406030204" pitchFamily="18" charset="0"/>
+                            <a:sym typeface="Wingdings" panose="05000000000000000000" pitchFamily="2" charset="2"/>
+                          </a:rPr>
+                          <m:t>(</m:t>
+                        </m:r>
+                        <m:r>
+                          <a:rPr lang="en-US" altLang="ko-KR" b="0" i="1" smtClean="0">
+                            <a:solidFill>
+                              <a:prstClr val="white">
+                                <a:lumMod val="50000"/>
+                              </a:prstClr>
+                            </a:solidFill>
+                            <a:latin typeface="Cambria Math" panose="02040503050406030204" pitchFamily="18" charset="0"/>
+                            <a:sym typeface="Wingdings" panose="05000000000000000000" pitchFamily="2" charset="2"/>
+                          </a:rPr>
+                          <m:t>0</m:t>
+                        </m:r>
+                        <m:r>
+                          <a:rPr lang="en-US" altLang="ko-KR" i="1">
+                            <a:solidFill>
+                              <a:prstClr val="white">
+                                <a:lumMod val="50000"/>
+                              </a:prstClr>
+                            </a:solidFill>
+                            <a:latin typeface="Cambria Math" panose="02040503050406030204" pitchFamily="18" charset="0"/>
+                            <a:sym typeface="Wingdings" panose="05000000000000000000" pitchFamily="2" charset="2"/>
+                          </a:rPr>
+                          <m:t>)</m:t>
+                        </m:r>
+                      </m:sup>
+                    </m:sSup>
+                    <m:r>
+                      <a:rPr lang="en-US" altLang="ko-KR" i="1">
+                        <a:solidFill>
+                          <a:prstClr val="white">
+                            <a:lumMod val="50000"/>
+                          </a:prstClr>
+                        </a:solidFill>
+                        <a:latin typeface="Cambria Math" panose="02040503050406030204" pitchFamily="18" charset="0"/>
+                        <a:sym typeface="Wingdings" panose="05000000000000000000" pitchFamily="2" charset="2"/>
+                      </a:rPr>
+                      <m:t>:</m:t>
+                    </m:r>
+                    <m:sSup>
+                      <m:sSupPr>
+                        <m:ctrlPr>
+                          <a:rPr lang="en-US" altLang="ko-KR" i="1">
+                            <a:solidFill>
+                              <a:prstClr val="white">
+                                <a:lumMod val="50000"/>
+                              </a:prstClr>
+                            </a:solidFill>
+                            <a:latin typeface="Cambria Math" panose="02040503050406030204" pitchFamily="18" charset="0"/>
+                            <a:sym typeface="Wingdings" panose="05000000000000000000" pitchFamily="2" charset="2"/>
+                          </a:rPr>
+                        </m:ctrlPr>
+                      </m:sSupPr>
+                      <m:e>
+                        <m:r>
+                          <a:rPr lang="en-US" altLang="ko-KR" i="1">
+                            <a:solidFill>
+                              <a:prstClr val="white">
+                                <a:lumMod val="50000"/>
+                              </a:prstClr>
+                            </a:solidFill>
+                            <a:latin typeface="Cambria Math" panose="02040503050406030204" pitchFamily="18" charset="0"/>
+                            <a:sym typeface="Wingdings" panose="05000000000000000000" pitchFamily="2" charset="2"/>
+                          </a:rPr>
+                          <m:t>𝑉</m:t>
+                        </m:r>
+                      </m:e>
+                      <m:sup>
+                        <m:r>
+                          <a:rPr lang="en-US" altLang="ko-KR" i="1">
+                            <a:solidFill>
+                              <a:prstClr val="white">
+                                <a:lumMod val="50000"/>
+                              </a:prstClr>
+                            </a:solidFill>
+                            <a:latin typeface="Cambria Math" panose="02040503050406030204" pitchFamily="18" charset="0"/>
+                            <a:sym typeface="Wingdings" panose="05000000000000000000" pitchFamily="2" charset="2"/>
+                          </a:rPr>
+                          <m:t>(</m:t>
+                        </m:r>
+                        <m:r>
+                          <a:rPr lang="en-US" altLang="ko-KR" b="0" i="1" smtClean="0">
+                            <a:solidFill>
+                              <a:prstClr val="white">
+                                <a:lumMod val="50000"/>
+                              </a:prstClr>
+                            </a:solidFill>
+                            <a:latin typeface="Cambria Math" panose="02040503050406030204" pitchFamily="18" charset="0"/>
+                            <a:sym typeface="Wingdings" panose="05000000000000000000" pitchFamily="2" charset="2"/>
+                          </a:rPr>
+                          <m:t>0</m:t>
+                        </m:r>
+                        <m:r>
+                          <a:rPr lang="en-US" altLang="ko-KR" i="1">
+                            <a:solidFill>
+                              <a:prstClr val="white">
+                                <a:lumMod val="50000"/>
+                              </a:prstClr>
+                            </a:solidFill>
+                            <a:latin typeface="Cambria Math" panose="02040503050406030204" pitchFamily="18" charset="0"/>
+                            <a:sym typeface="Wingdings" panose="05000000000000000000" pitchFamily="2" charset="2"/>
+                          </a:rPr>
+                          <m:t>)</m:t>
+                        </m:r>
+                      </m:sup>
+                    </m:sSup>
+                    <m:r>
+                      <a:rPr lang="en-US" altLang="ko-KR" i="1">
+                        <a:solidFill>
+                          <a:prstClr val="white">
+                            <a:lumMod val="50000"/>
+                          </a:prstClr>
+                        </a:solidFill>
+                        <a:latin typeface="Cambria Math" panose="02040503050406030204" pitchFamily="18" charset="0"/>
+                        <a:sym typeface="Wingdings" panose="05000000000000000000" pitchFamily="2" charset="2"/>
+                      </a:rPr>
+                      <m:t>→</m:t>
+                    </m:r>
+                    <m:sSup>
+                      <m:sSupPr>
+                        <m:ctrlPr>
+                          <a:rPr lang="en-US" altLang="ko-KR" i="1">
+                            <a:solidFill>
+                              <a:prstClr val="white">
+                                <a:lumMod val="50000"/>
+                              </a:prstClr>
+                            </a:solidFill>
+                            <a:latin typeface="Cambria Math" panose="02040503050406030204" pitchFamily="18" charset="0"/>
+                            <a:sym typeface="Wingdings" panose="05000000000000000000" pitchFamily="2" charset="2"/>
+                          </a:rPr>
+                        </m:ctrlPr>
+                      </m:sSupPr>
+                      <m:e>
+                        <m:r>
+                          <a:rPr lang="en-US" altLang="ko-KR" i="1">
+                            <a:solidFill>
+                              <a:prstClr val="white">
+                                <a:lumMod val="50000"/>
+                              </a:prstClr>
+                            </a:solidFill>
+                            <a:latin typeface="Cambria Math" panose="02040503050406030204" pitchFamily="18" charset="0"/>
+                            <a:sym typeface="Wingdings" panose="05000000000000000000" pitchFamily="2" charset="2"/>
+                          </a:rPr>
+                          <m:t>𝑉</m:t>
+                        </m:r>
+                      </m:e>
+                      <m:sup>
+                        <m:r>
+                          <a:rPr lang="en-US" altLang="ko-KR" i="1">
+                            <a:solidFill>
+                              <a:prstClr val="white">
+                                <a:lumMod val="50000"/>
+                              </a:prstClr>
+                            </a:solidFill>
+                            <a:latin typeface="Cambria Math" panose="02040503050406030204" pitchFamily="18" charset="0"/>
+                            <a:sym typeface="Wingdings" panose="05000000000000000000" pitchFamily="2" charset="2"/>
+                          </a:rPr>
+                          <m:t>(0)</m:t>
+                        </m:r>
+                      </m:sup>
+                    </m:sSup>
+                  </m:oMath>
+                </a14:m>
+                <a:br>
+                  <a:rPr lang="en-US" altLang="ko-KR" dirty="0">
+                    <a:solidFill>
+                      <a:prstClr val="white">
+                        <a:lumMod val="50000"/>
+                      </a:prstClr>
+                    </a:solidFill>
+                    <a:latin typeface="Calibri"/>
+                    <a:sym typeface="Wingdings" panose="05000000000000000000" pitchFamily="2" charset="2"/>
+                  </a:rPr>
+                </a:br>
+                <a:r>
+                  <a:rPr lang="en-US" altLang="ko-KR" dirty="0">
+                    <a:solidFill>
+                      <a:prstClr val="white">
+                        <a:lumMod val="50000"/>
+                      </a:prstClr>
+                    </a:solidFill>
+                    <a:latin typeface="Calibri"/>
+                    <a:sym typeface="Wingdings" panose="05000000000000000000" pitchFamily="2" charset="2"/>
+                  </a:rPr>
+                  <a:t>- </a:t>
+                </a:r>
+                <a14:m>
+                  <m:oMath xmlns:m="http://schemas.openxmlformats.org/officeDocument/2006/math">
+                    <m:sSub>
+                      <m:sSubPr>
+                        <m:ctrlPr>
+                          <a:rPr lang="en-US" altLang="ko-KR" i="1" smtClean="0">
+                            <a:solidFill>
+                              <a:schemeClr val="bg1">
+                                <a:lumMod val="50000"/>
+                              </a:schemeClr>
+                            </a:solidFill>
+                            <a:latin typeface="Cambria Math" panose="02040503050406030204" pitchFamily="18" charset="0"/>
+                          </a:rPr>
+                        </m:ctrlPr>
+                      </m:sSubPr>
+                      <m:e>
+                        <m:r>
+                          <a:rPr lang="en-US" altLang="ko-KR" b="0" i="1" smtClean="0">
+                            <a:solidFill>
+                              <a:schemeClr val="bg1">
+                                <a:lumMod val="50000"/>
+                              </a:schemeClr>
+                            </a:solidFill>
+                            <a:latin typeface="Cambria Math" panose="02040503050406030204" pitchFamily="18" charset="0"/>
+                          </a:rPr>
+                          <m:t>𝑎</m:t>
+                        </m:r>
+                      </m:e>
+                      <m:sub>
+                        <m:r>
+                          <a:rPr lang="ko-KR" altLang="en-US" i="1">
+                            <a:solidFill>
+                              <a:schemeClr val="bg1">
+                                <a:lumMod val="50000"/>
+                              </a:schemeClr>
+                            </a:solidFill>
+                            <a:latin typeface="Cambria Math" panose="02040503050406030204" pitchFamily="18" charset="0"/>
+                          </a:rPr>
+                          <m:t>𝜑</m:t>
+                        </m:r>
+                      </m:sub>
+                    </m:sSub>
+                    <m:r>
+                      <a:rPr lang="en-US" altLang="ko-KR" i="1">
+                        <a:solidFill>
+                          <a:schemeClr val="bg1">
+                            <a:lumMod val="50000"/>
+                          </a:schemeClr>
+                        </a:solidFill>
+                        <a:latin typeface="Cambria Math" panose="02040503050406030204" pitchFamily="18" charset="0"/>
+                      </a:rPr>
+                      <m:t>∈</m:t>
+                    </m:r>
+                  </m:oMath>
+                </a14:m>
+                <a:r>
+                  <a:rPr lang="en-US" altLang="ko-KR" dirty="0">
+                    <a:solidFill>
+                      <a:schemeClr val="bg1">
+                        <a:lumMod val="50000"/>
+                      </a:schemeClr>
+                    </a:solidFill>
+                    <a:ea typeface="Cambria Math" panose="02040503050406030204" pitchFamily="18" charset="0"/>
+                  </a:rPr>
+                  <a:t> </a:t>
+                </a:r>
+                <a14:m>
+                  <m:oMath xmlns:m="http://schemas.openxmlformats.org/officeDocument/2006/math">
+                    <m:sSup>
+                      <m:sSupPr>
+                        <m:ctrlPr>
+                          <a:rPr lang="en-US" altLang="ko-KR" i="1">
+                            <a:solidFill>
+                              <a:schemeClr val="bg1">
+                                <a:lumMod val="50000"/>
+                              </a:schemeClr>
+                            </a:solidFill>
+                            <a:latin typeface="Cambria Math" panose="02040503050406030204" pitchFamily="18" charset="0"/>
+                            <a:ea typeface="Cambria Math" panose="02040503050406030204" pitchFamily="18" charset="0"/>
+                          </a:rPr>
+                        </m:ctrlPr>
+                      </m:sSupPr>
+                      <m:e>
+                        <m:r>
+                          <m:rPr>
+                            <m:lit/>
+                          </m:rPr>
+                          <a:rPr lang="en-US" altLang="ko-KR" i="1">
+                            <a:solidFill>
+                              <a:schemeClr val="bg1">
+                                <a:lumMod val="50000"/>
+                              </a:schemeClr>
+                            </a:solidFill>
+                            <a:latin typeface="Cambria Math" panose="02040503050406030204" pitchFamily="18" charset="0"/>
+                            <a:ea typeface="Cambria Math" panose="02040503050406030204" pitchFamily="18" charset="0"/>
+                          </a:rPr>
+                          <m:t>ℝ</m:t>
+                        </m:r>
+                      </m:e>
+                      <m:sup>
+                        <m:sSub>
+                          <m:sSubPr>
+                            <m:ctrlPr>
+                              <a:rPr lang="en-US" altLang="ko-KR" i="1">
+                                <a:solidFill>
+                                  <a:schemeClr val="bg1">
+                                    <a:lumMod val="50000"/>
+                                  </a:schemeClr>
+                                </a:solidFill>
+                                <a:latin typeface="Cambria Math" panose="02040503050406030204" pitchFamily="18" charset="0"/>
+                                <a:ea typeface="Cambria Math" panose="02040503050406030204" pitchFamily="18" charset="0"/>
+                              </a:rPr>
+                            </m:ctrlPr>
+                          </m:sSubPr>
+                          <m:e>
+                            <m:r>
+                              <a:rPr lang="en-US" altLang="ko-KR" i="1">
+                                <a:solidFill>
+                                  <a:schemeClr val="bg1">
+                                    <a:lumMod val="50000"/>
+                                  </a:schemeClr>
+                                </a:solidFill>
+                                <a:latin typeface="Cambria Math" panose="02040503050406030204" pitchFamily="18" charset="0"/>
+                                <a:ea typeface="Cambria Math" panose="02040503050406030204" pitchFamily="18" charset="0"/>
+                              </a:rPr>
+                              <m:t>𝑑</m:t>
+                            </m:r>
+                          </m:e>
+                          <m:sub>
+                            <m:r>
+                              <a:rPr lang="ko-KR" altLang="en-US" i="1">
+                                <a:solidFill>
+                                  <a:schemeClr val="bg1">
+                                    <a:lumMod val="50000"/>
+                                  </a:schemeClr>
+                                </a:solidFill>
+                                <a:latin typeface="Cambria Math" panose="02040503050406030204" pitchFamily="18" charset="0"/>
+                                <a:ea typeface="Cambria Math" panose="02040503050406030204" pitchFamily="18" charset="0"/>
+                              </a:rPr>
+                              <m:t>𝜑</m:t>
+                            </m:r>
+                          </m:sub>
+                        </m:sSub>
+                      </m:sup>
+                    </m:sSup>
+                  </m:oMath>
+                </a14:m>
+                <a:r>
+                  <a:rPr lang="en-US" altLang="ko-KR" dirty="0">
+                    <a:solidFill>
+                      <a:prstClr val="white">
+                        <a:lumMod val="50000"/>
+                      </a:prstClr>
+                    </a:solidFill>
+                    <a:latin typeface="Calibri"/>
+                    <a:sym typeface="Wingdings" panose="05000000000000000000" pitchFamily="2" charset="2"/>
+                  </a:rPr>
+                  <a:t>, </a:t>
+                </a:r>
+                <a14:m>
+                  <m:oMath xmlns:m="http://schemas.openxmlformats.org/officeDocument/2006/math">
+                    <m:sSub>
+                      <m:sSubPr>
+                        <m:ctrlPr>
+                          <a:rPr lang="en-US" altLang="ko-KR" b="0" i="1" smtClean="0">
+                            <a:solidFill>
+                              <a:prstClr val="white">
+                                <a:lumMod val="50000"/>
+                              </a:prstClr>
+                            </a:solidFill>
+                            <a:latin typeface="Cambria Math" panose="02040503050406030204" pitchFamily="18" charset="0"/>
+                            <a:sym typeface="Wingdings" panose="05000000000000000000" pitchFamily="2" charset="2"/>
+                          </a:rPr>
+                        </m:ctrlPr>
+                      </m:sSubPr>
+                      <m:e>
+                        <m:r>
+                          <a:rPr lang="en-US" altLang="ko-KR" b="0" i="1" smtClean="0">
+                            <a:solidFill>
+                              <a:prstClr val="white">
+                                <a:lumMod val="50000"/>
+                              </a:prstClr>
+                            </a:solidFill>
+                            <a:latin typeface="Cambria Math" panose="02040503050406030204" pitchFamily="18" charset="0"/>
+                            <a:sym typeface="Wingdings" panose="05000000000000000000" pitchFamily="2" charset="2"/>
+                          </a:rPr>
+                          <m:t>𝑊</m:t>
+                        </m:r>
+                      </m:e>
+                      <m:sub>
+                        <m:r>
+                          <a:rPr lang="ko-KR" altLang="en-US" i="1">
+                            <a:solidFill>
+                              <a:prstClr val="white">
+                                <a:lumMod val="50000"/>
+                              </a:prstClr>
+                            </a:solidFill>
+                            <a:latin typeface="Cambria Math" panose="02040503050406030204" pitchFamily="18" charset="0"/>
+                            <a:sym typeface="Wingdings" panose="05000000000000000000" pitchFamily="2" charset="2"/>
+                          </a:rPr>
+                          <m:t>𝜑</m:t>
+                        </m:r>
+                        <m:r>
+                          <a:rPr lang="en-US" altLang="ko-KR" b="0" i="1" smtClean="0">
+                            <a:solidFill>
+                              <a:prstClr val="white">
+                                <a:lumMod val="50000"/>
+                              </a:prstClr>
+                            </a:solidFill>
+                            <a:latin typeface="Cambria Math" panose="02040503050406030204" pitchFamily="18" charset="0"/>
+                            <a:sym typeface="Wingdings" panose="05000000000000000000" pitchFamily="2" charset="2"/>
+                          </a:rPr>
+                          <m:t>𝑛</m:t>
+                        </m:r>
+                      </m:sub>
+                    </m:sSub>
+                    <m:r>
+                      <a:rPr lang="en-US" altLang="ko-KR" i="1">
+                        <a:solidFill>
+                          <a:schemeClr val="bg1">
+                            <a:lumMod val="50000"/>
+                          </a:schemeClr>
+                        </a:solidFill>
+                        <a:latin typeface="Cambria Math" panose="02040503050406030204" pitchFamily="18" charset="0"/>
+                      </a:rPr>
+                      <m:t>∈</m:t>
+                    </m:r>
+                    <m:r>
+                      <m:rPr>
+                        <m:nor/>
+                      </m:rPr>
+                      <a:rPr lang="en-US" altLang="ko-KR" dirty="0">
+                        <a:solidFill>
+                          <a:schemeClr val="bg1">
+                            <a:lumMod val="50000"/>
+                          </a:schemeClr>
+                        </a:solidFill>
+                        <a:ea typeface="Cambria Math" panose="02040503050406030204" pitchFamily="18" charset="0"/>
+                      </a:rPr>
+                      <m:t> </m:t>
+                    </m:r>
+                    <m:sSup>
+                      <m:sSupPr>
+                        <m:ctrlPr>
+                          <a:rPr lang="en-US" altLang="ko-KR" i="1">
+                            <a:solidFill>
+                              <a:schemeClr val="bg1">
+                                <a:lumMod val="50000"/>
+                              </a:schemeClr>
+                            </a:solidFill>
+                            <a:latin typeface="Cambria Math" panose="02040503050406030204" pitchFamily="18" charset="0"/>
+                            <a:ea typeface="Cambria Math" panose="02040503050406030204" pitchFamily="18" charset="0"/>
+                          </a:rPr>
+                        </m:ctrlPr>
+                      </m:sSupPr>
+                      <m:e>
+                        <m:r>
+                          <m:rPr>
+                            <m:lit/>
+                          </m:rPr>
+                          <a:rPr lang="en-US" altLang="ko-KR" i="1">
+                            <a:solidFill>
+                              <a:schemeClr val="bg1">
+                                <a:lumMod val="50000"/>
+                              </a:schemeClr>
+                            </a:solidFill>
+                            <a:latin typeface="Cambria Math" panose="02040503050406030204" pitchFamily="18" charset="0"/>
+                            <a:ea typeface="Cambria Math" panose="02040503050406030204" pitchFamily="18" charset="0"/>
+                          </a:rPr>
+                          <m:t>ℝ</m:t>
+                        </m:r>
+                      </m:e>
+                      <m:sup>
+                        <m:sSub>
+                          <m:sSubPr>
+                            <m:ctrlPr>
+                              <a:rPr lang="en-US" altLang="ko-KR" i="1">
+                                <a:solidFill>
+                                  <a:schemeClr val="bg1">
+                                    <a:lumMod val="50000"/>
+                                  </a:schemeClr>
+                                </a:solidFill>
+                                <a:latin typeface="Cambria Math" panose="02040503050406030204" pitchFamily="18" charset="0"/>
+                                <a:ea typeface="Cambria Math" panose="02040503050406030204" pitchFamily="18" charset="0"/>
+                              </a:rPr>
+                            </m:ctrlPr>
+                          </m:sSubPr>
+                          <m:e>
+                            <m:r>
+                              <a:rPr lang="en-US" altLang="ko-KR" i="1">
+                                <a:solidFill>
+                                  <a:schemeClr val="bg1">
+                                    <a:lumMod val="50000"/>
+                                  </a:schemeClr>
+                                </a:solidFill>
+                                <a:latin typeface="Cambria Math" panose="02040503050406030204" pitchFamily="18" charset="0"/>
+                                <a:ea typeface="Cambria Math" panose="02040503050406030204" pitchFamily="18" charset="0"/>
+                              </a:rPr>
+                              <m:t>𝑑</m:t>
+                            </m:r>
+                          </m:e>
+                          <m:sub>
+                            <m:r>
+                              <a:rPr lang="ko-KR" altLang="en-US" i="1">
+                                <a:solidFill>
+                                  <a:schemeClr val="bg1">
+                                    <a:lumMod val="50000"/>
+                                  </a:schemeClr>
+                                </a:solidFill>
+                                <a:latin typeface="Cambria Math" panose="02040503050406030204" pitchFamily="18" charset="0"/>
+                                <a:ea typeface="Cambria Math" panose="02040503050406030204" pitchFamily="18" charset="0"/>
+                              </a:rPr>
+                              <m:t>𝜑</m:t>
+                            </m:r>
+                          </m:sub>
+                        </m:sSub>
+                        <m:r>
+                          <a:rPr lang="en-US" altLang="ko-KR" b="0" i="1" smtClean="0">
+                            <a:solidFill>
+                              <a:schemeClr val="bg1">
+                                <a:lumMod val="50000"/>
+                              </a:schemeClr>
+                            </a:solidFill>
+                            <a:latin typeface="Cambria Math" panose="02040503050406030204" pitchFamily="18" charset="0"/>
+                            <a:ea typeface="Cambria Math" panose="02040503050406030204" pitchFamily="18" charset="0"/>
+                          </a:rPr>
+                          <m:t>×2</m:t>
+                        </m:r>
+                        <m:sSub>
+                          <m:sSubPr>
+                            <m:ctrlPr>
+                              <a:rPr lang="en-US" altLang="ko-KR" b="0" i="1" smtClean="0">
+                                <a:solidFill>
+                                  <a:schemeClr val="bg1">
+                                    <a:lumMod val="50000"/>
+                                  </a:schemeClr>
+                                </a:solidFill>
+                                <a:latin typeface="Cambria Math" panose="02040503050406030204" pitchFamily="18" charset="0"/>
+                                <a:ea typeface="Cambria Math" panose="02040503050406030204" pitchFamily="18" charset="0"/>
+                              </a:rPr>
+                            </m:ctrlPr>
+                          </m:sSubPr>
+                          <m:e>
+                            <m:r>
+                              <a:rPr lang="en-US" altLang="ko-KR" b="0" i="1" smtClean="0">
+                                <a:solidFill>
+                                  <a:schemeClr val="bg1">
+                                    <a:lumMod val="50000"/>
+                                  </a:schemeClr>
+                                </a:solidFill>
+                                <a:latin typeface="Cambria Math" panose="02040503050406030204" pitchFamily="18" charset="0"/>
+                                <a:ea typeface="Cambria Math" panose="02040503050406030204" pitchFamily="18" charset="0"/>
+                              </a:rPr>
+                              <m:t>𝑑</m:t>
+                            </m:r>
+                          </m:e>
+                          <m:sub>
+                            <m:r>
+                              <a:rPr lang="en-US" altLang="ko-KR" b="0" i="1" smtClean="0">
+                                <a:solidFill>
+                                  <a:schemeClr val="bg1">
+                                    <a:lumMod val="50000"/>
+                                  </a:schemeClr>
+                                </a:solidFill>
+                                <a:latin typeface="Cambria Math" panose="02040503050406030204" pitchFamily="18" charset="0"/>
+                                <a:ea typeface="Cambria Math" panose="02040503050406030204" pitchFamily="18" charset="0"/>
+                              </a:rPr>
+                              <m:t>𝑛</m:t>
+                            </m:r>
+                          </m:sub>
+                        </m:sSub>
+                      </m:sup>
+                    </m:sSup>
+                  </m:oMath>
+                </a14:m>
+                <a:endParaRPr lang="en-US" altLang="ko-KR" b="0" dirty="0">
+                  <a:latin typeface="Calibri"/>
+                </a:endParaRPr>
+              </a:p>
+            </p:txBody>
+          </p:sp>
+        </mc:Choice>
+        <mc:Fallback>
+          <p:sp>
+            <p:nvSpPr>
+              <p:cNvPr id="6" name="직사각형 5">
+                <a:extLst>
+                  <a:ext uri="{FF2B5EF4-FFF2-40B4-BE49-F238E27FC236}">
+                    <a16:creationId xmlns:a16="http://schemas.microsoft.com/office/drawing/2014/main" id="{44684138-0344-0198-2509-B0F61261069A}"/>
+                  </a:ext>
+                </a:extLst>
+              </p:cNvPr>
+              <p:cNvSpPr>
+                <a:spLocks noRot="1" noChangeAspect="1" noMove="1" noResize="1" noEditPoints="1" noAdjustHandles="1" noChangeArrowheads="1" noChangeShapeType="1" noTextEdit="1"/>
+              </p:cNvSpPr>
+              <p:nvPr/>
+            </p:nvSpPr>
+            <p:spPr>
+              <a:xfrm>
+                <a:off x="1198562" y="5110795"/>
+                <a:ext cx="7829323" cy="1606658"/>
+              </a:xfrm>
+              <a:prstGeom prst="rect">
+                <a:avLst/>
+              </a:prstGeom>
+              <a:blipFill>
+                <a:blip r:embed="rId6"/>
+                <a:stretch>
+                  <a:fillRect l="-545" b="-3788"/>
+                </a:stretch>
+              </a:blipFill>
+            </p:spPr>
+            <p:txBody>
+              <a:bodyPr/>
+              <a:lstStyle/>
+              <a:p>
+                <a:r>
+                  <a:rPr lang="ko-KR" altLang="en-US">
+                    <a:noFill/>
+                  </a:rPr>
+                  <a:t> </a:t>
+                </a:r>
+              </a:p>
+            </p:txBody>
+          </p:sp>
+        </mc:Fallback>
+      </mc:AlternateContent>
+    </p:spTree>
+    <p:extLst>
+      <p:ext uri="{BB962C8B-B14F-4D97-AF65-F5344CB8AC3E}">
+        <p14:creationId xmlns:p14="http://schemas.microsoft.com/office/powerpoint/2010/main" val="3295927192"/>
+      </p:ext>
+    </p:extLst>
+  </p:cSld>
+  <p:clrMapOvr>
+    <a:masterClrMapping/>
+  </p:clrMapOvr>
+</p:sld>
+</file>
+
+<file path=ppt/slides/slide16.xml><?xml version="1.0" encoding="utf-8"?>
+<p:sld xmlns:a="http://schemas.openxmlformats.org/drawingml/2006/main" xmlns:r="http://schemas.openxmlformats.org/officeDocument/2006/relationships" xmlns:p="http://schemas.openxmlformats.org/presentationml/2006/main">
+  <p:cSld>
+    <p:spTree>
+      <p:nvGrpSpPr>
+        <p:cNvPr id="1" name="">
+          <a:extLst>
+            <a:ext uri="{FF2B5EF4-FFF2-40B4-BE49-F238E27FC236}">
+              <a16:creationId xmlns:a16="http://schemas.microsoft.com/office/drawing/2014/main" id="{1611509B-11EC-D792-4142-A51ECE38AF9A}"/>
+            </a:ext>
+          </a:extLst>
+        </p:cNvPr>
+        <p:cNvGrpSpPr/>
+        <p:nvPr/>
+      </p:nvGrpSpPr>
+      <p:grpSpPr>
+        <a:xfrm>
+          <a:off x="0" y="0"/>
+          <a:ext cx="0" cy="0"/>
+          <a:chOff x="0" y="0"/>
+          <a:chExt cx="0" cy="0"/>
+        </a:xfrm>
+      </p:grpSpPr>
+      <p:sp>
+        <p:nvSpPr>
+          <p:cNvPr id="2" name="직사각형 1">
+            <a:extLst>
+              <a:ext uri="{FF2B5EF4-FFF2-40B4-BE49-F238E27FC236}">
+                <a16:creationId xmlns:a16="http://schemas.microsoft.com/office/drawing/2014/main" id="{C1819F6C-BB59-2BD0-BA89-C8869061FDCD}"/>
+              </a:ext>
+            </a:extLst>
+          </p:cNvPr>
+          <p:cNvSpPr/>
+          <p:nvPr/>
+        </p:nvSpPr>
+        <p:spPr>
+          <a:xfrm>
+            <a:off x="516856" y="524721"/>
+            <a:ext cx="4517861" cy="583200"/>
+          </a:xfrm>
+          <a:prstGeom prst="rect">
+            <a:avLst/>
+          </a:prstGeom>
+          <a:noFill/>
+        </p:spPr>
+        <p:txBody>
+          <a:bodyPr wrap="square" anchor="ctr">
+            <a:noAutofit/>
+          </a:bodyPr>
+          <a:lstStyle/>
+          <a:p>
+            <a:pPr marL="0" marR="0" lvl="0" indent="0" algn="l" defTabSz="457200" rtl="0" eaLnBrk="1" fontAlgn="auto" latinLnBrk="0" hangingPunct="1">
+              <a:lnSpc>
+                <a:spcPct val="100000"/>
+              </a:lnSpc>
+              <a:spcBef>
+                <a:spcPts val="0"/>
+              </a:spcBef>
+              <a:spcAft>
+                <a:spcPts val="0"/>
+              </a:spcAft>
+              <a:buClrTx/>
+              <a:buSzTx/>
+              <a:buFontTx/>
+              <a:buNone/>
+              <a:tabLst/>
+              <a:defRPr/>
+            </a:pPr>
+            <a:r>
+              <a:rPr kumimoji="0" lang="en-US" altLang="ko-KR" sz="3600" b="1" i="0" u="none" strike="noStrike" kern="1200" cap="none" spc="0" normalizeH="0" baseline="0" noProof="0" dirty="0">
+                <a:ln>
+                  <a:noFill/>
+                </a:ln>
+                <a:solidFill>
+                  <a:srgbClr val="1B4599"/>
+                </a:solidFill>
+                <a:effectLst/>
+                <a:uLnTx/>
+                <a:uFillTx/>
+                <a:latin typeface="Calibri"/>
+                <a:ea typeface="맑은 고딕" panose="020B0503020000020004" pitchFamily="50" charset="-127"/>
+                <a:cs typeface="+mn-cs"/>
+              </a:rPr>
+              <a:t>PA-TMM Architecture</a:t>
+            </a:r>
+          </a:p>
+        </p:txBody>
+      </p:sp>
+      <p:sp>
+        <p:nvSpPr>
+          <p:cNvPr id="8" name="직사각형 7">
+            <a:extLst>
+              <a:ext uri="{FF2B5EF4-FFF2-40B4-BE49-F238E27FC236}">
+                <a16:creationId xmlns:a16="http://schemas.microsoft.com/office/drawing/2014/main" id="{3C179469-2A2F-3C8C-46EF-44EE4D0BBB14}"/>
+              </a:ext>
+            </a:extLst>
+          </p:cNvPr>
+          <p:cNvSpPr/>
+          <p:nvPr/>
+        </p:nvSpPr>
+        <p:spPr>
+          <a:xfrm>
+            <a:off x="5816600" y="514437"/>
+            <a:ext cx="5857875" cy="584775"/>
+          </a:xfrm>
+          <a:prstGeom prst="rect">
+            <a:avLst/>
+          </a:prstGeom>
+          <a:solidFill>
+            <a:srgbClr val="F5F5F5"/>
+          </a:solidFill>
+          <a:ln>
+            <a:noFill/>
+          </a:ln>
+        </p:spPr>
+        <p:txBody>
+          <a:bodyPr wrap="square">
+            <a:spAutoFit/>
+          </a:bodyPr>
+          <a:lstStyle/>
+          <a:p>
+            <a:pPr marL="0" marR="0" lvl="0" indent="0" algn="r" defTabSz="457200" rtl="0" eaLnBrk="1" fontAlgn="auto" latinLnBrk="0" hangingPunct="1">
+              <a:lnSpc>
+                <a:spcPct val="100000"/>
+              </a:lnSpc>
+              <a:spcBef>
+                <a:spcPts val="0"/>
+              </a:spcBef>
+              <a:spcAft>
+                <a:spcPts val="0"/>
+              </a:spcAft>
+              <a:buClrTx/>
+              <a:buSzTx/>
+              <a:buFontTx/>
+              <a:buNone/>
+              <a:tabLst/>
+              <a:defRPr/>
+            </a:pPr>
+            <a:r>
+              <a:rPr kumimoji="0" lang="en-US" altLang="ko-KR" sz="3200" b="1" i="0" u="none" strike="noStrike" kern="1200" cap="none" spc="0" normalizeH="0" baseline="0" noProof="0" dirty="0">
+                <a:ln>
+                  <a:noFill/>
+                </a:ln>
+                <a:solidFill>
+                  <a:prstClr val="black"/>
+                </a:solidFill>
+                <a:effectLst/>
+                <a:uLnTx/>
+                <a:uFillTx/>
+                <a:latin typeface="Calibri"/>
+                <a:ea typeface="맑은 고딕" panose="020B0503020000020004" pitchFamily="50" charset="-127"/>
+                <a:cs typeface="+mn-cs"/>
+              </a:rPr>
+              <a:t>Graph Dual-Attention Module</a:t>
+            </a:r>
+            <a:endParaRPr kumimoji="0" lang="ko-KR" altLang="en-US" sz="3200" b="1" i="0" u="none" strike="noStrike" kern="1200" cap="none" spc="0" normalizeH="0" baseline="0" noProof="0" dirty="0">
+              <a:ln>
+                <a:noFill/>
+              </a:ln>
+              <a:solidFill>
+                <a:prstClr val="black"/>
+              </a:solidFill>
+              <a:effectLst/>
+              <a:uLnTx/>
+              <a:uFillTx/>
+              <a:latin typeface="Calibri"/>
+              <a:ea typeface="맑은 고딕" panose="020B0503020000020004" pitchFamily="50" charset="-127"/>
+              <a:cs typeface="+mn-cs"/>
+            </a:endParaRPr>
+          </a:p>
+        </p:txBody>
+      </p:sp>
+      <p:grpSp>
+        <p:nvGrpSpPr>
+          <p:cNvPr id="9" name="그룹 8">
+            <a:extLst>
+              <a:ext uri="{FF2B5EF4-FFF2-40B4-BE49-F238E27FC236}">
+                <a16:creationId xmlns:a16="http://schemas.microsoft.com/office/drawing/2014/main" id="{F8344CF4-3A17-0F37-AF2B-165330DC3E56}"/>
+              </a:ext>
+            </a:extLst>
+          </p:cNvPr>
+          <p:cNvGrpSpPr/>
+          <p:nvPr/>
+        </p:nvGrpSpPr>
+        <p:grpSpPr>
+          <a:xfrm>
+            <a:off x="909600" y="1525587"/>
+            <a:ext cx="3640972" cy="518419"/>
+            <a:chOff x="917540" y="1633203"/>
+            <a:chExt cx="3640972" cy="584168"/>
+          </a:xfrm>
+        </p:grpSpPr>
+        <p:sp>
+          <p:nvSpPr>
+            <p:cNvPr id="10" name="TextBox 9">
+              <a:extLst>
+                <a:ext uri="{FF2B5EF4-FFF2-40B4-BE49-F238E27FC236}">
+                  <a16:creationId xmlns:a16="http://schemas.microsoft.com/office/drawing/2014/main" id="{D5454C51-F9E8-91AB-38D7-B402B9DA6CCB}"/>
+                </a:ext>
+              </a:extLst>
+            </p:cNvPr>
+            <p:cNvSpPr txBox="1"/>
+            <p:nvPr/>
+          </p:nvSpPr>
+          <p:spPr>
+            <a:xfrm>
+              <a:off x="922301" y="1633203"/>
+              <a:ext cx="3636211" cy="584168"/>
+            </a:xfrm>
+            <a:prstGeom prst="roundRect">
+              <a:avLst>
+                <a:gd name="adj" fmla="val 50000"/>
+              </a:avLst>
+            </a:prstGeom>
+            <a:solidFill>
+              <a:schemeClr val="bg1"/>
+            </a:solidFill>
+            <a:ln>
+              <a:solidFill>
+                <a:srgbClr val="1B4599"/>
+              </a:solidFill>
+            </a:ln>
+          </p:spPr>
+          <p:txBody>
+            <a:bodyPr wrap="square" lIns="468000" anchor="ctr">
+              <a:noAutofit/>
+            </a:bodyPr>
+            <a:lstStyle/>
+            <a:p>
+              <a:pPr marL="0" marR="0" lvl="0" indent="0" algn="l" defTabSz="457200" rtl="0" eaLnBrk="1" fontAlgn="auto" latinLnBrk="0" hangingPunct="1">
+                <a:lnSpc>
+                  <a:spcPct val="100000"/>
+                </a:lnSpc>
+                <a:spcBef>
+                  <a:spcPts val="0"/>
+                </a:spcBef>
+                <a:spcAft>
+                  <a:spcPts val="0"/>
+                </a:spcAft>
+                <a:buClrTx/>
+                <a:buSzTx/>
+                <a:buFontTx/>
+                <a:buNone/>
+                <a:tabLst/>
+                <a:defRPr/>
+              </a:pPr>
+              <a:r>
+                <a:rPr kumimoji="0" lang="en-US" altLang="ko-KR" sz="2000" b="1" i="0" u="none" strike="noStrike" kern="1200" cap="none" spc="0" normalizeH="0" baseline="0" noProof="0" dirty="0">
+                  <a:ln>
+                    <a:noFill/>
+                  </a:ln>
+                  <a:solidFill>
+                    <a:prstClr val="white">
+                      <a:lumMod val="50000"/>
+                    </a:prstClr>
+                  </a:solidFill>
+                  <a:effectLst/>
+                  <a:uLnTx/>
+                  <a:uFillTx/>
+                  <a:latin typeface="Calibri"/>
+                  <a:ea typeface="맑은 고딕" panose="020B0503020000020004" pitchFamily="50" charset="-127"/>
+                  <a:cs typeface="+mn-cs"/>
+                </a:rPr>
+                <a:t>Information Exchange</a:t>
+              </a:r>
+              <a:endParaRPr kumimoji="0" lang="en-US" altLang="ko-KR" sz="2000" b="1" i="1" u="none" strike="noStrike" kern="1200" cap="none" spc="0" normalizeH="0" baseline="0" noProof="0" dirty="0">
+                <a:ln>
+                  <a:noFill/>
+                </a:ln>
+                <a:solidFill>
+                  <a:prstClr val="white"/>
+                </a:solidFill>
+                <a:effectLst/>
+                <a:uLnTx/>
+                <a:uFillTx/>
+                <a:latin typeface="Calibri"/>
+                <a:ea typeface="맑은 고딕" panose="020B0503020000020004" pitchFamily="50" charset="-127"/>
+                <a:cs typeface="+mn-cs"/>
+              </a:endParaRPr>
+            </a:p>
+          </p:txBody>
+        </p:sp>
+        <p:sp>
+          <p:nvSpPr>
+            <p:cNvPr id="12" name="사각형: 둥근 위쪽 모서리 11">
+              <a:extLst>
+                <a:ext uri="{FF2B5EF4-FFF2-40B4-BE49-F238E27FC236}">
+                  <a16:creationId xmlns:a16="http://schemas.microsoft.com/office/drawing/2014/main" id="{78547139-1886-8A50-A205-79637EFB8D11}"/>
+                </a:ext>
+              </a:extLst>
+            </p:cNvPr>
+            <p:cNvSpPr/>
+            <p:nvPr/>
+          </p:nvSpPr>
+          <p:spPr>
+            <a:xfrm rot="16200000">
+              <a:off x="850652" y="1700091"/>
+              <a:ext cx="581490" cy="447713"/>
+            </a:xfrm>
+            <a:prstGeom prst="round2SameRect">
+              <a:avLst>
+                <a:gd name="adj1" fmla="val 50000"/>
+                <a:gd name="adj2" fmla="val 0"/>
+              </a:avLst>
+            </a:prstGeom>
+            <a:solidFill>
+              <a:srgbClr val="1B4599"/>
+            </a:solidFill>
+          </p:spPr>
+          <p:txBody>
+            <a:bodyPr vert="eaVert" wrap="square" anchor="ctr">
+              <a:noAutofit/>
+            </a:bodyPr>
+            <a:lstStyle/>
+            <a:p>
+              <a:pPr marL="0" marR="0" lvl="0" indent="0" algn="ctr" defTabSz="457200" rtl="0" eaLnBrk="1" fontAlgn="auto" latinLnBrk="0" hangingPunct="1">
+                <a:lnSpc>
+                  <a:spcPct val="100000"/>
+                </a:lnSpc>
+                <a:spcBef>
+                  <a:spcPts val="0"/>
+                </a:spcBef>
+                <a:spcAft>
+                  <a:spcPts val="0"/>
+                </a:spcAft>
+                <a:buClrTx/>
+                <a:buSzTx/>
+                <a:buFontTx/>
+                <a:buNone/>
+                <a:tabLst/>
+                <a:defRPr/>
+              </a:pPr>
+              <a:r>
+                <a:rPr kumimoji="0" lang="en-US" altLang="ko-KR" sz="2800" b="1" i="0" u="none" strike="noStrike" kern="1200" cap="none" spc="0" normalizeH="0" baseline="0" noProof="0" dirty="0">
+                  <a:ln>
+                    <a:noFill/>
+                  </a:ln>
+                  <a:solidFill>
+                    <a:prstClr val="white"/>
+                  </a:solidFill>
+                  <a:effectLst/>
+                  <a:uLnTx/>
+                  <a:uFillTx/>
+                  <a:latin typeface="Calibri"/>
+                  <a:ea typeface="맑은 고딕" panose="020B0503020000020004" pitchFamily="50" charset="-127"/>
+                  <a:cs typeface="+mn-cs"/>
+                </a:rPr>
+                <a:t>3</a:t>
+              </a:r>
+              <a:endParaRPr kumimoji="0" lang="ko-KR" altLang="en-US" sz="2800" b="1" i="0" u="none" strike="noStrike" kern="1200" cap="none" spc="0" normalizeH="0" baseline="0" noProof="0" dirty="0">
+                <a:ln>
+                  <a:noFill/>
+                </a:ln>
+                <a:solidFill>
+                  <a:prstClr val="white"/>
+                </a:solidFill>
+                <a:effectLst/>
+                <a:uLnTx/>
+                <a:uFillTx/>
+                <a:latin typeface="Calibri"/>
+                <a:ea typeface="맑은 고딕" panose="020B0503020000020004" pitchFamily="50" charset="-127"/>
+                <a:cs typeface="+mn-cs"/>
+              </a:endParaRPr>
+            </a:p>
+          </p:txBody>
+        </p:sp>
+      </p:grpSp>
+      <mc:AlternateContent xmlns:mc="http://schemas.openxmlformats.org/markup-compatibility/2006">
+        <mc:Choice xmlns:a14="http://schemas.microsoft.com/office/drawing/2010/main" Requires="a14">
+          <p:sp>
+            <p:nvSpPr>
+              <p:cNvPr id="13" name="직사각형 12">
+                <a:extLst>
+                  <a:ext uri="{FF2B5EF4-FFF2-40B4-BE49-F238E27FC236}">
+                    <a16:creationId xmlns:a16="http://schemas.microsoft.com/office/drawing/2014/main" id="{E2A140F2-6D90-18D8-56F8-34173B7AA842}"/>
+                  </a:ext>
+                </a:extLst>
+              </p:cNvPr>
+              <p:cNvSpPr/>
+              <p:nvPr/>
+            </p:nvSpPr>
+            <p:spPr>
+              <a:xfrm>
+                <a:off x="1198563" y="2141136"/>
+                <a:ext cx="5382110" cy="2969659"/>
+              </a:xfrm>
+              <a:prstGeom prst="rect">
+                <a:avLst/>
+              </a:prstGeom>
+              <a:noFill/>
+            </p:spPr>
+            <p:txBody>
+              <a:bodyPr wrap="square">
+                <a:spAutoFit/>
+              </a:bodyPr>
+              <a:lstStyle/>
+              <a:p>
+                <a:pPr marL="285750" marR="0" lvl="1" indent="-285750" algn="l" defTabSz="457200" rtl="0" eaLnBrk="1" fontAlgn="auto" latinLnBrk="0" hangingPunct="1">
+                  <a:lnSpc>
+                    <a:spcPct val="130000"/>
+                  </a:lnSpc>
+                  <a:spcBef>
+                    <a:spcPts val="0"/>
+                  </a:spcBef>
+                  <a:spcAft>
+                    <a:spcPts val="0"/>
+                  </a:spcAft>
+                  <a:buClrTx/>
+                  <a:buSzTx/>
+                  <a:buFont typeface="Arial" panose="020B0604020202020204" pitchFamily="34" charset="0"/>
+                  <a:buChar char="•"/>
+                  <a:tabLst/>
+                  <a:defRPr/>
+                </a:pPr>
+                <a:r>
+                  <a:rPr kumimoji="0" lang="en-US" altLang="ko-KR" sz="1800" b="0" i="0" u="none" strike="noStrike" kern="1200" cap="none" spc="0" normalizeH="0" baseline="0" noProof="0" dirty="0">
+                    <a:ln>
+                      <a:noFill/>
+                    </a:ln>
+                    <a:solidFill>
+                      <a:prstClr val="white">
+                        <a:lumMod val="50000"/>
+                      </a:prstClr>
+                    </a:solidFill>
+                    <a:effectLst/>
+                    <a:uLnTx/>
+                    <a:uFillTx/>
+                    <a:latin typeface="Calibri"/>
+                    <a:ea typeface="맑은 고딕" panose="020B0503020000020004" pitchFamily="50" charset="-127"/>
+                    <a:cs typeface="+mn-cs"/>
+                  </a:rPr>
+                  <a:t>Dynamic Interaction </a:t>
+                </a:r>
+                <a:r>
+                  <a:rPr kumimoji="0" lang="en-US" altLang="ko-KR" sz="1800" b="0" i="0" u="none" strike="noStrike" kern="1200" cap="none" spc="0" normalizeH="0" baseline="0" noProof="0" dirty="0">
+                    <a:ln>
+                      <a:noFill/>
+                    </a:ln>
+                    <a:solidFill>
+                      <a:prstClr val="white">
+                        <a:lumMod val="50000"/>
+                      </a:prstClr>
+                    </a:solidFill>
+                    <a:effectLst/>
+                    <a:uLnTx/>
+                    <a:uFillTx/>
+                    <a:latin typeface="Calibri"/>
+                    <a:ea typeface="맑은 고딕" panose="020B0503020000020004" pitchFamily="50" charset="-127"/>
+                    <a:cs typeface="+mn-cs"/>
+                    <a:sym typeface="Wingdings" panose="05000000000000000000" pitchFamily="2" charset="2"/>
+                  </a:rPr>
+                  <a:t> Attnetion Network</a:t>
+                </a:r>
+              </a:p>
+              <a:p>
+                <a:pPr marL="285750" marR="0" lvl="1" indent="-285750" algn="l" defTabSz="457200" rtl="0" eaLnBrk="1" fontAlgn="auto" latinLnBrk="0" hangingPunct="1">
+                  <a:lnSpc>
+                    <a:spcPct val="130000"/>
+                  </a:lnSpc>
+                  <a:spcBef>
+                    <a:spcPts val="0"/>
+                  </a:spcBef>
+                  <a:spcAft>
+                    <a:spcPts val="0"/>
+                  </a:spcAft>
+                  <a:buClrTx/>
+                  <a:buSzTx/>
+                  <a:buFont typeface="Arial" panose="020B0604020202020204" pitchFamily="34" charset="0"/>
+                  <a:buChar char="•"/>
+                  <a:tabLst/>
+                  <a:defRPr/>
+                </a:pPr>
+                <a:r>
+                  <a:rPr kumimoji="0" lang="en-US" altLang="ko-KR" sz="1800" b="0" i="0" u="none" strike="noStrike" kern="1200" cap="none" spc="0" normalizeH="0" baseline="0" noProof="0" dirty="0">
+                    <a:ln>
+                      <a:noFill/>
+                    </a:ln>
+                    <a:solidFill>
+                      <a:prstClr val="white">
+                        <a:lumMod val="50000"/>
+                      </a:prstClr>
+                    </a:solidFill>
+                    <a:effectLst/>
+                    <a:uLnTx/>
+                    <a:uFillTx/>
+                    <a:latin typeface="Calibri"/>
+                    <a:ea typeface="맑은 고딕" panose="020B0503020000020004" pitchFamily="50" charset="-127"/>
+                    <a:cs typeface="+mn-cs"/>
+                    <a:sym typeface="Wingdings" panose="05000000000000000000" pitchFamily="2" charset="2"/>
+                  </a:rPr>
+                  <a:t>Reflecting information flow</a:t>
+                </a:r>
+                <a:r>
+                  <a:rPr kumimoji="0" lang="en-US" altLang="ko-KR" sz="1600" b="0" i="0" u="none" strike="noStrike" kern="1200" cap="none" spc="0" normalizeH="0" baseline="0" noProof="0" dirty="0">
+                    <a:ln>
+                      <a:noFill/>
+                    </a:ln>
+                    <a:solidFill>
+                      <a:prstClr val="white">
+                        <a:lumMod val="50000"/>
+                      </a:prstClr>
+                    </a:solidFill>
+                    <a:effectLst/>
+                    <a:uLnTx/>
+                    <a:uFillTx/>
+                    <a:latin typeface="Calibri"/>
+                    <a:ea typeface="맑은 고딕" panose="020B0503020000020004" pitchFamily="50" charset="-127"/>
+                    <a:cs typeface="+mn-cs"/>
+                    <a:sym typeface="Wingdings" panose="05000000000000000000" pitchFamily="2" charset="2"/>
+                  </a:rPr>
+                  <a:t>[Activated  Nonactivated]</a:t>
+                </a:r>
+                <a:r>
+                  <a:rPr kumimoji="0" lang="en-US" altLang="ko-KR" sz="1800" b="0" i="0" u="none" strike="noStrike" kern="1200" cap="none" spc="0" normalizeH="0" baseline="0" noProof="0" dirty="0">
+                    <a:ln>
+                      <a:noFill/>
+                    </a:ln>
+                    <a:solidFill>
+                      <a:prstClr val="white">
+                        <a:lumMod val="50000"/>
+                      </a:prstClr>
+                    </a:solidFill>
+                    <a:effectLst/>
+                    <a:uLnTx/>
+                    <a:uFillTx/>
+                    <a:latin typeface="Calibri"/>
+                    <a:ea typeface="맑은 고딕" panose="020B0503020000020004" pitchFamily="50" charset="-127"/>
+                    <a:cs typeface="+mn-cs"/>
+                    <a:sym typeface="Wingdings" panose="05000000000000000000" pitchFamily="2" charset="2"/>
+                  </a:rPr>
+                  <a:t>   Partially Bipartite(Fig.3) </a:t>
+                </a:r>
+              </a:p>
+              <a:p>
+                <a:pPr marL="285750" marR="0" lvl="1" indent="-285750" algn="l" defTabSz="457200" rtl="0" eaLnBrk="1" fontAlgn="auto" latinLnBrk="0" hangingPunct="1">
+                  <a:lnSpc>
+                    <a:spcPct val="130000"/>
+                  </a:lnSpc>
+                  <a:spcBef>
+                    <a:spcPts val="0"/>
+                  </a:spcBef>
+                  <a:spcAft>
+                    <a:spcPts val="0"/>
+                  </a:spcAft>
+                  <a:buClrTx/>
+                  <a:buSzTx/>
+                  <a:buFont typeface="Arial" panose="020B0604020202020204" pitchFamily="34" charset="0"/>
+                  <a:buChar char="•"/>
+                  <a:tabLst/>
+                  <a:defRPr/>
+                </a:pPr>
+                <a:r>
+                  <a:rPr kumimoji="0" lang="en-US" altLang="ko-KR" sz="1800" b="0" i="0" u="none" strike="noStrike" kern="1200" cap="none" spc="0" normalizeH="0" baseline="0" noProof="0" dirty="0">
+                    <a:ln>
+                      <a:noFill/>
+                    </a:ln>
+                    <a:solidFill>
+                      <a:prstClr val="white">
+                        <a:lumMod val="50000"/>
+                      </a:prstClr>
+                    </a:solidFill>
+                    <a:effectLst/>
+                    <a:uLnTx/>
+                    <a:uFillTx/>
+                    <a:latin typeface="Calibri"/>
+                    <a:ea typeface="맑은 고딕" panose="020B0503020000020004" pitchFamily="50" charset="-127"/>
+                    <a:cs typeface="+mn-cs"/>
+                    <a:sym typeface="Wingdings" panose="05000000000000000000" pitchFamily="2" charset="2"/>
+                  </a:rPr>
+                  <a:t>Attention Score      </a:t>
+                </a:r>
+                <a14:m>
+                  <m:oMath xmlns:m="http://schemas.openxmlformats.org/officeDocument/2006/math">
+                    <m:r>
+                      <a:rPr kumimoji="0" lang="en-US" altLang="ko-KR" sz="2000" b="0" i="0" u="none" strike="noStrike" kern="1200" cap="none" spc="0" normalizeH="0" baseline="0" noProof="0" smtClean="0">
+                        <a:ln>
+                          <a:noFill/>
+                        </a:ln>
+                        <a:solidFill>
+                          <a:prstClr val="black"/>
+                        </a:solidFill>
+                        <a:effectLst/>
+                        <a:uLnTx/>
+                        <a:uFillTx/>
+                        <a:latin typeface="Cambria Math" panose="02040503050406030204" pitchFamily="18" charset="0"/>
+                        <a:cs typeface="+mn-cs"/>
+                      </a:rPr>
+                      <m:t> </m:t>
+                    </m:r>
+                    <m:sSubSup>
+                      <m:sSubSupPr>
+                        <m:ctrlPr>
+                          <a:rPr kumimoji="0" lang="en-US" altLang="ko-KR" sz="2000" b="0" i="1" u="none" strike="noStrike" kern="1200" cap="none" spc="0" normalizeH="0" baseline="0" noProof="0">
+                            <a:ln>
+                              <a:noFill/>
+                            </a:ln>
+                            <a:solidFill>
+                              <a:prstClr val="black"/>
+                            </a:solidFill>
+                            <a:effectLst/>
+                            <a:uLnTx/>
+                            <a:uFillTx/>
+                            <a:latin typeface="Cambria Math" panose="02040503050406030204" pitchFamily="18" charset="0"/>
+                            <a:cs typeface="+mn-cs"/>
+                          </a:rPr>
+                        </m:ctrlPr>
+                      </m:sSubSupPr>
+                      <m:e>
+                        <m:r>
+                          <a:rPr kumimoji="0" lang="en-US" altLang="ko-KR" sz="2000" b="0" i="1" u="none" strike="noStrike" kern="1200" cap="none" spc="0" normalizeH="0" baseline="0" noProof="0">
+                            <a:ln>
+                              <a:noFill/>
+                            </a:ln>
+                            <a:solidFill>
+                              <a:prstClr val="black"/>
+                            </a:solidFill>
+                            <a:effectLst/>
+                            <a:uLnTx/>
+                            <a:uFillTx/>
+                            <a:latin typeface="Cambria Math" panose="02040503050406030204" pitchFamily="18" charset="0"/>
+                            <a:cs typeface="+mn-cs"/>
+                          </a:rPr>
+                          <m:t>𝑎</m:t>
+                        </m:r>
+                      </m:e>
+                      <m:sub>
+                        <m:r>
+                          <a:rPr kumimoji="0" lang="en-US" altLang="ko-KR" sz="2000" b="0" i="1" u="none" strike="noStrike" kern="1200" cap="none" spc="0" normalizeH="0" baseline="0" noProof="0">
+                            <a:ln>
+                              <a:noFill/>
+                            </a:ln>
+                            <a:solidFill>
+                              <a:prstClr val="black"/>
+                            </a:solidFill>
+                            <a:effectLst/>
+                            <a:uLnTx/>
+                            <a:uFillTx/>
+                            <a:latin typeface="Cambria Math" panose="02040503050406030204" pitchFamily="18" charset="0"/>
+                            <a:cs typeface="+mn-cs"/>
+                          </a:rPr>
+                          <m:t>𝑖</m:t>
+                        </m:r>
+                        <m:r>
+                          <a:rPr kumimoji="0" lang="en-US" altLang="ko-KR" sz="2000" b="0" i="1" u="none" strike="noStrike" kern="1200" cap="none" spc="0" normalizeH="0" baseline="0" noProof="0">
+                            <a:ln>
+                              <a:noFill/>
+                            </a:ln>
+                            <a:solidFill>
+                              <a:prstClr val="black"/>
+                            </a:solidFill>
+                            <a:effectLst/>
+                            <a:uLnTx/>
+                            <a:uFillTx/>
+                            <a:latin typeface="Cambria Math" panose="02040503050406030204" pitchFamily="18" charset="0"/>
+                            <a:cs typeface="+mn-cs"/>
+                          </a:rPr>
+                          <m:t>,</m:t>
+                        </m:r>
+                        <m:r>
+                          <a:rPr kumimoji="0" lang="en-US" altLang="ko-KR" sz="2000" b="0" i="1" u="none" strike="noStrike" kern="1200" cap="none" spc="0" normalizeH="0" baseline="0" noProof="0">
+                            <a:ln>
+                              <a:noFill/>
+                            </a:ln>
+                            <a:solidFill>
+                              <a:prstClr val="black"/>
+                            </a:solidFill>
+                            <a:effectLst/>
+                            <a:uLnTx/>
+                            <a:uFillTx/>
+                            <a:latin typeface="Cambria Math" panose="02040503050406030204" pitchFamily="18" charset="0"/>
+                            <a:cs typeface="+mn-cs"/>
+                          </a:rPr>
+                          <m:t>𝑗</m:t>
+                        </m:r>
+                      </m:sub>
+                      <m:sup>
+                        <m:r>
+                          <a:rPr kumimoji="0" lang="en-US" altLang="ko-KR" sz="2000" b="0" i="1" u="none" strike="noStrike" kern="1200" cap="none" spc="0" normalizeH="0" baseline="0" noProof="0">
+                            <a:ln>
+                              <a:noFill/>
+                            </a:ln>
+                            <a:solidFill>
+                              <a:prstClr val="black"/>
+                            </a:solidFill>
+                            <a:effectLst/>
+                            <a:uLnTx/>
+                            <a:uFillTx/>
+                            <a:latin typeface="Cambria Math" panose="02040503050406030204" pitchFamily="18" charset="0"/>
+                            <a:cs typeface="+mn-cs"/>
+                          </a:rPr>
+                          <m:t>(</m:t>
+                        </m:r>
+                        <m:r>
+                          <a:rPr kumimoji="0" lang="en-US" altLang="ko-KR" sz="2000" b="0" i="1" u="none" strike="noStrike" kern="1200" cap="none" spc="0" normalizeH="0" baseline="0" noProof="0">
+                            <a:ln>
+                              <a:noFill/>
+                            </a:ln>
+                            <a:solidFill>
+                              <a:prstClr val="black"/>
+                            </a:solidFill>
+                            <a:effectLst/>
+                            <a:uLnTx/>
+                            <a:uFillTx/>
+                            <a:latin typeface="Cambria Math" panose="02040503050406030204" pitchFamily="18" charset="0"/>
+                            <a:cs typeface="+mn-cs"/>
+                          </a:rPr>
+                          <m:t>𝑘</m:t>
+                        </m:r>
+                        <m:r>
+                          <a:rPr kumimoji="0" lang="en-US" altLang="ko-KR" sz="2000" b="0" i="1" u="none" strike="noStrike" kern="1200" cap="none" spc="0" normalizeH="0" baseline="0" noProof="0">
+                            <a:ln>
+                              <a:noFill/>
+                            </a:ln>
+                            <a:solidFill>
+                              <a:prstClr val="black"/>
+                            </a:solidFill>
+                            <a:effectLst/>
+                            <a:uLnTx/>
+                            <a:uFillTx/>
+                            <a:latin typeface="Cambria Math" panose="02040503050406030204" pitchFamily="18" charset="0"/>
+                            <a:cs typeface="+mn-cs"/>
+                          </a:rPr>
+                          <m:t>)</m:t>
+                        </m:r>
+                      </m:sup>
+                    </m:sSubSup>
+                    <m:r>
+                      <a:rPr kumimoji="0" lang="en-US" altLang="ko-KR" sz="2000" b="0" i="1" u="none" strike="noStrike" kern="1200" cap="none" spc="0" normalizeH="0" baseline="0" noProof="0">
+                        <a:ln>
+                          <a:noFill/>
+                        </a:ln>
+                        <a:solidFill>
+                          <a:prstClr val="black"/>
+                        </a:solidFill>
+                        <a:effectLst/>
+                        <a:uLnTx/>
+                        <a:uFillTx/>
+                        <a:latin typeface="Cambria Math" panose="02040503050406030204" pitchFamily="18" charset="0"/>
+                        <a:cs typeface="+mn-cs"/>
+                      </a:rPr>
+                      <m:t>=</m:t>
+                    </m:r>
+                    <m:f>
+                      <m:fPr>
+                        <m:ctrlPr>
+                          <a:rPr kumimoji="0" lang="en-US" altLang="ko-KR" sz="2000" b="0" i="1" u="none" strike="noStrike" kern="1200" cap="none" spc="0" normalizeH="0" baseline="0" noProof="0">
+                            <a:ln>
+                              <a:noFill/>
+                            </a:ln>
+                            <a:solidFill>
+                              <a:prstClr val="black"/>
+                            </a:solidFill>
+                            <a:effectLst/>
+                            <a:uLnTx/>
+                            <a:uFillTx/>
+                            <a:latin typeface="Cambria Math" panose="02040503050406030204" pitchFamily="18" charset="0"/>
+                            <a:cs typeface="+mn-cs"/>
+                          </a:rPr>
+                        </m:ctrlPr>
+                      </m:fPr>
+                      <m:num>
+                        <m:func>
+                          <m:funcPr>
+                            <m:ctrlPr>
+                              <a:rPr kumimoji="0" lang="en-US" altLang="ko-KR" sz="2000" b="0" i="1" u="none" strike="noStrike" kern="1200" cap="none" spc="0" normalizeH="0" baseline="0" noProof="0">
+                                <a:ln>
+                                  <a:noFill/>
+                                </a:ln>
+                                <a:solidFill>
+                                  <a:prstClr val="black"/>
+                                </a:solidFill>
+                                <a:effectLst/>
+                                <a:uLnTx/>
+                                <a:uFillTx/>
+                                <a:latin typeface="Cambria Math" panose="02040503050406030204" pitchFamily="18" charset="0"/>
+                                <a:cs typeface="+mn-cs"/>
+                              </a:rPr>
+                            </m:ctrlPr>
+                          </m:funcPr>
+                          <m:fName>
+                            <m:r>
+                              <m:rPr>
+                                <m:sty m:val="p"/>
+                              </m:rPr>
+                              <a:rPr kumimoji="0" lang="en-US" altLang="ko-KR" sz="2000" b="0" i="0" u="none" strike="noStrike" kern="1200" cap="none" spc="0" normalizeH="0" baseline="0" noProof="0">
+                                <a:ln>
+                                  <a:noFill/>
+                                </a:ln>
+                                <a:solidFill>
+                                  <a:prstClr val="black"/>
+                                </a:solidFill>
+                                <a:effectLst/>
+                                <a:uLnTx/>
+                                <a:uFillTx/>
+                                <a:latin typeface="Cambria Math" panose="02040503050406030204" pitchFamily="18" charset="0"/>
+                                <a:cs typeface="+mn-cs"/>
+                              </a:rPr>
+                              <m:t>exp</m:t>
+                            </m:r>
+                          </m:fName>
+                          <m:e>
+                            <m:d>
+                              <m:dPr>
+                                <m:ctrlPr>
+                                  <a:rPr kumimoji="0" lang="en-US" altLang="ko-KR" sz="2000" b="0" i="1" u="none" strike="noStrike" kern="1200" cap="none" spc="0" normalizeH="0" baseline="0" noProof="0">
+                                    <a:ln>
+                                      <a:noFill/>
+                                    </a:ln>
+                                    <a:solidFill>
+                                      <a:prstClr val="black"/>
+                                    </a:solidFill>
+                                    <a:effectLst/>
+                                    <a:uLnTx/>
+                                    <a:uFillTx/>
+                                    <a:latin typeface="Cambria Math" panose="02040503050406030204" pitchFamily="18" charset="0"/>
+                                    <a:cs typeface="+mn-cs"/>
+                                  </a:rPr>
+                                </m:ctrlPr>
+                              </m:dPr>
+                              <m:e>
+                                <m:r>
+                                  <a:rPr kumimoji="0" lang="ko-KR" altLang="en-US" sz="2000" b="0" i="1" u="none" strike="noStrike" kern="1200" cap="none" spc="0" normalizeH="0" baseline="0" noProof="0">
+                                    <a:ln>
+                                      <a:noFill/>
+                                    </a:ln>
+                                    <a:solidFill>
+                                      <a:prstClr val="black"/>
+                                    </a:solidFill>
+                                    <a:effectLst/>
+                                    <a:uLnTx/>
+                                    <a:uFillTx/>
+                                    <a:latin typeface="Cambria Math" panose="02040503050406030204" pitchFamily="18" charset="0"/>
+                                    <a:cs typeface="+mn-cs"/>
+                                  </a:rPr>
+                                  <m:t>𝜑</m:t>
+                                </m:r>
+                                <m:d>
+                                  <m:dPr>
+                                    <m:ctrlPr>
+                                      <a:rPr kumimoji="0" lang="en-US" altLang="ko-KR" sz="2000" b="0" i="1" u="none" strike="noStrike" kern="1200" cap="none" spc="0" normalizeH="0" baseline="0" noProof="0">
+                                        <a:ln>
+                                          <a:noFill/>
+                                        </a:ln>
+                                        <a:solidFill>
+                                          <a:prstClr val="black"/>
+                                        </a:solidFill>
+                                        <a:effectLst/>
+                                        <a:uLnTx/>
+                                        <a:uFillTx/>
+                                        <a:latin typeface="Cambria Math" panose="02040503050406030204" pitchFamily="18" charset="0"/>
+                                        <a:cs typeface="+mn-cs"/>
+                                      </a:rPr>
+                                    </m:ctrlPr>
+                                  </m:dPr>
+                                  <m:e>
+                                    <m:sSub>
+                                      <m:sSubPr>
+                                        <m:ctrlPr>
+                                          <a:rPr kumimoji="0" lang="en-US" altLang="ko-KR" sz="2000" b="0" i="1" u="none" strike="noStrike" kern="1200" cap="none" spc="0" normalizeH="0" baseline="0" noProof="0">
+                                            <a:ln>
+                                              <a:noFill/>
+                                            </a:ln>
+                                            <a:solidFill>
+                                              <a:prstClr val="black"/>
+                                            </a:solidFill>
+                                            <a:effectLst/>
+                                            <a:uLnTx/>
+                                            <a:uFillTx/>
+                                            <a:latin typeface="Cambria Math" panose="02040503050406030204" pitchFamily="18" charset="0"/>
+                                            <a:cs typeface="+mn-cs"/>
+                                          </a:rPr>
+                                        </m:ctrlPr>
+                                      </m:sSubPr>
+                                      <m:e>
+                                        <m:r>
+                                          <a:rPr kumimoji="0" lang="en-US" altLang="ko-KR" sz="2000" b="0" i="1" u="none" strike="noStrike" kern="1200" cap="none" spc="0" normalizeH="0" baseline="0" noProof="0">
+                                            <a:ln>
+                                              <a:noFill/>
+                                            </a:ln>
+                                            <a:solidFill>
+                                              <a:prstClr val="black"/>
+                                            </a:solidFill>
+                                            <a:effectLst/>
+                                            <a:uLnTx/>
+                                            <a:uFillTx/>
+                                            <a:latin typeface="Cambria Math" panose="02040503050406030204" pitchFamily="18" charset="0"/>
+                                            <a:cs typeface="+mn-cs"/>
+                                          </a:rPr>
+                                          <m:t>𝑛</m:t>
+                                        </m:r>
+                                      </m:e>
+                                      <m:sub>
+                                        <m:r>
+                                          <a:rPr kumimoji="0" lang="en-US" altLang="ko-KR" sz="2000" b="0" i="1" u="none" strike="noStrike" kern="1200" cap="none" spc="0" normalizeH="0" baseline="0" noProof="0">
+                                            <a:ln>
+                                              <a:noFill/>
+                                            </a:ln>
+                                            <a:solidFill>
+                                              <a:prstClr val="black"/>
+                                            </a:solidFill>
+                                            <a:effectLst/>
+                                            <a:uLnTx/>
+                                            <a:uFillTx/>
+                                            <a:latin typeface="Cambria Math" panose="02040503050406030204" pitchFamily="18" charset="0"/>
+                                            <a:cs typeface="+mn-cs"/>
+                                          </a:rPr>
+                                          <m:t>𝑖</m:t>
+                                        </m:r>
+                                      </m:sub>
+                                    </m:sSub>
+                                    <m:r>
+                                      <a:rPr kumimoji="0" lang="en-US" altLang="ko-KR" sz="2000" b="0" i="1" u="none" strike="noStrike" kern="1200" cap="none" spc="0" normalizeH="0" baseline="0" noProof="0">
+                                        <a:ln>
+                                          <a:noFill/>
+                                        </a:ln>
+                                        <a:solidFill>
+                                          <a:prstClr val="black"/>
+                                        </a:solidFill>
+                                        <a:effectLst/>
+                                        <a:uLnTx/>
+                                        <a:uFillTx/>
+                                        <a:latin typeface="Cambria Math" panose="02040503050406030204" pitchFamily="18" charset="0"/>
+                                        <a:cs typeface="+mn-cs"/>
+                                      </a:rPr>
+                                      <m:t>, </m:t>
+                                    </m:r>
+                                    <m:sSub>
+                                      <m:sSubPr>
+                                        <m:ctrlPr>
+                                          <a:rPr kumimoji="0" lang="en-US" altLang="ko-KR" sz="2000" b="0" i="1" u="none" strike="noStrike" kern="1200" cap="none" spc="0" normalizeH="0" baseline="0" noProof="0">
+                                            <a:ln>
+                                              <a:noFill/>
+                                            </a:ln>
+                                            <a:solidFill>
+                                              <a:prstClr val="black"/>
+                                            </a:solidFill>
+                                            <a:effectLst/>
+                                            <a:uLnTx/>
+                                            <a:uFillTx/>
+                                            <a:latin typeface="Cambria Math" panose="02040503050406030204" pitchFamily="18" charset="0"/>
+                                            <a:cs typeface="+mn-cs"/>
+                                          </a:rPr>
+                                        </m:ctrlPr>
+                                      </m:sSubPr>
+                                      <m:e>
+                                        <m:r>
+                                          <a:rPr kumimoji="0" lang="en-US" altLang="ko-KR" sz="2000" b="0" i="1" u="none" strike="noStrike" kern="1200" cap="none" spc="0" normalizeH="0" baseline="0" noProof="0">
+                                            <a:ln>
+                                              <a:noFill/>
+                                            </a:ln>
+                                            <a:solidFill>
+                                              <a:prstClr val="black"/>
+                                            </a:solidFill>
+                                            <a:effectLst/>
+                                            <a:uLnTx/>
+                                            <a:uFillTx/>
+                                            <a:latin typeface="Cambria Math" panose="02040503050406030204" pitchFamily="18" charset="0"/>
+                                            <a:cs typeface="+mn-cs"/>
+                                          </a:rPr>
+                                          <m:t>𝑛</m:t>
+                                        </m:r>
+                                      </m:e>
+                                      <m:sub>
+                                        <m:r>
+                                          <a:rPr kumimoji="0" lang="en-US" altLang="ko-KR" sz="2000" b="0" i="1" u="none" strike="noStrike" kern="1200" cap="none" spc="0" normalizeH="0" baseline="0" noProof="0">
+                                            <a:ln>
+                                              <a:noFill/>
+                                            </a:ln>
+                                            <a:solidFill>
+                                              <a:prstClr val="black"/>
+                                            </a:solidFill>
+                                            <a:effectLst/>
+                                            <a:uLnTx/>
+                                            <a:uFillTx/>
+                                            <a:latin typeface="Cambria Math" panose="02040503050406030204" pitchFamily="18" charset="0"/>
+                                            <a:cs typeface="+mn-cs"/>
+                                          </a:rPr>
+                                          <m:t>𝑗</m:t>
+                                        </m:r>
+                                      </m:sub>
+                                    </m:sSub>
+                                  </m:e>
+                                </m:d>
+                              </m:e>
+                            </m:d>
+                          </m:e>
+                        </m:func>
+                      </m:num>
+                      <m:den>
+                        <m:nary>
+                          <m:naryPr>
+                            <m:chr m:val="∑"/>
+                            <m:supHide m:val="on"/>
+                            <m:ctrlPr>
+                              <a:rPr kumimoji="0" lang="en-US" altLang="ko-KR" sz="2000" b="0" i="1" u="none" strike="noStrike" kern="1200" cap="none" spc="0" normalizeH="0" baseline="0" noProof="0">
+                                <a:ln>
+                                  <a:noFill/>
+                                </a:ln>
+                                <a:solidFill>
+                                  <a:prstClr val="black"/>
+                                </a:solidFill>
+                                <a:effectLst/>
+                                <a:uLnTx/>
+                                <a:uFillTx/>
+                                <a:latin typeface="Cambria Math" panose="02040503050406030204" pitchFamily="18" charset="0"/>
+                                <a:cs typeface="+mn-cs"/>
+                              </a:rPr>
+                            </m:ctrlPr>
+                          </m:naryPr>
+                          <m:sub>
+                            <m:r>
+                              <a:rPr kumimoji="0" lang="en-US" altLang="ko-KR" sz="2000" b="0" i="1" u="none" strike="noStrike" kern="1200" cap="none" spc="0" normalizeH="0" baseline="0" noProof="0">
+                                <a:ln>
+                                  <a:noFill/>
+                                </a:ln>
+                                <a:solidFill>
+                                  <a:prstClr val="black"/>
+                                </a:solidFill>
+                                <a:effectLst/>
+                                <a:uLnTx/>
+                                <a:uFillTx/>
+                                <a:latin typeface="Cambria Math" panose="02040503050406030204" pitchFamily="18" charset="0"/>
+                                <a:cs typeface="+mn-cs"/>
+                              </a:rPr>
+                              <m:t>𝑗</m:t>
+                            </m:r>
+                            <m:r>
+                              <a:rPr kumimoji="0" lang="en-US" altLang="ko-KR" sz="2000" b="0" i="1" u="none" strike="noStrike" kern="1200" cap="none" spc="0" normalizeH="0" baseline="0" noProof="0">
+                                <a:ln>
+                                  <a:noFill/>
+                                </a:ln>
+                                <a:solidFill>
+                                  <a:prstClr val="black"/>
+                                </a:solidFill>
+                                <a:effectLst/>
+                                <a:uLnTx/>
+                                <a:uFillTx/>
+                                <a:latin typeface="Cambria Math" panose="02040503050406030204" pitchFamily="18" charset="0"/>
+                                <a:cs typeface="+mn-cs"/>
+                              </a:rPr>
+                              <m:t>∈</m:t>
+                            </m:r>
+                            <m:sSup>
+                              <m:sSupPr>
+                                <m:ctrlPr>
+                                  <a:rPr kumimoji="0" lang="en-US" altLang="ko-KR" sz="2000" b="0" i="1" u="none" strike="noStrike" kern="1200" cap="none" spc="0" normalizeH="0" baseline="0" noProof="0">
+                                    <a:ln>
+                                      <a:noFill/>
+                                    </a:ln>
+                                    <a:solidFill>
+                                      <a:prstClr val="black"/>
+                                    </a:solidFill>
+                                    <a:effectLst/>
+                                    <a:uLnTx/>
+                                    <a:uFillTx/>
+                                    <a:latin typeface="Cambria Math" panose="02040503050406030204" pitchFamily="18" charset="0"/>
+                                    <a:cs typeface="+mn-cs"/>
+                                  </a:rPr>
+                                </m:ctrlPr>
+                              </m:sSupPr>
+                              <m:e>
+                                <m:r>
+                                  <a:rPr kumimoji="0" lang="en-US" altLang="ko-KR" sz="2000" b="0" i="1" u="none" strike="noStrike" kern="1200" cap="none" spc="0" normalizeH="0" baseline="0" noProof="0">
+                                    <a:ln>
+                                      <a:noFill/>
+                                    </a:ln>
+                                    <a:solidFill>
+                                      <a:prstClr val="black"/>
+                                    </a:solidFill>
+                                    <a:effectLst/>
+                                    <a:uLnTx/>
+                                    <a:uFillTx/>
+                                    <a:latin typeface="Cambria Math" panose="02040503050406030204" pitchFamily="18" charset="0"/>
+                                    <a:cs typeface="+mn-cs"/>
+                                  </a:rPr>
+                                  <m:t>𝑉</m:t>
+                                </m:r>
+                              </m:e>
+                              <m:sup>
+                                <m:r>
+                                  <a:rPr kumimoji="0" lang="en-US" altLang="ko-KR" sz="2000" b="0" i="1" u="none" strike="noStrike" kern="1200" cap="none" spc="0" normalizeH="0" baseline="0" noProof="0">
+                                    <a:ln>
+                                      <a:noFill/>
+                                    </a:ln>
+                                    <a:solidFill>
+                                      <a:prstClr val="black"/>
+                                    </a:solidFill>
+                                    <a:effectLst/>
+                                    <a:uLnTx/>
+                                    <a:uFillTx/>
+                                    <a:latin typeface="Cambria Math" panose="02040503050406030204" pitchFamily="18" charset="0"/>
+                                    <a:cs typeface="+mn-cs"/>
+                                  </a:rPr>
+                                  <m:t>(</m:t>
+                                </m:r>
+                                <m:r>
+                                  <a:rPr kumimoji="0" lang="en-US" altLang="ko-KR" sz="2000" b="0" i="1" u="none" strike="noStrike" kern="1200" cap="none" spc="0" normalizeH="0" baseline="0" noProof="0">
+                                    <a:ln>
+                                      <a:noFill/>
+                                    </a:ln>
+                                    <a:solidFill>
+                                      <a:prstClr val="black"/>
+                                    </a:solidFill>
+                                    <a:effectLst/>
+                                    <a:uLnTx/>
+                                    <a:uFillTx/>
+                                    <a:latin typeface="Cambria Math" panose="02040503050406030204" pitchFamily="18" charset="0"/>
+                                    <a:cs typeface="+mn-cs"/>
+                                  </a:rPr>
+                                  <m:t>𝑘</m:t>
+                                </m:r>
+                                <m:r>
+                                  <a:rPr kumimoji="0" lang="en-US" altLang="ko-KR" sz="2000" b="0" i="1" u="none" strike="noStrike" kern="1200" cap="none" spc="0" normalizeH="0" baseline="0" noProof="0">
+                                    <a:ln>
+                                      <a:noFill/>
+                                    </a:ln>
+                                    <a:solidFill>
+                                      <a:prstClr val="black"/>
+                                    </a:solidFill>
+                                    <a:effectLst/>
+                                    <a:uLnTx/>
+                                    <a:uFillTx/>
+                                    <a:latin typeface="Cambria Math" panose="02040503050406030204" pitchFamily="18" charset="0"/>
+                                    <a:cs typeface="+mn-cs"/>
+                                  </a:rPr>
+                                  <m:t>)</m:t>
+                                </m:r>
+                              </m:sup>
+                            </m:sSup>
+                          </m:sub>
+                          <m:sup/>
+                          <m:e>
+                            <m:func>
+                              <m:funcPr>
+                                <m:ctrlPr>
+                                  <a:rPr kumimoji="0" lang="en-US" altLang="ko-KR" sz="2000" b="0" i="1" u="none" strike="noStrike" kern="1200" cap="none" spc="0" normalizeH="0" baseline="0" noProof="0">
+                                    <a:ln>
+                                      <a:noFill/>
+                                    </a:ln>
+                                    <a:solidFill>
+                                      <a:prstClr val="black"/>
+                                    </a:solidFill>
+                                    <a:effectLst/>
+                                    <a:uLnTx/>
+                                    <a:uFillTx/>
+                                    <a:latin typeface="Cambria Math" panose="02040503050406030204" pitchFamily="18" charset="0"/>
+                                    <a:cs typeface="+mn-cs"/>
+                                  </a:rPr>
+                                </m:ctrlPr>
+                              </m:funcPr>
+                              <m:fName>
+                                <m:r>
+                                  <m:rPr>
+                                    <m:sty m:val="p"/>
+                                  </m:rPr>
+                                  <a:rPr kumimoji="0" lang="en-US" altLang="ko-KR" sz="2000" b="0" i="0" u="none" strike="noStrike" kern="1200" cap="none" spc="0" normalizeH="0" baseline="0" noProof="0">
+                                    <a:ln>
+                                      <a:noFill/>
+                                    </a:ln>
+                                    <a:solidFill>
+                                      <a:prstClr val="black"/>
+                                    </a:solidFill>
+                                    <a:effectLst/>
+                                    <a:uLnTx/>
+                                    <a:uFillTx/>
+                                    <a:latin typeface="Cambria Math" panose="02040503050406030204" pitchFamily="18" charset="0"/>
+                                    <a:cs typeface="+mn-cs"/>
+                                  </a:rPr>
+                                  <m:t>exp</m:t>
+                                </m:r>
+                              </m:fName>
+                              <m:e>
+                                <m:d>
+                                  <m:dPr>
+                                    <m:ctrlPr>
+                                      <a:rPr kumimoji="0" lang="en-US" altLang="ko-KR" sz="2000" b="0" i="1" u="none" strike="noStrike" kern="1200" cap="none" spc="0" normalizeH="0" baseline="0" noProof="0">
+                                        <a:ln>
+                                          <a:noFill/>
+                                        </a:ln>
+                                        <a:solidFill>
+                                          <a:prstClr val="black"/>
+                                        </a:solidFill>
+                                        <a:effectLst/>
+                                        <a:uLnTx/>
+                                        <a:uFillTx/>
+                                        <a:latin typeface="Cambria Math" panose="02040503050406030204" pitchFamily="18" charset="0"/>
+                                        <a:cs typeface="+mn-cs"/>
+                                      </a:rPr>
+                                    </m:ctrlPr>
+                                  </m:dPr>
+                                  <m:e>
+                                    <m:r>
+                                      <a:rPr kumimoji="0" lang="ko-KR" altLang="en-US" sz="2000" b="0" i="1" u="none" strike="noStrike" kern="1200" cap="none" spc="0" normalizeH="0" baseline="0" noProof="0">
+                                        <a:ln>
+                                          <a:noFill/>
+                                        </a:ln>
+                                        <a:solidFill>
+                                          <a:prstClr val="black"/>
+                                        </a:solidFill>
+                                        <a:effectLst/>
+                                        <a:uLnTx/>
+                                        <a:uFillTx/>
+                                        <a:latin typeface="Cambria Math" panose="02040503050406030204" pitchFamily="18" charset="0"/>
+                                        <a:cs typeface="+mn-cs"/>
+                                      </a:rPr>
+                                      <m:t>𝜑</m:t>
+                                    </m:r>
+                                    <m:d>
+                                      <m:dPr>
+                                        <m:ctrlPr>
+                                          <a:rPr kumimoji="0" lang="en-US" altLang="ko-KR" sz="2000" b="0" i="1" u="none" strike="noStrike" kern="1200" cap="none" spc="0" normalizeH="0" baseline="0" noProof="0">
+                                            <a:ln>
+                                              <a:noFill/>
+                                            </a:ln>
+                                            <a:solidFill>
+                                              <a:prstClr val="black"/>
+                                            </a:solidFill>
+                                            <a:effectLst/>
+                                            <a:uLnTx/>
+                                            <a:uFillTx/>
+                                            <a:latin typeface="Cambria Math" panose="02040503050406030204" pitchFamily="18" charset="0"/>
+                                            <a:cs typeface="+mn-cs"/>
+                                          </a:rPr>
+                                        </m:ctrlPr>
+                                      </m:dPr>
+                                      <m:e>
+                                        <m:sSub>
+                                          <m:sSubPr>
+                                            <m:ctrlPr>
+                                              <a:rPr kumimoji="0" lang="en-US" altLang="ko-KR" sz="2000" b="0" i="1" u="none" strike="noStrike" kern="1200" cap="none" spc="0" normalizeH="0" baseline="0" noProof="0">
+                                                <a:ln>
+                                                  <a:noFill/>
+                                                </a:ln>
+                                                <a:solidFill>
+                                                  <a:prstClr val="black"/>
+                                                </a:solidFill>
+                                                <a:effectLst/>
+                                                <a:uLnTx/>
+                                                <a:uFillTx/>
+                                                <a:latin typeface="Cambria Math" panose="02040503050406030204" pitchFamily="18" charset="0"/>
+                                                <a:cs typeface="+mn-cs"/>
+                                              </a:rPr>
+                                            </m:ctrlPr>
+                                          </m:sSubPr>
+                                          <m:e>
+                                            <m:r>
+                                              <a:rPr kumimoji="0" lang="en-US" altLang="ko-KR" sz="2000" b="0" i="1" u="none" strike="noStrike" kern="1200" cap="none" spc="0" normalizeH="0" baseline="0" noProof="0">
+                                                <a:ln>
+                                                  <a:noFill/>
+                                                </a:ln>
+                                                <a:solidFill>
+                                                  <a:prstClr val="black"/>
+                                                </a:solidFill>
+                                                <a:effectLst/>
+                                                <a:uLnTx/>
+                                                <a:uFillTx/>
+                                                <a:latin typeface="Cambria Math" panose="02040503050406030204" pitchFamily="18" charset="0"/>
+                                                <a:cs typeface="+mn-cs"/>
+                                              </a:rPr>
+                                              <m:t>𝑛</m:t>
+                                            </m:r>
+                                          </m:e>
+                                          <m:sub>
+                                            <m:r>
+                                              <a:rPr kumimoji="0" lang="en-US" altLang="ko-KR" sz="2000" b="0" i="1" u="none" strike="noStrike" kern="1200" cap="none" spc="0" normalizeH="0" baseline="0" noProof="0">
+                                                <a:ln>
+                                                  <a:noFill/>
+                                                </a:ln>
+                                                <a:solidFill>
+                                                  <a:prstClr val="black"/>
+                                                </a:solidFill>
+                                                <a:effectLst/>
+                                                <a:uLnTx/>
+                                                <a:uFillTx/>
+                                                <a:latin typeface="Cambria Math" panose="02040503050406030204" pitchFamily="18" charset="0"/>
+                                                <a:cs typeface="+mn-cs"/>
+                                              </a:rPr>
+                                              <m:t>𝑖</m:t>
+                                            </m:r>
+                                          </m:sub>
+                                        </m:sSub>
+                                        <m:r>
+                                          <a:rPr kumimoji="0" lang="en-US" altLang="ko-KR" sz="2000" b="0" i="1" u="none" strike="noStrike" kern="1200" cap="none" spc="0" normalizeH="0" baseline="0" noProof="0">
+                                            <a:ln>
+                                              <a:noFill/>
+                                            </a:ln>
+                                            <a:solidFill>
+                                              <a:prstClr val="black"/>
+                                            </a:solidFill>
+                                            <a:effectLst/>
+                                            <a:uLnTx/>
+                                            <a:uFillTx/>
+                                            <a:latin typeface="Cambria Math" panose="02040503050406030204" pitchFamily="18" charset="0"/>
+                                            <a:cs typeface="+mn-cs"/>
+                                          </a:rPr>
+                                          <m:t>, </m:t>
+                                        </m:r>
+                                        <m:sSub>
+                                          <m:sSubPr>
+                                            <m:ctrlPr>
+                                              <a:rPr kumimoji="0" lang="en-US" altLang="ko-KR" sz="2000" b="0" i="1" u="none" strike="noStrike" kern="1200" cap="none" spc="0" normalizeH="0" baseline="0" noProof="0">
+                                                <a:ln>
+                                                  <a:noFill/>
+                                                </a:ln>
+                                                <a:solidFill>
+                                                  <a:prstClr val="black"/>
+                                                </a:solidFill>
+                                                <a:effectLst/>
+                                                <a:uLnTx/>
+                                                <a:uFillTx/>
+                                                <a:latin typeface="Cambria Math" panose="02040503050406030204" pitchFamily="18" charset="0"/>
+                                                <a:cs typeface="+mn-cs"/>
+                                              </a:rPr>
+                                            </m:ctrlPr>
+                                          </m:sSubPr>
+                                          <m:e>
+                                            <m:r>
+                                              <a:rPr kumimoji="0" lang="en-US" altLang="ko-KR" sz="2000" b="0" i="1" u="none" strike="noStrike" kern="1200" cap="none" spc="0" normalizeH="0" baseline="0" noProof="0">
+                                                <a:ln>
+                                                  <a:noFill/>
+                                                </a:ln>
+                                                <a:solidFill>
+                                                  <a:prstClr val="black"/>
+                                                </a:solidFill>
+                                                <a:effectLst/>
+                                                <a:uLnTx/>
+                                                <a:uFillTx/>
+                                                <a:latin typeface="Cambria Math" panose="02040503050406030204" pitchFamily="18" charset="0"/>
+                                                <a:cs typeface="+mn-cs"/>
+                                              </a:rPr>
+                                              <m:t>𝑛</m:t>
+                                            </m:r>
+                                          </m:e>
+                                          <m:sub>
+                                            <m:r>
+                                              <a:rPr kumimoji="0" lang="en-US" altLang="ko-KR" sz="2000" b="0" i="1" u="none" strike="noStrike" kern="1200" cap="none" spc="0" normalizeH="0" baseline="0" noProof="0">
+                                                <a:ln>
+                                                  <a:noFill/>
+                                                </a:ln>
+                                                <a:solidFill>
+                                                  <a:prstClr val="black"/>
+                                                </a:solidFill>
+                                                <a:effectLst/>
+                                                <a:uLnTx/>
+                                                <a:uFillTx/>
+                                                <a:latin typeface="Cambria Math" panose="02040503050406030204" pitchFamily="18" charset="0"/>
+                                                <a:cs typeface="+mn-cs"/>
+                                              </a:rPr>
+                                              <m:t>𝑗</m:t>
+                                            </m:r>
+                                          </m:sub>
+                                        </m:sSub>
+                                      </m:e>
+                                    </m:d>
+                                  </m:e>
+                                </m:d>
+                              </m:e>
+                            </m:func>
+                          </m:e>
+                        </m:nary>
+                      </m:den>
+                    </m:f>
+                  </m:oMath>
+                </a14:m>
+                <a:endParaRPr kumimoji="0" lang="en-US" altLang="ko-KR" sz="1800" b="0" i="0" u="none" strike="noStrike" kern="1200" cap="none" spc="0" normalizeH="0" baseline="0" noProof="0" dirty="0">
+                  <a:ln>
+                    <a:noFill/>
+                  </a:ln>
+                  <a:solidFill>
+                    <a:prstClr val="white">
+                      <a:lumMod val="50000"/>
+                    </a:prstClr>
+                  </a:solidFill>
+                  <a:effectLst/>
+                  <a:uLnTx/>
+                  <a:uFillTx/>
+                  <a:latin typeface="Calibri"/>
+                  <a:ea typeface="맑은 고딕" panose="020B0503020000020004" pitchFamily="50" charset="-127"/>
+                  <a:cs typeface="+mn-cs"/>
+                  <a:sym typeface="Wingdings" panose="05000000000000000000" pitchFamily="2" charset="2"/>
+                </a:endParaRPr>
+              </a:p>
+              <a:p>
+                <a:pPr marL="285750" marR="0" lvl="1" indent="-285750" algn="l" defTabSz="457200" rtl="0" eaLnBrk="1" fontAlgn="auto" latinLnBrk="0" hangingPunct="1">
+                  <a:lnSpc>
+                    <a:spcPct val="130000"/>
+                  </a:lnSpc>
+                  <a:spcBef>
+                    <a:spcPts val="0"/>
+                  </a:spcBef>
+                  <a:spcAft>
+                    <a:spcPts val="0"/>
+                  </a:spcAft>
+                  <a:buClrTx/>
+                  <a:buSzTx/>
+                  <a:buFont typeface="Arial" panose="020B0604020202020204" pitchFamily="34" charset="0"/>
+                  <a:buChar char="•"/>
+                  <a:tabLst/>
+                  <a:defRPr/>
+                </a:pPr>
+                <a:r>
+                  <a:rPr kumimoji="0" lang="en-US" altLang="ko-KR" sz="1800" b="0" i="0" u="none" strike="noStrike" kern="1200" cap="none" spc="0" normalizeH="0" baseline="0" noProof="0" dirty="0">
+                    <a:ln>
+                      <a:noFill/>
+                    </a:ln>
+                    <a:solidFill>
+                      <a:prstClr val="white">
+                        <a:lumMod val="50000"/>
+                      </a:prstClr>
+                    </a:solidFill>
+                    <a:effectLst/>
+                    <a:uLnTx/>
+                    <a:uFillTx/>
+                    <a:latin typeface="Calibri"/>
+                    <a:ea typeface="맑은 고딕" panose="020B0503020000020004" pitchFamily="50" charset="-127"/>
+                    <a:cs typeface="+mn-cs"/>
+                    <a:sym typeface="Wingdings" panose="05000000000000000000" pitchFamily="2" charset="2"/>
+                  </a:rPr>
+                  <a:t>Message flux </a:t>
+                </a:r>
+                <a:br>
+                  <a:rPr kumimoji="0" lang="en-US" altLang="ko-KR" sz="1800" b="0" i="0" u="none" strike="noStrike" kern="1200" cap="none" spc="0" normalizeH="0" baseline="0" noProof="0" dirty="0">
+                    <a:ln>
+                      <a:noFill/>
+                    </a:ln>
+                    <a:solidFill>
+                      <a:prstClr val="white">
+                        <a:lumMod val="50000"/>
+                      </a:prstClr>
+                    </a:solidFill>
+                    <a:effectLst/>
+                    <a:uLnTx/>
+                    <a:uFillTx/>
+                    <a:latin typeface="Calibri"/>
+                    <a:ea typeface="맑은 고딕" panose="020B0503020000020004" pitchFamily="50" charset="-127"/>
+                    <a:cs typeface="+mn-cs"/>
+                    <a:sym typeface="Wingdings" panose="05000000000000000000" pitchFamily="2" charset="2"/>
+                  </a:rPr>
+                </a:br>
+                <a14:m>
+                  <m:oMath xmlns:m="http://schemas.openxmlformats.org/officeDocument/2006/math">
+                    <m:r>
+                      <a:rPr kumimoji="0" lang="ko-KR" altLang="en-US" sz="2000" b="0" i="1" u="none" strike="noStrike" kern="1200" cap="none" spc="0" normalizeH="0" baseline="0" noProof="0">
+                        <a:ln>
+                          <a:noFill/>
+                        </a:ln>
+                        <a:solidFill>
+                          <a:prstClr val="black"/>
+                        </a:solidFill>
+                        <a:effectLst/>
+                        <a:uLnTx/>
+                        <a:uFillTx/>
+                        <a:latin typeface="Cambria Math" panose="02040503050406030204" pitchFamily="18" charset="0"/>
+                        <a:cs typeface="+mn-cs"/>
+                      </a:rPr>
+                      <m:t>𝜑</m:t>
+                    </m:r>
+                    <m:d>
+                      <m:dPr>
+                        <m:ctrlPr>
+                          <a:rPr kumimoji="0" lang="en-US" altLang="ko-KR" sz="2000" b="0" i="1" u="none" strike="noStrike" kern="1200" cap="none" spc="0" normalizeH="0" baseline="0" noProof="0">
+                            <a:ln>
+                              <a:noFill/>
+                            </a:ln>
+                            <a:solidFill>
+                              <a:prstClr val="black"/>
+                            </a:solidFill>
+                            <a:effectLst/>
+                            <a:uLnTx/>
+                            <a:uFillTx/>
+                            <a:latin typeface="Cambria Math" panose="02040503050406030204" pitchFamily="18" charset="0"/>
+                            <a:cs typeface="+mn-cs"/>
+                          </a:rPr>
+                        </m:ctrlPr>
+                      </m:dPr>
+                      <m:e>
+                        <m:sSub>
+                          <m:sSubPr>
+                            <m:ctrlPr>
+                              <a:rPr kumimoji="0" lang="en-US" altLang="ko-KR" sz="2000" b="0" i="1" u="none" strike="noStrike" kern="1200" cap="none" spc="0" normalizeH="0" baseline="0" noProof="0">
+                                <a:ln>
+                                  <a:noFill/>
+                                </a:ln>
+                                <a:solidFill>
+                                  <a:prstClr val="black"/>
+                                </a:solidFill>
+                                <a:effectLst/>
+                                <a:uLnTx/>
+                                <a:uFillTx/>
+                                <a:latin typeface="Cambria Math" panose="02040503050406030204" pitchFamily="18" charset="0"/>
+                                <a:cs typeface="+mn-cs"/>
+                              </a:rPr>
+                            </m:ctrlPr>
+                          </m:sSubPr>
+                          <m:e>
+                            <m:r>
+                              <a:rPr kumimoji="0" lang="en-US" altLang="ko-KR" sz="2000" b="0" i="1" u="none" strike="noStrike" kern="1200" cap="none" spc="0" normalizeH="0" baseline="0" noProof="0">
+                                <a:ln>
+                                  <a:noFill/>
+                                </a:ln>
+                                <a:solidFill>
+                                  <a:prstClr val="black"/>
+                                </a:solidFill>
+                                <a:effectLst/>
+                                <a:uLnTx/>
+                                <a:uFillTx/>
+                                <a:latin typeface="Cambria Math" panose="02040503050406030204" pitchFamily="18" charset="0"/>
+                                <a:cs typeface="+mn-cs"/>
+                              </a:rPr>
+                              <m:t>𝑛</m:t>
+                            </m:r>
+                          </m:e>
+                          <m:sub>
+                            <m:r>
+                              <a:rPr kumimoji="0" lang="en-US" altLang="ko-KR" sz="2000" b="0" i="1" u="none" strike="noStrike" kern="1200" cap="none" spc="0" normalizeH="0" baseline="0" noProof="0">
+                                <a:ln>
+                                  <a:noFill/>
+                                </a:ln>
+                                <a:solidFill>
+                                  <a:prstClr val="black"/>
+                                </a:solidFill>
+                                <a:effectLst/>
+                                <a:uLnTx/>
+                                <a:uFillTx/>
+                                <a:latin typeface="Cambria Math" panose="02040503050406030204" pitchFamily="18" charset="0"/>
+                                <a:cs typeface="+mn-cs"/>
+                              </a:rPr>
+                              <m:t>𝑖</m:t>
+                            </m:r>
+                          </m:sub>
+                        </m:sSub>
+                        <m:r>
+                          <a:rPr kumimoji="0" lang="en-US" altLang="ko-KR" sz="2000" b="0" i="1" u="none" strike="noStrike" kern="1200" cap="none" spc="0" normalizeH="0" baseline="0" noProof="0">
+                            <a:ln>
+                              <a:noFill/>
+                            </a:ln>
+                            <a:solidFill>
+                              <a:prstClr val="black"/>
+                            </a:solidFill>
+                            <a:effectLst/>
+                            <a:uLnTx/>
+                            <a:uFillTx/>
+                            <a:latin typeface="Cambria Math" panose="02040503050406030204" pitchFamily="18" charset="0"/>
+                            <a:cs typeface="+mn-cs"/>
+                          </a:rPr>
+                          <m:t>, </m:t>
+                        </m:r>
+                        <m:sSub>
+                          <m:sSubPr>
+                            <m:ctrlPr>
+                              <a:rPr kumimoji="0" lang="en-US" altLang="ko-KR" sz="2000" b="0" i="1" u="none" strike="noStrike" kern="1200" cap="none" spc="0" normalizeH="0" baseline="0" noProof="0">
+                                <a:ln>
+                                  <a:noFill/>
+                                </a:ln>
+                                <a:solidFill>
+                                  <a:prstClr val="black"/>
+                                </a:solidFill>
+                                <a:effectLst/>
+                                <a:uLnTx/>
+                                <a:uFillTx/>
+                                <a:latin typeface="Cambria Math" panose="02040503050406030204" pitchFamily="18" charset="0"/>
+                                <a:cs typeface="+mn-cs"/>
+                              </a:rPr>
+                            </m:ctrlPr>
+                          </m:sSubPr>
+                          <m:e>
+                            <m:r>
+                              <a:rPr kumimoji="0" lang="en-US" altLang="ko-KR" sz="2000" b="0" i="1" u="none" strike="noStrike" kern="1200" cap="none" spc="0" normalizeH="0" baseline="0" noProof="0">
+                                <a:ln>
+                                  <a:noFill/>
+                                </a:ln>
+                                <a:solidFill>
+                                  <a:prstClr val="black"/>
+                                </a:solidFill>
+                                <a:effectLst/>
+                                <a:uLnTx/>
+                                <a:uFillTx/>
+                                <a:latin typeface="Cambria Math" panose="02040503050406030204" pitchFamily="18" charset="0"/>
+                                <a:cs typeface="+mn-cs"/>
+                              </a:rPr>
+                              <m:t>𝑛</m:t>
+                            </m:r>
+                          </m:e>
+                          <m:sub>
+                            <m:r>
+                              <a:rPr kumimoji="0" lang="en-US" altLang="ko-KR" sz="2000" b="0" i="1" u="none" strike="noStrike" kern="1200" cap="none" spc="0" normalizeH="0" baseline="0" noProof="0">
+                                <a:ln>
+                                  <a:noFill/>
+                                </a:ln>
+                                <a:solidFill>
+                                  <a:prstClr val="black"/>
+                                </a:solidFill>
+                                <a:effectLst/>
+                                <a:uLnTx/>
+                                <a:uFillTx/>
+                                <a:latin typeface="Cambria Math" panose="02040503050406030204" pitchFamily="18" charset="0"/>
+                                <a:cs typeface="+mn-cs"/>
+                              </a:rPr>
+                              <m:t>𝑗</m:t>
+                            </m:r>
+                          </m:sub>
+                        </m:sSub>
+                      </m:e>
+                    </m:d>
+                    <m:r>
+                      <a:rPr kumimoji="0" lang="en-US" altLang="ko-KR" sz="2000" b="0" i="1" u="none" strike="noStrike" kern="1200" cap="none" spc="0" normalizeH="0" baseline="0" noProof="0">
+                        <a:ln>
+                          <a:noFill/>
+                        </a:ln>
+                        <a:solidFill>
+                          <a:prstClr val="black"/>
+                        </a:solidFill>
+                        <a:effectLst/>
+                        <a:uLnTx/>
+                        <a:uFillTx/>
+                        <a:latin typeface="Cambria Math" panose="02040503050406030204" pitchFamily="18" charset="0"/>
+                        <a:cs typeface="+mn-cs"/>
+                      </a:rPr>
+                      <m:t>=</m:t>
+                    </m:r>
+                    <m:sSubSup>
+                      <m:sSubSupPr>
+                        <m:ctrlPr>
+                          <a:rPr kumimoji="0" lang="en-US" altLang="ko-KR" sz="2000" b="0" i="1" u="none" strike="noStrike" kern="1200" cap="none" spc="0" normalizeH="0" baseline="0" noProof="0">
+                            <a:ln>
+                              <a:noFill/>
+                            </a:ln>
+                            <a:solidFill>
+                              <a:prstClr val="black"/>
+                            </a:solidFill>
+                            <a:effectLst/>
+                            <a:uLnTx/>
+                            <a:uFillTx/>
+                            <a:latin typeface="Cambria Math" panose="02040503050406030204" pitchFamily="18" charset="0"/>
+                            <a:cs typeface="+mn-cs"/>
+                          </a:rPr>
+                        </m:ctrlPr>
+                      </m:sSubSupPr>
+                      <m:e>
+                        <m:r>
+                          <a:rPr kumimoji="0" lang="en-US" altLang="ko-KR" sz="2000" b="0" i="1" u="none" strike="noStrike" kern="1200" cap="none" spc="0" normalizeH="0" baseline="0" noProof="0">
+                            <a:ln>
+                              <a:noFill/>
+                            </a:ln>
+                            <a:solidFill>
+                              <a:prstClr val="black"/>
+                            </a:solidFill>
+                            <a:effectLst/>
+                            <a:uLnTx/>
+                            <a:uFillTx/>
+                            <a:latin typeface="Cambria Math" panose="02040503050406030204" pitchFamily="18" charset="0"/>
+                            <a:cs typeface="+mn-cs"/>
+                          </a:rPr>
+                          <m:t>𝑎</m:t>
+                        </m:r>
+                      </m:e>
+                      <m:sub>
+                        <m:r>
+                          <a:rPr kumimoji="0" lang="ko-KR" altLang="en-US" sz="2000" b="0" i="1" u="none" strike="noStrike" kern="1200" cap="none" spc="0" normalizeH="0" baseline="0" noProof="0">
+                            <a:ln>
+                              <a:noFill/>
+                            </a:ln>
+                            <a:solidFill>
+                              <a:prstClr val="black"/>
+                            </a:solidFill>
+                            <a:effectLst/>
+                            <a:uLnTx/>
+                            <a:uFillTx/>
+                            <a:latin typeface="Cambria Math" panose="02040503050406030204" pitchFamily="18" charset="0"/>
+                            <a:cs typeface="+mn-cs"/>
+                          </a:rPr>
+                          <m:t>𝜑</m:t>
+                        </m:r>
+                      </m:sub>
+                      <m:sup>
+                        <m:r>
+                          <a:rPr kumimoji="0" lang="en-US" altLang="ko-KR" sz="2000" b="0" i="1" u="none" strike="noStrike" kern="1200" cap="none" spc="0" normalizeH="0" baseline="0" noProof="0">
+                            <a:ln>
+                              <a:noFill/>
+                            </a:ln>
+                            <a:solidFill>
+                              <a:prstClr val="black"/>
+                            </a:solidFill>
+                            <a:effectLst/>
+                            <a:uLnTx/>
+                            <a:uFillTx/>
+                            <a:latin typeface="Cambria Math" panose="02040503050406030204" pitchFamily="18" charset="0"/>
+                            <a:cs typeface="+mn-cs"/>
+                          </a:rPr>
+                          <m:t>𝑇</m:t>
+                        </m:r>
+                      </m:sup>
+                    </m:sSubSup>
+                    <m:r>
+                      <a:rPr kumimoji="0" lang="en-US" altLang="ko-KR" sz="2000" b="0" i="1" u="none" strike="noStrike" kern="1200" cap="none" spc="0" normalizeH="0" baseline="0" noProof="0">
+                        <a:ln>
+                          <a:noFill/>
+                        </a:ln>
+                        <a:solidFill>
+                          <a:prstClr val="black"/>
+                        </a:solidFill>
+                        <a:effectLst/>
+                        <a:uLnTx/>
+                        <a:uFillTx/>
+                        <a:latin typeface="Cambria Math" panose="02040503050406030204" pitchFamily="18" charset="0"/>
+                        <a:cs typeface="+mn-cs"/>
+                      </a:rPr>
+                      <m:t>𝐿𝑒𝑎𝑘𝑦𝑅𝑒𝑙𝑢</m:t>
+                    </m:r>
+                    <m:d>
+                      <m:dPr>
+                        <m:ctrlPr>
+                          <a:rPr kumimoji="0" lang="en-US" altLang="ko-KR" sz="2000" b="0" i="1" u="none" strike="noStrike" kern="1200" cap="none" spc="0" normalizeH="0" baseline="0" noProof="0">
+                            <a:ln>
+                              <a:noFill/>
+                            </a:ln>
+                            <a:solidFill>
+                              <a:prstClr val="black"/>
+                            </a:solidFill>
+                            <a:effectLst/>
+                            <a:uLnTx/>
+                            <a:uFillTx/>
+                            <a:latin typeface="Cambria Math" panose="02040503050406030204" pitchFamily="18" charset="0"/>
+                            <a:cs typeface="+mn-cs"/>
+                          </a:rPr>
+                        </m:ctrlPr>
+                      </m:dPr>
+                      <m:e>
+                        <m:sSub>
+                          <m:sSubPr>
+                            <m:ctrlPr>
+                              <a:rPr kumimoji="0" lang="en-US" altLang="ko-KR" sz="2000" b="0" i="1" u="none" strike="noStrike" kern="1200" cap="none" spc="0" normalizeH="0" baseline="0" noProof="0">
+                                <a:ln>
+                                  <a:noFill/>
+                                </a:ln>
+                                <a:solidFill>
+                                  <a:prstClr val="black"/>
+                                </a:solidFill>
+                                <a:effectLst/>
+                                <a:uLnTx/>
+                                <a:uFillTx/>
+                                <a:latin typeface="Cambria Math" panose="02040503050406030204" pitchFamily="18" charset="0"/>
+                                <a:cs typeface="+mn-cs"/>
+                              </a:rPr>
+                            </m:ctrlPr>
+                          </m:sSubPr>
+                          <m:e>
+                            <m:r>
+                              <a:rPr kumimoji="0" lang="en-US" altLang="ko-KR" sz="2000" b="0" i="1" u="none" strike="noStrike" kern="1200" cap="none" spc="0" normalizeH="0" baseline="0" noProof="0">
+                                <a:ln>
+                                  <a:noFill/>
+                                </a:ln>
+                                <a:solidFill>
+                                  <a:prstClr val="black"/>
+                                </a:solidFill>
+                                <a:effectLst/>
+                                <a:uLnTx/>
+                                <a:uFillTx/>
+                                <a:latin typeface="Cambria Math" panose="02040503050406030204" pitchFamily="18" charset="0"/>
+                                <a:cs typeface="+mn-cs"/>
+                              </a:rPr>
+                              <m:t>𝑊</m:t>
+                            </m:r>
+                          </m:e>
+                          <m:sub>
+                            <m:r>
+                              <a:rPr kumimoji="0" lang="en-US" altLang="ko-KR" sz="2000" b="0" i="1" u="none" strike="noStrike" kern="1200" cap="none" spc="0" normalizeH="0" baseline="0" noProof="0">
+                                <a:ln>
+                                  <a:noFill/>
+                                </a:ln>
+                                <a:solidFill>
+                                  <a:prstClr val="black"/>
+                                </a:solidFill>
+                                <a:effectLst/>
+                                <a:uLnTx/>
+                                <a:uFillTx/>
+                                <a:latin typeface="Cambria Math" panose="02040503050406030204" pitchFamily="18" charset="0"/>
+                                <a:cs typeface="+mn-cs"/>
+                              </a:rPr>
+                              <m:t>𝑛</m:t>
+                            </m:r>
+                            <m:r>
+                              <a:rPr kumimoji="0" lang="ko-KR" altLang="en-US" sz="2000" b="0" i="1" u="none" strike="noStrike" kern="1200" cap="none" spc="0" normalizeH="0" baseline="0" noProof="0">
+                                <a:ln>
+                                  <a:noFill/>
+                                </a:ln>
+                                <a:solidFill>
+                                  <a:prstClr val="black"/>
+                                </a:solidFill>
+                                <a:effectLst/>
+                                <a:uLnTx/>
+                                <a:uFillTx/>
+                                <a:latin typeface="Cambria Math" panose="02040503050406030204" pitchFamily="18" charset="0"/>
+                                <a:cs typeface="+mn-cs"/>
+                              </a:rPr>
+                              <m:t>𝜑</m:t>
+                            </m:r>
+                          </m:sub>
+                        </m:sSub>
+                        <m:d>
+                          <m:dPr>
+                            <m:begChr m:val="["/>
+                            <m:endChr m:val="]"/>
+                            <m:ctrlPr>
+                              <a:rPr kumimoji="0" lang="en-US" altLang="ko-KR" sz="2000" b="0" i="1" u="none" strike="noStrike" kern="1200" cap="none" spc="0" normalizeH="0" baseline="0" noProof="0">
+                                <a:ln>
+                                  <a:noFill/>
+                                </a:ln>
+                                <a:solidFill>
+                                  <a:prstClr val="black"/>
+                                </a:solidFill>
+                                <a:effectLst/>
+                                <a:uLnTx/>
+                                <a:uFillTx/>
+                                <a:latin typeface="Cambria Math" panose="02040503050406030204" pitchFamily="18" charset="0"/>
+                                <a:cs typeface="+mn-cs"/>
+                              </a:rPr>
+                            </m:ctrlPr>
+                          </m:dPr>
+                          <m:e>
+                            <m:sSub>
+                              <m:sSubPr>
+                                <m:ctrlPr>
+                                  <a:rPr kumimoji="0" lang="en-US" altLang="ko-KR" sz="2000" b="0" i="1" u="none" strike="noStrike" kern="1200" cap="none" spc="0" normalizeH="0" baseline="0" noProof="0">
+                                    <a:ln>
+                                      <a:noFill/>
+                                    </a:ln>
+                                    <a:solidFill>
+                                      <a:prstClr val="black"/>
+                                    </a:solidFill>
+                                    <a:effectLst/>
+                                    <a:uLnTx/>
+                                    <a:uFillTx/>
+                                    <a:latin typeface="Cambria Math" panose="02040503050406030204" pitchFamily="18" charset="0"/>
+                                    <a:cs typeface="+mn-cs"/>
+                                  </a:rPr>
+                                </m:ctrlPr>
+                              </m:sSubPr>
+                              <m:e>
+                                <m:r>
+                                  <a:rPr kumimoji="0" lang="en-US" altLang="ko-KR" sz="2000" b="0" i="1" u="none" strike="noStrike" kern="1200" cap="none" spc="0" normalizeH="0" baseline="0" noProof="0">
+                                    <a:ln>
+                                      <a:noFill/>
+                                    </a:ln>
+                                    <a:solidFill>
+                                      <a:prstClr val="black"/>
+                                    </a:solidFill>
+                                    <a:effectLst/>
+                                    <a:uLnTx/>
+                                    <a:uFillTx/>
+                                    <a:latin typeface="Cambria Math" panose="02040503050406030204" pitchFamily="18" charset="0"/>
+                                    <a:cs typeface="+mn-cs"/>
+                                  </a:rPr>
+                                  <m:t>𝑛</m:t>
+                                </m:r>
+                              </m:e>
+                              <m:sub>
+                                <m:r>
+                                  <a:rPr kumimoji="0" lang="en-US" altLang="ko-KR" sz="2000" b="0" i="1" u="none" strike="noStrike" kern="1200" cap="none" spc="0" normalizeH="0" baseline="0" noProof="0">
+                                    <a:ln>
+                                      <a:noFill/>
+                                    </a:ln>
+                                    <a:solidFill>
+                                      <a:prstClr val="black"/>
+                                    </a:solidFill>
+                                    <a:effectLst/>
+                                    <a:uLnTx/>
+                                    <a:uFillTx/>
+                                    <a:latin typeface="Cambria Math" panose="02040503050406030204" pitchFamily="18" charset="0"/>
+                                    <a:cs typeface="+mn-cs"/>
+                                  </a:rPr>
+                                  <m:t>𝑖</m:t>
+                                </m:r>
+                              </m:sub>
+                            </m:sSub>
+                            <m:r>
+                              <a:rPr kumimoji="0" lang="en-US" altLang="ko-KR" sz="2000" b="0" i="1" u="none" strike="noStrike" kern="1200" cap="none" spc="0" normalizeH="0" baseline="0" noProof="0">
+                                <a:ln>
+                                  <a:noFill/>
+                                </a:ln>
+                                <a:solidFill>
+                                  <a:prstClr val="black"/>
+                                </a:solidFill>
+                                <a:effectLst/>
+                                <a:uLnTx/>
+                                <a:uFillTx/>
+                                <a:latin typeface="Cambria Math" panose="02040503050406030204" pitchFamily="18" charset="0"/>
+                                <a:ea typeface="Cambria Math" panose="02040503050406030204" pitchFamily="18" charset="0"/>
+                                <a:cs typeface="+mn-cs"/>
+                              </a:rPr>
+                              <m:t>∥</m:t>
+                            </m:r>
+                            <m:sSub>
+                              <m:sSubPr>
+                                <m:ctrlPr>
+                                  <a:rPr kumimoji="0" lang="en-US" altLang="ko-KR" sz="2000" b="0" i="1" u="none" strike="noStrike" kern="1200" cap="none" spc="0" normalizeH="0" baseline="0" noProof="0">
+                                    <a:ln>
+                                      <a:noFill/>
+                                    </a:ln>
+                                    <a:solidFill>
+                                      <a:prstClr val="black"/>
+                                    </a:solidFill>
+                                    <a:effectLst/>
+                                    <a:uLnTx/>
+                                    <a:uFillTx/>
+                                    <a:latin typeface="Cambria Math" panose="02040503050406030204" pitchFamily="18" charset="0"/>
+                                    <a:cs typeface="+mn-cs"/>
+                                  </a:rPr>
+                                </m:ctrlPr>
+                              </m:sSubPr>
+                              <m:e>
+                                <m:r>
+                                  <a:rPr kumimoji="0" lang="en-US" altLang="ko-KR" sz="2000" b="0" i="1" u="none" strike="noStrike" kern="1200" cap="none" spc="0" normalizeH="0" baseline="0" noProof="0">
+                                    <a:ln>
+                                      <a:noFill/>
+                                    </a:ln>
+                                    <a:solidFill>
+                                      <a:prstClr val="black"/>
+                                    </a:solidFill>
+                                    <a:effectLst/>
+                                    <a:uLnTx/>
+                                    <a:uFillTx/>
+                                    <a:latin typeface="Cambria Math" panose="02040503050406030204" pitchFamily="18" charset="0"/>
+                                    <a:cs typeface="+mn-cs"/>
+                                  </a:rPr>
+                                  <m:t>𝑛</m:t>
+                                </m:r>
+                              </m:e>
+                              <m:sub>
+                                <m:r>
+                                  <a:rPr kumimoji="0" lang="en-US" altLang="ko-KR" sz="2000" b="0" i="1" u="none" strike="noStrike" kern="1200" cap="none" spc="0" normalizeH="0" baseline="0" noProof="0">
+                                    <a:ln>
+                                      <a:noFill/>
+                                    </a:ln>
+                                    <a:solidFill>
+                                      <a:prstClr val="black"/>
+                                    </a:solidFill>
+                                    <a:effectLst/>
+                                    <a:uLnTx/>
+                                    <a:uFillTx/>
+                                    <a:latin typeface="Cambria Math" panose="02040503050406030204" pitchFamily="18" charset="0"/>
+                                    <a:cs typeface="+mn-cs"/>
+                                  </a:rPr>
+                                  <m:t>𝑗</m:t>
+                                </m:r>
+                              </m:sub>
+                            </m:sSub>
+                          </m:e>
+                        </m:d>
+                      </m:e>
+                    </m:d>
+                  </m:oMath>
+                </a14:m>
+                <a:br>
+                  <a:rPr kumimoji="0" lang="en-US" altLang="ko-KR" sz="1800" b="0" i="0" u="none" strike="noStrike" kern="1200" cap="none" spc="0" normalizeH="0" baseline="0" noProof="0" dirty="0">
+                    <a:ln>
+                      <a:noFill/>
+                    </a:ln>
+                    <a:solidFill>
+                      <a:prstClr val="white">
+                        <a:lumMod val="50000"/>
+                      </a:prstClr>
+                    </a:solidFill>
+                    <a:effectLst/>
+                    <a:uLnTx/>
+                    <a:uFillTx/>
+                    <a:latin typeface="Calibri"/>
+                    <a:ea typeface="맑은 고딕" panose="020B0503020000020004" pitchFamily="50" charset="-127"/>
+                    <a:cs typeface="+mn-cs"/>
+                    <a:sym typeface="Wingdings" panose="05000000000000000000" pitchFamily="2" charset="2"/>
+                  </a:rPr>
+                </a:br>
+                <a:endParaRPr kumimoji="0" lang="en-US" altLang="ko-KR" sz="1800" b="0" i="0" u="none" strike="noStrike" kern="1200" cap="none" spc="0" normalizeH="0" baseline="0" noProof="0" dirty="0">
+                  <a:ln>
+                    <a:noFill/>
+                  </a:ln>
+                  <a:solidFill>
+                    <a:prstClr val="black"/>
+                  </a:solidFill>
+                  <a:effectLst/>
+                  <a:uLnTx/>
+                  <a:uFillTx/>
+                  <a:latin typeface="Calibri"/>
+                  <a:ea typeface="맑은 고딕" panose="020B0503020000020004" pitchFamily="50" charset="-127"/>
+                  <a:cs typeface="+mn-cs"/>
+                </a:endParaRPr>
+              </a:p>
+            </p:txBody>
+          </p:sp>
+        </mc:Choice>
+        <mc:Fallback>
+          <p:sp>
+            <p:nvSpPr>
+              <p:cNvPr id="13" name="직사각형 12">
+                <a:extLst>
+                  <a:ext uri="{FF2B5EF4-FFF2-40B4-BE49-F238E27FC236}">
+                    <a16:creationId xmlns:a16="http://schemas.microsoft.com/office/drawing/2014/main" id="{E2A140F2-6D90-18D8-56F8-34173B7AA842}"/>
+                  </a:ext>
+                </a:extLst>
+              </p:cNvPr>
+              <p:cNvSpPr>
+                <a:spLocks noRot="1" noChangeAspect="1" noMove="1" noResize="1" noEditPoints="1" noAdjustHandles="1" noChangeArrowheads="1" noChangeShapeType="1" noTextEdit="1"/>
+              </p:cNvSpPr>
+              <p:nvPr/>
+            </p:nvSpPr>
+            <p:spPr>
+              <a:xfrm>
+                <a:off x="1198563" y="2141136"/>
+                <a:ext cx="5382110" cy="2969659"/>
+              </a:xfrm>
+              <a:prstGeom prst="rect">
+                <a:avLst/>
+              </a:prstGeom>
+              <a:blipFill>
+                <a:blip r:embed="rId3"/>
+                <a:stretch>
+                  <a:fillRect l="-793"/>
+                </a:stretch>
+              </a:blipFill>
+            </p:spPr>
+            <p:txBody>
+              <a:bodyPr/>
+              <a:lstStyle/>
+              <a:p>
+                <a:r>
+                  <a:rPr lang="ko-KR" altLang="en-US">
+                    <a:noFill/>
+                  </a:rPr>
+                  <a:t> </a:t>
+                </a:r>
+              </a:p>
+            </p:txBody>
+          </p:sp>
+        </mc:Fallback>
+      </mc:AlternateContent>
+      <p:pic>
+        <p:nvPicPr>
+          <p:cNvPr id="21" name="그림 20">
+            <a:extLst>
+              <a:ext uri="{FF2B5EF4-FFF2-40B4-BE49-F238E27FC236}">
+                <a16:creationId xmlns:a16="http://schemas.microsoft.com/office/drawing/2014/main" id="{25E0BA9D-6804-2C97-2475-CD5C53760D69}"/>
+              </a:ext>
+            </a:extLst>
+          </p:cNvPr>
+          <p:cNvPicPr>
+            <a:picLocks noChangeAspect="1"/>
+          </p:cNvPicPr>
+          <p:nvPr/>
+        </p:nvPicPr>
+        <p:blipFill>
+          <a:blip r:embed="rId4"/>
+          <a:srcRect l="52208" t="28015"/>
+          <a:stretch>
+            <a:fillRect/>
+          </a:stretch>
+        </p:blipFill>
+        <p:spPr>
+          <a:xfrm>
+            <a:off x="6580673" y="1533525"/>
+            <a:ext cx="5093802" cy="2894764"/>
+          </a:xfrm>
+          <a:prstGeom prst="rect">
+            <a:avLst/>
+          </a:prstGeom>
+          <a:effectLst>
+            <a:softEdge rad="63500"/>
+          </a:effectLst>
+        </p:spPr>
+      </p:pic>
+      <p:sp>
+        <p:nvSpPr>
+          <p:cNvPr id="22" name="직사각형 21">
+            <a:extLst>
+              <a:ext uri="{FF2B5EF4-FFF2-40B4-BE49-F238E27FC236}">
+                <a16:creationId xmlns:a16="http://schemas.microsoft.com/office/drawing/2014/main" id="{94F6BFDC-E92E-680E-4D59-78F808BC627B}"/>
+              </a:ext>
+            </a:extLst>
+          </p:cNvPr>
+          <p:cNvSpPr/>
+          <p:nvPr/>
+        </p:nvSpPr>
+        <p:spPr>
+          <a:xfrm>
+            <a:off x="8235951" y="2347415"/>
+            <a:ext cx="1696731" cy="1606769"/>
+          </a:xfrm>
+          <a:prstGeom prst="rect">
+            <a:avLst/>
+          </a:prstGeom>
+          <a:solidFill>
+            <a:srgbClr val="FFFF00">
+              <a:alpha val="10196"/>
+            </a:srgbClr>
+          </a:solidFill>
+          <a:ln>
+            <a:solidFill>
+              <a:srgbClr val="FFFF00"/>
+            </a:solidFill>
+          </a:ln>
+          <a:effectLst/>
+        </p:spPr>
+        <p:style>
+          <a:lnRef idx="1">
+            <a:schemeClr val="accent1"/>
+          </a:lnRef>
+          <a:fillRef idx="3">
+            <a:schemeClr val="accent1"/>
+          </a:fillRef>
+          <a:effectRef idx="2">
+            <a:schemeClr val="accent1"/>
+          </a:effectRef>
+          <a:fontRef idx="minor">
+            <a:schemeClr val="lt1"/>
+          </a:fontRef>
+        </p:style>
+        <p:txBody>
+          <a:bodyPr rtlCol="0" anchor="ctr"/>
+          <a:lstStyle/>
+          <a:p>
+            <a:pPr marL="0" marR="0" lvl="0" indent="0" algn="ctr" defTabSz="457200" rtl="0" eaLnBrk="1" fontAlgn="auto" latinLnBrk="0" hangingPunct="1">
+              <a:lnSpc>
+                <a:spcPct val="100000"/>
+              </a:lnSpc>
+              <a:spcBef>
+                <a:spcPts val="0"/>
+              </a:spcBef>
+              <a:spcAft>
+                <a:spcPts val="0"/>
+              </a:spcAft>
+              <a:buClrTx/>
+              <a:buSzTx/>
+              <a:buFontTx/>
+              <a:buNone/>
+              <a:tabLst/>
+              <a:defRPr/>
+            </a:pPr>
+            <a:endParaRPr kumimoji="0" lang="ko-KR" altLang="en-US" sz="2000" b="0" i="0" u="none" strike="noStrike" kern="1200" cap="none" spc="0" normalizeH="0" baseline="0" noProof="0">
+              <a:ln>
+                <a:noFill/>
+              </a:ln>
+              <a:solidFill>
+                <a:prstClr val="white"/>
+              </a:solidFill>
+              <a:effectLst/>
+              <a:uLnTx/>
+              <a:uFillTx/>
+              <a:latin typeface="Calibri"/>
+              <a:ea typeface="맑은 고딕" panose="020B0503020000020004" pitchFamily="50" charset="-127"/>
+              <a:cs typeface="+mn-cs"/>
+            </a:endParaRPr>
+          </a:p>
+        </p:txBody>
+      </p:sp>
+      <p:pic>
+        <p:nvPicPr>
+          <p:cNvPr id="4" name="그림 3">
+            <a:extLst>
+              <a:ext uri="{FF2B5EF4-FFF2-40B4-BE49-F238E27FC236}">
+                <a16:creationId xmlns:a16="http://schemas.microsoft.com/office/drawing/2014/main" id="{234CA4E4-EE7E-E649-5290-A5D8C998C0BF}"/>
+              </a:ext>
+            </a:extLst>
+          </p:cNvPr>
+          <p:cNvPicPr>
+            <a:picLocks noChangeAspect="1"/>
+          </p:cNvPicPr>
+          <p:nvPr/>
+        </p:nvPicPr>
+        <p:blipFill>
+          <a:blip r:embed="rId5"/>
+          <a:stretch>
+            <a:fillRect/>
+          </a:stretch>
+        </p:blipFill>
+        <p:spPr>
+          <a:xfrm>
+            <a:off x="6580673" y="4595728"/>
+            <a:ext cx="5093802" cy="1553793"/>
+          </a:xfrm>
+          <a:prstGeom prst="rect">
+            <a:avLst/>
+          </a:prstGeom>
+          <a:effectLst>
+            <a:softEdge rad="63500"/>
+          </a:effectLst>
+        </p:spPr>
+      </p:pic>
+      <mc:AlternateContent xmlns:mc="http://schemas.openxmlformats.org/markup-compatibility/2006">
+        <mc:Choice xmlns:a14="http://schemas.microsoft.com/office/drawing/2010/main" Requires="a14">
+          <p:sp>
+            <p:nvSpPr>
+              <p:cNvPr id="6" name="직사각형 5">
+                <a:extLst>
+                  <a:ext uri="{FF2B5EF4-FFF2-40B4-BE49-F238E27FC236}">
+                    <a16:creationId xmlns:a16="http://schemas.microsoft.com/office/drawing/2014/main" id="{0A61E120-3D13-7288-539C-64829C2E2452}"/>
+                  </a:ext>
+                </a:extLst>
+              </p:cNvPr>
+              <p:cNvSpPr/>
+              <p:nvPr/>
+            </p:nvSpPr>
+            <p:spPr>
+              <a:xfrm>
+                <a:off x="1198562" y="5110795"/>
+                <a:ext cx="7829323" cy="1606658"/>
+              </a:xfrm>
+              <a:prstGeom prst="rect">
+                <a:avLst/>
+              </a:prstGeom>
+              <a:noFill/>
+            </p:spPr>
+            <p:txBody>
+              <a:bodyPr wrap="square">
+                <a:spAutoFit/>
+              </a:bodyPr>
+              <a:lstStyle/>
+              <a:p>
+                <a:pPr marL="285750" marR="0" lvl="1" indent="-285750" algn="l" defTabSz="457200" rtl="0" eaLnBrk="1" fontAlgn="auto" latinLnBrk="0" hangingPunct="1">
+                  <a:lnSpc>
+                    <a:spcPct val="130000"/>
+                  </a:lnSpc>
+                  <a:spcBef>
+                    <a:spcPts val="0"/>
+                  </a:spcBef>
+                  <a:spcAft>
+                    <a:spcPts val="0"/>
+                  </a:spcAft>
+                  <a:buClrTx/>
+                  <a:buSzTx/>
+                  <a:buFont typeface="Arial" panose="020B0604020202020204" pitchFamily="34" charset="0"/>
+                  <a:buChar char="•"/>
+                  <a:tabLst/>
+                  <a:defRPr/>
+                </a:pPr>
+                <a:r>
+                  <a:rPr kumimoji="0" lang="en-US" altLang="ko-KR" sz="1800" b="0" i="0" u="none" strike="noStrike" kern="1200" cap="none" spc="0" normalizeH="0" baseline="0" noProof="0" dirty="0">
+                    <a:ln>
+                      <a:noFill/>
+                    </a:ln>
+                    <a:solidFill>
+                      <a:prstClr val="white">
+                        <a:lumMod val="50000"/>
+                      </a:prstClr>
+                    </a:solidFill>
+                    <a:effectLst/>
+                    <a:uLnTx/>
+                    <a:uFillTx/>
+                    <a:latin typeface="Calibri"/>
+                    <a:ea typeface="맑은 고딕" panose="020B0503020000020004" pitchFamily="50" charset="-127"/>
+                    <a:cs typeface="+mn-cs"/>
+                    <a:sym typeface="Wingdings" panose="05000000000000000000" pitchFamily="2" charset="2"/>
+                  </a:rPr>
+                  <a:t>Where</a:t>
+                </a:r>
+                <a:br>
+                  <a:rPr kumimoji="0" lang="en-US" altLang="ko-KR" sz="1800" b="0" i="0" u="none" strike="noStrike" kern="1200" cap="none" spc="0" normalizeH="0" baseline="0" noProof="0" dirty="0">
+                    <a:ln>
+                      <a:noFill/>
+                    </a:ln>
+                    <a:solidFill>
+                      <a:prstClr val="white">
+                        <a:lumMod val="50000"/>
+                      </a:prstClr>
+                    </a:solidFill>
+                    <a:effectLst/>
+                    <a:uLnTx/>
+                    <a:uFillTx/>
+                    <a:latin typeface="Calibri"/>
+                    <a:ea typeface="맑은 고딕" panose="020B0503020000020004" pitchFamily="50" charset="-127"/>
+                    <a:cs typeface="+mn-cs"/>
+                    <a:sym typeface="Wingdings" panose="05000000000000000000" pitchFamily="2" charset="2"/>
+                  </a:rPr>
+                </a:br>
+                <a:r>
+                  <a:rPr kumimoji="0" lang="en-US" altLang="ko-KR" sz="1800" b="0" i="0" u="none" strike="noStrike" kern="1200" cap="none" spc="0" normalizeH="0" baseline="0" noProof="0" dirty="0">
+                    <a:ln>
+                      <a:noFill/>
+                    </a:ln>
+                    <a:solidFill>
+                      <a:prstClr val="white">
+                        <a:lumMod val="50000"/>
+                      </a:prstClr>
+                    </a:solidFill>
+                    <a:effectLst/>
+                    <a:uLnTx/>
+                    <a:uFillTx/>
+                    <a:latin typeface="Calibri"/>
+                    <a:ea typeface="맑은 고딕" panose="020B0503020000020004" pitchFamily="50" charset="-127"/>
+                    <a:cs typeface="+mn-cs"/>
+                    <a:sym typeface="Wingdings" panose="05000000000000000000" pitchFamily="2" charset="2"/>
+                  </a:rPr>
+                  <a:t>- Target Node </a:t>
+                </a:r>
+                <a14:m>
+                  <m:oMath xmlns:m="http://schemas.openxmlformats.org/officeDocument/2006/math">
+                    <m:sSub>
+                      <m:sSubPr>
+                        <m:ctrlPr>
+                          <a:rPr kumimoji="0" lang="en-US" altLang="ko-KR" sz="1800" b="0" i="0" u="none" strike="noStrike" kern="1200" cap="none" spc="0" normalizeH="0" baseline="0" noProof="0" smtClean="0">
+                            <a:ln>
+                              <a:noFill/>
+                            </a:ln>
+                            <a:solidFill>
+                              <a:prstClr val="white">
+                                <a:lumMod val="50000"/>
+                              </a:prstClr>
+                            </a:solidFill>
+                            <a:effectLst/>
+                            <a:uLnTx/>
+                            <a:uFillTx/>
+                            <a:latin typeface="Cambria Math" panose="02040503050406030204" pitchFamily="18" charset="0"/>
+                            <a:cs typeface="+mn-cs"/>
+                            <a:sym typeface="Wingdings" panose="05000000000000000000" pitchFamily="2" charset="2"/>
+                          </a:rPr>
+                        </m:ctrlPr>
+                      </m:sSubPr>
+                      <m:e>
+                        <m:r>
+                          <m:rPr>
+                            <m:sty m:val="p"/>
+                          </m:rPr>
+                          <a:rPr kumimoji="0" lang="en-US" altLang="ko-KR" sz="1800" b="0" i="0" u="none" strike="noStrike" kern="1200" cap="none" spc="0" normalizeH="0" baseline="0" noProof="0" smtClean="0">
+                            <a:ln>
+                              <a:noFill/>
+                            </a:ln>
+                            <a:solidFill>
+                              <a:prstClr val="white">
+                                <a:lumMod val="50000"/>
+                              </a:prstClr>
+                            </a:solidFill>
+                            <a:effectLst/>
+                            <a:uLnTx/>
+                            <a:uFillTx/>
+                            <a:latin typeface="Cambria Math" panose="02040503050406030204" pitchFamily="18" charset="0"/>
+                            <a:cs typeface="+mn-cs"/>
+                            <a:sym typeface="Wingdings" panose="05000000000000000000" pitchFamily="2" charset="2"/>
+                          </a:rPr>
+                          <m:t>n</m:t>
+                        </m:r>
+                      </m:e>
+                      <m:sub>
+                        <m:r>
+                          <a:rPr kumimoji="0" lang="en-US" altLang="ko-KR" sz="1800" b="0" i="1" u="none" strike="noStrike" kern="1200" cap="none" spc="0" normalizeH="0" baseline="0" noProof="0" smtClean="0">
+                            <a:ln>
+                              <a:noFill/>
+                            </a:ln>
+                            <a:solidFill>
+                              <a:prstClr val="white">
+                                <a:lumMod val="50000"/>
+                              </a:prstClr>
+                            </a:solidFill>
+                            <a:effectLst/>
+                            <a:uLnTx/>
+                            <a:uFillTx/>
+                            <a:latin typeface="Cambria Math" panose="02040503050406030204" pitchFamily="18" charset="0"/>
+                            <a:cs typeface="+mn-cs"/>
+                            <a:sym typeface="Wingdings" panose="05000000000000000000" pitchFamily="2" charset="2"/>
+                          </a:rPr>
+                          <m:t>𝑖</m:t>
+                        </m:r>
+                      </m:sub>
+                    </m:sSub>
+                    <m:r>
+                      <a:rPr kumimoji="0" lang="en-US" altLang="ko-KR" sz="1800" b="0" i="1" u="none" strike="noStrike" kern="1200" cap="none" spc="0" normalizeH="0" baseline="0" noProof="0" smtClean="0">
+                        <a:ln>
+                          <a:noFill/>
+                        </a:ln>
+                        <a:solidFill>
+                          <a:prstClr val="white">
+                            <a:lumMod val="50000"/>
+                          </a:prstClr>
+                        </a:solidFill>
+                        <a:effectLst/>
+                        <a:uLnTx/>
+                        <a:uFillTx/>
+                        <a:latin typeface="Cambria Math" panose="02040503050406030204" pitchFamily="18" charset="0"/>
+                        <a:cs typeface="+mn-cs"/>
+                        <a:sym typeface="Wingdings" panose="05000000000000000000" pitchFamily="2" charset="2"/>
+                      </a:rPr>
+                      <m:t>, </m:t>
+                    </m:r>
+                  </m:oMath>
+                </a14:m>
+                <a:r>
+                  <a:rPr kumimoji="0" lang="en-US" altLang="ko-KR" sz="1800" b="0" i="0" u="none" strike="noStrike" kern="1200" cap="none" spc="0" normalizeH="0" baseline="0" noProof="0" dirty="0">
+                    <a:ln>
+                      <a:noFill/>
+                    </a:ln>
+                    <a:solidFill>
+                      <a:prstClr val="white">
+                        <a:lumMod val="50000"/>
+                      </a:prstClr>
+                    </a:solidFill>
+                    <a:effectLst/>
+                    <a:uLnTx/>
+                    <a:uFillTx/>
+                    <a:latin typeface="Calibri"/>
+                    <a:ea typeface="맑은 고딕" panose="020B0503020000020004" pitchFamily="50" charset="-127"/>
+                    <a:cs typeface="+mn-cs"/>
+                    <a:sym typeface="Wingdings" panose="05000000000000000000" pitchFamily="2" charset="2"/>
+                  </a:rPr>
+                  <a:t>Source Node </a:t>
+                </a:r>
+                <a14:m>
+                  <m:oMath xmlns:m="http://schemas.openxmlformats.org/officeDocument/2006/math">
+                    <m:sSub>
+                      <m:sSubPr>
+                        <m:ctrlPr>
+                          <a:rPr kumimoji="0" lang="en-US" altLang="ko-KR" sz="1800" b="0" i="0" u="none" strike="noStrike" kern="1200" cap="none" spc="0" normalizeH="0" baseline="0" noProof="0" smtClean="0">
+                            <a:ln>
+                              <a:noFill/>
+                            </a:ln>
+                            <a:solidFill>
+                              <a:prstClr val="white">
+                                <a:lumMod val="50000"/>
+                              </a:prstClr>
+                            </a:solidFill>
+                            <a:effectLst/>
+                            <a:uLnTx/>
+                            <a:uFillTx/>
+                            <a:latin typeface="Cambria Math" panose="02040503050406030204" pitchFamily="18" charset="0"/>
+                            <a:cs typeface="+mn-cs"/>
+                            <a:sym typeface="Wingdings" panose="05000000000000000000" pitchFamily="2" charset="2"/>
+                          </a:rPr>
+                        </m:ctrlPr>
+                      </m:sSubPr>
+                      <m:e>
+                        <m:r>
+                          <m:rPr>
+                            <m:sty m:val="p"/>
+                          </m:rPr>
+                          <a:rPr kumimoji="0" lang="en-US" altLang="ko-KR" sz="1800" b="0" i="0" u="none" strike="noStrike" kern="1200" cap="none" spc="0" normalizeH="0" baseline="0" noProof="0" smtClean="0">
+                            <a:ln>
+                              <a:noFill/>
+                            </a:ln>
+                            <a:solidFill>
+                              <a:prstClr val="white">
+                                <a:lumMod val="50000"/>
+                              </a:prstClr>
+                            </a:solidFill>
+                            <a:effectLst/>
+                            <a:uLnTx/>
+                            <a:uFillTx/>
+                            <a:latin typeface="Cambria Math" panose="02040503050406030204" pitchFamily="18" charset="0"/>
+                            <a:cs typeface="+mn-cs"/>
+                            <a:sym typeface="Wingdings" panose="05000000000000000000" pitchFamily="2" charset="2"/>
+                          </a:rPr>
+                          <m:t>n</m:t>
+                        </m:r>
+                      </m:e>
+                      <m:sub>
+                        <m:r>
+                          <a:rPr kumimoji="0" lang="en-US" altLang="ko-KR" sz="1800" b="0" i="1" u="none" strike="noStrike" kern="1200" cap="none" spc="0" normalizeH="0" baseline="0" noProof="0" smtClean="0">
+                            <a:ln>
+                              <a:noFill/>
+                            </a:ln>
+                            <a:solidFill>
+                              <a:prstClr val="white">
+                                <a:lumMod val="50000"/>
+                              </a:prstClr>
+                            </a:solidFill>
+                            <a:effectLst/>
+                            <a:uLnTx/>
+                            <a:uFillTx/>
+                            <a:latin typeface="Cambria Math" panose="02040503050406030204" pitchFamily="18" charset="0"/>
+                            <a:cs typeface="+mn-cs"/>
+                            <a:sym typeface="Wingdings" panose="05000000000000000000" pitchFamily="2" charset="2"/>
+                          </a:rPr>
+                          <m:t>𝑗</m:t>
+                        </m:r>
+                      </m:sub>
+                    </m:sSub>
+                    <m:r>
+                      <a:rPr kumimoji="0" lang="en-US" altLang="ko-KR" sz="1800" b="0" i="0" u="none" strike="noStrike" kern="1200" cap="none" spc="0" normalizeH="0" baseline="0" noProof="0" smtClean="0">
+                        <a:ln>
+                          <a:noFill/>
+                        </a:ln>
+                        <a:solidFill>
+                          <a:prstClr val="white">
+                            <a:lumMod val="50000"/>
+                          </a:prstClr>
+                        </a:solidFill>
+                        <a:effectLst/>
+                        <a:uLnTx/>
+                        <a:uFillTx/>
+                        <a:latin typeface="Cambria Math" panose="02040503050406030204" pitchFamily="18" charset="0"/>
+                        <a:cs typeface="+mn-cs"/>
+                        <a:sym typeface="Wingdings" panose="05000000000000000000" pitchFamily="2" charset="2"/>
+                      </a:rPr>
+                      <m:t>, </m:t>
+                    </m:r>
+                  </m:oMath>
+                </a14:m>
+                <a:br>
+                  <a:rPr kumimoji="0" lang="en-US" altLang="ko-KR" sz="1800" b="0" i="0" u="none" strike="noStrike" kern="1200" cap="none" spc="0" normalizeH="0" baseline="0" noProof="0" dirty="0">
+                    <a:ln>
+                      <a:noFill/>
+                    </a:ln>
+                    <a:solidFill>
+                      <a:prstClr val="white">
+                        <a:lumMod val="50000"/>
+                      </a:prstClr>
+                    </a:solidFill>
+                    <a:effectLst/>
+                    <a:uLnTx/>
+                    <a:uFillTx/>
+                    <a:latin typeface="Calibri"/>
+                    <a:ea typeface="맑은 고딕" panose="020B0503020000020004" pitchFamily="50" charset="-127"/>
+                    <a:cs typeface="+mn-cs"/>
+                    <a:sym typeface="Wingdings" panose="05000000000000000000" pitchFamily="2" charset="2"/>
+                  </a:rPr>
+                </a:br>
+                <a:r>
+                  <a:rPr kumimoji="0" lang="en-US" altLang="ko-KR" sz="1800" b="0" i="0" u="none" strike="noStrike" kern="1200" cap="none" spc="0" normalizeH="0" baseline="0" noProof="0" dirty="0">
+                    <a:ln>
+                      <a:noFill/>
+                    </a:ln>
+                    <a:solidFill>
+                      <a:prstClr val="white">
+                        <a:lumMod val="50000"/>
+                      </a:prstClr>
+                    </a:solidFill>
+                    <a:effectLst/>
+                    <a:uLnTx/>
+                    <a:uFillTx/>
+                    <a:latin typeface="Calibri"/>
+                    <a:ea typeface="맑은 고딕" panose="020B0503020000020004" pitchFamily="50" charset="-127"/>
+                    <a:cs typeface="+mn-cs"/>
+                    <a:sym typeface="Wingdings" panose="05000000000000000000" pitchFamily="2" charset="2"/>
+                  </a:rPr>
+                  <a:t>- </a:t>
+                </a:r>
+                <a14:m>
+                  <m:oMath xmlns:m="http://schemas.openxmlformats.org/officeDocument/2006/math">
+                    <m:sSup>
+                      <m:sSupPr>
+                        <m:ctrlPr>
+                          <a:rPr kumimoji="0" lang="en-US" altLang="ko-KR" sz="1800" b="0" i="1" u="none" strike="noStrike" kern="1200" cap="none" spc="0" normalizeH="0" baseline="0" noProof="0" smtClean="0">
+                            <a:ln>
+                              <a:noFill/>
+                            </a:ln>
+                            <a:solidFill>
+                              <a:prstClr val="white">
+                                <a:lumMod val="50000"/>
+                              </a:prstClr>
+                            </a:solidFill>
+                            <a:effectLst/>
+                            <a:uLnTx/>
+                            <a:uFillTx/>
+                            <a:latin typeface="Cambria Math" panose="02040503050406030204" pitchFamily="18" charset="0"/>
+                            <a:cs typeface="+mn-cs"/>
+                            <a:sym typeface="Wingdings" panose="05000000000000000000" pitchFamily="2" charset="2"/>
+                          </a:rPr>
+                        </m:ctrlPr>
+                      </m:sSupPr>
+                      <m:e>
+                        <m:r>
+                          <a:rPr kumimoji="0" lang="en-US" altLang="ko-KR" sz="1800" b="0" i="1" u="none" strike="noStrike" kern="1200" cap="none" spc="0" normalizeH="0" baseline="0" noProof="0" smtClean="0">
+                            <a:ln>
+                              <a:noFill/>
+                            </a:ln>
+                            <a:solidFill>
+                              <a:prstClr val="white">
+                                <a:lumMod val="50000"/>
+                              </a:prstClr>
+                            </a:solidFill>
+                            <a:effectLst/>
+                            <a:uLnTx/>
+                            <a:uFillTx/>
+                            <a:latin typeface="Cambria Math" panose="02040503050406030204" pitchFamily="18" charset="0"/>
+                            <a:cs typeface="+mn-cs"/>
+                            <a:sym typeface="Wingdings" panose="05000000000000000000" pitchFamily="2" charset="2"/>
+                          </a:rPr>
+                          <m:t>𝛼</m:t>
+                        </m:r>
+                      </m:e>
+                      <m:sup>
+                        <m:r>
+                          <a:rPr kumimoji="0" lang="en-US" altLang="ko-KR" sz="1800" b="0" i="1" u="none" strike="noStrike" kern="1200" cap="none" spc="0" normalizeH="0" baseline="0" noProof="0" smtClean="0">
+                            <a:ln>
+                              <a:noFill/>
+                            </a:ln>
+                            <a:solidFill>
+                              <a:prstClr val="white">
+                                <a:lumMod val="50000"/>
+                              </a:prstClr>
+                            </a:solidFill>
+                            <a:effectLst/>
+                            <a:uLnTx/>
+                            <a:uFillTx/>
+                            <a:latin typeface="Cambria Math" panose="02040503050406030204" pitchFamily="18" charset="0"/>
+                            <a:cs typeface="+mn-cs"/>
+                            <a:sym typeface="Wingdings" panose="05000000000000000000" pitchFamily="2" charset="2"/>
+                          </a:rPr>
+                          <m:t>(1)</m:t>
+                        </m:r>
+                      </m:sup>
+                    </m:sSup>
+                    <m:r>
+                      <a:rPr kumimoji="0" lang="en-US" altLang="ko-KR" sz="1800" b="0" i="1" u="none" strike="noStrike" kern="1200" cap="none" spc="0" normalizeH="0" baseline="0" noProof="0" smtClean="0">
+                        <a:ln>
+                          <a:noFill/>
+                        </a:ln>
+                        <a:solidFill>
+                          <a:prstClr val="white">
+                            <a:lumMod val="50000"/>
+                          </a:prstClr>
+                        </a:solidFill>
+                        <a:effectLst/>
+                        <a:uLnTx/>
+                        <a:uFillTx/>
+                        <a:latin typeface="Cambria Math" panose="02040503050406030204" pitchFamily="18" charset="0"/>
+                        <a:cs typeface="+mn-cs"/>
+                        <a:sym typeface="Wingdings" panose="05000000000000000000" pitchFamily="2" charset="2"/>
+                      </a:rPr>
+                      <m:t>:</m:t>
+                    </m:r>
+                    <m:sSup>
+                      <m:sSupPr>
+                        <m:ctrlPr>
+                          <a:rPr kumimoji="0" lang="en-US" altLang="ko-KR" sz="1800" b="0" i="1" u="none" strike="noStrike" kern="1200" cap="none" spc="0" normalizeH="0" baseline="0" noProof="0" smtClean="0">
+                            <a:ln>
+                              <a:noFill/>
+                            </a:ln>
+                            <a:solidFill>
+                              <a:prstClr val="white">
+                                <a:lumMod val="50000"/>
+                              </a:prstClr>
+                            </a:solidFill>
+                            <a:effectLst/>
+                            <a:uLnTx/>
+                            <a:uFillTx/>
+                            <a:latin typeface="Cambria Math" panose="02040503050406030204" pitchFamily="18" charset="0"/>
+                            <a:cs typeface="+mn-cs"/>
+                            <a:sym typeface="Wingdings" panose="05000000000000000000" pitchFamily="2" charset="2"/>
+                          </a:rPr>
+                        </m:ctrlPr>
+                      </m:sSupPr>
+                      <m:e>
+                        <m:r>
+                          <a:rPr kumimoji="0" lang="en-US" altLang="ko-KR" sz="1800" b="0" i="1" u="none" strike="noStrike" kern="1200" cap="none" spc="0" normalizeH="0" baseline="0" noProof="0" smtClean="0">
+                            <a:ln>
+                              <a:noFill/>
+                            </a:ln>
+                            <a:solidFill>
+                              <a:prstClr val="white">
+                                <a:lumMod val="50000"/>
+                              </a:prstClr>
+                            </a:solidFill>
+                            <a:effectLst/>
+                            <a:uLnTx/>
+                            <a:uFillTx/>
+                            <a:latin typeface="Cambria Math" panose="02040503050406030204" pitchFamily="18" charset="0"/>
+                            <a:cs typeface="+mn-cs"/>
+                            <a:sym typeface="Wingdings" panose="05000000000000000000" pitchFamily="2" charset="2"/>
+                          </a:rPr>
+                          <m:t>𝑉</m:t>
+                        </m:r>
+                      </m:e>
+                      <m:sup>
+                        <m:r>
+                          <a:rPr kumimoji="0" lang="en-US" altLang="ko-KR" sz="1800" b="0" i="1" u="none" strike="noStrike" kern="1200" cap="none" spc="0" normalizeH="0" baseline="0" noProof="0" smtClean="0">
+                            <a:ln>
+                              <a:noFill/>
+                            </a:ln>
+                            <a:solidFill>
+                              <a:prstClr val="white">
+                                <a:lumMod val="50000"/>
+                              </a:prstClr>
+                            </a:solidFill>
+                            <a:effectLst/>
+                            <a:uLnTx/>
+                            <a:uFillTx/>
+                            <a:latin typeface="Cambria Math" panose="02040503050406030204" pitchFamily="18" charset="0"/>
+                            <a:cs typeface="+mn-cs"/>
+                            <a:sym typeface="Wingdings" panose="05000000000000000000" pitchFamily="2" charset="2"/>
+                          </a:rPr>
+                          <m:t>(1)</m:t>
+                        </m:r>
+                      </m:sup>
+                    </m:sSup>
+                    <m:r>
+                      <a:rPr kumimoji="0" lang="en-US" altLang="ko-KR" sz="1800" b="0" i="1" u="none" strike="noStrike" kern="1200" cap="none" spc="0" normalizeH="0" baseline="0" noProof="0" smtClean="0">
+                        <a:ln>
+                          <a:noFill/>
+                        </a:ln>
+                        <a:solidFill>
+                          <a:prstClr val="white">
+                            <a:lumMod val="50000"/>
+                          </a:prstClr>
+                        </a:solidFill>
+                        <a:effectLst/>
+                        <a:uLnTx/>
+                        <a:uFillTx/>
+                        <a:latin typeface="Cambria Math" panose="02040503050406030204" pitchFamily="18" charset="0"/>
+                        <a:cs typeface="+mn-cs"/>
+                        <a:sym typeface="Wingdings" panose="05000000000000000000" pitchFamily="2" charset="2"/>
+                      </a:rPr>
+                      <m:t>→</m:t>
+                    </m:r>
+                    <m:sSup>
+                      <m:sSupPr>
+                        <m:ctrlPr>
+                          <a:rPr kumimoji="0" lang="en-US" altLang="ko-KR" sz="1800" b="0" i="1" u="none" strike="noStrike" kern="1200" cap="none" spc="0" normalizeH="0" baseline="0" noProof="0" smtClean="0">
+                            <a:ln>
+                              <a:noFill/>
+                            </a:ln>
+                            <a:solidFill>
+                              <a:prstClr val="white">
+                                <a:lumMod val="50000"/>
+                              </a:prstClr>
+                            </a:solidFill>
+                            <a:effectLst/>
+                            <a:uLnTx/>
+                            <a:uFillTx/>
+                            <a:latin typeface="Cambria Math" panose="02040503050406030204" pitchFamily="18" charset="0"/>
+                            <a:cs typeface="+mn-cs"/>
+                            <a:sym typeface="Wingdings" panose="05000000000000000000" pitchFamily="2" charset="2"/>
+                          </a:rPr>
+                        </m:ctrlPr>
+                      </m:sSupPr>
+                      <m:e>
+                        <m:r>
+                          <a:rPr kumimoji="0" lang="en-US" altLang="ko-KR" sz="1800" b="0" i="1" u="none" strike="noStrike" kern="1200" cap="none" spc="0" normalizeH="0" baseline="0" noProof="0" smtClean="0">
+                            <a:ln>
+                              <a:noFill/>
+                            </a:ln>
+                            <a:solidFill>
+                              <a:prstClr val="white">
+                                <a:lumMod val="50000"/>
+                              </a:prstClr>
+                            </a:solidFill>
+                            <a:effectLst/>
+                            <a:uLnTx/>
+                            <a:uFillTx/>
+                            <a:latin typeface="Cambria Math" panose="02040503050406030204" pitchFamily="18" charset="0"/>
+                            <a:cs typeface="+mn-cs"/>
+                            <a:sym typeface="Wingdings" panose="05000000000000000000" pitchFamily="2" charset="2"/>
+                          </a:rPr>
+                          <m:t>𝑉</m:t>
+                        </m:r>
+                      </m:e>
+                      <m:sup>
+                        <m:r>
+                          <a:rPr kumimoji="0" lang="en-US" altLang="ko-KR" sz="1800" b="0" i="1" u="none" strike="noStrike" kern="1200" cap="none" spc="0" normalizeH="0" baseline="0" noProof="0" smtClean="0">
+                            <a:ln>
+                              <a:noFill/>
+                            </a:ln>
+                            <a:solidFill>
+                              <a:prstClr val="white">
+                                <a:lumMod val="50000"/>
+                              </a:prstClr>
+                            </a:solidFill>
+                            <a:effectLst/>
+                            <a:uLnTx/>
+                            <a:uFillTx/>
+                            <a:latin typeface="Cambria Math" panose="02040503050406030204" pitchFamily="18" charset="0"/>
+                            <a:cs typeface="+mn-cs"/>
+                            <a:sym typeface="Wingdings" panose="05000000000000000000" pitchFamily="2" charset="2"/>
+                          </a:rPr>
+                          <m:t>(0)</m:t>
+                        </m:r>
+                      </m:sup>
+                    </m:sSup>
+                    <m:r>
+                      <a:rPr kumimoji="0" lang="en-US" altLang="ko-KR" sz="1800" b="0" i="1" u="none" strike="noStrike" kern="1200" cap="none" spc="0" normalizeH="0" baseline="0" noProof="0" smtClean="0">
+                        <a:ln>
+                          <a:noFill/>
+                        </a:ln>
+                        <a:solidFill>
+                          <a:prstClr val="white">
+                            <a:lumMod val="50000"/>
+                          </a:prstClr>
+                        </a:solidFill>
+                        <a:effectLst/>
+                        <a:uLnTx/>
+                        <a:uFillTx/>
+                        <a:latin typeface="Cambria Math" panose="02040503050406030204" pitchFamily="18" charset="0"/>
+                        <a:cs typeface="+mn-cs"/>
+                        <a:sym typeface="Wingdings" panose="05000000000000000000" pitchFamily="2" charset="2"/>
+                      </a:rPr>
+                      <m:t>,</m:t>
+                    </m:r>
+                    <m:sSup>
+                      <m:sSupPr>
+                        <m:ctrlPr>
+                          <a:rPr kumimoji="0" lang="en-US" altLang="ko-KR" sz="1800" b="0" i="1" u="none" strike="noStrike" kern="1200" cap="none" spc="0" normalizeH="0" baseline="0" noProof="0">
+                            <a:ln>
+                              <a:noFill/>
+                            </a:ln>
+                            <a:solidFill>
+                              <a:prstClr val="white">
+                                <a:lumMod val="50000"/>
+                              </a:prstClr>
+                            </a:solidFill>
+                            <a:effectLst/>
+                            <a:uLnTx/>
+                            <a:uFillTx/>
+                            <a:latin typeface="Cambria Math" panose="02040503050406030204" pitchFamily="18" charset="0"/>
+                            <a:cs typeface="+mn-cs"/>
+                            <a:sym typeface="Wingdings" panose="05000000000000000000" pitchFamily="2" charset="2"/>
+                          </a:rPr>
+                        </m:ctrlPr>
+                      </m:sSupPr>
+                      <m:e>
+                        <m:r>
+                          <a:rPr kumimoji="0" lang="en-US" altLang="ko-KR" sz="1800" b="0" i="1" u="none" strike="noStrike" kern="1200" cap="none" spc="0" normalizeH="0" baseline="0" noProof="0">
+                            <a:ln>
+                              <a:noFill/>
+                            </a:ln>
+                            <a:solidFill>
+                              <a:prstClr val="white">
+                                <a:lumMod val="50000"/>
+                              </a:prstClr>
+                            </a:solidFill>
+                            <a:effectLst/>
+                            <a:uLnTx/>
+                            <a:uFillTx/>
+                            <a:latin typeface="Cambria Math" panose="02040503050406030204" pitchFamily="18" charset="0"/>
+                            <a:cs typeface="+mn-cs"/>
+                            <a:sym typeface="Wingdings" panose="05000000000000000000" pitchFamily="2" charset="2"/>
+                          </a:rPr>
+                          <m:t>𝛼</m:t>
+                        </m:r>
+                      </m:e>
+                      <m:sup>
+                        <m:r>
+                          <a:rPr kumimoji="0" lang="en-US" altLang="ko-KR" sz="1800" b="0" i="1" u="none" strike="noStrike" kern="1200" cap="none" spc="0" normalizeH="0" baseline="0" noProof="0">
+                            <a:ln>
+                              <a:noFill/>
+                            </a:ln>
+                            <a:solidFill>
+                              <a:prstClr val="white">
+                                <a:lumMod val="50000"/>
+                              </a:prstClr>
+                            </a:solidFill>
+                            <a:effectLst/>
+                            <a:uLnTx/>
+                            <a:uFillTx/>
+                            <a:latin typeface="Cambria Math" panose="02040503050406030204" pitchFamily="18" charset="0"/>
+                            <a:cs typeface="+mn-cs"/>
+                            <a:sym typeface="Wingdings" panose="05000000000000000000" pitchFamily="2" charset="2"/>
+                          </a:rPr>
+                          <m:t>(</m:t>
+                        </m:r>
+                        <m:r>
+                          <a:rPr kumimoji="0" lang="en-US" altLang="ko-KR" sz="1800" b="0" i="1" u="none" strike="noStrike" kern="1200" cap="none" spc="0" normalizeH="0" baseline="0" noProof="0" smtClean="0">
+                            <a:ln>
+                              <a:noFill/>
+                            </a:ln>
+                            <a:solidFill>
+                              <a:prstClr val="white">
+                                <a:lumMod val="50000"/>
+                              </a:prstClr>
+                            </a:solidFill>
+                            <a:effectLst/>
+                            <a:uLnTx/>
+                            <a:uFillTx/>
+                            <a:latin typeface="Cambria Math" panose="02040503050406030204" pitchFamily="18" charset="0"/>
+                            <a:cs typeface="+mn-cs"/>
+                            <a:sym typeface="Wingdings" panose="05000000000000000000" pitchFamily="2" charset="2"/>
+                          </a:rPr>
+                          <m:t>0</m:t>
+                        </m:r>
+                        <m:r>
+                          <a:rPr kumimoji="0" lang="en-US" altLang="ko-KR" sz="1800" b="0" i="1" u="none" strike="noStrike" kern="1200" cap="none" spc="0" normalizeH="0" baseline="0" noProof="0">
+                            <a:ln>
+                              <a:noFill/>
+                            </a:ln>
+                            <a:solidFill>
+                              <a:prstClr val="white">
+                                <a:lumMod val="50000"/>
+                              </a:prstClr>
+                            </a:solidFill>
+                            <a:effectLst/>
+                            <a:uLnTx/>
+                            <a:uFillTx/>
+                            <a:latin typeface="Cambria Math" panose="02040503050406030204" pitchFamily="18" charset="0"/>
+                            <a:cs typeface="+mn-cs"/>
+                            <a:sym typeface="Wingdings" panose="05000000000000000000" pitchFamily="2" charset="2"/>
+                          </a:rPr>
+                          <m:t>)</m:t>
+                        </m:r>
+                      </m:sup>
+                    </m:sSup>
+                    <m:r>
+                      <a:rPr kumimoji="0" lang="en-US" altLang="ko-KR" sz="1800" b="0" i="1" u="none" strike="noStrike" kern="1200" cap="none" spc="0" normalizeH="0" baseline="0" noProof="0">
+                        <a:ln>
+                          <a:noFill/>
+                        </a:ln>
+                        <a:solidFill>
+                          <a:prstClr val="white">
+                            <a:lumMod val="50000"/>
+                          </a:prstClr>
+                        </a:solidFill>
+                        <a:effectLst/>
+                        <a:uLnTx/>
+                        <a:uFillTx/>
+                        <a:latin typeface="Cambria Math" panose="02040503050406030204" pitchFamily="18" charset="0"/>
+                        <a:cs typeface="+mn-cs"/>
+                        <a:sym typeface="Wingdings" panose="05000000000000000000" pitchFamily="2" charset="2"/>
+                      </a:rPr>
+                      <m:t>:</m:t>
+                    </m:r>
+                    <m:sSup>
+                      <m:sSupPr>
+                        <m:ctrlPr>
+                          <a:rPr kumimoji="0" lang="en-US" altLang="ko-KR" sz="1800" b="0" i="1" u="none" strike="noStrike" kern="1200" cap="none" spc="0" normalizeH="0" baseline="0" noProof="0">
+                            <a:ln>
+                              <a:noFill/>
+                            </a:ln>
+                            <a:solidFill>
+                              <a:prstClr val="white">
+                                <a:lumMod val="50000"/>
+                              </a:prstClr>
+                            </a:solidFill>
+                            <a:effectLst/>
+                            <a:uLnTx/>
+                            <a:uFillTx/>
+                            <a:latin typeface="Cambria Math" panose="02040503050406030204" pitchFamily="18" charset="0"/>
+                            <a:cs typeface="+mn-cs"/>
+                            <a:sym typeface="Wingdings" panose="05000000000000000000" pitchFamily="2" charset="2"/>
+                          </a:rPr>
+                        </m:ctrlPr>
+                      </m:sSupPr>
+                      <m:e>
+                        <m:r>
+                          <a:rPr kumimoji="0" lang="en-US" altLang="ko-KR" sz="1800" b="0" i="1" u="none" strike="noStrike" kern="1200" cap="none" spc="0" normalizeH="0" baseline="0" noProof="0">
+                            <a:ln>
+                              <a:noFill/>
+                            </a:ln>
+                            <a:solidFill>
+                              <a:prstClr val="white">
+                                <a:lumMod val="50000"/>
+                              </a:prstClr>
+                            </a:solidFill>
+                            <a:effectLst/>
+                            <a:uLnTx/>
+                            <a:uFillTx/>
+                            <a:latin typeface="Cambria Math" panose="02040503050406030204" pitchFamily="18" charset="0"/>
+                            <a:cs typeface="+mn-cs"/>
+                            <a:sym typeface="Wingdings" panose="05000000000000000000" pitchFamily="2" charset="2"/>
+                          </a:rPr>
+                          <m:t>𝑉</m:t>
+                        </m:r>
+                      </m:e>
+                      <m:sup>
+                        <m:r>
+                          <a:rPr kumimoji="0" lang="en-US" altLang="ko-KR" sz="1800" b="0" i="1" u="none" strike="noStrike" kern="1200" cap="none" spc="0" normalizeH="0" baseline="0" noProof="0">
+                            <a:ln>
+                              <a:noFill/>
+                            </a:ln>
+                            <a:solidFill>
+                              <a:prstClr val="white">
+                                <a:lumMod val="50000"/>
+                              </a:prstClr>
+                            </a:solidFill>
+                            <a:effectLst/>
+                            <a:uLnTx/>
+                            <a:uFillTx/>
+                            <a:latin typeface="Cambria Math" panose="02040503050406030204" pitchFamily="18" charset="0"/>
+                            <a:cs typeface="+mn-cs"/>
+                            <a:sym typeface="Wingdings" panose="05000000000000000000" pitchFamily="2" charset="2"/>
+                          </a:rPr>
+                          <m:t>(</m:t>
+                        </m:r>
+                        <m:r>
+                          <a:rPr kumimoji="0" lang="en-US" altLang="ko-KR" sz="1800" b="0" i="1" u="none" strike="noStrike" kern="1200" cap="none" spc="0" normalizeH="0" baseline="0" noProof="0" smtClean="0">
+                            <a:ln>
+                              <a:noFill/>
+                            </a:ln>
+                            <a:solidFill>
+                              <a:prstClr val="white">
+                                <a:lumMod val="50000"/>
+                              </a:prstClr>
+                            </a:solidFill>
+                            <a:effectLst/>
+                            <a:uLnTx/>
+                            <a:uFillTx/>
+                            <a:latin typeface="Cambria Math" panose="02040503050406030204" pitchFamily="18" charset="0"/>
+                            <a:cs typeface="+mn-cs"/>
+                            <a:sym typeface="Wingdings" panose="05000000000000000000" pitchFamily="2" charset="2"/>
+                          </a:rPr>
+                          <m:t>0</m:t>
+                        </m:r>
+                        <m:r>
+                          <a:rPr kumimoji="0" lang="en-US" altLang="ko-KR" sz="1800" b="0" i="1" u="none" strike="noStrike" kern="1200" cap="none" spc="0" normalizeH="0" baseline="0" noProof="0">
+                            <a:ln>
+                              <a:noFill/>
+                            </a:ln>
+                            <a:solidFill>
+                              <a:prstClr val="white">
+                                <a:lumMod val="50000"/>
+                              </a:prstClr>
+                            </a:solidFill>
+                            <a:effectLst/>
+                            <a:uLnTx/>
+                            <a:uFillTx/>
+                            <a:latin typeface="Cambria Math" panose="02040503050406030204" pitchFamily="18" charset="0"/>
+                            <a:cs typeface="+mn-cs"/>
+                            <a:sym typeface="Wingdings" panose="05000000000000000000" pitchFamily="2" charset="2"/>
+                          </a:rPr>
+                          <m:t>)</m:t>
+                        </m:r>
+                      </m:sup>
+                    </m:sSup>
+                    <m:r>
+                      <a:rPr kumimoji="0" lang="en-US" altLang="ko-KR" sz="1800" b="0" i="1" u="none" strike="noStrike" kern="1200" cap="none" spc="0" normalizeH="0" baseline="0" noProof="0">
+                        <a:ln>
+                          <a:noFill/>
+                        </a:ln>
+                        <a:solidFill>
+                          <a:prstClr val="white">
+                            <a:lumMod val="50000"/>
+                          </a:prstClr>
+                        </a:solidFill>
+                        <a:effectLst/>
+                        <a:uLnTx/>
+                        <a:uFillTx/>
+                        <a:latin typeface="Cambria Math" panose="02040503050406030204" pitchFamily="18" charset="0"/>
+                        <a:cs typeface="+mn-cs"/>
+                        <a:sym typeface="Wingdings" panose="05000000000000000000" pitchFamily="2" charset="2"/>
+                      </a:rPr>
+                      <m:t>→</m:t>
+                    </m:r>
+                    <m:sSup>
+                      <m:sSupPr>
+                        <m:ctrlPr>
+                          <a:rPr kumimoji="0" lang="en-US" altLang="ko-KR" sz="1800" b="0" i="1" u="none" strike="noStrike" kern="1200" cap="none" spc="0" normalizeH="0" baseline="0" noProof="0">
+                            <a:ln>
+                              <a:noFill/>
+                            </a:ln>
+                            <a:solidFill>
+                              <a:prstClr val="white">
+                                <a:lumMod val="50000"/>
+                              </a:prstClr>
+                            </a:solidFill>
+                            <a:effectLst/>
+                            <a:uLnTx/>
+                            <a:uFillTx/>
+                            <a:latin typeface="Cambria Math" panose="02040503050406030204" pitchFamily="18" charset="0"/>
+                            <a:cs typeface="+mn-cs"/>
+                            <a:sym typeface="Wingdings" panose="05000000000000000000" pitchFamily="2" charset="2"/>
+                          </a:rPr>
+                        </m:ctrlPr>
+                      </m:sSupPr>
+                      <m:e>
+                        <m:r>
+                          <a:rPr kumimoji="0" lang="en-US" altLang="ko-KR" sz="1800" b="0" i="1" u="none" strike="noStrike" kern="1200" cap="none" spc="0" normalizeH="0" baseline="0" noProof="0">
+                            <a:ln>
+                              <a:noFill/>
+                            </a:ln>
+                            <a:solidFill>
+                              <a:prstClr val="white">
+                                <a:lumMod val="50000"/>
+                              </a:prstClr>
+                            </a:solidFill>
+                            <a:effectLst/>
+                            <a:uLnTx/>
+                            <a:uFillTx/>
+                            <a:latin typeface="Cambria Math" panose="02040503050406030204" pitchFamily="18" charset="0"/>
+                            <a:cs typeface="+mn-cs"/>
+                            <a:sym typeface="Wingdings" panose="05000000000000000000" pitchFamily="2" charset="2"/>
+                          </a:rPr>
+                          <m:t>𝑉</m:t>
+                        </m:r>
+                      </m:e>
+                      <m:sup>
+                        <m:r>
+                          <a:rPr kumimoji="0" lang="en-US" altLang="ko-KR" sz="1800" b="0" i="1" u="none" strike="noStrike" kern="1200" cap="none" spc="0" normalizeH="0" baseline="0" noProof="0">
+                            <a:ln>
+                              <a:noFill/>
+                            </a:ln>
+                            <a:solidFill>
+                              <a:prstClr val="white">
+                                <a:lumMod val="50000"/>
+                              </a:prstClr>
+                            </a:solidFill>
+                            <a:effectLst/>
+                            <a:uLnTx/>
+                            <a:uFillTx/>
+                            <a:latin typeface="Cambria Math" panose="02040503050406030204" pitchFamily="18" charset="0"/>
+                            <a:cs typeface="+mn-cs"/>
+                            <a:sym typeface="Wingdings" panose="05000000000000000000" pitchFamily="2" charset="2"/>
+                          </a:rPr>
+                          <m:t>(0)</m:t>
+                        </m:r>
+                      </m:sup>
+                    </m:sSup>
+                  </m:oMath>
+                </a14:m>
+                <a:br>
+                  <a:rPr kumimoji="0" lang="en-US" altLang="ko-KR" sz="1800" b="0" i="0" u="none" strike="noStrike" kern="1200" cap="none" spc="0" normalizeH="0" baseline="0" noProof="0" dirty="0">
+                    <a:ln>
+                      <a:noFill/>
+                    </a:ln>
+                    <a:solidFill>
+                      <a:prstClr val="white">
+                        <a:lumMod val="50000"/>
+                      </a:prstClr>
+                    </a:solidFill>
+                    <a:effectLst/>
+                    <a:uLnTx/>
+                    <a:uFillTx/>
+                    <a:latin typeface="Calibri"/>
+                    <a:ea typeface="맑은 고딕" panose="020B0503020000020004" pitchFamily="50" charset="-127"/>
+                    <a:cs typeface="+mn-cs"/>
+                    <a:sym typeface="Wingdings" panose="05000000000000000000" pitchFamily="2" charset="2"/>
+                  </a:rPr>
+                </a:br>
+                <a:r>
+                  <a:rPr kumimoji="0" lang="en-US" altLang="ko-KR" sz="1800" b="0" i="0" u="none" strike="noStrike" kern="1200" cap="none" spc="0" normalizeH="0" baseline="0" noProof="0" dirty="0">
+                    <a:ln>
+                      <a:noFill/>
+                    </a:ln>
+                    <a:solidFill>
+                      <a:prstClr val="white">
+                        <a:lumMod val="50000"/>
+                      </a:prstClr>
+                    </a:solidFill>
+                    <a:effectLst/>
+                    <a:uLnTx/>
+                    <a:uFillTx/>
+                    <a:latin typeface="Calibri"/>
+                    <a:ea typeface="맑은 고딕" panose="020B0503020000020004" pitchFamily="50" charset="-127"/>
+                    <a:cs typeface="+mn-cs"/>
+                    <a:sym typeface="Wingdings" panose="05000000000000000000" pitchFamily="2" charset="2"/>
+                  </a:rPr>
+                  <a:t>- </a:t>
+                </a:r>
+                <a14:m>
+                  <m:oMath xmlns:m="http://schemas.openxmlformats.org/officeDocument/2006/math">
+                    <m:sSub>
+                      <m:sSubPr>
+                        <m:ctrlPr>
+                          <a:rPr kumimoji="0" lang="en-US" altLang="ko-KR" sz="1800" b="0" i="1" u="none" strike="noStrike" kern="1200" cap="none" spc="0" normalizeH="0" baseline="0" noProof="0" smtClean="0">
+                            <a:ln>
+                              <a:noFill/>
+                            </a:ln>
+                            <a:solidFill>
+                              <a:prstClr val="white">
+                                <a:lumMod val="50000"/>
+                              </a:prstClr>
+                            </a:solidFill>
+                            <a:effectLst/>
+                            <a:uLnTx/>
+                            <a:uFillTx/>
+                            <a:latin typeface="Cambria Math" panose="02040503050406030204" pitchFamily="18" charset="0"/>
+                            <a:cs typeface="+mn-cs"/>
+                          </a:rPr>
+                        </m:ctrlPr>
+                      </m:sSubPr>
+                      <m:e>
+                        <m:r>
+                          <a:rPr kumimoji="0" lang="en-US" altLang="ko-KR" sz="1800" b="0" i="1" u="none" strike="noStrike" kern="1200" cap="none" spc="0" normalizeH="0" baseline="0" noProof="0" smtClean="0">
+                            <a:ln>
+                              <a:noFill/>
+                            </a:ln>
+                            <a:solidFill>
+                              <a:prstClr val="white">
+                                <a:lumMod val="50000"/>
+                              </a:prstClr>
+                            </a:solidFill>
+                            <a:effectLst/>
+                            <a:uLnTx/>
+                            <a:uFillTx/>
+                            <a:latin typeface="Cambria Math" panose="02040503050406030204" pitchFamily="18" charset="0"/>
+                            <a:cs typeface="+mn-cs"/>
+                          </a:rPr>
+                          <m:t>𝑎</m:t>
+                        </m:r>
+                      </m:e>
+                      <m:sub>
+                        <m:r>
+                          <a:rPr kumimoji="0" lang="ko-KR" altLang="en-US" sz="1800" b="0" i="1" u="none" strike="noStrike" kern="1200" cap="none" spc="0" normalizeH="0" baseline="0" noProof="0">
+                            <a:ln>
+                              <a:noFill/>
+                            </a:ln>
+                            <a:solidFill>
+                              <a:prstClr val="white">
+                                <a:lumMod val="50000"/>
+                              </a:prstClr>
+                            </a:solidFill>
+                            <a:effectLst/>
+                            <a:uLnTx/>
+                            <a:uFillTx/>
+                            <a:latin typeface="Cambria Math" panose="02040503050406030204" pitchFamily="18" charset="0"/>
+                            <a:cs typeface="+mn-cs"/>
+                          </a:rPr>
+                          <m:t>𝜑</m:t>
+                        </m:r>
+                      </m:sub>
+                    </m:sSub>
+                    <m:r>
+                      <a:rPr kumimoji="0" lang="en-US" altLang="ko-KR" sz="1800" b="0" i="1" u="none" strike="noStrike" kern="1200" cap="none" spc="0" normalizeH="0" baseline="0" noProof="0">
+                        <a:ln>
+                          <a:noFill/>
+                        </a:ln>
+                        <a:solidFill>
+                          <a:prstClr val="white">
+                            <a:lumMod val="50000"/>
+                          </a:prstClr>
+                        </a:solidFill>
+                        <a:effectLst/>
+                        <a:uLnTx/>
+                        <a:uFillTx/>
+                        <a:latin typeface="Cambria Math" panose="02040503050406030204" pitchFamily="18" charset="0"/>
+                        <a:cs typeface="+mn-cs"/>
+                      </a:rPr>
+                      <m:t>∈</m:t>
+                    </m:r>
+                  </m:oMath>
+                </a14:m>
+                <a:r>
+                  <a:rPr kumimoji="0" lang="en-US" altLang="ko-KR" sz="1800" b="0" i="0" u="none" strike="noStrike" kern="1200" cap="none" spc="0" normalizeH="0" baseline="0" noProof="0" dirty="0">
+                    <a:ln>
+                      <a:noFill/>
+                    </a:ln>
+                    <a:solidFill>
+                      <a:prstClr val="white">
+                        <a:lumMod val="50000"/>
+                      </a:prstClr>
+                    </a:solidFill>
+                    <a:effectLst/>
+                    <a:uLnTx/>
+                    <a:uFillTx/>
+                    <a:latin typeface="Calibri"/>
+                    <a:ea typeface="Cambria Math" panose="02040503050406030204" pitchFamily="18" charset="0"/>
+                    <a:cs typeface="+mn-cs"/>
+                  </a:rPr>
+                  <a:t> </a:t>
+                </a:r>
+                <a14:m>
+                  <m:oMath xmlns:m="http://schemas.openxmlformats.org/officeDocument/2006/math">
+                    <m:sSup>
+                      <m:sSupPr>
+                        <m:ctrlPr>
+                          <a:rPr kumimoji="0" lang="en-US" altLang="ko-KR" sz="1800" b="0" i="1" u="none" strike="noStrike" kern="1200" cap="none" spc="0" normalizeH="0" baseline="0" noProof="0">
+                            <a:ln>
+                              <a:noFill/>
+                            </a:ln>
+                            <a:solidFill>
+                              <a:prstClr val="white">
+                                <a:lumMod val="50000"/>
+                              </a:prstClr>
+                            </a:solidFill>
+                            <a:effectLst/>
+                            <a:uLnTx/>
+                            <a:uFillTx/>
+                            <a:latin typeface="Cambria Math" panose="02040503050406030204" pitchFamily="18" charset="0"/>
+                            <a:ea typeface="Cambria Math" panose="02040503050406030204" pitchFamily="18" charset="0"/>
+                            <a:cs typeface="+mn-cs"/>
+                          </a:rPr>
+                        </m:ctrlPr>
+                      </m:sSupPr>
+                      <m:e>
+                        <m:r>
+                          <m:rPr>
+                            <m:lit/>
+                          </m:rPr>
+                          <a:rPr kumimoji="0" lang="en-US" altLang="ko-KR" sz="1800" b="0" i="1" u="none" strike="noStrike" kern="1200" cap="none" spc="0" normalizeH="0" baseline="0" noProof="0">
+                            <a:ln>
+                              <a:noFill/>
+                            </a:ln>
+                            <a:solidFill>
+                              <a:prstClr val="white">
+                                <a:lumMod val="50000"/>
+                              </a:prstClr>
+                            </a:solidFill>
+                            <a:effectLst/>
+                            <a:uLnTx/>
+                            <a:uFillTx/>
+                            <a:latin typeface="Cambria Math" panose="02040503050406030204" pitchFamily="18" charset="0"/>
+                            <a:ea typeface="Cambria Math" panose="02040503050406030204" pitchFamily="18" charset="0"/>
+                            <a:cs typeface="+mn-cs"/>
+                          </a:rPr>
+                          <m:t>ℝ</m:t>
+                        </m:r>
+                      </m:e>
+                      <m:sup>
+                        <m:sSub>
+                          <m:sSubPr>
+                            <m:ctrlPr>
+                              <a:rPr kumimoji="0" lang="en-US" altLang="ko-KR" sz="1800" b="0" i="1" u="none" strike="noStrike" kern="1200" cap="none" spc="0" normalizeH="0" baseline="0" noProof="0">
+                                <a:ln>
+                                  <a:noFill/>
+                                </a:ln>
+                                <a:solidFill>
+                                  <a:prstClr val="white">
+                                    <a:lumMod val="50000"/>
+                                  </a:prstClr>
+                                </a:solidFill>
+                                <a:effectLst/>
+                                <a:uLnTx/>
+                                <a:uFillTx/>
+                                <a:latin typeface="Cambria Math" panose="02040503050406030204" pitchFamily="18" charset="0"/>
+                                <a:ea typeface="Cambria Math" panose="02040503050406030204" pitchFamily="18" charset="0"/>
+                                <a:cs typeface="+mn-cs"/>
+                              </a:rPr>
+                            </m:ctrlPr>
+                          </m:sSubPr>
+                          <m:e>
+                            <m:r>
+                              <a:rPr kumimoji="0" lang="en-US" altLang="ko-KR" sz="1800" b="0" i="1" u="none" strike="noStrike" kern="1200" cap="none" spc="0" normalizeH="0" baseline="0" noProof="0">
+                                <a:ln>
+                                  <a:noFill/>
+                                </a:ln>
+                                <a:solidFill>
+                                  <a:prstClr val="white">
+                                    <a:lumMod val="50000"/>
+                                  </a:prstClr>
+                                </a:solidFill>
+                                <a:effectLst/>
+                                <a:uLnTx/>
+                                <a:uFillTx/>
+                                <a:latin typeface="Cambria Math" panose="02040503050406030204" pitchFamily="18" charset="0"/>
+                                <a:ea typeface="Cambria Math" panose="02040503050406030204" pitchFamily="18" charset="0"/>
+                                <a:cs typeface="+mn-cs"/>
+                              </a:rPr>
+                              <m:t>𝑑</m:t>
+                            </m:r>
+                          </m:e>
+                          <m:sub>
+                            <m:r>
+                              <a:rPr kumimoji="0" lang="ko-KR" altLang="en-US" sz="1800" b="0" i="1" u="none" strike="noStrike" kern="1200" cap="none" spc="0" normalizeH="0" baseline="0" noProof="0">
+                                <a:ln>
+                                  <a:noFill/>
+                                </a:ln>
+                                <a:solidFill>
+                                  <a:prstClr val="white">
+                                    <a:lumMod val="50000"/>
+                                  </a:prstClr>
+                                </a:solidFill>
+                                <a:effectLst/>
+                                <a:uLnTx/>
+                                <a:uFillTx/>
+                                <a:latin typeface="Cambria Math" panose="02040503050406030204" pitchFamily="18" charset="0"/>
+                                <a:ea typeface="Cambria Math" panose="02040503050406030204" pitchFamily="18" charset="0"/>
+                                <a:cs typeface="+mn-cs"/>
+                              </a:rPr>
+                              <m:t>𝜑</m:t>
+                            </m:r>
+                          </m:sub>
+                        </m:sSub>
+                      </m:sup>
+                    </m:sSup>
+                  </m:oMath>
+                </a14:m>
+                <a:r>
+                  <a:rPr kumimoji="0" lang="en-US" altLang="ko-KR" sz="1800" b="0" i="0" u="none" strike="noStrike" kern="1200" cap="none" spc="0" normalizeH="0" baseline="0" noProof="0" dirty="0">
+                    <a:ln>
+                      <a:noFill/>
+                    </a:ln>
+                    <a:solidFill>
+                      <a:prstClr val="white">
+                        <a:lumMod val="50000"/>
+                      </a:prstClr>
+                    </a:solidFill>
+                    <a:effectLst/>
+                    <a:uLnTx/>
+                    <a:uFillTx/>
+                    <a:latin typeface="Calibri"/>
+                    <a:ea typeface="맑은 고딕" panose="020B0503020000020004" pitchFamily="50" charset="-127"/>
+                    <a:cs typeface="+mn-cs"/>
+                    <a:sym typeface="Wingdings" panose="05000000000000000000" pitchFamily="2" charset="2"/>
+                  </a:rPr>
+                  <a:t>, </a:t>
+                </a:r>
+                <a14:m>
+                  <m:oMath xmlns:m="http://schemas.openxmlformats.org/officeDocument/2006/math">
+                    <m:sSub>
+                      <m:sSubPr>
+                        <m:ctrlPr>
+                          <a:rPr kumimoji="0" lang="en-US" altLang="ko-KR" sz="1800" b="0" i="1" u="none" strike="noStrike" kern="1200" cap="none" spc="0" normalizeH="0" baseline="0" noProof="0" smtClean="0">
+                            <a:ln>
+                              <a:noFill/>
+                            </a:ln>
+                            <a:solidFill>
+                              <a:prstClr val="white">
+                                <a:lumMod val="50000"/>
+                              </a:prstClr>
+                            </a:solidFill>
+                            <a:effectLst/>
+                            <a:uLnTx/>
+                            <a:uFillTx/>
+                            <a:latin typeface="Cambria Math" panose="02040503050406030204" pitchFamily="18" charset="0"/>
+                            <a:cs typeface="+mn-cs"/>
+                            <a:sym typeface="Wingdings" panose="05000000000000000000" pitchFamily="2" charset="2"/>
+                          </a:rPr>
+                        </m:ctrlPr>
+                      </m:sSubPr>
+                      <m:e>
+                        <m:r>
+                          <a:rPr kumimoji="0" lang="en-US" altLang="ko-KR" sz="1800" b="0" i="1" u="none" strike="noStrike" kern="1200" cap="none" spc="0" normalizeH="0" baseline="0" noProof="0" smtClean="0">
+                            <a:ln>
+                              <a:noFill/>
+                            </a:ln>
+                            <a:solidFill>
+                              <a:prstClr val="white">
+                                <a:lumMod val="50000"/>
+                              </a:prstClr>
+                            </a:solidFill>
+                            <a:effectLst/>
+                            <a:uLnTx/>
+                            <a:uFillTx/>
+                            <a:latin typeface="Cambria Math" panose="02040503050406030204" pitchFamily="18" charset="0"/>
+                            <a:cs typeface="+mn-cs"/>
+                            <a:sym typeface="Wingdings" panose="05000000000000000000" pitchFamily="2" charset="2"/>
+                          </a:rPr>
+                          <m:t>𝑊</m:t>
+                        </m:r>
+                      </m:e>
+                      <m:sub>
+                        <m:r>
+                          <a:rPr kumimoji="0" lang="ko-KR" altLang="en-US" sz="1800" b="0" i="1" u="none" strike="noStrike" kern="1200" cap="none" spc="0" normalizeH="0" baseline="0" noProof="0">
+                            <a:ln>
+                              <a:noFill/>
+                            </a:ln>
+                            <a:solidFill>
+                              <a:prstClr val="white">
+                                <a:lumMod val="50000"/>
+                              </a:prstClr>
+                            </a:solidFill>
+                            <a:effectLst/>
+                            <a:uLnTx/>
+                            <a:uFillTx/>
+                            <a:latin typeface="Cambria Math" panose="02040503050406030204" pitchFamily="18" charset="0"/>
+                            <a:cs typeface="+mn-cs"/>
+                            <a:sym typeface="Wingdings" panose="05000000000000000000" pitchFamily="2" charset="2"/>
+                          </a:rPr>
+                          <m:t>𝜑</m:t>
+                        </m:r>
+                        <m:r>
+                          <a:rPr kumimoji="0" lang="en-US" altLang="ko-KR" sz="1800" b="0" i="1" u="none" strike="noStrike" kern="1200" cap="none" spc="0" normalizeH="0" baseline="0" noProof="0" smtClean="0">
+                            <a:ln>
+                              <a:noFill/>
+                            </a:ln>
+                            <a:solidFill>
+                              <a:prstClr val="white">
+                                <a:lumMod val="50000"/>
+                              </a:prstClr>
+                            </a:solidFill>
+                            <a:effectLst/>
+                            <a:uLnTx/>
+                            <a:uFillTx/>
+                            <a:latin typeface="Cambria Math" panose="02040503050406030204" pitchFamily="18" charset="0"/>
+                            <a:cs typeface="+mn-cs"/>
+                            <a:sym typeface="Wingdings" panose="05000000000000000000" pitchFamily="2" charset="2"/>
+                          </a:rPr>
+                          <m:t>𝑛</m:t>
+                        </m:r>
+                      </m:sub>
+                    </m:sSub>
+                    <m:r>
+                      <a:rPr kumimoji="0" lang="en-US" altLang="ko-KR" sz="1800" b="0" i="1" u="none" strike="noStrike" kern="1200" cap="none" spc="0" normalizeH="0" baseline="0" noProof="0">
+                        <a:ln>
+                          <a:noFill/>
+                        </a:ln>
+                        <a:solidFill>
+                          <a:prstClr val="white">
+                            <a:lumMod val="50000"/>
+                          </a:prstClr>
+                        </a:solidFill>
+                        <a:effectLst/>
+                        <a:uLnTx/>
+                        <a:uFillTx/>
+                        <a:latin typeface="Cambria Math" panose="02040503050406030204" pitchFamily="18" charset="0"/>
+                        <a:cs typeface="+mn-cs"/>
+                      </a:rPr>
+                      <m:t>∈</m:t>
+                    </m:r>
+                    <m:r>
+                      <m:rPr>
+                        <m:nor/>
+                      </m:rPr>
+                      <a:rPr kumimoji="0" lang="en-US" altLang="ko-KR" sz="1800" b="0" i="0" u="none" strike="noStrike" kern="1200" cap="none" spc="0" normalizeH="0" baseline="0" noProof="0" dirty="0">
+                        <a:ln>
+                          <a:noFill/>
+                        </a:ln>
+                        <a:solidFill>
+                          <a:prstClr val="white">
+                            <a:lumMod val="50000"/>
+                          </a:prstClr>
+                        </a:solidFill>
+                        <a:effectLst/>
+                        <a:uLnTx/>
+                        <a:uFillTx/>
+                        <a:latin typeface="Calibri"/>
+                        <a:ea typeface="Cambria Math" panose="02040503050406030204" pitchFamily="18" charset="0"/>
+                        <a:cs typeface="+mn-cs"/>
+                      </a:rPr>
+                      <m:t> </m:t>
+                    </m:r>
+                    <m:sSup>
+                      <m:sSupPr>
+                        <m:ctrlPr>
+                          <a:rPr kumimoji="0" lang="en-US" altLang="ko-KR" sz="1800" b="0" i="1" u="none" strike="noStrike" kern="1200" cap="none" spc="0" normalizeH="0" baseline="0" noProof="0">
+                            <a:ln>
+                              <a:noFill/>
+                            </a:ln>
+                            <a:solidFill>
+                              <a:prstClr val="white">
+                                <a:lumMod val="50000"/>
+                              </a:prstClr>
+                            </a:solidFill>
+                            <a:effectLst/>
+                            <a:uLnTx/>
+                            <a:uFillTx/>
+                            <a:latin typeface="Cambria Math" panose="02040503050406030204" pitchFamily="18" charset="0"/>
+                            <a:ea typeface="Cambria Math" panose="02040503050406030204" pitchFamily="18" charset="0"/>
+                            <a:cs typeface="+mn-cs"/>
+                          </a:rPr>
+                        </m:ctrlPr>
+                      </m:sSupPr>
+                      <m:e>
+                        <m:r>
+                          <m:rPr>
+                            <m:lit/>
+                          </m:rPr>
+                          <a:rPr kumimoji="0" lang="en-US" altLang="ko-KR" sz="1800" b="0" i="1" u="none" strike="noStrike" kern="1200" cap="none" spc="0" normalizeH="0" baseline="0" noProof="0">
+                            <a:ln>
+                              <a:noFill/>
+                            </a:ln>
+                            <a:solidFill>
+                              <a:prstClr val="white">
+                                <a:lumMod val="50000"/>
+                              </a:prstClr>
+                            </a:solidFill>
+                            <a:effectLst/>
+                            <a:uLnTx/>
+                            <a:uFillTx/>
+                            <a:latin typeface="Cambria Math" panose="02040503050406030204" pitchFamily="18" charset="0"/>
+                            <a:ea typeface="Cambria Math" panose="02040503050406030204" pitchFamily="18" charset="0"/>
+                            <a:cs typeface="+mn-cs"/>
+                          </a:rPr>
+                          <m:t>ℝ</m:t>
+                        </m:r>
+                      </m:e>
+                      <m:sup>
+                        <m:sSub>
+                          <m:sSubPr>
+                            <m:ctrlPr>
+                              <a:rPr kumimoji="0" lang="en-US" altLang="ko-KR" sz="1800" b="0" i="1" u="none" strike="noStrike" kern="1200" cap="none" spc="0" normalizeH="0" baseline="0" noProof="0">
+                                <a:ln>
+                                  <a:noFill/>
+                                </a:ln>
+                                <a:solidFill>
+                                  <a:prstClr val="white">
+                                    <a:lumMod val="50000"/>
+                                  </a:prstClr>
+                                </a:solidFill>
+                                <a:effectLst/>
+                                <a:uLnTx/>
+                                <a:uFillTx/>
+                                <a:latin typeface="Cambria Math" panose="02040503050406030204" pitchFamily="18" charset="0"/>
+                                <a:ea typeface="Cambria Math" panose="02040503050406030204" pitchFamily="18" charset="0"/>
+                                <a:cs typeface="+mn-cs"/>
+                              </a:rPr>
+                            </m:ctrlPr>
+                          </m:sSubPr>
+                          <m:e>
+                            <m:r>
+                              <a:rPr kumimoji="0" lang="en-US" altLang="ko-KR" sz="1800" b="0" i="1" u="none" strike="noStrike" kern="1200" cap="none" spc="0" normalizeH="0" baseline="0" noProof="0">
+                                <a:ln>
+                                  <a:noFill/>
+                                </a:ln>
+                                <a:solidFill>
+                                  <a:prstClr val="white">
+                                    <a:lumMod val="50000"/>
+                                  </a:prstClr>
+                                </a:solidFill>
+                                <a:effectLst/>
+                                <a:uLnTx/>
+                                <a:uFillTx/>
+                                <a:latin typeface="Cambria Math" panose="02040503050406030204" pitchFamily="18" charset="0"/>
+                                <a:ea typeface="Cambria Math" panose="02040503050406030204" pitchFamily="18" charset="0"/>
+                                <a:cs typeface="+mn-cs"/>
+                              </a:rPr>
+                              <m:t>𝑑</m:t>
+                            </m:r>
+                          </m:e>
+                          <m:sub>
+                            <m:r>
+                              <a:rPr kumimoji="0" lang="ko-KR" altLang="en-US" sz="1800" b="0" i="1" u="none" strike="noStrike" kern="1200" cap="none" spc="0" normalizeH="0" baseline="0" noProof="0">
+                                <a:ln>
+                                  <a:noFill/>
+                                </a:ln>
+                                <a:solidFill>
+                                  <a:prstClr val="white">
+                                    <a:lumMod val="50000"/>
+                                  </a:prstClr>
+                                </a:solidFill>
+                                <a:effectLst/>
+                                <a:uLnTx/>
+                                <a:uFillTx/>
+                                <a:latin typeface="Cambria Math" panose="02040503050406030204" pitchFamily="18" charset="0"/>
+                                <a:ea typeface="Cambria Math" panose="02040503050406030204" pitchFamily="18" charset="0"/>
+                                <a:cs typeface="+mn-cs"/>
+                              </a:rPr>
+                              <m:t>𝜑</m:t>
+                            </m:r>
+                          </m:sub>
+                        </m:sSub>
+                        <m:r>
+                          <a:rPr kumimoji="0" lang="en-US" altLang="ko-KR" sz="1800" b="0" i="1" u="none" strike="noStrike" kern="1200" cap="none" spc="0" normalizeH="0" baseline="0" noProof="0" smtClean="0">
+                            <a:ln>
+                              <a:noFill/>
+                            </a:ln>
+                            <a:solidFill>
+                              <a:prstClr val="white">
+                                <a:lumMod val="50000"/>
+                              </a:prstClr>
+                            </a:solidFill>
+                            <a:effectLst/>
+                            <a:uLnTx/>
+                            <a:uFillTx/>
+                            <a:latin typeface="Cambria Math" panose="02040503050406030204" pitchFamily="18" charset="0"/>
+                            <a:ea typeface="Cambria Math" panose="02040503050406030204" pitchFamily="18" charset="0"/>
+                            <a:cs typeface="+mn-cs"/>
+                          </a:rPr>
+                          <m:t>×2</m:t>
+                        </m:r>
+                        <m:sSub>
+                          <m:sSubPr>
+                            <m:ctrlPr>
+                              <a:rPr kumimoji="0" lang="en-US" altLang="ko-KR" sz="1800" b="0" i="1" u="none" strike="noStrike" kern="1200" cap="none" spc="0" normalizeH="0" baseline="0" noProof="0" smtClean="0">
+                                <a:ln>
+                                  <a:noFill/>
+                                </a:ln>
+                                <a:solidFill>
+                                  <a:prstClr val="white">
+                                    <a:lumMod val="50000"/>
+                                  </a:prstClr>
+                                </a:solidFill>
+                                <a:effectLst/>
+                                <a:uLnTx/>
+                                <a:uFillTx/>
+                                <a:latin typeface="Cambria Math" panose="02040503050406030204" pitchFamily="18" charset="0"/>
+                                <a:ea typeface="Cambria Math" panose="02040503050406030204" pitchFamily="18" charset="0"/>
+                                <a:cs typeface="+mn-cs"/>
+                              </a:rPr>
+                            </m:ctrlPr>
+                          </m:sSubPr>
+                          <m:e>
+                            <m:r>
+                              <a:rPr kumimoji="0" lang="en-US" altLang="ko-KR" sz="1800" b="0" i="1" u="none" strike="noStrike" kern="1200" cap="none" spc="0" normalizeH="0" baseline="0" noProof="0" smtClean="0">
+                                <a:ln>
+                                  <a:noFill/>
+                                </a:ln>
+                                <a:solidFill>
+                                  <a:prstClr val="white">
+                                    <a:lumMod val="50000"/>
+                                  </a:prstClr>
+                                </a:solidFill>
+                                <a:effectLst/>
+                                <a:uLnTx/>
+                                <a:uFillTx/>
+                                <a:latin typeface="Cambria Math" panose="02040503050406030204" pitchFamily="18" charset="0"/>
+                                <a:ea typeface="Cambria Math" panose="02040503050406030204" pitchFamily="18" charset="0"/>
+                                <a:cs typeface="+mn-cs"/>
+                              </a:rPr>
+                              <m:t>𝑑</m:t>
+                            </m:r>
+                          </m:e>
+                          <m:sub>
+                            <m:r>
+                              <a:rPr kumimoji="0" lang="en-US" altLang="ko-KR" sz="1800" b="0" i="1" u="none" strike="noStrike" kern="1200" cap="none" spc="0" normalizeH="0" baseline="0" noProof="0" smtClean="0">
+                                <a:ln>
+                                  <a:noFill/>
+                                </a:ln>
+                                <a:solidFill>
+                                  <a:prstClr val="white">
+                                    <a:lumMod val="50000"/>
+                                  </a:prstClr>
+                                </a:solidFill>
+                                <a:effectLst/>
+                                <a:uLnTx/>
+                                <a:uFillTx/>
+                                <a:latin typeface="Cambria Math" panose="02040503050406030204" pitchFamily="18" charset="0"/>
+                                <a:ea typeface="Cambria Math" panose="02040503050406030204" pitchFamily="18" charset="0"/>
+                                <a:cs typeface="+mn-cs"/>
+                              </a:rPr>
+                              <m:t>𝑛</m:t>
+                            </m:r>
+                          </m:sub>
+                        </m:sSub>
+                      </m:sup>
+                    </m:sSup>
+                  </m:oMath>
+                </a14:m>
+                <a:endParaRPr kumimoji="0" lang="en-US" altLang="ko-KR" sz="1800" b="0" i="0" u="none" strike="noStrike" kern="1200" cap="none" spc="0" normalizeH="0" baseline="0" noProof="0" dirty="0">
+                  <a:ln>
+                    <a:noFill/>
+                  </a:ln>
+                  <a:solidFill>
+                    <a:prstClr val="black"/>
+                  </a:solidFill>
+                  <a:effectLst/>
+                  <a:uLnTx/>
+                  <a:uFillTx/>
+                  <a:latin typeface="Calibri"/>
+                  <a:ea typeface="맑은 고딕" panose="020B0503020000020004" pitchFamily="50" charset="-127"/>
+                  <a:cs typeface="+mn-cs"/>
+                </a:endParaRPr>
+              </a:p>
+            </p:txBody>
+          </p:sp>
+        </mc:Choice>
+        <mc:Fallback>
+          <p:sp>
+            <p:nvSpPr>
+              <p:cNvPr id="6" name="직사각형 5">
+                <a:extLst>
+                  <a:ext uri="{FF2B5EF4-FFF2-40B4-BE49-F238E27FC236}">
+                    <a16:creationId xmlns:a16="http://schemas.microsoft.com/office/drawing/2014/main" id="{0A61E120-3D13-7288-539C-64829C2E2452}"/>
+                  </a:ext>
+                </a:extLst>
+              </p:cNvPr>
+              <p:cNvSpPr>
+                <a:spLocks noRot="1" noChangeAspect="1" noMove="1" noResize="1" noEditPoints="1" noAdjustHandles="1" noChangeArrowheads="1" noChangeShapeType="1" noTextEdit="1"/>
+              </p:cNvSpPr>
+              <p:nvPr/>
+            </p:nvSpPr>
+            <p:spPr>
+              <a:xfrm>
+                <a:off x="1198562" y="5110795"/>
+                <a:ext cx="7829323" cy="1606658"/>
+              </a:xfrm>
+              <a:prstGeom prst="rect">
+                <a:avLst/>
+              </a:prstGeom>
+              <a:blipFill>
+                <a:blip r:embed="rId6"/>
+                <a:stretch>
+                  <a:fillRect l="-545" b="-3788"/>
+                </a:stretch>
+              </a:blipFill>
+            </p:spPr>
+            <p:txBody>
+              <a:bodyPr/>
+              <a:lstStyle/>
+              <a:p>
+                <a:r>
+                  <a:rPr lang="ko-KR" altLang="en-US">
+                    <a:noFill/>
+                  </a:rPr>
+                  <a:t> </a:t>
+                </a:r>
+              </a:p>
+            </p:txBody>
+          </p:sp>
+        </mc:Fallback>
+      </mc:AlternateContent>
+    </p:spTree>
+    <p:extLst>
+      <p:ext uri="{BB962C8B-B14F-4D97-AF65-F5344CB8AC3E}">
+        <p14:creationId xmlns:p14="http://schemas.microsoft.com/office/powerpoint/2010/main" val="548614581"/>
       </p:ext>
     </p:extLst>
   </p:cSld>
@@ -25323,8 +31986,8 @@
             <a:chExt cx="6569402" cy="1596566"/>
           </a:xfrm>
         </p:grpSpPr>
-        <mc:AlternateContent xmlns:mc="http://schemas.openxmlformats.org/markup-compatibility/2006">
-          <mc:Choice xmlns:a14="http://schemas.microsoft.com/office/drawing/2010/main" Requires="a14">
+        <mc:AlternateContent xmlns:mc="http://schemas.openxmlformats.org/markup-compatibility/2006" xmlns:a14="http://schemas.microsoft.com/office/drawing/2010/main">
+          <mc:Choice Requires="a14">
             <p:sp>
               <p:nvSpPr>
                 <p:cNvPr id="6" name="TextBox 5">
@@ -25358,30 +32021,40 @@
                       <m:sSubSup>
                         <m:sSubSupPr>
                           <m:ctrlPr>
-                            <a:rPr lang="en-US" altLang="ko-KR" sz="2000" b="0" i="1" smtClean="0"/>
+                            <a:rPr lang="en-US" altLang="ko-KR" sz="2000" b="0" i="1" smtClean="0">
+                              <a:latin typeface="Cambria Math" panose="02040503050406030204" pitchFamily="18" charset="0"/>
+                            </a:rPr>
                           </m:ctrlPr>
                         </m:sSubSupPr>
                         <m:e>
                           <m:r>
-                            <a:rPr lang="en-US" altLang="ko-KR" sz="2000" b="0" i="1" smtClean="0"/>
+                            <a:rPr lang="en-US" altLang="ko-KR" sz="2000" b="0" i="1" smtClean="0">
+                              <a:latin typeface="Cambria Math" panose="02040503050406030204" pitchFamily="18" charset="0"/>
+                            </a:rPr>
                             <m:t>𝑦</m:t>
                           </m:r>
                         </m:e>
                         <m:sub>
                           <m:r>
-                            <a:rPr lang="en-US" altLang="ko-KR" sz="2000" b="0" i="1" smtClean="0"/>
+                            <a:rPr lang="en-US" altLang="ko-KR" sz="2000" b="0" i="1" smtClean="0">
+                              <a:latin typeface="Cambria Math" panose="02040503050406030204" pitchFamily="18" charset="0"/>
+                            </a:rPr>
                             <m:t>𝑖</m:t>
                           </m:r>
                         </m:sub>
                         <m:sup>
                           <m:r>
-                            <a:rPr lang="en-US" altLang="ko-KR" sz="2000" b="0" i="1" smtClean="0"/>
+                            <a:rPr lang="en-US" altLang="ko-KR" sz="2000" b="0" i="1" smtClean="0">
+                              <a:latin typeface="Cambria Math" panose="02040503050406030204" pitchFamily="18" charset="0"/>
+                            </a:rPr>
                             <m:t>𝑡</m:t>
                           </m:r>
                         </m:sup>
                       </m:sSubSup>
                       <m:r>
-                        <a:rPr lang="en-US" altLang="ko-KR" sz="2000" b="0" i="1" smtClean="0"/>
+                        <a:rPr lang="en-US" altLang="ko-KR" sz="2000" b="0" i="1" smtClean="0">
+                          <a:latin typeface="Cambria Math" panose="02040503050406030204" pitchFamily="18" charset="0"/>
+                        </a:rPr>
                         <m:t>=</m:t>
                       </m:r>
                       <m:d>
@@ -25389,48 +32062,63 @@
                           <m:begChr m:val="{"/>
                           <m:endChr m:val=""/>
                           <m:ctrlPr>
-                            <a:rPr lang="en-US" altLang="ko-KR" sz="2000" i="1" smtClean="0"/>
+                            <a:rPr lang="en-US" altLang="ko-KR" sz="2000" i="1" smtClean="0">
+                              <a:latin typeface="Cambria Math" panose="02040503050406030204" pitchFamily="18" charset="0"/>
+                            </a:rPr>
                           </m:ctrlPr>
                         </m:dPr>
                         <m:e>
                           <m:eqArr>
                             <m:eqArrPr>
                               <m:ctrlPr>
-                                <a:rPr lang="en-US" altLang="ko-KR" sz="2000" i="1" smtClean="0"/>
+                                <a:rPr lang="en-US" altLang="ko-KR" sz="2000" i="1" smtClean="0">
+                                  <a:latin typeface="Cambria Math" panose="02040503050406030204" pitchFamily="18" charset="0"/>
+                                </a:rPr>
                               </m:ctrlPr>
                             </m:eqArrPr>
                             <m:e>
                               <m:r>
-                                <a:rPr lang="en-US" altLang="ko-KR" sz="2000" b="0" i="1" smtClean="0"/>
+                                <a:rPr lang="en-US" altLang="ko-KR" sz="2000" b="0" i="1" smtClean="0">
+                                  <a:latin typeface="Cambria Math" panose="02040503050406030204" pitchFamily="18" charset="0"/>
+                                </a:rPr>
                                 <m:t>1,  </m:t>
                               </m:r>
                               <m:sSubSup>
                                 <m:sSubSupPr>
                                   <m:ctrlPr>
-                                    <a:rPr lang="en-US" altLang="ko-KR" sz="2000" b="0" i="1" smtClean="0"/>
+                                    <a:rPr lang="en-US" altLang="ko-KR" sz="2000" b="0" i="1" smtClean="0">
+                                      <a:latin typeface="Cambria Math" panose="02040503050406030204" pitchFamily="18" charset="0"/>
+                                    </a:rPr>
                                   </m:ctrlPr>
                                 </m:sSubSupPr>
                                 <m:e>
                                   <m:r>
-                                    <a:rPr lang="en-US" altLang="ko-KR" sz="2000" b="0" i="1" smtClean="0"/>
+                                    <a:rPr lang="en-US" altLang="ko-KR" sz="2000" b="0" i="1" smtClean="0">
+                                      <a:latin typeface="Cambria Math" panose="02040503050406030204" pitchFamily="18" charset="0"/>
+                                    </a:rPr>
                                     <m:t>𝑐</m:t>
                                   </m:r>
                                 </m:e>
                                 <m:sub>
                                   <m:r>
-                                    <a:rPr lang="en-US" altLang="ko-KR" sz="2000" b="0" i="1" smtClean="0"/>
+                                    <a:rPr lang="en-US" altLang="ko-KR" sz="2000" b="0" i="1" smtClean="0">
+                                      <a:latin typeface="Cambria Math" panose="02040503050406030204" pitchFamily="18" charset="0"/>
+                                    </a:rPr>
                                     <m:t>𝑖</m:t>
                                   </m:r>
                                 </m:sub>
                                 <m:sup>
                                   <m:r>
-                                    <a:rPr lang="en-US" altLang="ko-KR" sz="2000" b="0" i="1" smtClean="0"/>
+                                    <a:rPr lang="en-US" altLang="ko-KR" sz="2000" b="0" i="1" smtClean="0">
+                                      <a:latin typeface="Cambria Math" panose="02040503050406030204" pitchFamily="18" charset="0"/>
+                                    </a:rPr>
                                     <m:t>𝑡</m:t>
                                   </m:r>
                                 </m:sup>
                               </m:sSubSup>
                               <m:r>
                                 <a:rPr lang="en-US" altLang="ko-KR" sz="2000" b="0" i="1" smtClean="0">
+                                  <a:latin typeface="Cambria Math" panose="02040503050406030204" pitchFamily="18" charset="0"/>
                                   <a:ea typeface="Cambria Math" panose="02040503050406030204" pitchFamily="18" charset="0"/>
                                 </a:rPr>
                                 <m:t>&gt;</m:t>
@@ -25438,28 +32126,38 @@
                               <m:sSubSup>
                                 <m:sSubSupPr>
                                   <m:ctrlPr>
-                                    <a:rPr lang="en-US" altLang="ko-KR" sz="2000" i="1"/>
+                                    <a:rPr lang="en-US" altLang="ko-KR" sz="2000" i="1">
+                                      <a:latin typeface="Cambria Math" panose="02040503050406030204" pitchFamily="18" charset="0"/>
+                                    </a:rPr>
                                   </m:ctrlPr>
                                 </m:sSubSupPr>
                                 <m:e>
                                   <m:r>
-                                    <a:rPr lang="en-US" altLang="ko-KR" sz="2000" i="1"/>
+                                    <a:rPr lang="en-US" altLang="ko-KR" sz="2000" i="1">
+                                      <a:latin typeface="Cambria Math" panose="02040503050406030204" pitchFamily="18" charset="0"/>
+                                    </a:rPr>
                                     <m:t>𝑐</m:t>
                                   </m:r>
                                 </m:e>
                                 <m:sub>
                                   <m:r>
-                                    <a:rPr lang="en-US" altLang="ko-KR" sz="2000" i="1"/>
+                                    <a:rPr lang="en-US" altLang="ko-KR" sz="2000" i="1">
+                                      <a:latin typeface="Cambria Math" panose="02040503050406030204" pitchFamily="18" charset="0"/>
+                                    </a:rPr>
                                     <m:t>𝑖</m:t>
                                   </m:r>
                                 </m:sub>
                                 <m:sup>
                                   <m:r>
-                                    <a:rPr lang="en-US" altLang="ko-KR" sz="2000" i="1"/>
+                                    <a:rPr lang="en-US" altLang="ko-KR" sz="2000" i="1">
+                                      <a:latin typeface="Cambria Math" panose="02040503050406030204" pitchFamily="18" charset="0"/>
+                                    </a:rPr>
                                     <m:t>𝑡</m:t>
                                   </m:r>
                                   <m:r>
-                                    <a:rPr lang="en-US" altLang="ko-KR" sz="2000" b="0" i="1" smtClean="0"/>
+                                    <a:rPr lang="en-US" altLang="ko-KR" sz="2000" b="0" i="1" smtClean="0">
+                                      <a:latin typeface="Cambria Math" panose="02040503050406030204" pitchFamily="18" charset="0"/>
+                                    </a:rPr>
                                     <m:t>−1</m:t>
                                   </m:r>
                                 </m:sup>
@@ -25467,40 +32165,53 @@
                             </m:e>
                             <m:e>
                               <m:r>
-                                <a:rPr lang="en-US" altLang="ko-KR" sz="2000" b="0" i="1" smtClean="0"/>
+                                <a:rPr lang="en-US" altLang="ko-KR" sz="2000" b="0" i="1" smtClean="0">
+                                  <a:latin typeface="Cambria Math" panose="02040503050406030204" pitchFamily="18" charset="0"/>
+                                </a:rPr>
                                 <m:t>0,  </m:t>
                               </m:r>
                               <m:sSubSup>
                                 <m:sSubSupPr>
                                   <m:ctrlPr>
-                                    <a:rPr lang="en-US" altLang="ko-KR" sz="2000" i="1"/>
+                                    <a:rPr lang="en-US" altLang="ko-KR" sz="2000" i="1">
+                                      <a:latin typeface="Cambria Math" panose="02040503050406030204" pitchFamily="18" charset="0"/>
+                                    </a:rPr>
                                   </m:ctrlPr>
                                 </m:sSubSupPr>
                                 <m:e>
                                   <m:r>
-                                    <a:rPr lang="en-US" altLang="ko-KR" sz="2000" i="1"/>
+                                    <a:rPr lang="en-US" altLang="ko-KR" sz="2000" i="1">
+                                      <a:latin typeface="Cambria Math" panose="02040503050406030204" pitchFamily="18" charset="0"/>
+                                    </a:rPr>
                                     <m:t>𝑐</m:t>
                                   </m:r>
                                 </m:e>
                                 <m:sub>
                                   <m:r>
-                                    <a:rPr lang="en-US" altLang="ko-KR" sz="2000" i="1"/>
+                                    <a:rPr lang="en-US" altLang="ko-KR" sz="2000" i="1">
+                                      <a:latin typeface="Cambria Math" panose="02040503050406030204" pitchFamily="18" charset="0"/>
+                                    </a:rPr>
                                     <m:t>𝑖</m:t>
                                   </m:r>
                                 </m:sub>
                                 <m:sup>
                                   <m:r>
-                                    <a:rPr lang="en-US" altLang="ko-KR" sz="2000" i="1"/>
+                                    <a:rPr lang="en-US" altLang="ko-KR" sz="2000" i="1">
+                                      <a:latin typeface="Cambria Math" panose="02040503050406030204" pitchFamily="18" charset="0"/>
+                                    </a:rPr>
                                     <m:t>𝑡</m:t>
                                   </m:r>
                                 </m:sup>
                               </m:sSubSup>
                               <m:r>
-                                <a:rPr lang="en-US" altLang="ko-KR" sz="2000" i="1"/>
+                                <a:rPr lang="en-US" altLang="ko-KR" sz="2000" i="1">
+                                  <a:latin typeface="Cambria Math" panose="02040503050406030204" pitchFamily="18" charset="0"/>
+                                </a:rPr>
                                 <m:t> </m:t>
                               </m:r>
                               <m:r>
                                 <a:rPr lang="en-US" altLang="ko-KR" sz="2000" i="1">
+                                  <a:latin typeface="Cambria Math" panose="02040503050406030204" pitchFamily="18" charset="0"/>
                                   <a:ea typeface="Cambria Math" panose="02040503050406030204" pitchFamily="18" charset="0"/>
                                 </a:rPr>
                                 <m:t>≤</m:t>
@@ -25508,28 +32219,38 @@
                               <m:sSubSup>
                                 <m:sSubSupPr>
                                   <m:ctrlPr>
-                                    <a:rPr lang="en-US" altLang="ko-KR" sz="2000" i="1"/>
+                                    <a:rPr lang="en-US" altLang="ko-KR" sz="2000" i="1">
+                                      <a:latin typeface="Cambria Math" panose="02040503050406030204" pitchFamily="18" charset="0"/>
+                                    </a:rPr>
                                   </m:ctrlPr>
                                 </m:sSubSupPr>
                                 <m:e>
                                   <m:r>
-                                    <a:rPr lang="en-US" altLang="ko-KR" sz="2000" i="1"/>
+                                    <a:rPr lang="en-US" altLang="ko-KR" sz="2000" i="1">
+                                      <a:latin typeface="Cambria Math" panose="02040503050406030204" pitchFamily="18" charset="0"/>
+                                    </a:rPr>
                                     <m:t>𝑐</m:t>
                                   </m:r>
                                 </m:e>
                                 <m:sub>
                                   <m:r>
-                                    <a:rPr lang="en-US" altLang="ko-KR" sz="2000" i="1"/>
+                                    <a:rPr lang="en-US" altLang="ko-KR" sz="2000" i="1">
+                                      <a:latin typeface="Cambria Math" panose="02040503050406030204" pitchFamily="18" charset="0"/>
+                                    </a:rPr>
                                     <m:t>𝑖</m:t>
                                   </m:r>
                                 </m:sub>
                                 <m:sup>
                                   <m:r>
-                                    <a:rPr lang="en-US" altLang="ko-KR" sz="2000" i="1"/>
+                                    <a:rPr lang="en-US" altLang="ko-KR" sz="2000" i="1">
+                                      <a:latin typeface="Cambria Math" panose="02040503050406030204" pitchFamily="18" charset="0"/>
+                                    </a:rPr>
                                     <m:t>𝑡</m:t>
                                   </m:r>
                                   <m:r>
-                                    <a:rPr lang="en-US" altLang="ko-KR" sz="2000" i="1"/>
+                                    <a:rPr lang="en-US" altLang="ko-KR" sz="2000" i="1">
+                                      <a:latin typeface="Cambria Math" panose="02040503050406030204" pitchFamily="18" charset="0"/>
+                                    </a:rPr>
                                     <m:t>−1</m:t>
                                   </m:r>
                                 </m:sup>
@@ -25553,7 +32274,7 @@
               </p:txBody>
             </p:sp>
           </mc:Choice>
-          <mc:Fallback>
+          <mc:Fallback xmlns="">
             <p:sp>
               <p:nvSpPr>
                 <p:cNvPr id="6" name="TextBox 5">
@@ -25598,8 +32319,8 @@
             </p:sp>
           </mc:Fallback>
         </mc:AlternateContent>
-        <mc:AlternateContent xmlns:mc="http://schemas.openxmlformats.org/markup-compatibility/2006">
-          <mc:Choice xmlns:a14="http://schemas.microsoft.com/office/drawing/2010/main" Requires="a14">
+        <mc:AlternateContent xmlns:mc="http://schemas.openxmlformats.org/markup-compatibility/2006" xmlns:a14="http://schemas.microsoft.com/office/drawing/2010/main">
+          <mc:Choice Requires="a14">
             <p:sp>
               <p:nvSpPr>
                 <p:cNvPr id="9" name="TextBox 8">
@@ -25635,11 +32356,15 @@
                   <a14:m>
                     <m:oMath xmlns:m="http://schemas.openxmlformats.org/officeDocument/2006/math">
                       <m:r>
-                        <a:rPr lang="en-US" altLang="ko-KR" sz="2000" b="0" i="1" smtClean="0"/>
+                        <a:rPr lang="en-US" altLang="ko-KR" sz="2000" b="0" i="1" smtClean="0">
+                          <a:latin typeface="Cambria Math" panose="02040503050406030204" pitchFamily="18" charset="0"/>
+                        </a:rPr>
                         <m:t>𝑉</m:t>
                       </m:r>
                       <m:r>
-                        <a:rPr lang="en-US" altLang="ko-KR" sz="2000" b="0" i="1" smtClean="0"/>
+                        <a:rPr lang="en-US" altLang="ko-KR" sz="2000" b="0" i="1" smtClean="0">
+                          <a:latin typeface="Cambria Math" panose="02040503050406030204" pitchFamily="18" charset="0"/>
+                        </a:rPr>
                         <m:t>=</m:t>
                       </m:r>
                       <m:d>
@@ -25647,16 +32372,22 @@
                           <m:begChr m:val="{"/>
                           <m:endChr m:val="}"/>
                           <m:ctrlPr>
-                            <a:rPr lang="en-US" altLang="ko-KR" sz="2000" b="0" i="1" smtClean="0"/>
+                            <a:rPr lang="en-US" altLang="ko-KR" sz="2000" b="0" i="1" smtClean="0">
+                              <a:latin typeface="Cambria Math" panose="02040503050406030204" pitchFamily="18" charset="0"/>
+                            </a:rPr>
                           </m:ctrlPr>
                         </m:dPr>
                         <m:e>
                           <m:r>
-                            <a:rPr lang="en-US" altLang="ko-KR" sz="2000" b="0" i="1" smtClean="0"/>
+                            <a:rPr lang="en-US" altLang="ko-KR" sz="2000" b="0" i="1" smtClean="0">
+                              <a:latin typeface="Cambria Math" panose="02040503050406030204" pitchFamily="18" charset="0"/>
+                            </a:rPr>
                             <m:t>1,…,</m:t>
                           </m:r>
                           <m:r>
-                            <a:rPr lang="en-US" altLang="ko-KR" sz="2000" b="0" i="1" smtClean="0"/>
+                            <a:rPr lang="en-US" altLang="ko-KR" sz="2000" b="0" i="1" smtClean="0">
+                              <a:latin typeface="Cambria Math" panose="02040503050406030204" pitchFamily="18" charset="0"/>
+                            </a:rPr>
                             <m:t>𝑁</m:t>
                           </m:r>
                         </m:e>
@@ -25682,24 +32413,32 @@
                       <m:sSubSup>
                         <m:sSubSupPr>
                           <m:ctrlPr>
-                            <a:rPr lang="en-US" altLang="ko-KR" sz="2000" b="0" i="1" smtClean="0"/>
+                            <a:rPr lang="en-US" altLang="ko-KR" sz="2000" b="0" i="1" smtClean="0">
+                              <a:latin typeface="Cambria Math" panose="02040503050406030204" pitchFamily="18" charset="0"/>
+                            </a:rPr>
                           </m:ctrlPr>
                         </m:sSubSupPr>
                         <m:e>
                           <m:r>
-                            <a:rPr lang="en-US" altLang="ko-KR" sz="2000" b="0" i="1" smtClean="0"/>
+                            <a:rPr lang="en-US" altLang="ko-KR" sz="2000" b="0" i="1" smtClean="0">
+                              <a:latin typeface="Cambria Math" panose="02040503050406030204" pitchFamily="18" charset="0"/>
+                            </a:rPr>
                             <m:t>𝑦</m:t>
                           </m:r>
                         </m:e>
                         <m:sub>
                           <m:r>
-                            <a:rPr lang="en-US" altLang="ko-KR" sz="2000" b="0" i="1" smtClean="0"/>
+                            <a:rPr lang="en-US" altLang="ko-KR" sz="2000" b="0" i="1" smtClean="0">
+                              <a:latin typeface="Cambria Math" panose="02040503050406030204" pitchFamily="18" charset="0"/>
+                            </a:rPr>
                             <m:t>𝑖</m:t>
                           </m:r>
                         </m:sub>
                         <m:sup>
                           <m:r>
-                            <a:rPr lang="en-US" altLang="ko-KR" sz="2000" b="0" i="1" smtClean="0"/>
+                            <a:rPr lang="en-US" altLang="ko-KR" sz="2000" b="0" i="1" smtClean="0">
+                              <a:latin typeface="Cambria Math" panose="02040503050406030204" pitchFamily="18" charset="0"/>
+                            </a:rPr>
                             <m:t>𝑡</m:t>
                           </m:r>
                         </m:sup>
@@ -25713,15 +32452,21 @@
                   <a14:m>
                     <m:oMath xmlns:m="http://schemas.openxmlformats.org/officeDocument/2006/math">
                       <m:r>
-                        <a:rPr lang="en-US" altLang="ko-KR" sz="2000" b="0" i="1" smtClean="0"/>
+                        <a:rPr lang="en-US" altLang="ko-KR" sz="2000" b="0" i="1" smtClean="0">
+                          <a:latin typeface="Cambria Math" panose="02040503050406030204" pitchFamily="18" charset="0"/>
+                        </a:rPr>
                         <m:t>𝑖</m:t>
                       </m:r>
                       <m:r>
-                        <a:rPr lang="en-US" altLang="ko-KR" sz="2000" b="0" i="1" smtClean="0"/>
+                        <a:rPr lang="en-US" altLang="ko-KR" sz="2000" b="0" i="1" smtClean="0">
+                          <a:latin typeface="Cambria Math" panose="02040503050406030204" pitchFamily="18" charset="0"/>
+                        </a:rPr>
                         <m:t>∈</m:t>
                       </m:r>
                       <m:r>
-                        <a:rPr lang="en-US" altLang="ko-KR" sz="2000" b="0" i="1" smtClean="0"/>
+                        <a:rPr lang="en-US" altLang="ko-KR" sz="2000" b="0" i="1" smtClean="0">
+                          <a:latin typeface="Cambria Math" panose="02040503050406030204" pitchFamily="18" charset="0"/>
+                        </a:rPr>
                         <m:t>𝑉</m:t>
                       </m:r>
                     </m:oMath>
@@ -25733,7 +32478,9 @@
                   <a14:m>
                     <m:oMath xmlns:m="http://schemas.openxmlformats.org/officeDocument/2006/math">
                       <m:r>
-                        <a:rPr lang="en-US" altLang="ko-KR" sz="2000" b="0" i="1" smtClean="0"/>
+                        <a:rPr lang="en-US" altLang="ko-KR" sz="2000" b="0" i="1" smtClean="0">
+                          <a:latin typeface="Cambria Math" panose="02040503050406030204" pitchFamily="18" charset="0"/>
+                        </a:rPr>
                         <m:t>𝑡</m:t>
                       </m:r>
                     </m:oMath>
@@ -25751,7 +32498,7 @@
               </p:txBody>
             </p:sp>
           </mc:Choice>
-          <mc:Fallback>
+          <mc:Fallback xmlns="">
             <p:sp>
               <p:nvSpPr>
                 <p:cNvPr id="9" name="TextBox 8">
@@ -26637,8 +33384,8 @@
             </a:p>
           </p:txBody>
         </p:sp>
-        <mc:AlternateContent xmlns:mc="http://schemas.openxmlformats.org/markup-compatibility/2006">
-          <mc:Choice xmlns:a14="http://schemas.microsoft.com/office/drawing/2010/main" Requires="a14">
+        <mc:AlternateContent xmlns:mc="http://schemas.openxmlformats.org/markup-compatibility/2006" xmlns:a14="http://schemas.microsoft.com/office/drawing/2010/main">
+          <mc:Choice Requires="a14">
             <p:sp>
               <p:nvSpPr>
                 <p:cNvPr id="29" name="TextBox 28">
@@ -26690,6 +33437,7 @@
                               <a:solidFill>
                                 <a:schemeClr val="tx1"/>
                               </a:solidFill>
+                              <a:latin typeface="Cambria Math" panose="02040503050406030204" pitchFamily="18" charset="0"/>
                             </a:rPr>
                           </m:ctrlPr>
                         </m:sSubSupPr>
@@ -26699,6 +33447,7 @@
                               <a:solidFill>
                                 <a:schemeClr val="tx1"/>
                               </a:solidFill>
+                              <a:latin typeface="Cambria Math" panose="02040503050406030204" pitchFamily="18" charset="0"/>
                             </a:rPr>
                             <m:t>𝑋</m:t>
                           </m:r>
@@ -26709,6 +33458,7 @@
                               <a:solidFill>
                                 <a:schemeClr val="tx1"/>
                               </a:solidFill>
+                              <a:latin typeface="Cambria Math" panose="02040503050406030204" pitchFamily="18" charset="0"/>
                             </a:rPr>
                             <m:t>𝑖</m:t>
                           </m:r>
@@ -26719,6 +33469,7 @@
                               <a:solidFill>
                                 <a:schemeClr val="tx1"/>
                               </a:solidFill>
+                              <a:latin typeface="Cambria Math" panose="02040503050406030204" pitchFamily="18" charset="0"/>
                             </a:rPr>
                             <m:t>[</m:t>
                           </m:r>
@@ -26727,6 +33478,7 @@
                               <a:solidFill>
                                 <a:schemeClr val="tx1"/>
                               </a:solidFill>
+                              <a:latin typeface="Cambria Math" panose="02040503050406030204" pitchFamily="18" charset="0"/>
                             </a:rPr>
                             <m:t>𝑡</m:t>
                           </m:r>
@@ -26735,6 +33487,7 @@
                               <a:solidFill>
                                 <a:schemeClr val="tx1"/>
                               </a:solidFill>
+                              <a:latin typeface="Cambria Math" panose="02040503050406030204" pitchFamily="18" charset="0"/>
                             </a:rPr>
                             <m:t>−</m:t>
                           </m:r>
@@ -26743,6 +33496,7 @@
                               <a:solidFill>
                                 <a:schemeClr val="tx1"/>
                               </a:solidFill>
+                              <a:latin typeface="Cambria Math" panose="02040503050406030204" pitchFamily="18" charset="0"/>
                             </a:rPr>
                             <m:t>𝑇</m:t>
                           </m:r>
@@ -26751,6 +33505,7 @@
                               <a:solidFill>
                                 <a:schemeClr val="tx1"/>
                               </a:solidFill>
+                              <a:latin typeface="Cambria Math" panose="02040503050406030204" pitchFamily="18" charset="0"/>
                             </a:rPr>
                             <m:t>;</m:t>
                           </m:r>
@@ -26759,6 +33514,7 @@
                               <a:solidFill>
                                 <a:schemeClr val="tx1"/>
                               </a:solidFill>
+                              <a:latin typeface="Cambria Math" panose="02040503050406030204" pitchFamily="18" charset="0"/>
                             </a:rPr>
                             <m:t>𝑡</m:t>
                           </m:r>
@@ -26767,6 +33523,7 @@
                               <a:solidFill>
                                 <a:schemeClr val="tx1"/>
                               </a:solidFill>
+                              <a:latin typeface="Cambria Math" panose="02040503050406030204" pitchFamily="18" charset="0"/>
                             </a:rPr>
                             <m:t>]</m:t>
                           </m:r>
@@ -26777,6 +33534,7 @@
                           <a:solidFill>
                             <a:schemeClr val="tx1"/>
                           </a:solidFill>
+                          <a:latin typeface="Cambria Math" panose="02040503050406030204" pitchFamily="18" charset="0"/>
                         </a:rPr>
                         <m:t>=</m:t>
                       </m:r>
@@ -26789,6 +33547,7 @@
                               <a:solidFill>
                                 <a:schemeClr val="tx1"/>
                               </a:solidFill>
+                              <a:latin typeface="Cambria Math" panose="02040503050406030204" pitchFamily="18" charset="0"/>
                             </a:rPr>
                           </m:ctrlPr>
                         </m:dPr>
@@ -26800,6 +33559,7 @@
                                   <a:solidFill>
                                     <a:schemeClr val="tx1"/>
                                   </a:solidFill>
+                                  <a:latin typeface="Cambria Math" panose="02040503050406030204" pitchFamily="18" charset="0"/>
                                 </a:rPr>
                               </m:ctrlPr>
                             </m:sSubSupPr>
@@ -26809,6 +33569,7 @@
                                   <a:solidFill>
                                     <a:schemeClr val="tx1"/>
                                   </a:solidFill>
+                                  <a:latin typeface="Cambria Math" panose="02040503050406030204" pitchFamily="18" charset="0"/>
                                 </a:rPr>
                                 <m:t>𝑥</m:t>
                               </m:r>
@@ -26819,6 +33580,7 @@
                                   <a:solidFill>
                                     <a:schemeClr val="tx1"/>
                                   </a:solidFill>
+                                  <a:latin typeface="Cambria Math" panose="02040503050406030204" pitchFamily="18" charset="0"/>
                                 </a:rPr>
                                 <m:t>𝑖</m:t>
                               </m:r>
@@ -26833,6 +33595,7 @@
                                       <a:solidFill>
                                         <a:schemeClr val="tx1"/>
                                       </a:solidFill>
+                                      <a:latin typeface="Cambria Math" panose="02040503050406030204" pitchFamily="18" charset="0"/>
                                     </a:rPr>
                                   </m:ctrlPr>
                                 </m:dPr>
@@ -26842,6 +33605,7 @@
                                       <a:solidFill>
                                         <a:schemeClr val="tx1"/>
                                       </a:solidFill>
+                                      <a:latin typeface="Cambria Math" panose="02040503050406030204" pitchFamily="18" charset="0"/>
                                     </a:rPr>
                                     <m:t>𝑡</m:t>
                                   </m:r>
@@ -26850,6 +33614,7 @@
                                       <a:solidFill>
                                         <a:schemeClr val="tx1"/>
                                       </a:solidFill>
+                                      <a:latin typeface="Cambria Math" panose="02040503050406030204" pitchFamily="18" charset="0"/>
                                     </a:rPr>
                                     <m:t>−</m:t>
                                   </m:r>
@@ -26858,6 +33623,7 @@
                                       <a:solidFill>
                                         <a:schemeClr val="tx1"/>
                                       </a:solidFill>
+                                      <a:latin typeface="Cambria Math" panose="02040503050406030204" pitchFamily="18" charset="0"/>
                                     </a:rPr>
                                     <m:t>𝑇</m:t>
                                   </m:r>
@@ -26870,6 +33636,7 @@
                               <a:solidFill>
                                 <a:schemeClr val="tx1"/>
                               </a:solidFill>
+                              <a:latin typeface="Cambria Math" panose="02040503050406030204" pitchFamily="18" charset="0"/>
                             </a:rPr>
                             <m:t>,…,</m:t>
                           </m:r>
@@ -26880,6 +33647,7 @@
                                   <a:solidFill>
                                     <a:schemeClr val="tx1"/>
                                   </a:solidFill>
+                                  <a:latin typeface="Cambria Math" panose="02040503050406030204" pitchFamily="18" charset="0"/>
                                 </a:rPr>
                               </m:ctrlPr>
                             </m:sSubSupPr>
@@ -26889,6 +33657,7 @@
                                   <a:solidFill>
                                     <a:schemeClr val="tx1"/>
                                   </a:solidFill>
+                                  <a:latin typeface="Cambria Math" panose="02040503050406030204" pitchFamily="18" charset="0"/>
                                 </a:rPr>
                                 <m:t>𝑥</m:t>
                               </m:r>
@@ -26899,6 +33668,7 @@
                                   <a:solidFill>
                                     <a:schemeClr val="tx1"/>
                                   </a:solidFill>
+                                  <a:latin typeface="Cambria Math" panose="02040503050406030204" pitchFamily="18" charset="0"/>
                                 </a:rPr>
                                 <m:t>𝑖</m:t>
                               </m:r>
@@ -26909,6 +33679,7 @@
                                   <a:solidFill>
                                     <a:schemeClr val="tx1"/>
                                   </a:solidFill>
+                                  <a:latin typeface="Cambria Math" panose="02040503050406030204" pitchFamily="18" charset="0"/>
                                 </a:rPr>
                                 <m:t>𝑡</m:t>
                               </m:r>
@@ -26917,16 +33688,9 @@
                                   <a:solidFill>
                                     <a:schemeClr val="tx1"/>
                                   </a:solidFill>
+                                  <a:latin typeface="Cambria Math" panose="02040503050406030204" pitchFamily="18" charset="0"/>
                                 </a:rPr>
-                                <m:t>−</m:t>
-                              </m:r>
-                              <m:r>
-                                <a:rPr lang="en-US" altLang="ko-KR" b="0" i="1" smtClean="0">
-                                  <a:solidFill>
-                                    <a:schemeClr val="tx1"/>
-                                  </a:solidFill>
-                                </a:rPr>
-                                <m:t>1</m:t>
+                                <m:t>−1</m:t>
                               </m:r>
                             </m:sup>
                           </m:sSubSup>
@@ -26949,6 +33713,7 @@
                           <a:solidFill>
                             <a:schemeClr val="tx1"/>
                           </a:solidFill>
+                          <a:latin typeface="Cambria Math" panose="02040503050406030204" pitchFamily="18" charset="0"/>
                         </a:rPr>
                         <m:t>𝑖</m:t>
                       </m:r>
@@ -26957,6 +33722,7 @@
                           <a:solidFill>
                             <a:schemeClr val="tx1"/>
                           </a:solidFill>
+                          <a:latin typeface="Cambria Math" panose="02040503050406030204" pitchFamily="18" charset="0"/>
                         </a:rPr>
                         <m:t>∈</m:t>
                       </m:r>
@@ -26965,6 +33731,7 @@
                           <a:solidFill>
                             <a:schemeClr val="tx1"/>
                           </a:solidFill>
+                          <a:latin typeface="Cambria Math" panose="02040503050406030204" pitchFamily="18" charset="0"/>
                         </a:rPr>
                         <m:t>𝑉</m:t>
                       </m:r>
@@ -27003,6 +33770,7 @@
                               <a:lumMod val="50000"/>
                             </a:schemeClr>
                           </a:solidFill>
+                          <a:latin typeface="Cambria Math" panose="02040503050406030204" pitchFamily="18" charset="0"/>
                         </a:rPr>
                         <m:t>𝑖</m:t>
                       </m:r>
@@ -27027,6 +33795,7 @@
                               <a:lumMod val="50000"/>
                             </a:schemeClr>
                           </a:solidFill>
+                          <a:latin typeface="Cambria Math" panose="02040503050406030204" pitchFamily="18" charset="0"/>
                         </a:rPr>
                         <m:t>𝑇</m:t>
                       </m:r>
@@ -27094,7 +33863,7 @@
               </p:txBody>
             </p:sp>
           </mc:Choice>
-          <mc:Fallback>
+          <mc:Fallback xmlns="">
             <p:sp>
               <p:nvSpPr>
                 <p:cNvPr id="29" name="TextBox 28">
@@ -27241,8 +34010,8 @@
             </a:p>
           </p:txBody>
         </p:sp>
-        <mc:AlternateContent xmlns:mc="http://schemas.openxmlformats.org/markup-compatibility/2006">
-          <mc:Choice xmlns:a14="http://schemas.microsoft.com/office/drawing/2010/main" Requires="a14">
+        <mc:AlternateContent xmlns:mc="http://schemas.openxmlformats.org/markup-compatibility/2006" xmlns:a14="http://schemas.microsoft.com/office/drawing/2010/main">
+          <mc:Choice Requires="a14">
             <p:sp>
               <p:nvSpPr>
                 <p:cNvPr id="32" name="TextBox 31">
@@ -27294,6 +34063,7 @@
                               <a:solidFill>
                                 <a:schemeClr val="tx1"/>
                               </a:solidFill>
+                              <a:latin typeface="Cambria Math" panose="02040503050406030204" pitchFamily="18" charset="0"/>
                             </a:rPr>
                           </m:ctrlPr>
                         </m:sSubSupPr>
@@ -27303,6 +34073,7 @@
                               <a:solidFill>
                                 <a:schemeClr val="tx1"/>
                               </a:solidFill>
+                              <a:latin typeface="Cambria Math" panose="02040503050406030204" pitchFamily="18" charset="0"/>
                             </a:rPr>
                             <m:t>𝐼</m:t>
                           </m:r>
@@ -27313,6 +34084,7 @@
                               <a:solidFill>
                                 <a:schemeClr val="tx1"/>
                               </a:solidFill>
+                              <a:latin typeface="Cambria Math" panose="02040503050406030204" pitchFamily="18" charset="0"/>
                             </a:rPr>
                             <m:t>𝑖</m:t>
                           </m:r>
@@ -27323,6 +34095,7 @@
                               <a:solidFill>
                                 <a:schemeClr val="tx1"/>
                               </a:solidFill>
+                              <a:latin typeface="Cambria Math" panose="02040503050406030204" pitchFamily="18" charset="0"/>
                             </a:rPr>
                             <m:t>𝑡</m:t>
                           </m:r>
@@ -27331,16 +34104,9 @@
                               <a:solidFill>
                                 <a:schemeClr val="tx1"/>
                               </a:solidFill>
+                              <a:latin typeface="Cambria Math" panose="02040503050406030204" pitchFamily="18" charset="0"/>
                             </a:rPr>
-                            <m:t>−</m:t>
-                          </m:r>
-                          <m:r>
-                            <a:rPr lang="en-US" altLang="ko-KR" b="0" i="1" smtClean="0">
-                              <a:solidFill>
-                                <a:schemeClr val="tx1"/>
-                              </a:solidFill>
-                            </a:rPr>
-                            <m:t>1</m:t>
+                            <m:t>−1</m:t>
                           </m:r>
                         </m:sup>
                       </m:sSubSup>
@@ -27349,6 +34115,7 @@
                           <a:solidFill>
                             <a:schemeClr val="tx1"/>
                           </a:solidFill>
+                          <a:latin typeface="Cambria Math" panose="02040503050406030204" pitchFamily="18" charset="0"/>
                         </a:rPr>
                         <m:t>∈ </m:t>
                       </m:r>
@@ -27359,6 +34126,7 @@
                               <a:solidFill>
                                 <a:schemeClr val="tx1"/>
                               </a:solidFill>
+                              <a:latin typeface="Cambria Math" panose="02040503050406030204" pitchFamily="18" charset="0"/>
                               <a:ea typeface="Cambria Math" panose="02040503050406030204" pitchFamily="18" charset="0"/>
                             </a:rPr>
                           </m:ctrlPr>
@@ -27369,6 +34137,7 @@
                               <m:lit/>
                             </m:rPr>
                             <a:rPr lang="en-US" altLang="ko-KR" i="1">
+                              <a:latin typeface="Cambria Math" panose="02040503050406030204" pitchFamily="18" charset="0"/>
                               <a:ea typeface="Cambria Math" panose="02040503050406030204" pitchFamily="18" charset="0"/>
                             </a:rPr>
                             <m:t>ℝ</m:t>
@@ -27379,6 +34148,7 @@
                             <m:sSubPr>
                               <m:ctrlPr>
                                 <a:rPr lang="en-US" altLang="ko-KR" b="0" i="1" smtClean="0">
+                                  <a:latin typeface="Cambria Math" panose="02040503050406030204" pitchFamily="18" charset="0"/>
                                   <a:ea typeface="Cambria Math" panose="02040503050406030204" pitchFamily="18" charset="0"/>
                                 </a:rPr>
                               </m:ctrlPr>
@@ -27386,6 +34156,7 @@
                             <m:e>
                               <m:r>
                                 <a:rPr lang="en-US" altLang="ko-KR" b="0" i="1" smtClean="0">
+                                  <a:latin typeface="Cambria Math" panose="02040503050406030204" pitchFamily="18" charset="0"/>
                                   <a:ea typeface="Cambria Math" panose="02040503050406030204" pitchFamily="18" charset="0"/>
                                 </a:rPr>
                                 <m:t>𝑑</m:t>
@@ -27394,6 +34165,7 @@
                             <m:sub>
                               <m:r>
                                 <a:rPr lang="en-US" altLang="ko-KR" b="0" i="1" smtClean="0">
+                                  <a:latin typeface="Cambria Math" panose="02040503050406030204" pitchFamily="18" charset="0"/>
                                   <a:ea typeface="Cambria Math" panose="02040503050406030204" pitchFamily="18" charset="0"/>
                                 </a:rPr>
                                 <m:t>𝑓</m:t>
@@ -27404,6 +34176,7 @@
                       </m:sSup>
                       <m:r>
                         <a:rPr lang="en-US" altLang="ko-KR" b="0" i="1" smtClean="0">
+                          <a:latin typeface="Cambria Math" panose="02040503050406030204" pitchFamily="18" charset="0"/>
                           <a:ea typeface="Cambria Math" panose="02040503050406030204" pitchFamily="18" charset="0"/>
                         </a:rPr>
                         <m:t>  </m:t>
@@ -27425,6 +34198,7 @@
                           <a:solidFill>
                             <a:schemeClr val="tx1"/>
                           </a:solidFill>
+                          <a:latin typeface="Cambria Math" panose="02040503050406030204" pitchFamily="18" charset="0"/>
                         </a:rPr>
                         <m:t>𝑖</m:t>
                       </m:r>
@@ -27433,6 +34207,7 @@
                           <a:solidFill>
                             <a:schemeClr val="tx1"/>
                           </a:solidFill>
+                          <a:latin typeface="Cambria Math" panose="02040503050406030204" pitchFamily="18" charset="0"/>
                         </a:rPr>
                         <m:t>∈</m:t>
                       </m:r>
@@ -27441,6 +34216,7 @@
                           <a:solidFill>
                             <a:schemeClr val="tx1"/>
                           </a:solidFill>
+                          <a:latin typeface="Cambria Math" panose="02040503050406030204" pitchFamily="18" charset="0"/>
                         </a:rPr>
                         <m:t>𝑉</m:t>
                       </m:r>
@@ -27493,7 +34269,7 @@
               </p:txBody>
             </p:sp>
           </mc:Choice>
-          <mc:Fallback>
+          <mc:Fallback xmlns="">
             <p:sp>
               <p:nvSpPr>
                 <p:cNvPr id="32" name="TextBox 31">
